--- a/slides/Tag-1_2-Motivation_Hello_Wicket.pptx
+++ b/slides/Tag-1_2-Motivation_Hello_Wicket.pptx
@@ -126,6 +126,11 @@
       </a:defRPr>
     </a:lvl9pPr>
   </p:defaultTextStyle>
+  <p:extLst>
+    <p:ext uri="{EFAFB233-063F-42B5-8137-9DF3F51BA10A}">
+      <p15:sldGuideLst xmlns:p15="http://schemas.microsoft.com/office/powerpoint/2012/main"/>
+    </p:ext>
+  </p:extLst>
 </p:presentation>
 </file>
 
@@ -10092,6 +10097,15 @@
               <a:rPr dirty="0"/>
             </a:br>
             <a:r>
+              <a:rPr lang="de-DE" sz="1400" spc="-1" dirty="0">
+                <a:solidFill>
+                  <a:srgbClr val="000000"/>
+                </a:solidFill>
+                <a:latin typeface="DejaVu Sans Mono"/>
+              </a:rPr>
+              <a:t>    </a:t>
+            </a:r>
+            <a:r>
               <a:rPr lang="de-DE" sz="1400" b="0" strike="noStrike" spc="-1" dirty="0">
                 <a:solidFill>
                   <a:srgbClr val="000000"/>
@@ -10099,7 +10113,7 @@
                 <a:latin typeface="DejaVu Sans Mono"/>
                 <a:ea typeface="DejaVu Sans Mono"/>
               </a:rPr>
-              <a:t>	&lt;</a:t>
+              <a:t>&lt;</a:t>
             </a:r>
             <a:r>
               <a:rPr lang="de-DE" sz="1400" b="1" strike="noStrike" spc="-1" dirty="0">
@@ -10145,6 +10159,15 @@
               <a:rPr dirty="0"/>
             </a:br>
             <a:r>
+              <a:rPr lang="de-DE" sz="1400" spc="-1" dirty="0">
+                <a:solidFill>
+                  <a:srgbClr val="000000"/>
+                </a:solidFill>
+                <a:latin typeface="DejaVu Sans Mono"/>
+              </a:rPr>
+              <a:t>    </a:t>
+            </a:r>
+            <a:r>
               <a:rPr lang="de-DE" sz="1400" b="0" strike="noStrike" spc="-1" dirty="0">
                 <a:solidFill>
                   <a:srgbClr val="000000"/>
@@ -10152,7 +10175,7 @@
                 <a:latin typeface="DejaVu Sans Mono"/>
                 <a:ea typeface="DejaVu Sans Mono"/>
               </a:rPr>
-              <a:t>	Dieser &lt;</a:t>
+              <a:t>Dieser &lt;</a:t>
             </a:r>
             <a:r>
               <a:rPr lang="de-DE" sz="1400" b="1" strike="noStrike" spc="-1" dirty="0">
@@ -10202,7 +10225,27 @@
                 <a:latin typeface="DejaVu Sans Mono"/>
                 <a:ea typeface="DejaVu Sans Mono"/>
               </a:rPr>
-              <a:t>"link-link" </a:t>
+              <a:t>"</a:t>
+            </a:r>
+            <a:r>
+              <a:rPr lang="de-DE" sz="1400" b="1" strike="noStrike" spc="-1" dirty="0">
+                <a:solidFill>
+                  <a:srgbClr val="FF0000"/>
+                </a:solidFill>
+                <a:latin typeface="DejaVu Sans Mono"/>
+                <a:ea typeface="DejaVu Sans Mono"/>
+              </a:rPr>
+              <a:t>link-link</a:t>
+            </a:r>
+            <a:r>
+              <a:rPr lang="de-DE" sz="1400" b="1" strike="noStrike" spc="-1" dirty="0">
+                <a:solidFill>
+                  <a:srgbClr val="008000"/>
+                </a:solidFill>
+                <a:latin typeface="DejaVu Sans Mono"/>
+                <a:ea typeface="DejaVu Sans Mono"/>
+              </a:rPr>
+              <a:t>" </a:t>
             </a:r>
             <a:r>
               <a:rPr lang="de-DE" sz="1400" b="1" strike="noStrike" spc="-1" dirty="0" err="1">
@@ -10268,6 +10311,15 @@
               <a:rPr dirty="0"/>
             </a:br>
             <a:r>
+              <a:rPr lang="de-DE" sz="1400" spc="-1" dirty="0">
+                <a:solidFill>
+                  <a:srgbClr val="000000"/>
+                </a:solidFill>
+                <a:latin typeface="DejaVu Sans Mono"/>
+              </a:rPr>
+              <a:t>    </a:t>
+            </a:r>
+            <a:r>
               <a:rPr lang="de-DE" sz="1400" b="0" strike="noStrike" spc="-1" dirty="0">
                 <a:solidFill>
                   <a:srgbClr val="000000"/>
@@ -10275,7 +10327,7 @@
                 <a:latin typeface="DejaVu Sans Mono"/>
                 <a:ea typeface="DejaVu Sans Mono"/>
               </a:rPr>
-              <a:t>	wurde &lt;</a:t>
+              <a:t>wurde &lt;</a:t>
             </a:r>
             <a:r>
               <a:rPr lang="de-DE" sz="1400" b="1" strike="noStrike" spc="-1" dirty="0">
@@ -10325,7 +10377,27 @@
                 <a:latin typeface="DejaVu Sans Mono"/>
                 <a:ea typeface="DejaVu Sans Mono"/>
               </a:rPr>
-              <a:t>"link-label"</a:t>
+              <a:t>"</a:t>
+            </a:r>
+            <a:r>
+              <a:rPr lang="de-DE" sz="1400" b="1" strike="noStrike" spc="-1" dirty="0">
+                <a:solidFill>
+                  <a:srgbClr val="FF0000"/>
+                </a:solidFill>
+                <a:latin typeface="DejaVu Sans Mono"/>
+                <a:ea typeface="DejaVu Sans Mono"/>
+              </a:rPr>
+              <a:t>link-label</a:t>
+            </a:r>
+            <a:r>
+              <a:rPr lang="de-DE" sz="1400" b="1" strike="noStrike" spc="-1" dirty="0">
+                <a:solidFill>
+                  <a:srgbClr val="008000"/>
+                </a:solidFill>
+                <a:latin typeface="DejaVu Sans Mono"/>
+                <a:ea typeface="DejaVu Sans Mono"/>
+              </a:rPr>
+              <a:t>"</a:t>
             </a:r>
             <a:r>
               <a:rPr lang="de-DE" sz="1400" b="0" strike="noStrike" spc="-1" dirty="0">
@@ -10374,6 +10446,15 @@
               <a:rPr dirty="0"/>
             </a:br>
             <a:r>
+              <a:rPr lang="de-DE" sz="1400" spc="-1" dirty="0">
+                <a:solidFill>
+                  <a:srgbClr val="000000"/>
+                </a:solidFill>
+                <a:latin typeface="DejaVu Sans Mono"/>
+              </a:rPr>
+              <a:t>    </a:t>
+            </a:r>
+            <a:r>
               <a:rPr lang="de-DE" sz="1400" b="0" strike="noStrike" spc="-1" dirty="0">
                 <a:solidFill>
                   <a:srgbClr val="000000"/>
@@ -10381,7 +10462,7 @@
                 <a:latin typeface="DejaVu Sans Mono"/>
                 <a:ea typeface="DejaVu Sans Mono"/>
               </a:rPr>
-              <a:t>	Dieser &lt;</a:t>
+              <a:t>Dieser &lt;</a:t>
             </a:r>
             <a:r>
               <a:rPr lang="de-DE" sz="1400" b="1" strike="noStrike" spc="-1" dirty="0">
@@ -10436,22 +10517,32 @@
             <a:r>
               <a:rPr lang="de-DE" sz="1400" b="1" strike="noStrike" spc="-1" dirty="0" err="1">
                 <a:solidFill>
+                  <a:srgbClr val="FF0000"/>
+                </a:solidFill>
+                <a:latin typeface="DejaVu Sans Mono"/>
+                <a:ea typeface="DejaVu Sans Mono"/>
+              </a:rPr>
+              <a:t>ajax</a:t>
+            </a:r>
+            <a:r>
+              <a:rPr lang="de-DE" sz="1400" b="1" strike="noStrike" spc="-1" dirty="0">
+                <a:solidFill>
+                  <a:srgbClr val="FF0000"/>
+                </a:solidFill>
+                <a:latin typeface="DejaVu Sans Mono"/>
+                <a:ea typeface="DejaVu Sans Mono"/>
+              </a:rPr>
+              <a:t>-link-link</a:t>
+            </a:r>
+            <a:r>
+              <a:rPr lang="de-DE" sz="1400" b="1" strike="noStrike" spc="-1" dirty="0">
+                <a:solidFill>
                   <a:srgbClr val="008000"/>
                 </a:solidFill>
                 <a:latin typeface="DejaVu Sans Mono"/>
                 <a:ea typeface="DejaVu Sans Mono"/>
               </a:rPr>
-              <a:t>ajax</a:t>
-            </a:r>
-            <a:r>
-              <a:rPr lang="de-DE" sz="1400" b="1" strike="noStrike" spc="-1" dirty="0">
-                <a:solidFill>
-                  <a:srgbClr val="008000"/>
-                </a:solidFill>
-                <a:latin typeface="DejaVu Sans Mono"/>
-                <a:ea typeface="DejaVu Sans Mono"/>
-              </a:rPr>
-              <a:t>-link-link" </a:t>
+              <a:t>" </a:t>
             </a:r>
             <a:r>
               <a:rPr lang="de-DE" sz="1400" b="1" strike="noStrike" spc="-1" dirty="0" err="1">
@@ -10517,6 +10608,15 @@
               <a:rPr dirty="0"/>
             </a:br>
             <a:r>
+              <a:rPr lang="de-DE" sz="1400" spc="-1" dirty="0">
+                <a:solidFill>
+                  <a:srgbClr val="000000"/>
+                </a:solidFill>
+                <a:latin typeface="DejaVu Sans Mono"/>
+              </a:rPr>
+              <a:t>    </a:t>
+            </a:r>
+            <a:r>
               <a:rPr lang="de-DE" sz="1400" b="0" strike="noStrike" spc="-1" dirty="0">
                 <a:solidFill>
                   <a:srgbClr val="000000"/>
@@ -10524,7 +10624,7 @@
                 <a:latin typeface="DejaVu Sans Mono"/>
                 <a:ea typeface="DejaVu Sans Mono"/>
               </a:rPr>
-              <a:t>	wurde &lt;</a:t>
+              <a:t>wurde &lt;</a:t>
             </a:r>
             <a:r>
               <a:rPr lang="de-DE" sz="1400" b="1" strike="noStrike" spc="-1" dirty="0">
@@ -10579,22 +10679,32 @@
             <a:r>
               <a:rPr lang="de-DE" sz="1400" b="1" strike="noStrike" spc="-1" dirty="0" err="1">
                 <a:solidFill>
+                  <a:srgbClr val="FF0000"/>
+                </a:solidFill>
+                <a:latin typeface="DejaVu Sans Mono"/>
+                <a:ea typeface="DejaVu Sans Mono"/>
+              </a:rPr>
+              <a:t>ajax</a:t>
+            </a:r>
+            <a:r>
+              <a:rPr lang="de-DE" sz="1400" b="1" strike="noStrike" spc="-1" dirty="0">
+                <a:solidFill>
+                  <a:srgbClr val="FF0000"/>
+                </a:solidFill>
+                <a:latin typeface="DejaVu Sans Mono"/>
+                <a:ea typeface="DejaVu Sans Mono"/>
+              </a:rPr>
+              <a:t>-link-label</a:t>
+            </a:r>
+            <a:r>
+              <a:rPr lang="de-DE" sz="1400" b="1" strike="noStrike" spc="-1" dirty="0">
+                <a:solidFill>
                   <a:srgbClr val="008000"/>
                 </a:solidFill>
                 <a:latin typeface="DejaVu Sans Mono"/>
                 <a:ea typeface="DejaVu Sans Mono"/>
               </a:rPr>
-              <a:t>ajax</a:t>
-            </a:r>
-            <a:r>
-              <a:rPr lang="de-DE" sz="1400" b="1" strike="noStrike" spc="-1" dirty="0">
-                <a:solidFill>
-                  <a:srgbClr val="008000"/>
-                </a:solidFill>
-                <a:latin typeface="DejaVu Sans Mono"/>
-                <a:ea typeface="DejaVu Sans Mono"/>
-              </a:rPr>
-              <a:t>-link-label"</a:t>
+              <a:t>"</a:t>
             </a:r>
             <a:r>
               <a:rPr lang="de-DE" sz="1400" b="0" strike="noStrike" spc="-1" dirty="0">
@@ -10830,14 +10940,13 @@
               <a:rPr sz="1000" dirty="0"/>
             </a:br>
             <a:r>
-              <a:rPr lang="de-DE" sz="1000" b="0" strike="noStrike" spc="-1" dirty="0">
-                <a:solidFill>
-                  <a:srgbClr val="000000"/>
-                </a:solidFill>
-                <a:latin typeface="DejaVu Sans Mono"/>
-                <a:ea typeface="DejaVu Sans Mono"/>
-              </a:rPr>
-              <a:t>	</a:t>
+              <a:rPr lang="de-DE" sz="1000" spc="-1" dirty="0">
+                <a:solidFill>
+                  <a:srgbClr val="000000"/>
+                </a:solidFill>
+                <a:latin typeface="DejaVu Sans Mono"/>
+              </a:rPr>
+              <a:t>    </a:t>
             </a:r>
             <a:r>
               <a:rPr lang="de-DE" sz="1000" b="1" strike="noStrike" spc="-1" dirty="0" err="1">
@@ -10893,14 +11002,13 @@
               <a:rPr sz="1000" dirty="0"/>
             </a:br>
             <a:r>
-              <a:rPr lang="de-DE" sz="1000" b="0" strike="noStrike" spc="-1" dirty="0">
-                <a:solidFill>
-                  <a:srgbClr val="000000"/>
-                </a:solidFill>
-                <a:latin typeface="DejaVu Sans Mono"/>
-                <a:ea typeface="DejaVu Sans Mono"/>
-              </a:rPr>
-              <a:t>	</a:t>
+              <a:rPr lang="de-DE" sz="1000" spc="-1" dirty="0">
+                <a:solidFill>
+                  <a:srgbClr val="000000"/>
+                </a:solidFill>
+                <a:latin typeface="DejaVu Sans Mono"/>
+              </a:rPr>
+              <a:t>    </a:t>
             </a:r>
             <a:r>
               <a:rPr lang="de-DE" sz="1000" b="1" strike="noStrike" spc="-1" dirty="0" err="1">
@@ -10959,6 +11067,15 @@
               <a:rPr sz="1000" dirty="0"/>
             </a:br>
             <a:r>
+              <a:rPr lang="de-DE" sz="1000" spc="-1" dirty="0">
+                <a:solidFill>
+                  <a:srgbClr val="000000"/>
+                </a:solidFill>
+                <a:latin typeface="DejaVu Sans Mono"/>
+              </a:rPr>
+              <a:t>    </a:t>
+            </a:r>
+            <a:r>
               <a:rPr lang="de-DE" sz="1000" b="0" strike="noStrike" spc="-1" dirty="0">
                 <a:solidFill>
                   <a:srgbClr val="000000"/>
@@ -10966,7 +11083,7 @@
                 <a:latin typeface="DejaVu Sans Mono"/>
                 <a:ea typeface="DejaVu Sans Mono"/>
               </a:rPr>
-              <a:t>	Model&lt;Integer&gt; </a:t>
+              <a:t>Model&lt;Integer&gt; </a:t>
             </a:r>
             <a:r>
               <a:rPr lang="de-DE" sz="1000" b="0" strike="noStrike" spc="-1" dirty="0" err="1">
@@ -11042,6 +11159,15 @@
               <a:rPr sz="1000" dirty="0"/>
             </a:br>
             <a:r>
+              <a:rPr lang="de-DE" sz="1000" spc="-1" dirty="0">
+                <a:solidFill>
+                  <a:srgbClr val="000000"/>
+                </a:solidFill>
+                <a:latin typeface="DejaVu Sans Mono"/>
+              </a:rPr>
+              <a:t>    </a:t>
+            </a:r>
+            <a:r>
               <a:rPr lang="de-DE" sz="1000" b="0" strike="noStrike" spc="-1" dirty="0">
                 <a:solidFill>
                   <a:srgbClr val="000000"/>
@@ -11049,7 +11175,7 @@
                 <a:latin typeface="DejaVu Sans Mono"/>
                 <a:ea typeface="DejaVu Sans Mono"/>
               </a:rPr>
-              <a:t>	Model&lt;Integer&gt; </a:t>
+              <a:t>Model&lt;Integer&gt; </a:t>
             </a:r>
             <a:r>
               <a:rPr lang="de-DE" sz="1000" b="0" strike="noStrike" spc="-1" dirty="0" err="1">
@@ -11128,6 +11254,35 @@
               <a:rPr sz="1000" dirty="0"/>
             </a:br>
             <a:r>
+              <a:rPr lang="de-DE" sz="1000" spc="-1" dirty="0">
+                <a:solidFill>
+                  <a:srgbClr val="000000"/>
+                </a:solidFill>
+                <a:latin typeface="DejaVu Sans Mono"/>
+              </a:rPr>
+              <a:t>    </a:t>
+            </a:r>
+            <a:r>
+              <a:rPr lang="de-DE" sz="1000" b="1" strike="noStrike" spc="-1" dirty="0" err="1">
+                <a:solidFill>
+                  <a:srgbClr val="660E7A"/>
+                </a:solidFill>
+                <a:latin typeface="DejaVu Sans Mono"/>
+                <a:ea typeface="DejaVu Sans Mono"/>
+              </a:rPr>
+              <a:t>linkLabel</a:t>
+            </a:r>
+            <a:r>
+              <a:rPr lang="de-DE" sz="1000" b="1" strike="noStrike" spc="-1" dirty="0">
+                <a:solidFill>
+                  <a:srgbClr val="660E7A"/>
+                </a:solidFill>
+                <a:latin typeface="DejaVu Sans Mono"/>
+                <a:ea typeface="DejaVu Sans Mono"/>
+              </a:rPr>
+              <a:t> </a:t>
+            </a:r>
+            <a:r>
               <a:rPr lang="de-DE" sz="1000" b="0" strike="noStrike" spc="-1" dirty="0">
                 <a:solidFill>
                   <a:srgbClr val="000000"/>
@@ -11135,22 +11290,22 @@
                 <a:latin typeface="DejaVu Sans Mono"/>
                 <a:ea typeface="DejaVu Sans Mono"/>
               </a:rPr>
-              <a:t>	</a:t>
+              <a:t>= </a:t>
             </a:r>
             <a:r>
               <a:rPr lang="de-DE" sz="1000" b="1" strike="noStrike" spc="-1" dirty="0" err="1">
                 <a:solidFill>
-                  <a:srgbClr val="660E7A"/>
-                </a:solidFill>
-                <a:latin typeface="DejaVu Sans Mono"/>
-                <a:ea typeface="DejaVu Sans Mono"/>
-              </a:rPr>
-              <a:t>linkLabel</a:t>
+                  <a:srgbClr val="000080"/>
+                </a:solidFill>
+                <a:latin typeface="DejaVu Sans Mono"/>
+                <a:ea typeface="DejaVu Sans Mono"/>
+              </a:rPr>
+              <a:t>new</a:t>
             </a:r>
             <a:r>
               <a:rPr lang="de-DE" sz="1000" b="1" strike="noStrike" spc="-1" dirty="0">
                 <a:solidFill>
-                  <a:srgbClr val="660E7A"/>
+                  <a:srgbClr val="000080"/>
                 </a:solidFill>
                 <a:latin typeface="DejaVu Sans Mono"/>
                 <a:ea typeface="DejaVu Sans Mono"/>
@@ -11165,47 +11320,37 @@
                 <a:latin typeface="DejaVu Sans Mono"/>
                 <a:ea typeface="DejaVu Sans Mono"/>
               </a:rPr>
-              <a:t>= </a:t>
-            </a:r>
-            <a:r>
-              <a:rPr lang="de-DE" sz="1000" b="1" strike="noStrike" spc="-1" dirty="0" err="1">
-                <a:solidFill>
-                  <a:srgbClr val="000080"/>
-                </a:solidFill>
-                <a:latin typeface="DejaVu Sans Mono"/>
-                <a:ea typeface="DejaVu Sans Mono"/>
-              </a:rPr>
-              <a:t>new</a:t>
+              <a:t>Label(</a:t>
             </a:r>
             <a:r>
               <a:rPr lang="de-DE" sz="1000" b="1" strike="noStrike" spc="-1" dirty="0">
                 <a:solidFill>
-                  <a:srgbClr val="000080"/>
-                </a:solidFill>
-                <a:latin typeface="DejaVu Sans Mono"/>
-                <a:ea typeface="DejaVu Sans Mono"/>
-              </a:rPr>
-              <a:t> </a:t>
-            </a:r>
-            <a:r>
-              <a:rPr lang="de-DE" sz="1000" b="0" strike="noStrike" spc="-1" dirty="0">
-                <a:solidFill>
-                  <a:srgbClr val="000000"/>
-                </a:solidFill>
-                <a:latin typeface="DejaVu Sans Mono"/>
-                <a:ea typeface="DejaVu Sans Mono"/>
-              </a:rPr>
-              <a:t>Label(</a:t>
+                  <a:srgbClr val="008000"/>
+                </a:solidFill>
+                <a:latin typeface="DejaVu Sans Mono"/>
+                <a:ea typeface="DejaVu Sans Mono"/>
+              </a:rPr>
+              <a:t>"</a:t>
             </a:r>
             <a:r>
               <a:rPr lang="de-DE" sz="1000" b="1" strike="noStrike" spc="-1" dirty="0">
                 <a:solidFill>
+                  <a:srgbClr val="FF0000"/>
+                </a:solidFill>
+                <a:latin typeface="DejaVu Sans Mono"/>
+                <a:ea typeface="DejaVu Sans Mono"/>
+              </a:rPr>
+              <a:t>link-label</a:t>
+            </a:r>
+            <a:r>
+              <a:rPr lang="de-DE" sz="1000" b="1" strike="noStrike" spc="-1" dirty="0">
+                <a:solidFill>
                   <a:srgbClr val="008000"/>
                 </a:solidFill>
                 <a:latin typeface="DejaVu Sans Mono"/>
                 <a:ea typeface="DejaVu Sans Mono"/>
               </a:rPr>
-              <a:t>"link-label"</a:t>
+              <a:t>"</a:t>
             </a:r>
             <a:r>
               <a:rPr lang="de-DE" sz="1000" b="0" strike="noStrike" spc="-1" dirty="0">
@@ -11244,6 +11389,35 @@
               <a:rPr sz="1000" dirty="0"/>
             </a:br>
             <a:r>
+              <a:rPr lang="de-DE" sz="1000" spc="-1" dirty="0">
+                <a:solidFill>
+                  <a:srgbClr val="000000"/>
+                </a:solidFill>
+                <a:latin typeface="DejaVu Sans Mono"/>
+              </a:rPr>
+              <a:t>    </a:t>
+            </a:r>
+            <a:r>
+              <a:rPr lang="de-DE" sz="1000" b="1" strike="noStrike" spc="-1" dirty="0" err="1">
+                <a:solidFill>
+                  <a:srgbClr val="660E7A"/>
+                </a:solidFill>
+                <a:latin typeface="DejaVu Sans Mono"/>
+                <a:ea typeface="DejaVu Sans Mono"/>
+              </a:rPr>
+              <a:t>ajaxLinkLabel</a:t>
+            </a:r>
+            <a:r>
+              <a:rPr lang="de-DE" sz="1000" b="1" strike="noStrike" spc="-1" dirty="0">
+                <a:solidFill>
+                  <a:srgbClr val="660E7A"/>
+                </a:solidFill>
+                <a:latin typeface="DejaVu Sans Mono"/>
+                <a:ea typeface="DejaVu Sans Mono"/>
+              </a:rPr>
+              <a:t> </a:t>
+            </a:r>
+            <a:r>
               <a:rPr lang="de-DE" sz="1000" b="0" strike="noStrike" spc="-1" dirty="0">
                 <a:solidFill>
                   <a:srgbClr val="000000"/>
@@ -11251,22 +11425,22 @@
                 <a:latin typeface="DejaVu Sans Mono"/>
                 <a:ea typeface="DejaVu Sans Mono"/>
               </a:rPr>
-              <a:t>	</a:t>
+              <a:t>= </a:t>
             </a:r>
             <a:r>
               <a:rPr lang="de-DE" sz="1000" b="1" strike="noStrike" spc="-1" dirty="0" err="1">
                 <a:solidFill>
-                  <a:srgbClr val="660E7A"/>
-                </a:solidFill>
-                <a:latin typeface="DejaVu Sans Mono"/>
-                <a:ea typeface="DejaVu Sans Mono"/>
-              </a:rPr>
-              <a:t>ajaxLinkLabel</a:t>
+                  <a:srgbClr val="000080"/>
+                </a:solidFill>
+                <a:latin typeface="DejaVu Sans Mono"/>
+                <a:ea typeface="DejaVu Sans Mono"/>
+              </a:rPr>
+              <a:t>new</a:t>
             </a:r>
             <a:r>
               <a:rPr lang="de-DE" sz="1000" b="1" strike="noStrike" spc="-1" dirty="0">
                 <a:solidFill>
-                  <a:srgbClr val="660E7A"/>
+                  <a:srgbClr val="000080"/>
                 </a:solidFill>
                 <a:latin typeface="DejaVu Sans Mono"/>
                 <a:ea typeface="DejaVu Sans Mono"/>
@@ -11281,37 +11455,37 @@
                 <a:latin typeface="DejaVu Sans Mono"/>
                 <a:ea typeface="DejaVu Sans Mono"/>
               </a:rPr>
-              <a:t>= </a:t>
+              <a:t>Label(</a:t>
+            </a:r>
+            <a:r>
+              <a:rPr lang="de-DE" sz="1000" b="1" strike="noStrike" spc="-1" dirty="0">
+                <a:solidFill>
+                  <a:srgbClr val="008000"/>
+                </a:solidFill>
+                <a:latin typeface="DejaVu Sans Mono"/>
+                <a:ea typeface="DejaVu Sans Mono"/>
+              </a:rPr>
+              <a:t>"</a:t>
             </a:r>
             <a:r>
               <a:rPr lang="de-DE" sz="1000" b="1" strike="noStrike" spc="-1" dirty="0" err="1">
                 <a:solidFill>
-                  <a:srgbClr val="000080"/>
-                </a:solidFill>
-                <a:latin typeface="DejaVu Sans Mono"/>
-                <a:ea typeface="DejaVu Sans Mono"/>
-              </a:rPr>
-              <a:t>new</a:t>
+                  <a:srgbClr val="FF0000"/>
+                </a:solidFill>
+                <a:latin typeface="DejaVu Sans Mono"/>
+                <a:ea typeface="DejaVu Sans Mono"/>
+              </a:rPr>
+              <a:t>ajax</a:t>
             </a:r>
             <a:r>
               <a:rPr lang="de-DE" sz="1000" b="1" strike="noStrike" spc="-1" dirty="0">
                 <a:solidFill>
-                  <a:srgbClr val="000080"/>
-                </a:solidFill>
-                <a:latin typeface="DejaVu Sans Mono"/>
-                <a:ea typeface="DejaVu Sans Mono"/>
-              </a:rPr>
-              <a:t> </a:t>
-            </a:r>
-            <a:r>
-              <a:rPr lang="de-DE" sz="1000" b="0" strike="noStrike" spc="-1" dirty="0">
-                <a:solidFill>
-                  <a:srgbClr val="000000"/>
-                </a:solidFill>
-                <a:latin typeface="DejaVu Sans Mono"/>
-                <a:ea typeface="DejaVu Sans Mono"/>
-              </a:rPr>
-              <a:t>Label(</a:t>
+                  <a:srgbClr val="FF0000"/>
+                </a:solidFill>
+                <a:latin typeface="DejaVu Sans Mono"/>
+                <a:ea typeface="DejaVu Sans Mono"/>
+              </a:rPr>
+              <a:t>-link-label</a:t>
             </a:r>
             <a:r>
               <a:rPr lang="de-DE" sz="1000" b="1" strike="noStrike" spc="-1" dirty="0">
@@ -11322,26 +11496,6 @@
                 <a:ea typeface="DejaVu Sans Mono"/>
               </a:rPr>
               <a:t>"</a:t>
-            </a:r>
-            <a:r>
-              <a:rPr lang="de-DE" sz="1000" b="1" strike="noStrike" spc="-1" dirty="0" err="1">
-                <a:solidFill>
-                  <a:srgbClr val="008000"/>
-                </a:solidFill>
-                <a:latin typeface="DejaVu Sans Mono"/>
-                <a:ea typeface="DejaVu Sans Mono"/>
-              </a:rPr>
-              <a:t>ajax</a:t>
-            </a:r>
-            <a:r>
-              <a:rPr lang="de-DE" sz="1000" b="1" strike="noStrike" spc="-1" dirty="0">
-                <a:solidFill>
-                  <a:srgbClr val="008000"/>
-                </a:solidFill>
-                <a:latin typeface="DejaVu Sans Mono"/>
-                <a:ea typeface="DejaVu Sans Mono"/>
-              </a:rPr>
-              <a:t>-link-label"</a:t>
             </a:r>
             <a:r>
               <a:rPr lang="de-DE" sz="1000" b="0" strike="noStrike" spc="-1" dirty="0">
@@ -11377,14 +11531,13 @@
               <a:rPr sz="1000" dirty="0"/>
             </a:br>
             <a:r>
-              <a:rPr lang="de-DE" sz="1000" b="0" strike="noStrike" spc="-1" dirty="0">
-                <a:solidFill>
-                  <a:srgbClr val="000000"/>
-                </a:solidFill>
-                <a:latin typeface="DejaVu Sans Mono"/>
-                <a:ea typeface="DejaVu Sans Mono"/>
-              </a:rPr>
-              <a:t>	</a:t>
+              <a:rPr lang="de-DE" sz="1000" spc="-1" dirty="0">
+                <a:solidFill>
+                  <a:srgbClr val="000000"/>
+                </a:solidFill>
+                <a:latin typeface="DejaVu Sans Mono"/>
+              </a:rPr>
+              <a:t>    </a:t>
             </a:r>
             <a:r>
               <a:rPr lang="de-DE" sz="1000" b="1" strike="noStrike" spc="-1" dirty="0" err="1">
@@ -11443,6 +11596,25 @@
               <a:rPr sz="1000" dirty="0"/>
             </a:br>
             <a:r>
+              <a:rPr lang="de-DE" sz="1000" spc="-1" dirty="0">
+                <a:solidFill>
+                  <a:srgbClr val="000000"/>
+                </a:solidFill>
+                <a:latin typeface="DejaVu Sans Mono"/>
+              </a:rPr>
+              <a:t>    </a:t>
+            </a:r>
+            <a:r>
+              <a:rPr lang="de-DE" sz="1000" b="1" strike="noStrike" spc="-1" dirty="0">
+                <a:solidFill>
+                  <a:srgbClr val="660E7A"/>
+                </a:solidFill>
+                <a:latin typeface="DejaVu Sans Mono"/>
+                <a:ea typeface="DejaVu Sans Mono"/>
+              </a:rPr>
+              <a:t>link </a:t>
+            </a:r>
+            <a:r>
               <a:rPr lang="de-DE" sz="1000" b="0" strike="noStrike" spc="-1" dirty="0">
                 <a:solidFill>
                   <a:srgbClr val="000000"/>
@@ -11450,17 +11622,27 @@
                 <a:latin typeface="DejaVu Sans Mono"/>
                 <a:ea typeface="DejaVu Sans Mono"/>
               </a:rPr>
-              <a:t>	</a:t>
+              <a:t>= </a:t>
+            </a:r>
+            <a:r>
+              <a:rPr lang="de-DE" sz="1000" b="1" strike="noStrike" spc="-1" dirty="0" err="1">
+                <a:solidFill>
+                  <a:srgbClr val="000080"/>
+                </a:solidFill>
+                <a:latin typeface="DejaVu Sans Mono"/>
+                <a:ea typeface="DejaVu Sans Mono"/>
+              </a:rPr>
+              <a:t>new</a:t>
             </a:r>
             <a:r>
               <a:rPr lang="de-DE" sz="1000" b="1" strike="noStrike" spc="-1" dirty="0">
                 <a:solidFill>
-                  <a:srgbClr val="660E7A"/>
-                </a:solidFill>
-                <a:latin typeface="DejaVu Sans Mono"/>
-                <a:ea typeface="DejaVu Sans Mono"/>
-              </a:rPr>
-              <a:t>link </a:t>
+                  <a:srgbClr val="000080"/>
+                </a:solidFill>
+                <a:latin typeface="DejaVu Sans Mono"/>
+                <a:ea typeface="DejaVu Sans Mono"/>
+              </a:rPr>
+              <a:t> </a:t>
             </a:r>
             <a:r>
               <a:rPr lang="de-DE" sz="1000" b="0" strike="noStrike" spc="-1" dirty="0">
@@ -11470,67 +11652,57 @@
                 <a:latin typeface="DejaVu Sans Mono"/>
                 <a:ea typeface="DejaVu Sans Mono"/>
               </a:rPr>
-              <a:t>= </a:t>
-            </a:r>
-            <a:r>
-              <a:rPr lang="de-DE" sz="1000" b="1" strike="noStrike" spc="-1" dirty="0" err="1">
-                <a:solidFill>
-                  <a:srgbClr val="000080"/>
-                </a:solidFill>
-                <a:latin typeface="DejaVu Sans Mono"/>
-                <a:ea typeface="DejaVu Sans Mono"/>
-              </a:rPr>
-              <a:t>new</a:t>
+              <a:t>Link&lt;</a:t>
+            </a:r>
+            <a:r>
+              <a:rPr lang="de-DE" sz="1000" b="0" strike="noStrike" spc="-1" dirty="0" err="1">
+                <a:solidFill>
+                  <a:srgbClr val="000000"/>
+                </a:solidFill>
+                <a:latin typeface="DejaVu Sans Mono"/>
+                <a:ea typeface="DejaVu Sans Mono"/>
+              </a:rPr>
+              <a:t>Void</a:t>
+            </a:r>
+            <a:r>
+              <a:rPr lang="de-DE" sz="1000" b="0" strike="noStrike" spc="-1" dirty="0">
+                <a:solidFill>
+                  <a:srgbClr val="000000"/>
+                </a:solidFill>
+                <a:latin typeface="DejaVu Sans Mono"/>
+                <a:ea typeface="DejaVu Sans Mono"/>
+              </a:rPr>
+              <a:t>&gt;(</a:t>
             </a:r>
             <a:r>
               <a:rPr lang="de-DE" sz="1000" b="1" strike="noStrike" spc="-1" dirty="0">
                 <a:solidFill>
-                  <a:srgbClr val="000080"/>
-                </a:solidFill>
-                <a:latin typeface="DejaVu Sans Mono"/>
-                <a:ea typeface="DejaVu Sans Mono"/>
-              </a:rPr>
-              <a:t> </a:t>
-            </a:r>
-            <a:r>
-              <a:rPr lang="de-DE" sz="1000" b="0" strike="noStrike" spc="-1" dirty="0">
-                <a:solidFill>
-                  <a:srgbClr val="000000"/>
-                </a:solidFill>
-                <a:latin typeface="DejaVu Sans Mono"/>
-                <a:ea typeface="DejaVu Sans Mono"/>
-              </a:rPr>
-              <a:t>Link&lt;</a:t>
-            </a:r>
-            <a:r>
-              <a:rPr lang="de-DE" sz="1000" b="0" strike="noStrike" spc="-1" dirty="0" err="1">
-                <a:solidFill>
-                  <a:srgbClr val="000000"/>
-                </a:solidFill>
-                <a:latin typeface="DejaVu Sans Mono"/>
-                <a:ea typeface="DejaVu Sans Mono"/>
-              </a:rPr>
-              <a:t>Void</a:t>
-            </a:r>
-            <a:r>
-              <a:rPr lang="de-DE" sz="1000" b="0" strike="noStrike" spc="-1" dirty="0">
-                <a:solidFill>
-                  <a:srgbClr val="000000"/>
-                </a:solidFill>
-                <a:latin typeface="DejaVu Sans Mono"/>
-                <a:ea typeface="DejaVu Sans Mono"/>
-              </a:rPr>
-              <a:t>&gt;(</a:t>
+                  <a:srgbClr val="008000"/>
+                </a:solidFill>
+                <a:latin typeface="DejaVu Sans Mono"/>
+                <a:ea typeface="DejaVu Sans Mono"/>
+              </a:rPr>
+              <a:t>"</a:t>
             </a:r>
             <a:r>
               <a:rPr lang="de-DE" sz="1000" b="1" strike="noStrike" spc="-1" dirty="0">
                 <a:solidFill>
+                  <a:srgbClr val="FF0000"/>
+                </a:solidFill>
+                <a:latin typeface="DejaVu Sans Mono"/>
+                <a:ea typeface="DejaVu Sans Mono"/>
+              </a:rPr>
+              <a:t>link-link</a:t>
+            </a:r>
+            <a:r>
+              <a:rPr lang="de-DE" sz="1000" b="1" strike="noStrike" spc="-1" dirty="0">
+                <a:solidFill>
                   <a:srgbClr val="008000"/>
                 </a:solidFill>
                 <a:latin typeface="DejaVu Sans Mono"/>
                 <a:ea typeface="DejaVu Sans Mono"/>
               </a:rPr>
-              <a:t>"link-link"</a:t>
+              <a:t>"</a:t>
             </a:r>
             <a:r>
               <a:rPr lang="de-DE" sz="1000" b="0" strike="noStrike" spc="-1" dirty="0">
@@ -11546,14 +11718,13 @@
               <a:rPr sz="1000" dirty="0"/>
             </a:br>
             <a:r>
-              <a:rPr lang="de-DE" sz="1000" b="0" strike="noStrike" spc="-1" dirty="0">
-                <a:solidFill>
-                  <a:srgbClr val="000000"/>
-                </a:solidFill>
-                <a:latin typeface="DejaVu Sans Mono"/>
-                <a:ea typeface="DejaVu Sans Mono"/>
-              </a:rPr>
-              <a:t>		</a:t>
+              <a:rPr lang="de-DE" sz="1000" spc="-1" dirty="0">
+                <a:solidFill>
+                  <a:srgbClr val="000000"/>
+                </a:solidFill>
+                <a:latin typeface="DejaVu Sans Mono"/>
+              </a:rPr>
+              <a:t>        </a:t>
             </a:r>
             <a:r>
               <a:rPr lang="de-DE" sz="1000" b="0" strike="noStrike" spc="-1" dirty="0">
@@ -11579,14 +11750,13 @@
               <a:rPr sz="1000" dirty="0"/>
             </a:br>
             <a:r>
-              <a:rPr lang="de-DE" sz="1000" b="0" strike="noStrike" spc="-1" dirty="0">
+              <a:rPr lang="de-DE" sz="1000" spc="-1" dirty="0">
                 <a:solidFill>
                   <a:srgbClr val="808000"/>
                 </a:solidFill>
                 <a:latin typeface="DejaVu Sans Mono"/>
-                <a:ea typeface="DejaVu Sans Mono"/>
-              </a:rPr>
-              <a:t>		</a:t>
+              </a:rPr>
+              <a:t>        </a:t>
             </a:r>
             <a:r>
               <a:rPr lang="de-DE" sz="1000" b="1" strike="noStrike" spc="-1" dirty="0" err="1">
@@ -11652,14 +11822,13 @@
               <a:rPr sz="1000" dirty="0"/>
             </a:br>
             <a:r>
-              <a:rPr lang="de-DE" sz="1000" b="0" strike="noStrike" spc="-1" dirty="0">
-                <a:solidFill>
-                  <a:srgbClr val="000000"/>
-                </a:solidFill>
-                <a:latin typeface="DejaVu Sans Mono"/>
-                <a:ea typeface="DejaVu Sans Mono"/>
-              </a:rPr>
-              <a:t>			</a:t>
+              <a:rPr lang="de-DE" sz="1000" spc="-1" dirty="0">
+                <a:solidFill>
+                  <a:srgbClr val="000000"/>
+                </a:solidFill>
+                <a:latin typeface="DejaVu Sans Mono"/>
+              </a:rPr>
+              <a:t>            </a:t>
             </a:r>
             <a:r>
               <a:rPr lang="de-DE" sz="1000" b="1" strike="noStrike" spc="-1" dirty="0" err="1">
@@ -11685,14 +11854,13 @@
               <a:rPr sz="1000" dirty="0"/>
             </a:br>
             <a:r>
-              <a:rPr lang="de-DE" sz="1000" b="0" strike="noStrike" spc="-1" dirty="0">
-                <a:solidFill>
-                  <a:srgbClr val="000000"/>
-                </a:solidFill>
-                <a:latin typeface="DejaVu Sans Mono"/>
-                <a:ea typeface="DejaVu Sans Mono"/>
-              </a:rPr>
-              <a:t>			</a:t>
+              <a:rPr lang="de-DE" sz="1000" spc="-1" dirty="0">
+                <a:solidFill>
+                  <a:srgbClr val="000000"/>
+                </a:solidFill>
+                <a:latin typeface="DejaVu Sans Mono"/>
+              </a:rPr>
+              <a:t>            </a:t>
             </a:r>
             <a:r>
               <a:rPr lang="de-DE" sz="1000" b="0" strike="noStrike" spc="-1" dirty="0" err="1">
@@ -11748,6 +11916,15 @@
               <a:rPr sz="1000" dirty="0"/>
             </a:br>
             <a:r>
+              <a:rPr lang="de-DE" sz="1000" spc="-1" dirty="0">
+                <a:solidFill>
+                  <a:srgbClr val="000000"/>
+                </a:solidFill>
+                <a:latin typeface="DejaVu Sans Mono"/>
+              </a:rPr>
+              <a:t>        </a:t>
+            </a:r>
+            <a:r>
               <a:rPr lang="de-DE" sz="1000" b="0" strike="noStrike" spc="-1" dirty="0">
                 <a:solidFill>
                   <a:srgbClr val="000000"/>
@@ -11755,12 +11932,21 @@
                 <a:latin typeface="DejaVu Sans Mono"/>
                 <a:ea typeface="DejaVu Sans Mono"/>
               </a:rPr>
-              <a:t>		}</a:t>
+              <a:t>}</a:t>
             </a:r>
             <a:br>
               <a:rPr sz="1000" dirty="0"/>
             </a:br>
             <a:r>
+              <a:rPr lang="de-DE" sz="1000" spc="-1" dirty="0">
+                <a:solidFill>
+                  <a:srgbClr val="000000"/>
+                </a:solidFill>
+                <a:latin typeface="DejaVu Sans Mono"/>
+              </a:rPr>
+              <a:t>    </a:t>
+            </a:r>
+            <a:r>
               <a:rPr lang="de-DE" sz="1000" b="0" strike="noStrike" spc="-1" dirty="0">
                 <a:solidFill>
                   <a:srgbClr val="000000"/>
@@ -11768,7 +11954,7 @@
                 <a:latin typeface="DejaVu Sans Mono"/>
                 <a:ea typeface="DejaVu Sans Mono"/>
               </a:rPr>
-              <a:t>	};</a:t>
+              <a:t>};</a:t>
             </a:r>
             <a:br>
               <a:rPr sz="1000" dirty="0"/>
@@ -11777,6 +11963,35 @@
               <a:rPr sz="1000" dirty="0"/>
             </a:br>
             <a:r>
+              <a:rPr lang="de-DE" sz="1000" spc="-1" dirty="0">
+                <a:solidFill>
+                  <a:srgbClr val="000000"/>
+                </a:solidFill>
+                <a:latin typeface="DejaVu Sans Mono"/>
+              </a:rPr>
+              <a:t>    </a:t>
+            </a:r>
+            <a:r>
+              <a:rPr lang="de-DE" sz="1000" b="1" strike="noStrike" spc="-1" dirty="0" err="1">
+                <a:solidFill>
+                  <a:srgbClr val="660E7A"/>
+                </a:solidFill>
+                <a:latin typeface="DejaVu Sans Mono"/>
+                <a:ea typeface="DejaVu Sans Mono"/>
+              </a:rPr>
+              <a:t>ajaxLink</a:t>
+            </a:r>
+            <a:r>
+              <a:rPr lang="de-DE" sz="1000" b="1" strike="noStrike" spc="-1" dirty="0">
+                <a:solidFill>
+                  <a:srgbClr val="660E7A"/>
+                </a:solidFill>
+                <a:latin typeface="DejaVu Sans Mono"/>
+                <a:ea typeface="DejaVu Sans Mono"/>
+              </a:rPr>
+              <a:t> </a:t>
+            </a:r>
+            <a:r>
               <a:rPr lang="de-DE" sz="1000" b="0" strike="noStrike" spc="-1" dirty="0">
                 <a:solidFill>
                   <a:srgbClr val="000000"/>
@@ -11784,22 +11999,22 @@
                 <a:latin typeface="DejaVu Sans Mono"/>
                 <a:ea typeface="DejaVu Sans Mono"/>
               </a:rPr>
-              <a:t>	</a:t>
+              <a:t>= </a:t>
             </a:r>
             <a:r>
               <a:rPr lang="de-DE" sz="1000" b="1" strike="noStrike" spc="-1" dirty="0" err="1">
                 <a:solidFill>
-                  <a:srgbClr val="660E7A"/>
-                </a:solidFill>
-                <a:latin typeface="DejaVu Sans Mono"/>
-                <a:ea typeface="DejaVu Sans Mono"/>
-              </a:rPr>
-              <a:t>ajaxLink</a:t>
+                  <a:srgbClr val="000080"/>
+                </a:solidFill>
+                <a:latin typeface="DejaVu Sans Mono"/>
+                <a:ea typeface="DejaVu Sans Mono"/>
+              </a:rPr>
+              <a:t>new</a:t>
             </a:r>
             <a:r>
               <a:rPr lang="de-DE" sz="1000" b="1" strike="noStrike" spc="-1" dirty="0">
                 <a:solidFill>
-                  <a:srgbClr val="660E7A"/>
+                  <a:srgbClr val="000080"/>
                 </a:solidFill>
                 <a:latin typeface="DejaVu Sans Mono"/>
                 <a:ea typeface="DejaVu Sans Mono"/>
@@ -11807,6 +12022,16 @@
               <a:t> </a:t>
             </a:r>
             <a:r>
+              <a:rPr lang="de-DE" sz="1000" b="0" strike="noStrike" spc="-1" dirty="0" err="1">
+                <a:solidFill>
+                  <a:srgbClr val="000000"/>
+                </a:solidFill>
+                <a:latin typeface="DejaVu Sans Mono"/>
+                <a:ea typeface="DejaVu Sans Mono"/>
+              </a:rPr>
+              <a:t>AjaxFallbackLink</a:t>
+            </a:r>
+            <a:r>
               <a:rPr lang="de-DE" sz="1000" b="0" strike="noStrike" spc="-1" dirty="0">
                 <a:solidFill>
                   <a:srgbClr val="000000"/>
@@ -11814,67 +12039,57 @@
                 <a:latin typeface="DejaVu Sans Mono"/>
                 <a:ea typeface="DejaVu Sans Mono"/>
               </a:rPr>
-              <a:t>= </a:t>
+              <a:t>&lt;</a:t>
+            </a:r>
+            <a:r>
+              <a:rPr lang="de-DE" sz="1000" b="0" strike="noStrike" spc="-1" dirty="0" err="1">
+                <a:solidFill>
+                  <a:srgbClr val="000000"/>
+                </a:solidFill>
+                <a:latin typeface="DejaVu Sans Mono"/>
+                <a:ea typeface="DejaVu Sans Mono"/>
+              </a:rPr>
+              <a:t>Void</a:t>
+            </a:r>
+            <a:r>
+              <a:rPr lang="de-DE" sz="1000" b="0" strike="noStrike" spc="-1" dirty="0">
+                <a:solidFill>
+                  <a:srgbClr val="000000"/>
+                </a:solidFill>
+                <a:latin typeface="DejaVu Sans Mono"/>
+                <a:ea typeface="DejaVu Sans Mono"/>
+              </a:rPr>
+              <a:t>&gt;(</a:t>
+            </a:r>
+            <a:r>
+              <a:rPr lang="de-DE" sz="1000" b="1" strike="noStrike" spc="-1" dirty="0">
+                <a:solidFill>
+                  <a:srgbClr val="008000"/>
+                </a:solidFill>
+                <a:latin typeface="DejaVu Sans Mono"/>
+                <a:ea typeface="DejaVu Sans Mono"/>
+              </a:rPr>
+              <a:t>"</a:t>
             </a:r>
             <a:r>
               <a:rPr lang="de-DE" sz="1000" b="1" strike="noStrike" spc="-1" dirty="0" err="1">
                 <a:solidFill>
-                  <a:srgbClr val="000080"/>
-                </a:solidFill>
-                <a:latin typeface="DejaVu Sans Mono"/>
-                <a:ea typeface="DejaVu Sans Mono"/>
-              </a:rPr>
-              <a:t>new</a:t>
+                  <a:srgbClr val="FF0000"/>
+                </a:solidFill>
+                <a:latin typeface="DejaVu Sans Mono"/>
+                <a:ea typeface="DejaVu Sans Mono"/>
+              </a:rPr>
+              <a:t>ajax</a:t>
             </a:r>
             <a:r>
               <a:rPr lang="de-DE" sz="1000" b="1" strike="noStrike" spc="-1" dirty="0">
                 <a:solidFill>
-                  <a:srgbClr val="000080"/>
-                </a:solidFill>
-                <a:latin typeface="DejaVu Sans Mono"/>
-                <a:ea typeface="DejaVu Sans Mono"/>
-              </a:rPr>
-              <a:t> </a:t>
-            </a:r>
-            <a:r>
-              <a:rPr lang="de-DE" sz="1000" b="0" strike="noStrike" spc="-1" dirty="0" err="1">
-                <a:solidFill>
-                  <a:srgbClr val="000000"/>
-                </a:solidFill>
-                <a:latin typeface="DejaVu Sans Mono"/>
-                <a:ea typeface="DejaVu Sans Mono"/>
-              </a:rPr>
-              <a:t>AjaxFallbackLink</a:t>
-            </a:r>
-            <a:r>
-              <a:rPr lang="de-DE" sz="1000" b="0" strike="noStrike" spc="-1" dirty="0">
-                <a:solidFill>
-                  <a:srgbClr val="000000"/>
-                </a:solidFill>
-                <a:latin typeface="DejaVu Sans Mono"/>
-                <a:ea typeface="DejaVu Sans Mono"/>
-              </a:rPr>
-              <a:t>&lt;</a:t>
-            </a:r>
-            <a:r>
-              <a:rPr lang="de-DE" sz="1000" b="0" strike="noStrike" spc="-1" dirty="0" err="1">
-                <a:solidFill>
-                  <a:srgbClr val="000000"/>
-                </a:solidFill>
-                <a:latin typeface="DejaVu Sans Mono"/>
-                <a:ea typeface="DejaVu Sans Mono"/>
-              </a:rPr>
-              <a:t>Void</a:t>
-            </a:r>
-            <a:r>
-              <a:rPr lang="de-DE" sz="1000" b="0" strike="noStrike" spc="-1" dirty="0">
-                <a:solidFill>
-                  <a:srgbClr val="000000"/>
-                </a:solidFill>
-                <a:latin typeface="DejaVu Sans Mono"/>
-                <a:ea typeface="DejaVu Sans Mono"/>
-              </a:rPr>
-              <a:t>&gt;(</a:t>
+                  <a:srgbClr val="FF0000"/>
+                </a:solidFill>
+                <a:latin typeface="DejaVu Sans Mono"/>
+                <a:ea typeface="DejaVu Sans Mono"/>
+              </a:rPr>
+              <a:t>-link-link</a:t>
             </a:r>
             <a:r>
               <a:rPr lang="de-DE" sz="1000" b="1" strike="noStrike" spc="-1" dirty="0">
@@ -11885,26 +12100,6 @@
                 <a:ea typeface="DejaVu Sans Mono"/>
               </a:rPr>
               <a:t>"</a:t>
-            </a:r>
-            <a:r>
-              <a:rPr lang="de-DE" sz="1000" b="1" strike="noStrike" spc="-1" dirty="0" err="1">
-                <a:solidFill>
-                  <a:srgbClr val="008000"/>
-                </a:solidFill>
-                <a:latin typeface="DejaVu Sans Mono"/>
-                <a:ea typeface="DejaVu Sans Mono"/>
-              </a:rPr>
-              <a:t>ajax</a:t>
-            </a:r>
-            <a:r>
-              <a:rPr lang="de-DE" sz="1000" b="1" strike="noStrike" spc="-1" dirty="0">
-                <a:solidFill>
-                  <a:srgbClr val="008000"/>
-                </a:solidFill>
-                <a:latin typeface="DejaVu Sans Mono"/>
-                <a:ea typeface="DejaVu Sans Mono"/>
-              </a:rPr>
-              <a:t>-link-link"</a:t>
             </a:r>
             <a:r>
               <a:rPr lang="de-DE" sz="1000" b="0" strike="noStrike" spc="-1" dirty="0">
@@ -11920,14 +12115,13 @@
               <a:rPr sz="1000" dirty="0"/>
             </a:br>
             <a:r>
-              <a:rPr lang="de-DE" sz="1000" b="0" strike="noStrike" spc="-1" dirty="0">
-                <a:solidFill>
-                  <a:srgbClr val="000000"/>
-                </a:solidFill>
-                <a:latin typeface="DejaVu Sans Mono"/>
-                <a:ea typeface="DejaVu Sans Mono"/>
-              </a:rPr>
-              <a:t>		</a:t>
+              <a:rPr lang="de-DE" sz="1000" spc="-1" dirty="0">
+                <a:solidFill>
+                  <a:srgbClr val="000000"/>
+                </a:solidFill>
+                <a:latin typeface="DejaVu Sans Mono"/>
+              </a:rPr>
+              <a:t>        </a:t>
             </a:r>
             <a:r>
               <a:rPr lang="de-DE" sz="1000" b="0" strike="noStrike" spc="-1" dirty="0">
@@ -11953,14 +12147,13 @@
               <a:rPr sz="1000" dirty="0"/>
             </a:br>
             <a:r>
-              <a:rPr lang="de-DE" sz="1000" b="0" strike="noStrike" spc="-1" dirty="0">
+              <a:rPr lang="de-DE" sz="1000" spc="-1" dirty="0">
                 <a:solidFill>
                   <a:srgbClr val="808000"/>
                 </a:solidFill>
                 <a:latin typeface="DejaVu Sans Mono"/>
-                <a:ea typeface="DejaVu Sans Mono"/>
-              </a:rPr>
-              <a:t>		</a:t>
+              </a:rPr>
+              <a:t>        </a:t>
             </a:r>
             <a:r>
               <a:rPr lang="de-DE" sz="1000" b="1" strike="noStrike" spc="-1" dirty="0" err="1">
@@ -12046,14 +12239,13 @@
               <a:rPr sz="1000" dirty="0"/>
             </a:br>
             <a:r>
-              <a:rPr lang="de-DE" sz="1000" b="0" strike="noStrike" spc="-1" dirty="0">
-                <a:solidFill>
-                  <a:srgbClr val="000000"/>
-                </a:solidFill>
-                <a:latin typeface="DejaVu Sans Mono"/>
-                <a:ea typeface="DejaVu Sans Mono"/>
-              </a:rPr>
-              <a:t>			</a:t>
+              <a:rPr lang="de-DE" sz="1000" spc="-1" dirty="0">
+                <a:solidFill>
+                  <a:srgbClr val="000000"/>
+                </a:solidFill>
+                <a:latin typeface="DejaVu Sans Mono"/>
+              </a:rPr>
+              <a:t>            </a:t>
             </a:r>
             <a:r>
               <a:rPr lang="de-DE" sz="1000" b="1" strike="noStrike" spc="-1" dirty="0" err="1">
@@ -12109,14 +12301,13 @@
               <a:rPr sz="1000" dirty="0"/>
             </a:br>
             <a:r>
-              <a:rPr lang="de-DE" sz="1000" b="0" strike="noStrike" spc="-1" dirty="0">
-                <a:solidFill>
-                  <a:srgbClr val="000000"/>
-                </a:solidFill>
-                <a:latin typeface="DejaVu Sans Mono"/>
-                <a:ea typeface="DejaVu Sans Mono"/>
-              </a:rPr>
-              <a:t>				</a:t>
+              <a:rPr lang="de-DE" sz="1000" spc="-1" dirty="0">
+                <a:solidFill>
+                  <a:srgbClr val="000000"/>
+                </a:solidFill>
+                <a:latin typeface="DejaVu Sans Mono"/>
+              </a:rPr>
+              <a:t>                </a:t>
             </a:r>
             <a:r>
               <a:rPr lang="de-DE" sz="1000" b="1" strike="noStrike" spc="-1" dirty="0" err="1">
@@ -12142,6 +12333,35 @@
               <a:rPr sz="1000" dirty="0"/>
             </a:br>
             <a:r>
+              <a:rPr lang="de-DE" sz="1000" spc="-1" dirty="0">
+                <a:solidFill>
+                  <a:srgbClr val="000000"/>
+                </a:solidFill>
+                <a:latin typeface="DejaVu Sans Mono"/>
+              </a:rPr>
+              <a:t>                </a:t>
+            </a:r>
+            <a:r>
+              <a:rPr lang="de-DE" sz="1000" b="0" strike="noStrike" spc="-1" dirty="0" err="1">
+                <a:solidFill>
+                  <a:srgbClr val="660E7A"/>
+                </a:solidFill>
+                <a:latin typeface="DejaVu Sans Mono"/>
+                <a:ea typeface="DejaVu Sans Mono"/>
+              </a:rPr>
+              <a:t>ajaxLinkLabelModel</a:t>
+            </a:r>
+            <a:r>
+              <a:rPr lang="de-DE" sz="1000" b="0" strike="noStrike" spc="-1" dirty="0" err="1">
+                <a:solidFill>
+                  <a:srgbClr val="000000"/>
+                </a:solidFill>
+                <a:latin typeface="DejaVu Sans Mono"/>
+                <a:ea typeface="DejaVu Sans Mono"/>
+              </a:rPr>
+              <a:t>.setObject</a:t>
+            </a:r>
+            <a:r>
               <a:rPr lang="de-DE" sz="1000" b="0" strike="noStrike" spc="-1" dirty="0">
                 <a:solidFill>
                   <a:srgbClr val="000000"/>
@@ -12149,27 +12369,93 @@
                 <a:latin typeface="DejaVu Sans Mono"/>
                 <a:ea typeface="DejaVu Sans Mono"/>
               </a:rPr>
-              <a:t>				</a:t>
+              <a:t>(</a:t>
+            </a:r>
+            <a:r>
+              <a:rPr lang="de-DE" sz="1000" b="1" strike="noStrike" spc="-1" dirty="0" err="1">
+                <a:solidFill>
+                  <a:srgbClr val="660E7A"/>
+                </a:solidFill>
+                <a:latin typeface="DejaVu Sans Mono"/>
+                <a:ea typeface="DejaVu Sans Mono"/>
+              </a:rPr>
+              <a:t>ajaxLinkClicks</a:t>
+            </a:r>
+            <a:r>
+              <a:rPr lang="de-DE" sz="1000" b="0" strike="noStrike" spc="-1" dirty="0">
+                <a:solidFill>
+                  <a:srgbClr val="000000"/>
+                </a:solidFill>
+                <a:latin typeface="DejaVu Sans Mono"/>
+                <a:ea typeface="DejaVu Sans Mono"/>
+              </a:rPr>
+              <a:t>);</a:t>
+            </a:r>
+            <a:br>
+              <a:rPr sz="1000" dirty="0"/>
+            </a:br>
+            <a:endParaRPr lang="de-DE" sz="1000" dirty="0"/>
+          </a:p>
+          <a:p>
+            <a:r>
+              <a:rPr lang="de-DE" sz="1000" b="0" strike="noStrike" spc="-1" dirty="0">
+                <a:solidFill>
+                  <a:srgbClr val="000000"/>
+                </a:solidFill>
+                <a:latin typeface="DejaVu Sans Mono"/>
+                <a:ea typeface="DejaVu Sans Mono"/>
+              </a:rPr>
+              <a:t>                </a:t>
             </a:r>
             <a:r>
               <a:rPr lang="de-DE" sz="1000" b="0" strike="noStrike" spc="-1" dirty="0" err="1">
                 <a:solidFill>
+                  <a:srgbClr val="000000"/>
+                </a:solidFill>
+                <a:latin typeface="DejaVu Sans Mono"/>
+                <a:ea typeface="DejaVu Sans Mono"/>
+              </a:rPr>
+              <a:t>optional.get</a:t>
+            </a:r>
+            <a:r>
+              <a:rPr lang="de-DE" sz="1000" b="0" strike="noStrike" spc="-1" dirty="0">
+                <a:solidFill>
+                  <a:srgbClr val="000000"/>
+                </a:solidFill>
+                <a:latin typeface="DejaVu Sans Mono"/>
+                <a:ea typeface="DejaVu Sans Mono"/>
+              </a:rPr>
+              <a:t>().</a:t>
+            </a:r>
+            <a:r>
+              <a:rPr lang="de-DE" sz="1000" b="0" strike="noStrike" spc="-1" dirty="0" err="1">
+                <a:solidFill>
+                  <a:srgbClr val="000000"/>
+                </a:solidFill>
+                <a:latin typeface="DejaVu Sans Mono"/>
+                <a:ea typeface="DejaVu Sans Mono"/>
+              </a:rPr>
+              <a:t>add</a:t>
+            </a:r>
+            <a:r>
+              <a:rPr lang="de-DE" sz="1000" b="0" strike="noStrike" spc="-1" dirty="0">
+                <a:solidFill>
+                  <a:srgbClr val="000000"/>
+                </a:solidFill>
+                <a:latin typeface="DejaVu Sans Mono"/>
+                <a:ea typeface="DejaVu Sans Mono"/>
+              </a:rPr>
+              <a:t>(</a:t>
+            </a:r>
+            <a:r>
+              <a:rPr lang="de-DE" sz="1000" b="1" strike="noStrike" spc="-1" dirty="0" err="1">
+                <a:solidFill>
                   <a:srgbClr val="660E7A"/>
                 </a:solidFill>
                 <a:latin typeface="DejaVu Sans Mono"/>
                 <a:ea typeface="DejaVu Sans Mono"/>
               </a:rPr>
-              <a:t>ajaxLinkLabelModel</a:t>
-            </a:r>
-            <a:r>
-              <a:rPr lang="de-DE" sz="1000" b="0" strike="noStrike" spc="-1" dirty="0" err="1">
-                <a:solidFill>
-                  <a:srgbClr val="000000"/>
-                </a:solidFill>
-                <a:latin typeface="DejaVu Sans Mono"/>
-                <a:ea typeface="DejaVu Sans Mono"/>
-              </a:rPr>
-              <a:t>.setObject</a:t>
+              <a:t>ajaxLinkLabel</a:t>
             </a:r>
             <a:r>
               <a:rPr lang="de-DE" sz="1000" b="0" strike="noStrike" spc="-1" dirty="0">
@@ -12179,17 +12465,19 @@
                 <a:latin typeface="DejaVu Sans Mono"/>
                 <a:ea typeface="DejaVu Sans Mono"/>
               </a:rPr>
-              <a:t>(</a:t>
-            </a:r>
-            <a:r>
-              <a:rPr lang="de-DE" sz="1000" b="1" strike="noStrike" spc="-1" dirty="0" err="1">
-                <a:solidFill>
-                  <a:srgbClr val="660E7A"/>
-                </a:solidFill>
-                <a:latin typeface="DejaVu Sans Mono"/>
-                <a:ea typeface="DejaVu Sans Mono"/>
-              </a:rPr>
-              <a:t>ajaxLinkClicks</a:t>
+              <a:t>);</a:t>
+            </a:r>
+            <a:br>
+              <a:rPr sz="1000" dirty="0"/>
+            </a:br>
+            <a:r>
+              <a:rPr lang="de-DE" sz="1000" spc="-1" dirty="0">
+                <a:solidFill>
+                  <a:srgbClr val="000000"/>
+                </a:solidFill>
+                <a:latin typeface="DejaVu Sans Mono"/>
+              </a:rPr>
+              <a:t>             </a:t>
             </a:r>
             <a:r>
               <a:rPr lang="de-DE" sz="1000" b="0" strike="noStrike" spc="-1" dirty="0">
@@ -12199,7 +12487,51 @@
                 <a:latin typeface="DejaVu Sans Mono"/>
                 <a:ea typeface="DejaVu Sans Mono"/>
               </a:rPr>
-              <a:t>);</a:t>
+              <a:t>}</a:t>
+            </a:r>
+            <a:br>
+              <a:rPr sz="1000" dirty="0"/>
+            </a:br>
+            <a:r>
+              <a:rPr lang="de-DE" sz="1000" spc="-1" dirty="0">
+                <a:solidFill>
+                  <a:srgbClr val="000000"/>
+                </a:solidFill>
+                <a:latin typeface="DejaVu Sans Mono"/>
+              </a:rPr>
+              <a:t>        </a:t>
+            </a:r>
+            <a:r>
+              <a:rPr lang="de-DE" sz="1000" b="0" strike="noStrike" spc="-1" dirty="0">
+                <a:solidFill>
+                  <a:srgbClr val="000000"/>
+                </a:solidFill>
+                <a:latin typeface="DejaVu Sans Mono"/>
+                <a:ea typeface="DejaVu Sans Mono"/>
+              </a:rPr>
+              <a:t>}</a:t>
+            </a:r>
+          </a:p>
+          <a:p>
+            <a:r>
+              <a:rPr lang="de-DE" sz="1000" spc="-1" dirty="0">
+                <a:solidFill>
+                  <a:srgbClr val="000000"/>
+                </a:solidFill>
+                <a:latin typeface="DejaVu Sans Mono"/>
+                <a:ea typeface="DejaVu Sans Mono"/>
+              </a:rPr>
+              <a:t>    </a:t>
+            </a:r>
+            <a:r>
+              <a:rPr lang="de-DE" sz="1000" b="0" strike="noStrike" spc="-1" dirty="0">
+                <a:solidFill>
+                  <a:srgbClr val="000000"/>
+                </a:solidFill>
+                <a:latin typeface="DejaVu Sans Mono"/>
+                <a:ea typeface="DejaVu Sans Mono"/>
+              </a:rPr>
+              <a:t>};</a:t>
             </a:r>
             <a:br>
               <a:rPr sz="1000" dirty="0"/>
@@ -12208,6 +12540,25 @@
               <a:rPr sz="1000" dirty="0"/>
             </a:br>
             <a:r>
+              <a:rPr lang="de-DE" sz="1000" spc="-1" dirty="0">
+                <a:solidFill>
+                  <a:srgbClr val="000000"/>
+                </a:solidFill>
+                <a:latin typeface="DejaVu Sans Mono"/>
+              </a:rPr>
+              <a:t>    </a:t>
+            </a:r>
+            <a:r>
+              <a:rPr lang="de-DE" sz="1000" b="0" strike="noStrike" spc="-1" dirty="0" err="1">
+                <a:solidFill>
+                  <a:srgbClr val="000000"/>
+                </a:solidFill>
+                <a:latin typeface="DejaVu Sans Mono"/>
+                <a:ea typeface="DejaVu Sans Mono"/>
+              </a:rPr>
+              <a:t>add</a:t>
+            </a:r>
+            <a:r>
               <a:rPr lang="de-DE" sz="1000" b="0" strike="noStrike" spc="-1" dirty="0">
                 <a:solidFill>
                   <a:srgbClr val="000000"/>
@@ -12215,17 +12566,17 @@
                 <a:latin typeface="DejaVu Sans Mono"/>
                 <a:ea typeface="DejaVu Sans Mono"/>
               </a:rPr>
-              <a:t>				</a:t>
-            </a:r>
-            <a:r>
-              <a:rPr lang="de-DE" sz="1000" b="0" strike="noStrike" spc="-1" dirty="0" err="1">
-                <a:solidFill>
-                  <a:srgbClr val="000000"/>
-                </a:solidFill>
-                <a:latin typeface="DejaVu Sans Mono"/>
-                <a:ea typeface="DejaVu Sans Mono"/>
-              </a:rPr>
-              <a:t>optional.get</a:t>
+              <a:t>(</a:t>
+            </a:r>
+            <a:r>
+              <a:rPr lang="de-DE" sz="1000" b="1" strike="noStrike" spc="-1" dirty="0" err="1">
+                <a:solidFill>
+                  <a:srgbClr val="660E7A"/>
+                </a:solidFill>
+                <a:latin typeface="DejaVu Sans Mono"/>
+                <a:ea typeface="DejaVu Sans Mono"/>
+              </a:rPr>
+              <a:t>linkLabel</a:t>
             </a:r>
             <a:r>
               <a:rPr lang="de-DE" sz="1000" b="0" strike="noStrike" spc="-1" dirty="0">
@@ -12235,27 +12586,7 @@
                 <a:latin typeface="DejaVu Sans Mono"/>
                 <a:ea typeface="DejaVu Sans Mono"/>
               </a:rPr>
-              <a:t>().</a:t>
-            </a:r>
-            <a:r>
-              <a:rPr lang="de-DE" sz="1000" b="0" strike="noStrike" spc="-1" dirty="0" err="1">
-                <a:solidFill>
-                  <a:srgbClr val="000000"/>
-                </a:solidFill>
-                <a:latin typeface="DejaVu Sans Mono"/>
-                <a:ea typeface="DejaVu Sans Mono"/>
-              </a:rPr>
-              <a:t>add</a:t>
-            </a:r>
-            <a:r>
-              <a:rPr lang="de-DE" sz="1000" b="0" strike="noStrike" spc="-1" dirty="0">
-                <a:solidFill>
-                  <a:srgbClr val="000000"/>
-                </a:solidFill>
-                <a:latin typeface="DejaVu Sans Mono"/>
-                <a:ea typeface="DejaVu Sans Mono"/>
-              </a:rPr>
-              <a:t>(</a:t>
+              <a:t>, </a:t>
             </a:r>
             <a:r>
               <a:rPr lang="de-DE" sz="1000" b="1" strike="noStrike" spc="-1" dirty="0" err="1">
@@ -12281,129 +12612,13 @@
               <a:rPr sz="1000" dirty="0"/>
             </a:br>
             <a:r>
-              <a:rPr lang="de-DE" sz="1000" b="0" strike="noStrike" spc="-1" dirty="0">
-                <a:solidFill>
-                  <a:srgbClr val="000000"/>
-                </a:solidFill>
-                <a:latin typeface="DejaVu Sans Mono"/>
-                <a:ea typeface="DejaVu Sans Mono"/>
-              </a:rPr>
-              <a:t>			}</a:t>
-            </a:r>
-            <a:br>
-              <a:rPr sz="1000" dirty="0"/>
-            </a:br>
-            <a:r>
-              <a:rPr lang="de-DE" sz="1000" b="0" strike="noStrike" spc="-1" dirty="0">
-                <a:solidFill>
-                  <a:srgbClr val="000000"/>
-                </a:solidFill>
-                <a:latin typeface="DejaVu Sans Mono"/>
-                <a:ea typeface="DejaVu Sans Mono"/>
-              </a:rPr>
-              <a:t>		}</a:t>
-            </a:r>
-            <a:br>
-              <a:rPr sz="1000" dirty="0"/>
-            </a:br>
-            <a:r>
-              <a:rPr lang="de-DE" sz="1000" b="0" strike="noStrike" spc="-1" dirty="0">
-                <a:solidFill>
-                  <a:srgbClr val="000000"/>
-                </a:solidFill>
-                <a:latin typeface="DejaVu Sans Mono"/>
-                <a:ea typeface="DejaVu Sans Mono"/>
-              </a:rPr>
-              <a:t>	};</a:t>
-            </a:r>
-            <a:br>
-              <a:rPr sz="1000" dirty="0"/>
-            </a:br>
-            <a:br>
-              <a:rPr sz="1000" dirty="0"/>
-            </a:br>
-            <a:r>
-              <a:rPr lang="de-DE" sz="1000" b="0" strike="noStrike" spc="-1" dirty="0">
-                <a:solidFill>
-                  <a:srgbClr val="000000"/>
-                </a:solidFill>
-                <a:latin typeface="DejaVu Sans Mono"/>
-                <a:ea typeface="DejaVu Sans Mono"/>
-              </a:rPr>
-              <a:t>	</a:t>
-            </a:r>
-            <a:r>
-              <a:rPr lang="de-DE" sz="1000" b="0" strike="noStrike" spc="-1" dirty="0" err="1">
-                <a:solidFill>
-                  <a:srgbClr val="000000"/>
-                </a:solidFill>
-                <a:latin typeface="DejaVu Sans Mono"/>
-                <a:ea typeface="DejaVu Sans Mono"/>
-              </a:rPr>
-              <a:t>add</a:t>
-            </a:r>
-            <a:r>
-              <a:rPr lang="de-DE" sz="1000" b="0" strike="noStrike" spc="-1" dirty="0">
-                <a:solidFill>
-                  <a:srgbClr val="000000"/>
-                </a:solidFill>
-                <a:latin typeface="DejaVu Sans Mono"/>
-                <a:ea typeface="DejaVu Sans Mono"/>
-              </a:rPr>
-              <a:t>(</a:t>
-            </a:r>
-            <a:r>
-              <a:rPr lang="de-DE" sz="1000" b="1" strike="noStrike" spc="-1" dirty="0" err="1">
-                <a:solidFill>
-                  <a:srgbClr val="660E7A"/>
-                </a:solidFill>
-                <a:latin typeface="DejaVu Sans Mono"/>
-                <a:ea typeface="DejaVu Sans Mono"/>
-              </a:rPr>
-              <a:t>linkLabel</a:t>
-            </a:r>
-            <a:r>
-              <a:rPr lang="de-DE" sz="1000" b="0" strike="noStrike" spc="-1" dirty="0">
-                <a:solidFill>
-                  <a:srgbClr val="000000"/>
-                </a:solidFill>
-                <a:latin typeface="DejaVu Sans Mono"/>
-                <a:ea typeface="DejaVu Sans Mono"/>
-              </a:rPr>
-              <a:t>, </a:t>
-            </a:r>
-            <a:r>
-              <a:rPr lang="de-DE" sz="1000" b="1" strike="noStrike" spc="-1" dirty="0" err="1">
-                <a:solidFill>
-                  <a:srgbClr val="660E7A"/>
-                </a:solidFill>
-                <a:latin typeface="DejaVu Sans Mono"/>
-                <a:ea typeface="DejaVu Sans Mono"/>
-              </a:rPr>
-              <a:t>ajaxLinkLabel</a:t>
-            </a:r>
-            <a:r>
-              <a:rPr lang="de-DE" sz="1000" b="0" strike="noStrike" spc="-1" dirty="0">
-                <a:solidFill>
-                  <a:srgbClr val="000000"/>
-                </a:solidFill>
-                <a:latin typeface="DejaVu Sans Mono"/>
-                <a:ea typeface="DejaVu Sans Mono"/>
-              </a:rPr>
-              <a:t>);</a:t>
-            </a:r>
-            <a:br>
-              <a:rPr sz="1000" dirty="0"/>
-            </a:br>
-            <a:r>
-              <a:rPr lang="de-DE" sz="1000" b="0" strike="noStrike" spc="-1" dirty="0">
-                <a:solidFill>
-                  <a:srgbClr val="000000"/>
-                </a:solidFill>
-                <a:latin typeface="DejaVu Sans Mono"/>
-                <a:ea typeface="DejaVu Sans Mono"/>
-              </a:rPr>
-              <a:t>	</a:t>
+              <a:rPr lang="de-DE" sz="1000" spc="-1" dirty="0">
+                <a:solidFill>
+                  <a:srgbClr val="000000"/>
+                </a:solidFill>
+                <a:latin typeface="DejaVu Sans Mono"/>
+              </a:rPr>
+              <a:t>    </a:t>
             </a:r>
             <a:r>
               <a:rPr lang="de-DE" sz="1000" b="0" strike="noStrike" spc="-1" dirty="0" err="1">
@@ -13527,48 +13742,100 @@
           <a:lstStyle/>
           <a:p>
             <a:r>
-              <a:rPr lang="de-DE" sz="1200" b="1" strike="noStrike" spc="-1">
+              <a:rPr lang="de-DE" sz="1200" b="1" strike="noStrike" spc="-1" dirty="0" err="1">
                 <a:solidFill>
                   <a:srgbClr val="000080"/>
                 </a:solidFill>
                 <a:latin typeface="DejaVu Sans Mono"/>
                 <a:ea typeface="DejaVu Sans Mono"/>
               </a:rPr>
-              <a:t>public </a:t>
-            </a:r>
-            <a:r>
-              <a:rPr lang="de-DE" sz="1200" b="0" strike="noStrike" spc="-1">
-                <a:solidFill>
-                  <a:srgbClr val="000000"/>
-                </a:solidFill>
-                <a:latin typeface="DejaVu Sans Mono"/>
-                <a:ea typeface="DejaVu Sans Mono"/>
-              </a:rPr>
-              <a:t>EchoFormPage(){</a:t>
-            </a:r>
-            <a:br/>
-            <a:r>
-              <a:rPr lang="de-DE" sz="1200" b="0" strike="noStrike" spc="-1">
-                <a:solidFill>
-                  <a:srgbClr val="000000"/>
-                </a:solidFill>
-                <a:latin typeface="DejaVu Sans Mono"/>
-                <a:ea typeface="DejaVu Sans Mono"/>
-              </a:rPr>
-              <a:t>    Model&lt;String&gt; inputModel = </a:t>
-            </a:r>
-            <a:r>
-              <a:rPr lang="de-DE" sz="1200" b="1" strike="noStrike" spc="-1">
+              <a:t>public</a:t>
+            </a:r>
+            <a:r>
+              <a:rPr lang="de-DE" sz="1200" b="1" strike="noStrike" spc="-1" dirty="0">
                 <a:solidFill>
                   <a:srgbClr val="000080"/>
                 </a:solidFill>
                 <a:latin typeface="DejaVu Sans Mono"/>
                 <a:ea typeface="DejaVu Sans Mono"/>
               </a:rPr>
-              <a:t>new </a:t>
-            </a:r>
-            <a:r>
-              <a:rPr lang="de-DE" sz="1200" b="0" strike="noStrike" spc="-1">
+              <a:t> </a:t>
+            </a:r>
+            <a:r>
+              <a:rPr lang="de-DE" sz="1200" b="0" strike="noStrike" spc="-1" dirty="0" err="1">
+                <a:solidFill>
+                  <a:srgbClr val="000000"/>
+                </a:solidFill>
+                <a:latin typeface="DejaVu Sans Mono"/>
+                <a:ea typeface="DejaVu Sans Mono"/>
+              </a:rPr>
+              <a:t>EchoFormPage</a:t>
+            </a:r>
+            <a:r>
+              <a:rPr lang="de-DE" sz="1200" b="0" strike="noStrike" spc="-1" dirty="0">
+                <a:solidFill>
+                  <a:srgbClr val="000000"/>
+                </a:solidFill>
+                <a:latin typeface="DejaVu Sans Mono"/>
+                <a:ea typeface="DejaVu Sans Mono"/>
+              </a:rPr>
+              <a:t>(){</a:t>
+            </a:r>
+            <a:br>
+              <a:rPr dirty="0"/>
+            </a:br>
+            <a:r>
+              <a:rPr lang="de-DE" sz="1200" b="0" strike="noStrike" spc="-1" dirty="0">
+                <a:solidFill>
+                  <a:srgbClr val="000000"/>
+                </a:solidFill>
+                <a:latin typeface="DejaVu Sans Mono"/>
+                <a:ea typeface="DejaVu Sans Mono"/>
+              </a:rPr>
+              <a:t>    Model&lt;String&gt; </a:t>
+            </a:r>
+            <a:r>
+              <a:rPr lang="de-DE" sz="1200" b="0" strike="noStrike" spc="-1" dirty="0" err="1">
+                <a:solidFill>
+                  <a:srgbClr val="000000"/>
+                </a:solidFill>
+                <a:latin typeface="DejaVu Sans Mono"/>
+                <a:ea typeface="DejaVu Sans Mono"/>
+              </a:rPr>
+              <a:t>inputModel</a:t>
+            </a:r>
+            <a:r>
+              <a:rPr lang="de-DE" sz="1200" b="0" strike="noStrike" spc="-1" dirty="0">
+                <a:solidFill>
+                  <a:srgbClr val="000000"/>
+                </a:solidFill>
+                <a:latin typeface="DejaVu Sans Mono"/>
+                <a:ea typeface="DejaVu Sans Mono"/>
+              </a:rPr>
+              <a:t> = </a:t>
+            </a:r>
+            <a:r>
+              <a:rPr lang="de-DE" sz="1200" b="1" strike="noStrike" spc="-1" dirty="0" err="1">
+                <a:solidFill>
+                  <a:srgbClr val="000080"/>
+                </a:solidFill>
+                <a:latin typeface="DejaVu Sans Mono"/>
+                <a:ea typeface="DejaVu Sans Mono"/>
+              </a:rPr>
+              <a:t>new</a:t>
+            </a:r>
+            <a:r>
+              <a:rPr lang="de-DE" sz="1200" b="1" strike="noStrike" spc="-1" dirty="0">
+                <a:solidFill>
+                  <a:srgbClr val="000080"/>
+                </a:solidFill>
+                <a:latin typeface="DejaVu Sans Mono"/>
+                <a:ea typeface="DejaVu Sans Mono"/>
+              </a:rPr>
+              <a:t> </a:t>
+            </a:r>
+            <a:r>
+              <a:rPr lang="de-DE" sz="1200" b="0" strike="noStrike" spc="-1" dirty="0">
                 <a:solidFill>
                   <a:srgbClr val="000000"/>
                 </a:solidFill>
@@ -13577,61 +13844,167 @@
               </a:rPr>
               <a:t>Model&lt;&gt;();</a:t>
             </a:r>
-            <a:br/>
-            <a:r>
-              <a:rPr lang="de-DE" sz="1200" b="0" strike="noStrike" spc="-1">
-                <a:solidFill>
-                  <a:srgbClr val="000000"/>
-                </a:solidFill>
-                <a:latin typeface="DejaVu Sans Mono"/>
-                <a:ea typeface="DejaVu Sans Mono"/>
-              </a:rPr>
-              <a:t>    TextField&lt;String&gt; textField = </a:t>
-            </a:r>
-            <a:r>
-              <a:rPr lang="de-DE" sz="1200" b="1" strike="noStrike" spc="-1">
+            <a:br>
+              <a:rPr dirty="0"/>
+            </a:br>
+            <a:r>
+              <a:rPr lang="de-DE" sz="1200" b="0" strike="noStrike" spc="-1" dirty="0">
+                <a:solidFill>
+                  <a:srgbClr val="000000"/>
+                </a:solidFill>
+                <a:latin typeface="DejaVu Sans Mono"/>
+                <a:ea typeface="DejaVu Sans Mono"/>
+              </a:rPr>
+              <a:t>    </a:t>
+            </a:r>
+            <a:r>
+              <a:rPr lang="de-DE" sz="1200" b="0" strike="noStrike" spc="-1" dirty="0" err="1">
+                <a:solidFill>
+                  <a:srgbClr val="000000"/>
+                </a:solidFill>
+                <a:latin typeface="DejaVu Sans Mono"/>
+                <a:ea typeface="DejaVu Sans Mono"/>
+              </a:rPr>
+              <a:t>TextField</a:t>
+            </a:r>
+            <a:r>
+              <a:rPr lang="de-DE" sz="1200" b="0" strike="noStrike" spc="-1" dirty="0">
+                <a:solidFill>
+                  <a:srgbClr val="000000"/>
+                </a:solidFill>
+                <a:latin typeface="DejaVu Sans Mono"/>
+                <a:ea typeface="DejaVu Sans Mono"/>
+              </a:rPr>
+              <a:t>&lt;String&gt; </a:t>
+            </a:r>
+            <a:r>
+              <a:rPr lang="de-DE" sz="1200" b="0" strike="noStrike" spc="-1" dirty="0" err="1">
+                <a:solidFill>
+                  <a:srgbClr val="000000"/>
+                </a:solidFill>
+                <a:latin typeface="DejaVu Sans Mono"/>
+                <a:ea typeface="DejaVu Sans Mono"/>
+              </a:rPr>
+              <a:t>textField</a:t>
+            </a:r>
+            <a:r>
+              <a:rPr lang="de-DE" sz="1200" b="0" strike="noStrike" spc="-1" dirty="0">
+                <a:solidFill>
+                  <a:srgbClr val="000000"/>
+                </a:solidFill>
+                <a:latin typeface="DejaVu Sans Mono"/>
+                <a:ea typeface="DejaVu Sans Mono"/>
+              </a:rPr>
+              <a:t> = </a:t>
+            </a:r>
+            <a:r>
+              <a:rPr lang="de-DE" sz="1200" b="1" strike="noStrike" spc="-1" dirty="0" err="1">
                 <a:solidFill>
                   <a:srgbClr val="000080"/>
                 </a:solidFill>
                 <a:latin typeface="DejaVu Sans Mono"/>
                 <a:ea typeface="DejaVu Sans Mono"/>
               </a:rPr>
-              <a:t>new </a:t>
-            </a:r>
-            <a:r>
-              <a:rPr lang="de-DE" sz="1200" b="0" strike="noStrike" spc="-1">
-                <a:solidFill>
-                  <a:srgbClr val="000000"/>
-                </a:solidFill>
-                <a:latin typeface="DejaVu Sans Mono"/>
-                <a:ea typeface="DejaVu Sans Mono"/>
-              </a:rPr>
-              <a:t>TextField&lt;&gt;(</a:t>
-            </a:r>
-            <a:r>
-              <a:rPr lang="de-DE" sz="1200" b="1" strike="noStrike" spc="-1">
+              <a:t>new</a:t>
+            </a:r>
+            <a:r>
+              <a:rPr lang="de-DE" sz="1200" b="1" strike="noStrike" spc="-1" dirty="0">
+                <a:solidFill>
+                  <a:srgbClr val="000080"/>
+                </a:solidFill>
+                <a:latin typeface="DejaVu Sans Mono"/>
+                <a:ea typeface="DejaVu Sans Mono"/>
+              </a:rPr>
+              <a:t> </a:t>
+            </a:r>
+            <a:r>
+              <a:rPr lang="de-DE" sz="1200" b="0" strike="noStrike" spc="-1" dirty="0" err="1">
+                <a:solidFill>
+                  <a:srgbClr val="000000"/>
+                </a:solidFill>
+                <a:latin typeface="DejaVu Sans Mono"/>
+                <a:ea typeface="DejaVu Sans Mono"/>
+              </a:rPr>
+              <a:t>TextField</a:t>
+            </a:r>
+            <a:r>
+              <a:rPr lang="de-DE" sz="1200" b="0" strike="noStrike" spc="-1" dirty="0">
+                <a:solidFill>
+                  <a:srgbClr val="000000"/>
+                </a:solidFill>
+                <a:latin typeface="DejaVu Sans Mono"/>
+                <a:ea typeface="DejaVu Sans Mono"/>
+              </a:rPr>
+              <a:t>&lt;&gt;(</a:t>
+            </a:r>
+            <a:r>
+              <a:rPr lang="de-DE" sz="1200" b="1" strike="noStrike" spc="-1" dirty="0">
                 <a:solidFill>
                   <a:srgbClr val="008000"/>
                 </a:solidFill>
                 <a:latin typeface="DejaVu Sans Mono"/>
                 <a:ea typeface="DejaVu Sans Mono"/>
               </a:rPr>
-              <a:t>"echo-input"</a:t>
-            </a:r>
-            <a:r>
-              <a:rPr lang="de-DE" sz="1200" b="0" strike="noStrike" spc="-1">
-                <a:solidFill>
-                  <a:srgbClr val="000000"/>
-                </a:solidFill>
-                <a:latin typeface="DejaVu Sans Mono"/>
-                <a:ea typeface="DejaVu Sans Mono"/>
-              </a:rPr>
-              <a:t>, inputModel);</a:t>
-            </a:r>
-            <a:br/>
-            <a:br/>
-            <a:r>
-              <a:rPr lang="de-DE" sz="1200" b="0" strike="noStrike" spc="-1">
+              <a:t>"</a:t>
+            </a:r>
+            <a:r>
+              <a:rPr lang="de-DE" sz="1200" b="1" strike="noStrike" spc="-1" dirty="0">
+                <a:solidFill>
+                  <a:srgbClr val="FF0000"/>
+                </a:solidFill>
+                <a:latin typeface="DejaVu Sans Mono"/>
+                <a:ea typeface="DejaVu Sans Mono"/>
+              </a:rPr>
+              <a:t>echo-input</a:t>
+            </a:r>
+            <a:r>
+              <a:rPr lang="de-DE" sz="1200" b="1" strike="noStrike" spc="-1" dirty="0">
+                <a:solidFill>
+                  <a:srgbClr val="008000"/>
+                </a:solidFill>
+                <a:latin typeface="DejaVu Sans Mono"/>
+                <a:ea typeface="DejaVu Sans Mono"/>
+              </a:rPr>
+              <a:t>"</a:t>
+            </a:r>
+            <a:r>
+              <a:rPr lang="de-DE" sz="1200" b="0" strike="noStrike" spc="-1" dirty="0">
+                <a:solidFill>
+                  <a:srgbClr val="000000"/>
+                </a:solidFill>
+                <a:latin typeface="DejaVu Sans Mono"/>
+                <a:ea typeface="DejaVu Sans Mono"/>
+              </a:rPr>
+              <a:t>, </a:t>
+            </a:r>
+            <a:r>
+              <a:rPr lang="de-DE" sz="1200" b="0" strike="noStrike" spc="-1" dirty="0" err="1">
+                <a:solidFill>
+                  <a:srgbClr val="000000"/>
+                </a:solidFill>
+                <a:latin typeface="DejaVu Sans Mono"/>
+                <a:ea typeface="DejaVu Sans Mono"/>
+              </a:rPr>
+              <a:t>inputModel</a:t>
+            </a:r>
+            <a:r>
+              <a:rPr lang="de-DE" sz="1200" b="0" strike="noStrike" spc="-1" dirty="0">
+                <a:solidFill>
+                  <a:srgbClr val="000000"/>
+                </a:solidFill>
+                <a:latin typeface="DejaVu Sans Mono"/>
+                <a:ea typeface="DejaVu Sans Mono"/>
+              </a:rPr>
+              <a:t>);</a:t>
+            </a:r>
+            <a:br>
+              <a:rPr dirty="0"/>
+            </a:br>
+            <a:br>
+              <a:rPr dirty="0"/>
+            </a:br>
+            <a:r>
+              <a:rPr lang="de-DE" sz="1200" b="0" strike="noStrike" spc="-1" dirty="0">
                 <a:solidFill>
                   <a:srgbClr val="000000"/>
                 </a:solidFill>
@@ -13641,7 +14014,7 @@
               <a:t>    </a:t>
             </a:r>
             <a:r>
-              <a:rPr lang="de-DE" sz="1200" b="1" strike="noStrike" spc="-1">
+              <a:rPr lang="de-DE" sz="1200" b="1" strike="noStrike" spc="-1" dirty="0">
                 <a:solidFill>
                   <a:srgbClr val="660E7A"/>
                 </a:solidFill>
@@ -13651,7 +14024,7 @@
               <a:t>form </a:t>
             </a:r>
             <a:r>
-              <a:rPr lang="de-DE" sz="1200" b="0" strike="noStrike" spc="-1">
+              <a:rPr lang="de-DE" sz="1200" b="0" strike="noStrike" spc="-1" dirty="0">
                 <a:solidFill>
                   <a:srgbClr val="000000"/>
                 </a:solidFill>
@@ -13661,17 +14034,27 @@
               <a:t>= </a:t>
             </a:r>
             <a:r>
-              <a:rPr lang="de-DE" sz="1200" b="1" strike="noStrike" spc="-1">
+              <a:rPr lang="de-DE" sz="1200" b="1" strike="noStrike" spc="-1" dirty="0" err="1">
                 <a:solidFill>
                   <a:srgbClr val="000080"/>
                 </a:solidFill>
                 <a:latin typeface="DejaVu Sans Mono"/>
                 <a:ea typeface="DejaVu Sans Mono"/>
               </a:rPr>
-              <a:t>new </a:t>
-            </a:r>
-            <a:r>
-              <a:rPr lang="de-DE" sz="1200" b="0" strike="noStrike" spc="-1">
+              <a:t>new</a:t>
+            </a:r>
+            <a:r>
+              <a:rPr lang="de-DE" sz="1200" b="1" strike="noStrike" spc="-1" dirty="0">
+                <a:solidFill>
+                  <a:srgbClr val="000080"/>
+                </a:solidFill>
+                <a:latin typeface="DejaVu Sans Mono"/>
+                <a:ea typeface="DejaVu Sans Mono"/>
+              </a:rPr>
+              <a:t> </a:t>
+            </a:r>
+            <a:r>
+              <a:rPr lang="de-DE" sz="1200" b="0" strike="noStrike" spc="-1" dirty="0">
                 <a:solidFill>
                   <a:srgbClr val="000000"/>
                 </a:solidFill>
@@ -13681,17 +14064,37 @@
               <a:t>Form&lt;&gt;(</a:t>
             </a:r>
             <a:r>
-              <a:rPr lang="de-DE" sz="1200" b="1" strike="noStrike" spc="-1">
+              <a:rPr lang="de-DE" sz="1200" b="1" strike="noStrike" spc="-1" dirty="0">
                 <a:solidFill>
                   <a:srgbClr val="008000"/>
                 </a:solidFill>
                 <a:latin typeface="DejaVu Sans Mono"/>
                 <a:ea typeface="DejaVu Sans Mono"/>
               </a:rPr>
-              <a:t>"form"</a:t>
-            </a:r>
-            <a:r>
-              <a:rPr lang="de-DE" sz="1200" b="0" strike="noStrike" spc="-1">
+              <a:t>"</a:t>
+            </a:r>
+            <a:r>
+              <a:rPr lang="de-DE" sz="1200" b="1" strike="noStrike" spc="-1" dirty="0">
+                <a:solidFill>
+                  <a:srgbClr val="FF0000"/>
+                </a:solidFill>
+                <a:latin typeface="DejaVu Sans Mono"/>
+                <a:ea typeface="DejaVu Sans Mono"/>
+              </a:rPr>
+              <a:t>form</a:t>
+            </a:r>
+            <a:r>
+              <a:rPr lang="de-DE" sz="1200" b="1" strike="noStrike" spc="-1" dirty="0">
+                <a:solidFill>
+                  <a:srgbClr val="008000"/>
+                </a:solidFill>
+                <a:latin typeface="DejaVu Sans Mono"/>
+                <a:ea typeface="DejaVu Sans Mono"/>
+              </a:rPr>
+              <a:t>"</a:t>
+            </a:r>
+            <a:r>
+              <a:rPr lang="de-DE" sz="1200" b="0" strike="noStrike" spc="-1" dirty="0">
                 <a:solidFill>
                   <a:srgbClr val="000000"/>
                 </a:solidFill>
@@ -13700,9 +14103,11 @@
               </a:rPr>
               <a:t>);</a:t>
             </a:r>
-            <a:br/>
-            <a:r>
-              <a:rPr lang="de-DE" sz="1200" b="0" strike="noStrike" spc="-1">
+            <a:br>
+              <a:rPr dirty="0"/>
+            </a:br>
+            <a:r>
+              <a:rPr lang="de-DE" sz="1200" b="0" strike="noStrike" spc="-1" dirty="0">
                 <a:solidFill>
                   <a:srgbClr val="000000"/>
                 </a:solidFill>
@@ -13712,7 +14117,7 @@
               <a:t>    </a:t>
             </a:r>
             <a:r>
-              <a:rPr lang="de-DE" sz="1200" b="1" strike="noStrike" spc="-1">
+              <a:rPr lang="de-DE" sz="1200" b="1" strike="noStrike" spc="-1" dirty="0" err="1">
                 <a:solidFill>
                   <a:srgbClr val="660E7A"/>
                 </a:solidFill>
@@ -13722,19 +14127,53 @@
               <a:t>form</a:t>
             </a:r>
             <a:r>
-              <a:rPr lang="de-DE" sz="1200" b="0" strike="noStrike" spc="-1">
-                <a:solidFill>
-                  <a:srgbClr val="000000"/>
-                </a:solidFill>
-                <a:latin typeface="DejaVu Sans Mono"/>
-                <a:ea typeface="DejaVu Sans Mono"/>
-              </a:rPr>
-              <a:t>.add(textField);</a:t>
-            </a:r>
-            <a:br/>
-            <a:br/>
-            <a:r>
-              <a:rPr lang="de-DE" sz="1200" b="0" strike="noStrike" spc="-1">
+              <a:rPr lang="de-DE" sz="1200" b="0" strike="noStrike" spc="-1" dirty="0" err="1">
+                <a:solidFill>
+                  <a:srgbClr val="000000"/>
+                </a:solidFill>
+                <a:latin typeface="DejaVu Sans Mono"/>
+                <a:ea typeface="DejaVu Sans Mono"/>
+              </a:rPr>
+              <a:t>.add</a:t>
+            </a:r>
+            <a:r>
+              <a:rPr lang="de-DE" sz="1200" b="0" strike="noStrike" spc="-1" dirty="0">
+                <a:solidFill>
+                  <a:srgbClr val="000000"/>
+                </a:solidFill>
+                <a:latin typeface="DejaVu Sans Mono"/>
+                <a:ea typeface="DejaVu Sans Mono"/>
+              </a:rPr>
+              <a:t>(</a:t>
+            </a:r>
+            <a:r>
+              <a:rPr lang="de-DE" sz="1200" b="0" strike="noStrike" spc="-1" dirty="0" err="1">
+                <a:solidFill>
+                  <a:srgbClr val="000000"/>
+                </a:solidFill>
+                <a:latin typeface="DejaVu Sans Mono"/>
+                <a:ea typeface="DejaVu Sans Mono"/>
+              </a:rPr>
+              <a:t>textField</a:t>
+            </a:r>
+            <a:r>
+              <a:rPr lang="de-DE" sz="1200" b="0" strike="noStrike" spc="-1" dirty="0">
+                <a:solidFill>
+                  <a:srgbClr val="000000"/>
+                </a:solidFill>
+                <a:latin typeface="DejaVu Sans Mono"/>
+                <a:ea typeface="DejaVu Sans Mono"/>
+              </a:rPr>
+              <a:t>);</a:t>
+            </a:r>
+            <a:br>
+              <a:rPr dirty="0"/>
+            </a:br>
+            <a:br>
+              <a:rPr dirty="0"/>
+            </a:br>
+            <a:r>
+              <a:rPr lang="de-DE" sz="1200" b="0" strike="noStrike" spc="-1" dirty="0">
                 <a:solidFill>
                   <a:srgbClr val="000000"/>
                 </a:solidFill>
@@ -13744,17 +14183,27 @@
               <a:t>    </a:t>
             </a:r>
             <a:r>
-              <a:rPr lang="de-DE" sz="1200" b="1" strike="noStrike" spc="-1">
+              <a:rPr lang="de-DE" sz="1200" b="1" strike="noStrike" spc="-1" dirty="0" err="1">
                 <a:solidFill>
                   <a:srgbClr val="660E7A"/>
                 </a:solidFill>
                 <a:latin typeface="DejaVu Sans Mono"/>
                 <a:ea typeface="DejaVu Sans Mono"/>
               </a:rPr>
-              <a:t>message </a:t>
-            </a:r>
-            <a:r>
-              <a:rPr lang="de-DE" sz="1200" b="0" strike="noStrike" spc="-1">
+              <a:t>message</a:t>
+            </a:r>
+            <a:r>
+              <a:rPr lang="de-DE" sz="1200" b="1" strike="noStrike" spc="-1" dirty="0">
+                <a:solidFill>
+                  <a:srgbClr val="660E7A"/>
+                </a:solidFill>
+                <a:latin typeface="DejaVu Sans Mono"/>
+                <a:ea typeface="DejaVu Sans Mono"/>
+              </a:rPr>
+              <a:t> </a:t>
+            </a:r>
+            <a:r>
+              <a:rPr lang="de-DE" sz="1200" b="0" strike="noStrike" spc="-1" dirty="0">
                 <a:solidFill>
                   <a:srgbClr val="000000"/>
                 </a:solidFill>
@@ -13764,17 +14213,27 @@
               <a:t>= </a:t>
             </a:r>
             <a:r>
-              <a:rPr lang="de-DE" sz="1200" b="1" strike="noStrike" spc="-1">
+              <a:rPr lang="de-DE" sz="1200" b="1" strike="noStrike" spc="-1" dirty="0" err="1">
                 <a:solidFill>
                   <a:srgbClr val="000080"/>
                 </a:solidFill>
                 <a:latin typeface="DejaVu Sans Mono"/>
                 <a:ea typeface="DejaVu Sans Mono"/>
               </a:rPr>
-              <a:t>new </a:t>
-            </a:r>
-            <a:r>
-              <a:rPr lang="de-DE" sz="1200" b="0" strike="noStrike" spc="-1">
+              <a:t>new</a:t>
+            </a:r>
+            <a:r>
+              <a:rPr lang="de-DE" sz="1200" b="1" strike="noStrike" spc="-1" dirty="0">
+                <a:solidFill>
+                  <a:srgbClr val="000080"/>
+                </a:solidFill>
+                <a:latin typeface="DejaVu Sans Mono"/>
+                <a:ea typeface="DejaVu Sans Mono"/>
+              </a:rPr>
+              <a:t> </a:t>
+            </a:r>
+            <a:r>
+              <a:rPr lang="de-DE" sz="1200" b="0" strike="noStrike" spc="-1" dirty="0">
                 <a:solidFill>
                   <a:srgbClr val="000000"/>
                 </a:solidFill>
@@ -13784,39 +14243,103 @@
               <a:t>Label(</a:t>
             </a:r>
             <a:r>
-              <a:rPr lang="de-DE" sz="1200" b="1" strike="noStrike" spc="-1">
+              <a:rPr lang="de-DE" sz="1200" b="1" strike="noStrike" spc="-1" dirty="0">
                 <a:solidFill>
                   <a:srgbClr val="008000"/>
                 </a:solidFill>
                 <a:latin typeface="DejaVu Sans Mono"/>
                 <a:ea typeface="DejaVu Sans Mono"/>
               </a:rPr>
-              <a:t>"echo-message"</a:t>
-            </a:r>
-            <a:r>
-              <a:rPr lang="de-DE" sz="1200" b="0" strike="noStrike" spc="-1">
-                <a:solidFill>
-                  <a:srgbClr val="000000"/>
-                </a:solidFill>
-                <a:latin typeface="DejaVu Sans Mono"/>
-                <a:ea typeface="DejaVu Sans Mono"/>
-              </a:rPr>
-              <a:t>, inputModel);</a:t>
-            </a:r>
-            <a:br/>
-            <a:br/>
-            <a:r>
-              <a:rPr lang="de-DE" sz="1200" b="0" strike="noStrike" spc="-1">
-                <a:solidFill>
-                  <a:srgbClr val="000000"/>
-                </a:solidFill>
-                <a:latin typeface="DejaVu Sans Mono"/>
-                <a:ea typeface="DejaVu Sans Mono"/>
-              </a:rPr>
-              <a:t>    add(</a:t>
-            </a:r>
-            <a:r>
-              <a:rPr lang="de-DE" sz="1200" b="1" strike="noStrike" spc="-1">
+              <a:t>"</a:t>
+            </a:r>
+            <a:r>
+              <a:rPr lang="de-DE" sz="1200" b="1" strike="noStrike" spc="-1" dirty="0">
+                <a:solidFill>
+                  <a:srgbClr val="FF0000"/>
+                </a:solidFill>
+                <a:latin typeface="DejaVu Sans Mono"/>
+                <a:ea typeface="DejaVu Sans Mono"/>
+              </a:rPr>
+              <a:t>echo-message</a:t>
+            </a:r>
+            <a:r>
+              <a:rPr lang="de-DE" sz="1200" b="1" strike="noStrike" spc="-1" dirty="0">
+                <a:solidFill>
+                  <a:srgbClr val="008000"/>
+                </a:solidFill>
+                <a:latin typeface="DejaVu Sans Mono"/>
+                <a:ea typeface="DejaVu Sans Mono"/>
+              </a:rPr>
+              <a:t>"</a:t>
+            </a:r>
+            <a:r>
+              <a:rPr lang="de-DE" sz="1200" b="0" strike="noStrike" spc="-1" dirty="0">
+                <a:solidFill>
+                  <a:srgbClr val="000000"/>
+                </a:solidFill>
+                <a:latin typeface="DejaVu Sans Mono"/>
+                <a:ea typeface="DejaVu Sans Mono"/>
+              </a:rPr>
+              <a:t>, </a:t>
+            </a:r>
+            <a:r>
+              <a:rPr lang="de-DE" sz="1200" b="0" strike="noStrike" spc="-1" dirty="0" err="1">
+                <a:solidFill>
+                  <a:srgbClr val="000000"/>
+                </a:solidFill>
+                <a:latin typeface="DejaVu Sans Mono"/>
+                <a:ea typeface="DejaVu Sans Mono"/>
+              </a:rPr>
+              <a:t>inputModel</a:t>
+            </a:r>
+            <a:r>
+              <a:rPr lang="de-DE" sz="1200" b="0" strike="noStrike" spc="-1" dirty="0">
+                <a:solidFill>
+                  <a:srgbClr val="000000"/>
+                </a:solidFill>
+                <a:latin typeface="DejaVu Sans Mono"/>
+                <a:ea typeface="DejaVu Sans Mono"/>
+              </a:rPr>
+              <a:t>);</a:t>
+            </a:r>
+            <a:br>
+              <a:rPr dirty="0"/>
+            </a:br>
+            <a:br>
+              <a:rPr dirty="0"/>
+            </a:br>
+            <a:r>
+              <a:rPr lang="de-DE" sz="1200" b="0" strike="noStrike" spc="-1" dirty="0">
+                <a:solidFill>
+                  <a:srgbClr val="000000"/>
+                </a:solidFill>
+                <a:latin typeface="DejaVu Sans Mono"/>
+                <a:ea typeface="DejaVu Sans Mono"/>
+              </a:rPr>
+              <a:t>    </a:t>
+            </a:r>
+            <a:r>
+              <a:rPr lang="de-DE" sz="1200" b="0" strike="noStrike" spc="-1" dirty="0" err="1">
+                <a:solidFill>
+                  <a:srgbClr val="000000"/>
+                </a:solidFill>
+                <a:latin typeface="DejaVu Sans Mono"/>
+                <a:ea typeface="DejaVu Sans Mono"/>
+              </a:rPr>
+              <a:t>add</a:t>
+            </a:r>
+            <a:r>
+              <a:rPr lang="de-DE" sz="1200" b="0" strike="noStrike" spc="-1" dirty="0">
+                <a:solidFill>
+                  <a:srgbClr val="000000"/>
+                </a:solidFill>
+                <a:latin typeface="DejaVu Sans Mono"/>
+                <a:ea typeface="DejaVu Sans Mono"/>
+              </a:rPr>
+              <a:t>(</a:t>
+            </a:r>
+            <a:r>
+              <a:rPr lang="de-DE" sz="1200" b="1" strike="noStrike" spc="-1" dirty="0">
                 <a:solidFill>
                   <a:srgbClr val="660E7A"/>
                 </a:solidFill>
@@ -13826,7 +14349,7 @@
               <a:t>form</a:t>
             </a:r>
             <a:r>
-              <a:rPr lang="de-DE" sz="1200" b="0" strike="noStrike" spc="-1">
+              <a:rPr lang="de-DE" sz="1200" b="0" strike="noStrike" spc="-1" dirty="0">
                 <a:solidFill>
                   <a:srgbClr val="000000"/>
                 </a:solidFill>
@@ -13835,19 +14358,41 @@
               </a:rPr>
               <a:t>);</a:t>
             </a:r>
-            <a:br/>
-            <a:r>
-              <a:rPr lang="de-DE" sz="1200" b="0" strike="noStrike" spc="-1">
-                <a:solidFill>
-                  <a:srgbClr val="000000"/>
-                </a:solidFill>
-                <a:latin typeface="DejaVu Sans Mono"/>
-                <a:ea typeface="DejaVu Sans Mono"/>
-              </a:rPr>
-              <a:t>    add(</a:t>
-            </a:r>
-            <a:r>
-              <a:rPr lang="de-DE" sz="1200" b="1" strike="noStrike" spc="-1">
+            <a:br>
+              <a:rPr dirty="0"/>
+            </a:br>
+            <a:r>
+              <a:rPr lang="de-DE" sz="1200" b="0" strike="noStrike" spc="-1" dirty="0">
+                <a:solidFill>
+                  <a:srgbClr val="000000"/>
+                </a:solidFill>
+                <a:latin typeface="DejaVu Sans Mono"/>
+                <a:ea typeface="DejaVu Sans Mono"/>
+              </a:rPr>
+              <a:t>    </a:t>
+            </a:r>
+            <a:r>
+              <a:rPr lang="de-DE" sz="1200" b="0" strike="noStrike" spc="-1" dirty="0" err="1">
+                <a:solidFill>
+                  <a:srgbClr val="000000"/>
+                </a:solidFill>
+                <a:latin typeface="DejaVu Sans Mono"/>
+                <a:ea typeface="DejaVu Sans Mono"/>
+              </a:rPr>
+              <a:t>add</a:t>
+            </a:r>
+            <a:r>
+              <a:rPr lang="de-DE" sz="1200" b="0" strike="noStrike" spc="-1" dirty="0">
+                <a:solidFill>
+                  <a:srgbClr val="000000"/>
+                </a:solidFill>
+                <a:latin typeface="DejaVu Sans Mono"/>
+                <a:ea typeface="DejaVu Sans Mono"/>
+              </a:rPr>
+              <a:t>(</a:t>
+            </a:r>
+            <a:r>
+              <a:rPr lang="de-DE" sz="1200" b="1" strike="noStrike" spc="-1" dirty="0" err="1">
                 <a:solidFill>
                   <a:srgbClr val="660E7A"/>
                 </a:solidFill>
@@ -13857,7 +14402,7 @@
               <a:t>message</a:t>
             </a:r>
             <a:r>
-              <a:rPr lang="de-DE" sz="1200" b="0" strike="noStrike" spc="-1">
+              <a:rPr lang="de-DE" sz="1200" b="0" strike="noStrike" spc="-1" dirty="0">
                 <a:solidFill>
                   <a:srgbClr val="000000"/>
                 </a:solidFill>
@@ -13866,9 +14411,11 @@
               </a:rPr>
               <a:t>);</a:t>
             </a:r>
-            <a:br/>
-            <a:r>
-              <a:rPr lang="de-DE" sz="1200" b="0" strike="noStrike" spc="-1">
+            <a:br>
+              <a:rPr dirty="0"/>
+            </a:br>
+            <a:r>
+              <a:rPr lang="de-DE" sz="1200" b="0" strike="noStrike" spc="-1" dirty="0">
                 <a:solidFill>
                   <a:srgbClr val="000000"/>
                 </a:solidFill>
@@ -13877,7 +14424,7 @@
               </a:rPr>
               <a:t>}</a:t>
             </a:r>
-            <a:endParaRPr lang="de-DE" sz="1200" b="0" strike="noStrike" spc="-1">
+            <a:endParaRPr lang="de-DE" sz="1200" b="0" strike="noStrike" spc="-1" dirty="0">
               <a:latin typeface="Arial"/>
             </a:endParaRPr>
           </a:p>
@@ -13891,7 +14438,7 @@
         </p:nvSpPr>
         <p:spPr>
           <a:xfrm>
-            <a:off x="648000" y="4329048"/>
+            <a:off x="648000" y="4355944"/>
             <a:ext cx="8171640" cy="2411640"/>
           </a:xfrm>
           <a:prstGeom prst="rect">
@@ -14100,7 +14647,27 @@
                 <a:latin typeface="DejaVu Sans Mono"/>
                 <a:ea typeface="DejaVu Sans Mono"/>
               </a:rPr>
-              <a:t>"form"</a:t>
+              <a:t>"</a:t>
+            </a:r>
+            <a:r>
+              <a:rPr lang="de-DE" sz="1100" b="1" strike="noStrike" spc="-1" dirty="0">
+                <a:solidFill>
+                  <a:srgbClr val="FF0000"/>
+                </a:solidFill>
+                <a:latin typeface="DejaVu Sans Mono"/>
+                <a:ea typeface="DejaVu Sans Mono"/>
+              </a:rPr>
+              <a:t>form</a:t>
+            </a:r>
+            <a:r>
+              <a:rPr lang="de-DE" sz="1100" b="1" strike="noStrike" spc="-1" dirty="0">
+                <a:solidFill>
+                  <a:srgbClr val="008000"/>
+                </a:solidFill>
+                <a:latin typeface="DejaVu Sans Mono"/>
+                <a:ea typeface="DejaVu Sans Mono"/>
+              </a:rPr>
+              <a:t>"</a:t>
             </a:r>
             <a:r>
               <a:rPr lang="de-DE" sz="1100" b="0" strike="noStrike" spc="-1" dirty="0">
@@ -14369,7 +14936,27 @@
                 <a:latin typeface="DejaVu Sans Mono"/>
                 <a:ea typeface="DejaVu Sans Mono"/>
               </a:rPr>
-              <a:t>"echo-input" </a:t>
+              <a:t>"</a:t>
+            </a:r>
+            <a:r>
+              <a:rPr lang="de-DE" sz="1100" b="1" strike="noStrike" spc="-1" dirty="0">
+                <a:solidFill>
+                  <a:srgbClr val="FF0000"/>
+                </a:solidFill>
+                <a:latin typeface="DejaVu Sans Mono"/>
+                <a:ea typeface="DejaVu Sans Mono"/>
+              </a:rPr>
+              <a:t>echo-input</a:t>
+            </a:r>
+            <a:r>
+              <a:rPr lang="de-DE" sz="1100" b="1" strike="noStrike" spc="-1" dirty="0">
+                <a:solidFill>
+                  <a:srgbClr val="008000"/>
+                </a:solidFill>
+                <a:latin typeface="DejaVu Sans Mono"/>
+                <a:ea typeface="DejaVu Sans Mono"/>
+              </a:rPr>
+              <a:t>" </a:t>
             </a:r>
             <a:r>
               <a:rPr lang="de-DE" sz="1100" b="1" strike="noStrike" spc="-1" dirty="0" err="1">
@@ -14854,7 +15441,27 @@
                 <a:latin typeface="DejaVu Sans Mono"/>
                 <a:ea typeface="DejaVu Sans Mono"/>
               </a:rPr>
-              <a:t>"echo-message"</a:t>
+              <a:t>"</a:t>
+            </a:r>
+            <a:r>
+              <a:rPr lang="de-DE" sz="1100" b="1" strike="noStrike" spc="-1" dirty="0">
+                <a:solidFill>
+                  <a:srgbClr val="FF0000"/>
+                </a:solidFill>
+                <a:latin typeface="DejaVu Sans Mono"/>
+                <a:ea typeface="DejaVu Sans Mono"/>
+              </a:rPr>
+              <a:t>echo-message</a:t>
+            </a:r>
+            <a:r>
+              <a:rPr lang="de-DE" sz="1100" b="1" strike="noStrike" spc="-1" dirty="0">
+                <a:solidFill>
+                  <a:srgbClr val="008000"/>
+                </a:solidFill>
+                <a:latin typeface="DejaVu Sans Mono"/>
+                <a:ea typeface="DejaVu Sans Mono"/>
+              </a:rPr>
+              <a:t>"</a:t>
             </a:r>
             <a:r>
               <a:rPr lang="de-DE" sz="1100" b="0" strike="noStrike" spc="-1" dirty="0">
@@ -16249,7 +16856,7 @@
         </p:blipFill>
         <p:spPr>
           <a:xfrm>
-            <a:off x="3390840" y="-1676520"/>
+            <a:off x="3390840" y="-1582385"/>
             <a:ext cx="5854680" cy="6146640"/>
           </a:xfrm>
           <a:prstGeom prst="rect">
@@ -16609,7 +17216,7 @@
                 </a:solidFill>
                 <a:latin typeface="DejaVu Sans Mono"/>
               </a:rPr>
-              <a:t>	</a:t>
+              <a:t>    </a:t>
             </a:r>
             <a:r>
               <a:rPr lang="de-DE" sz="900" b="1" strike="noStrike" spc="-1" dirty="0">
@@ -16718,14 +17325,13 @@
               <a:rPr sz="900" dirty="0"/>
             </a:br>
             <a:r>
-              <a:rPr lang="de-DE" sz="900" b="0" strike="noStrike" spc="-1" dirty="0">
-                <a:solidFill>
-                  <a:srgbClr val="000000"/>
-                </a:solidFill>
-                <a:latin typeface="DejaVu Sans Mono"/>
-                <a:ea typeface="DejaVu Sans Mono"/>
-              </a:rPr>
-              <a:t>	</a:t>
+              <a:rPr lang="de-DE" sz="900" spc="-1" dirty="0">
+                <a:solidFill>
+                  <a:srgbClr val="000000"/>
+                </a:solidFill>
+                <a:latin typeface="DejaVu Sans Mono"/>
+              </a:rPr>
+              <a:t>    </a:t>
             </a:r>
             <a:r>
               <a:rPr lang="de-DE" sz="900" b="1" strike="noStrike" spc="-1" dirty="0">
@@ -16781,14 +17387,13 @@
               <a:rPr sz="900" dirty="0"/>
             </a:br>
             <a:r>
-              <a:rPr lang="de-DE" sz="900" b="0" strike="noStrike" spc="-1" dirty="0">
-                <a:solidFill>
-                  <a:srgbClr val="000000"/>
-                </a:solidFill>
-                <a:latin typeface="DejaVu Sans Mono"/>
-                <a:ea typeface="DejaVu Sans Mono"/>
-              </a:rPr>
-              <a:t>	</a:t>
+              <a:rPr lang="de-DE" sz="900" spc="-1" dirty="0">
+                <a:solidFill>
+                  <a:srgbClr val="000000"/>
+                </a:solidFill>
+                <a:latin typeface="DejaVu Sans Mono"/>
+              </a:rPr>
+              <a:t>    </a:t>
             </a:r>
             <a:r>
               <a:rPr lang="de-DE" sz="900" b="1" strike="noStrike" spc="-1" dirty="0">
@@ -16834,14 +17439,13 @@
               <a:rPr sz="900" dirty="0"/>
             </a:br>
             <a:r>
-              <a:rPr lang="de-DE" sz="900" b="0" strike="noStrike" spc="-1" dirty="0">
-                <a:solidFill>
-                  <a:srgbClr val="000000"/>
-                </a:solidFill>
-                <a:latin typeface="DejaVu Sans Mono"/>
-                <a:ea typeface="DejaVu Sans Mono"/>
-              </a:rPr>
-              <a:t>	</a:t>
+              <a:rPr lang="de-DE" sz="900" spc="-1" dirty="0">
+                <a:solidFill>
+                  <a:srgbClr val="000000"/>
+                </a:solidFill>
+                <a:latin typeface="DejaVu Sans Mono"/>
+              </a:rPr>
+              <a:t>    </a:t>
             </a:r>
             <a:r>
               <a:rPr lang="de-DE" sz="900" b="1" strike="noStrike" spc="-1" dirty="0">
@@ -16887,14 +17491,13 @@
               <a:rPr sz="900" dirty="0"/>
             </a:br>
             <a:r>
-              <a:rPr lang="de-DE" sz="900" b="0" strike="noStrike" spc="-1" dirty="0">
-                <a:solidFill>
-                  <a:srgbClr val="000000"/>
-                </a:solidFill>
-                <a:latin typeface="DejaVu Sans Mono"/>
-                <a:ea typeface="DejaVu Sans Mono"/>
-              </a:rPr>
-              <a:t>	</a:t>
+              <a:rPr lang="de-DE" sz="900" spc="-1" dirty="0">
+                <a:solidFill>
+                  <a:srgbClr val="000000"/>
+                </a:solidFill>
+                <a:latin typeface="DejaVu Sans Mono"/>
+              </a:rPr>
+              <a:t>    </a:t>
             </a:r>
             <a:r>
               <a:rPr lang="de-DE" sz="900" b="1" strike="noStrike" spc="-1" dirty="0">
@@ -16963,14 +17566,13 @@
               <a:rPr sz="900" dirty="0"/>
             </a:br>
             <a:r>
-              <a:rPr lang="de-DE" sz="900" b="0" strike="noStrike" spc="-1" dirty="0">
-                <a:solidFill>
-                  <a:srgbClr val="000000"/>
-                </a:solidFill>
-                <a:latin typeface="DejaVu Sans Mono"/>
-                <a:ea typeface="DejaVu Sans Mono"/>
-              </a:rPr>
-              <a:t>	</a:t>
+              <a:rPr lang="de-DE" sz="900" spc="-1" dirty="0">
+                <a:solidFill>
+                  <a:srgbClr val="000000"/>
+                </a:solidFill>
+                <a:latin typeface="DejaVu Sans Mono"/>
+              </a:rPr>
+              <a:t>    </a:t>
             </a:r>
             <a:r>
               <a:rPr lang="de-DE" sz="900" b="1" strike="noStrike" spc="-1" dirty="0" err="1">
@@ -17006,14 +17608,13 @@
               <a:rPr sz="900" dirty="0"/>
             </a:br>
             <a:r>
-              <a:rPr lang="de-DE" sz="900" b="0" strike="noStrike" spc="-1" dirty="0">
-                <a:solidFill>
-                  <a:srgbClr val="000000"/>
-                </a:solidFill>
-                <a:latin typeface="DejaVu Sans Mono"/>
-                <a:ea typeface="DejaVu Sans Mono"/>
-              </a:rPr>
-              <a:t>		</a:t>
+              <a:rPr lang="de-DE" sz="900" spc="-1" dirty="0">
+                <a:solidFill>
+                  <a:srgbClr val="000000"/>
+                </a:solidFill>
+                <a:latin typeface="DejaVu Sans Mono"/>
+              </a:rPr>
+              <a:t>        </a:t>
             </a:r>
             <a:r>
               <a:rPr lang="de-DE" sz="900" b="1" strike="noStrike" spc="-1" dirty="0" err="1">
@@ -17069,14 +17670,13 @@
               <a:rPr sz="900" dirty="0"/>
             </a:br>
             <a:r>
-              <a:rPr lang="de-DE" sz="900" b="0" strike="noStrike" spc="-1" dirty="0">
-                <a:solidFill>
-                  <a:srgbClr val="000000"/>
-                </a:solidFill>
-                <a:latin typeface="DejaVu Sans Mono"/>
-                <a:ea typeface="DejaVu Sans Mono"/>
-              </a:rPr>
-              <a:t>		</a:t>
+              <a:rPr lang="de-DE" sz="900" spc="-1" dirty="0">
+                <a:solidFill>
+                  <a:srgbClr val="000000"/>
+                </a:solidFill>
+                <a:latin typeface="DejaVu Sans Mono"/>
+              </a:rPr>
+              <a:t>        </a:t>
             </a:r>
             <a:r>
               <a:rPr lang="de-DE" sz="900" b="1" strike="noStrike" spc="-1" dirty="0" err="1">
@@ -17162,14 +17762,13 @@
               <a:rPr sz="900" dirty="0"/>
             </a:br>
             <a:r>
-              <a:rPr lang="de-DE" sz="900" b="0" strike="noStrike" spc="-1" dirty="0">
-                <a:solidFill>
-                  <a:srgbClr val="000000"/>
-                </a:solidFill>
-                <a:latin typeface="DejaVu Sans Mono"/>
-                <a:ea typeface="DejaVu Sans Mono"/>
-              </a:rPr>
-              <a:t>		</a:t>
+              <a:rPr lang="de-DE" sz="900" spc="-1" dirty="0">
+                <a:solidFill>
+                  <a:srgbClr val="000000"/>
+                </a:solidFill>
+                <a:latin typeface="DejaVu Sans Mono"/>
+              </a:rPr>
+              <a:t>        </a:t>
             </a:r>
             <a:r>
               <a:rPr lang="de-DE" sz="900" b="1" strike="noStrike" spc="-1" dirty="0" err="1">
@@ -17278,14 +17877,13 @@
               <a:rPr sz="900" dirty="0"/>
             </a:br>
             <a:r>
-              <a:rPr lang="de-DE" sz="900" b="0" strike="noStrike" spc="-1" dirty="0">
-                <a:solidFill>
-                  <a:srgbClr val="000000"/>
-                </a:solidFill>
-                <a:latin typeface="DejaVu Sans Mono"/>
-                <a:ea typeface="DejaVu Sans Mono"/>
-              </a:rPr>
-              <a:t>		</a:t>
+              <a:rPr lang="de-DE" sz="900" spc="-1" dirty="0">
+                <a:solidFill>
+                  <a:srgbClr val="000000"/>
+                </a:solidFill>
+                <a:latin typeface="DejaVu Sans Mono"/>
+              </a:rPr>
+              <a:t>        </a:t>
             </a:r>
             <a:r>
               <a:rPr lang="de-DE" sz="900" b="1" strike="noStrike" spc="-1" dirty="0">
@@ -17381,14 +17979,13 @@
               <a:rPr sz="900" dirty="0"/>
             </a:br>
             <a:r>
-              <a:rPr lang="de-DE" sz="900" b="0" strike="noStrike" spc="-1" dirty="0">
-                <a:solidFill>
-                  <a:srgbClr val="000000"/>
-                </a:solidFill>
-                <a:latin typeface="DejaVu Sans Mono"/>
-                <a:ea typeface="DejaVu Sans Mono"/>
-              </a:rPr>
-              <a:t>			</a:t>
+              <a:rPr lang="de-DE" sz="900" spc="-1" dirty="0">
+                <a:solidFill>
+                  <a:srgbClr val="000000"/>
+                </a:solidFill>
+                <a:latin typeface="DejaVu Sans Mono"/>
+              </a:rPr>
+              <a:t>            </a:t>
             </a:r>
             <a:r>
               <a:rPr lang="de-DE" sz="900" b="0" strike="noStrike" spc="-1" dirty="0">
@@ -17414,14 +18011,13 @@
               <a:rPr sz="900" dirty="0"/>
             </a:br>
             <a:r>
-              <a:rPr lang="de-DE" sz="900" b="0" strike="noStrike" spc="-1" dirty="0">
+              <a:rPr lang="de-DE" sz="900" spc="-1" dirty="0">
                 <a:solidFill>
                   <a:srgbClr val="808000"/>
                 </a:solidFill>
                 <a:latin typeface="DejaVu Sans Mono"/>
-                <a:ea typeface="DejaVu Sans Mono"/>
-              </a:rPr>
-              <a:t>			</a:t>
+              </a:rPr>
+              <a:t>            </a:t>
             </a:r>
             <a:r>
               <a:rPr lang="de-DE" sz="900" b="1" strike="noStrike" spc="-1" dirty="0" err="1">
@@ -17487,6 +18083,25 @@
               <a:rPr sz="900" dirty="0"/>
             </a:br>
             <a:r>
+              <a:rPr lang="de-DE" sz="900" spc="-1" dirty="0">
+                <a:solidFill>
+                  <a:srgbClr val="000000"/>
+                </a:solidFill>
+                <a:latin typeface="DejaVu Sans Mono"/>
+              </a:rPr>
+              <a:t>                </a:t>
+            </a:r>
+            <a:r>
+              <a:rPr lang="de-DE" sz="900" b="1" strike="noStrike" spc="-1" dirty="0" err="1">
+                <a:solidFill>
+                  <a:srgbClr val="660E7A"/>
+                </a:solidFill>
+                <a:latin typeface="DejaVu Sans Mono"/>
+                <a:ea typeface="DejaVu Sans Mono"/>
+              </a:rPr>
+              <a:t>linkClicks</a:t>
+            </a:r>
+            <a:r>
               <a:rPr lang="de-DE" sz="900" b="0" strike="noStrike" spc="-1" dirty="0">
                 <a:solidFill>
                   <a:srgbClr val="000000"/>
@@ -17494,7 +18109,19 @@
                 <a:latin typeface="DejaVu Sans Mono"/>
                 <a:ea typeface="DejaVu Sans Mono"/>
               </a:rPr>
-              <a:t>				</a:t>
+              <a:t>++;</a:t>
+            </a:r>
+          </a:p>
+          <a:p>
+            <a:r>
+              <a:rPr lang="de-DE" sz="900" spc="-1" dirty="0">
+                <a:solidFill>
+                  <a:srgbClr val="000000"/>
+                </a:solidFill>
+                <a:latin typeface="DejaVu Sans Mono"/>
+                <a:ea typeface="DejaVu Sans Mono"/>
+              </a:rPr>
+              <a:t>                </a:t>
             </a:r>
             <a:r>
               <a:rPr lang="de-DE" sz="900" b="1" strike="noStrike" spc="-1" dirty="0" err="1">
@@ -17504,6 +18131,36 @@
                 <a:latin typeface="DejaVu Sans Mono"/>
                 <a:ea typeface="DejaVu Sans Mono"/>
               </a:rPr>
+              <a:t>linkLabelModel</a:t>
+            </a:r>
+            <a:r>
+              <a:rPr lang="de-DE" sz="900" b="0" strike="noStrike" spc="-1" dirty="0" err="1">
+                <a:solidFill>
+                  <a:srgbClr val="000000"/>
+                </a:solidFill>
+                <a:latin typeface="DejaVu Sans Mono"/>
+                <a:ea typeface="DejaVu Sans Mono"/>
+              </a:rPr>
+              <a:t>.setObject</a:t>
+            </a:r>
+            <a:r>
+              <a:rPr lang="de-DE" sz="900" b="0" strike="noStrike" spc="-1" dirty="0">
+                <a:solidFill>
+                  <a:srgbClr val="000000"/>
+                </a:solidFill>
+                <a:latin typeface="DejaVu Sans Mono"/>
+                <a:ea typeface="DejaVu Sans Mono"/>
+              </a:rPr>
+              <a:t>(</a:t>
+            </a:r>
+            <a:r>
+              <a:rPr lang="de-DE" sz="900" b="1" strike="noStrike" spc="-1" dirty="0" err="1">
+                <a:solidFill>
+                  <a:srgbClr val="660E7A"/>
+                </a:solidFill>
+                <a:latin typeface="DejaVu Sans Mono"/>
+                <a:ea typeface="DejaVu Sans Mono"/>
+              </a:rPr>
               <a:t>linkClicks</a:t>
             </a:r>
             <a:r>
@@ -17514,12 +18171,21 @@
                 <a:latin typeface="DejaVu Sans Mono"/>
                 <a:ea typeface="DejaVu Sans Mono"/>
               </a:rPr>
-              <a:t>++;</a:t>
+              <a:t>);</a:t>
             </a:r>
             <a:br>
               <a:rPr sz="900" dirty="0"/>
             </a:br>
             <a:r>
+              <a:rPr lang="de-DE" sz="900" spc="-1" dirty="0">
+                <a:solidFill>
+                  <a:srgbClr val="000000"/>
+                </a:solidFill>
+                <a:latin typeface="DejaVu Sans Mono"/>
+              </a:rPr>
+              <a:t>            </a:t>
+            </a:r>
+            <a:r>
               <a:rPr lang="de-DE" sz="900" b="0" strike="noStrike" spc="-1" dirty="0">
                 <a:solidFill>
                   <a:srgbClr val="000000"/>
@@ -17527,62 +18193,21 @@
                 <a:latin typeface="DejaVu Sans Mono"/>
                 <a:ea typeface="DejaVu Sans Mono"/>
               </a:rPr>
-              <a:t>				</a:t>
-            </a:r>
-            <a:r>
-              <a:rPr lang="de-DE" sz="900" b="1" strike="noStrike" spc="-1" dirty="0" err="1">
-                <a:solidFill>
-                  <a:srgbClr val="660E7A"/>
-                </a:solidFill>
-                <a:latin typeface="DejaVu Sans Mono"/>
-                <a:ea typeface="DejaVu Sans Mono"/>
-              </a:rPr>
-              <a:t>linkLabelModel</a:t>
-            </a:r>
-            <a:r>
-              <a:rPr lang="de-DE" sz="900" b="0" strike="noStrike" spc="-1" dirty="0" err="1">
-                <a:solidFill>
-                  <a:srgbClr val="000000"/>
-                </a:solidFill>
-                <a:latin typeface="DejaVu Sans Mono"/>
-                <a:ea typeface="DejaVu Sans Mono"/>
-              </a:rPr>
-              <a:t>.setObject</a:t>
-            </a:r>
-            <a:r>
-              <a:rPr lang="de-DE" sz="900" b="0" strike="noStrike" spc="-1" dirty="0">
-                <a:solidFill>
-                  <a:srgbClr val="000000"/>
-                </a:solidFill>
-                <a:latin typeface="DejaVu Sans Mono"/>
-                <a:ea typeface="DejaVu Sans Mono"/>
-              </a:rPr>
-              <a:t>(</a:t>
-            </a:r>
-            <a:r>
-              <a:rPr lang="de-DE" sz="900" b="1" strike="noStrike" spc="-1" dirty="0" err="1">
-                <a:solidFill>
-                  <a:srgbClr val="660E7A"/>
-                </a:solidFill>
-                <a:latin typeface="DejaVu Sans Mono"/>
-                <a:ea typeface="DejaVu Sans Mono"/>
-              </a:rPr>
-              <a:t>linkClicks</a:t>
-            </a:r>
-            <a:r>
-              <a:rPr lang="de-DE" sz="900" b="0" strike="noStrike" spc="-1" dirty="0">
-                <a:solidFill>
-                  <a:srgbClr val="000000"/>
-                </a:solidFill>
-                <a:latin typeface="DejaVu Sans Mono"/>
-                <a:ea typeface="DejaVu Sans Mono"/>
-              </a:rPr>
-              <a:t>);</a:t>
+              <a:t>}</a:t>
             </a:r>
             <a:br>
               <a:rPr sz="900" dirty="0"/>
             </a:br>
             <a:r>
+              <a:rPr lang="de-DE" sz="900" spc="-1" dirty="0">
+                <a:solidFill>
+                  <a:srgbClr val="000000"/>
+                </a:solidFill>
+                <a:latin typeface="DejaVu Sans Mono"/>
+              </a:rPr>
+              <a:t>        </a:t>
+            </a:r>
+            <a:r>
               <a:rPr lang="de-DE" sz="900" b="0" strike="noStrike" spc="-1" dirty="0">
                 <a:solidFill>
                   <a:srgbClr val="000000"/>
@@ -17590,20 +18215,7 @@
                 <a:latin typeface="DejaVu Sans Mono"/>
                 <a:ea typeface="DejaVu Sans Mono"/>
               </a:rPr>
-              <a:t>			}</a:t>
-            </a:r>
-            <a:br>
-              <a:rPr sz="900" dirty="0"/>
-            </a:br>
-            <a:r>
-              <a:rPr lang="de-DE" sz="900" b="0" strike="noStrike" spc="-1" dirty="0">
-                <a:solidFill>
-                  <a:srgbClr val="000000"/>
-                </a:solidFill>
-                <a:latin typeface="DejaVu Sans Mono"/>
-                <a:ea typeface="DejaVu Sans Mono"/>
-              </a:rPr>
-              <a:t>		};</a:t>
+              <a:t>};</a:t>
             </a:r>
             <a:br>
               <a:rPr sz="900" dirty="0"/>
@@ -17612,14 +18224,13 @@
               <a:rPr sz="900" dirty="0"/>
             </a:br>
             <a:r>
-              <a:rPr lang="de-DE" sz="900" b="0" strike="noStrike" spc="-1" dirty="0">
-                <a:solidFill>
-                  <a:srgbClr val="000000"/>
-                </a:solidFill>
-                <a:latin typeface="DejaVu Sans Mono"/>
-                <a:ea typeface="DejaVu Sans Mono"/>
-              </a:rPr>
-              <a:t>		</a:t>
+              <a:rPr lang="de-DE" sz="900" spc="-1" dirty="0">
+                <a:solidFill>
+                  <a:srgbClr val="000000"/>
+                </a:solidFill>
+                <a:latin typeface="DejaVu Sans Mono"/>
+              </a:rPr>
+              <a:t>        </a:t>
             </a:r>
             <a:r>
               <a:rPr lang="de-DE" sz="900" b="0" strike="noStrike" spc="-1" dirty="0" err="1">
@@ -17665,14 +18276,13 @@
               <a:rPr sz="900" dirty="0"/>
             </a:br>
             <a:r>
-              <a:rPr lang="de-DE" sz="900" b="0" strike="noStrike" spc="-1" dirty="0">
-                <a:solidFill>
-                  <a:srgbClr val="000000"/>
-                </a:solidFill>
-                <a:latin typeface="DejaVu Sans Mono"/>
-                <a:ea typeface="DejaVu Sans Mono"/>
-              </a:rPr>
-              <a:t>		</a:t>
+              <a:rPr lang="de-DE" sz="900" spc="-1" dirty="0">
+                <a:solidFill>
+                  <a:srgbClr val="000000"/>
+                </a:solidFill>
+                <a:latin typeface="DejaVu Sans Mono"/>
+              </a:rPr>
+              <a:t>        </a:t>
             </a:r>
             <a:r>
               <a:rPr lang="de-DE" sz="900" b="0" strike="noStrike" spc="-1" dirty="0" err="1">
@@ -17718,6 +18328,15 @@
               <a:rPr sz="900" dirty="0"/>
             </a:br>
             <a:r>
+              <a:rPr lang="de-DE" sz="900" spc="-1" dirty="0">
+                <a:solidFill>
+                  <a:srgbClr val="000000"/>
+                </a:solidFill>
+                <a:latin typeface="DejaVu Sans Mono"/>
+              </a:rPr>
+              <a:t>        </a:t>
+            </a:r>
+            <a:r>
               <a:rPr lang="de-DE" sz="900" b="0" strike="noStrike" spc="-1" dirty="0">
                 <a:solidFill>
                   <a:srgbClr val="000000"/>
@@ -17725,7 +18344,7 @@
                 <a:latin typeface="DejaVu Sans Mono"/>
                 <a:ea typeface="DejaVu Sans Mono"/>
               </a:rPr>
-              <a:t>	}</a:t>
+              <a:t>}</a:t>
             </a:r>
             <a:br>
               <a:rPr sz="900" dirty="0"/>
@@ -17777,7 +18396,7 @@
         </p:blipFill>
         <p:spPr>
           <a:xfrm>
-            <a:off x="5436360" y="1051520"/>
+            <a:off x="4958986" y="2591219"/>
             <a:ext cx="3707640" cy="3444840"/>
           </a:xfrm>
           <a:prstGeom prst="rect">
@@ -18766,7 +19385,27 @@
                 <a:latin typeface="DejaVu Sans Mono"/>
                 <a:ea typeface="DejaVu Sans Mono"/>
               </a:rPr>
-              <a:t>"form"</a:t>
+              <a:t>"</a:t>
+            </a:r>
+            <a:r>
+              <a:rPr lang="de-DE" sz="1100" b="1" strike="noStrike" spc="-1" dirty="0">
+                <a:solidFill>
+                  <a:srgbClr val="FF0000"/>
+                </a:solidFill>
+                <a:latin typeface="DejaVu Sans Mono"/>
+                <a:ea typeface="DejaVu Sans Mono"/>
+              </a:rPr>
+              <a:t>form</a:t>
+            </a:r>
+            <a:r>
+              <a:rPr lang="de-DE" sz="1100" b="1" strike="noStrike" spc="-1" dirty="0">
+                <a:solidFill>
+                  <a:srgbClr val="008000"/>
+                </a:solidFill>
+                <a:latin typeface="DejaVu Sans Mono"/>
+                <a:ea typeface="DejaVu Sans Mono"/>
+              </a:rPr>
+              <a:t>"</a:t>
             </a:r>
             <a:r>
               <a:rPr lang="de-DE" sz="1100" b="0" strike="noStrike" spc="-1" dirty="0">
@@ -18912,7 +19551,27 @@
                 <a:latin typeface="DejaVu Sans Mono"/>
                 <a:ea typeface="DejaVu Sans Mono"/>
               </a:rPr>
-              <a:t>"echo-input" </a:t>
+              <a:t>"</a:t>
+            </a:r>
+            <a:r>
+              <a:rPr lang="de-DE" sz="1100" b="1" strike="noStrike" spc="-1" dirty="0">
+                <a:solidFill>
+                  <a:srgbClr val="FF0000"/>
+                </a:solidFill>
+                <a:latin typeface="DejaVu Sans Mono"/>
+                <a:ea typeface="DejaVu Sans Mono"/>
+              </a:rPr>
+              <a:t>echo-input</a:t>
+            </a:r>
+            <a:r>
+              <a:rPr lang="de-DE" sz="1100" b="1" strike="noStrike" spc="-1" dirty="0">
+                <a:solidFill>
+                  <a:srgbClr val="008000"/>
+                </a:solidFill>
+                <a:latin typeface="DejaVu Sans Mono"/>
+                <a:ea typeface="DejaVu Sans Mono"/>
+              </a:rPr>
+              <a:t>" </a:t>
             </a:r>
             <a:r>
               <a:rPr lang="de-DE" sz="1100" b="1" strike="noStrike" spc="-1" dirty="0">
@@ -19224,7 +19883,27 @@
                 <a:latin typeface="DejaVu Sans Mono"/>
                 <a:ea typeface="DejaVu Sans Mono"/>
               </a:rPr>
-              <a:t>"echo-message"</a:t>
+              <a:t>"</a:t>
+            </a:r>
+            <a:r>
+              <a:rPr lang="de-DE" sz="1100" b="1" strike="noStrike" spc="-1" dirty="0">
+                <a:solidFill>
+                  <a:srgbClr val="FF0000"/>
+                </a:solidFill>
+                <a:latin typeface="DejaVu Sans Mono"/>
+                <a:ea typeface="DejaVu Sans Mono"/>
+              </a:rPr>
+              <a:t>echo-message</a:t>
+            </a:r>
+            <a:r>
+              <a:rPr lang="de-DE" sz="1100" b="1" strike="noStrike" spc="-1" dirty="0">
+                <a:solidFill>
+                  <a:srgbClr val="008000"/>
+                </a:solidFill>
+                <a:latin typeface="DejaVu Sans Mono"/>
+                <a:ea typeface="DejaVu Sans Mono"/>
+              </a:rPr>
+              <a:t>"</a:t>
             </a:r>
             <a:r>
               <a:rPr lang="de-DE" sz="1100" b="0" strike="noStrike" spc="-1" dirty="0">
@@ -19536,7 +20215,27 @@
                 <a:latin typeface="DejaVu Sans Mono"/>
                 <a:ea typeface="DejaVu Sans Mono"/>
               </a:rPr>
-              <a:t>"echo-input"</a:t>
+              <a:t>"</a:t>
+            </a:r>
+            <a:r>
+              <a:rPr lang="de-DE" sz="1100" b="1" strike="noStrike" spc="-1" dirty="0">
+                <a:solidFill>
+                  <a:srgbClr val="FF0000"/>
+                </a:solidFill>
+                <a:latin typeface="DejaVu Sans Mono"/>
+                <a:ea typeface="DejaVu Sans Mono"/>
+              </a:rPr>
+              <a:t>echo-input</a:t>
+            </a:r>
+            <a:r>
+              <a:rPr lang="de-DE" sz="1100" b="1" strike="noStrike" spc="-1" dirty="0">
+                <a:solidFill>
+                  <a:srgbClr val="008000"/>
+                </a:solidFill>
+                <a:latin typeface="DejaVu Sans Mono"/>
+                <a:ea typeface="DejaVu Sans Mono"/>
+              </a:rPr>
+              <a:t>"</a:t>
             </a:r>
             <a:r>
               <a:rPr lang="de-DE" sz="1100" b="0" strike="noStrike" spc="-1" dirty="0">
@@ -19642,7 +20341,27 @@
                 <a:latin typeface="DejaVu Sans Mono"/>
                 <a:ea typeface="DejaVu Sans Mono"/>
               </a:rPr>
-              <a:t>"form"</a:t>
+              <a:t>"</a:t>
+            </a:r>
+            <a:r>
+              <a:rPr lang="de-DE" sz="1100" b="1" strike="noStrike" spc="-1" dirty="0">
+                <a:solidFill>
+                  <a:srgbClr val="FF0000"/>
+                </a:solidFill>
+                <a:latin typeface="DejaVu Sans Mono"/>
+                <a:ea typeface="DejaVu Sans Mono"/>
+              </a:rPr>
+              <a:t>form</a:t>
+            </a:r>
+            <a:r>
+              <a:rPr lang="de-DE" sz="1100" b="1" strike="noStrike" spc="-1" dirty="0">
+                <a:solidFill>
+                  <a:srgbClr val="008000"/>
+                </a:solidFill>
+                <a:latin typeface="DejaVu Sans Mono"/>
+                <a:ea typeface="DejaVu Sans Mono"/>
+              </a:rPr>
+              <a:t>"</a:t>
             </a:r>
             <a:r>
               <a:rPr lang="de-DE" sz="1100" b="0" strike="noStrike" spc="-1" dirty="0">
@@ -19801,7 +20520,27 @@
                 <a:latin typeface="DejaVu Sans Mono"/>
                 <a:ea typeface="DejaVu Sans Mono"/>
               </a:rPr>
-              <a:t>"echo-message"</a:t>
+              <a:t>"</a:t>
+            </a:r>
+            <a:r>
+              <a:rPr lang="de-DE" sz="1100" b="1" strike="noStrike" spc="-1" dirty="0">
+                <a:solidFill>
+                  <a:srgbClr val="FF0000"/>
+                </a:solidFill>
+                <a:latin typeface="DejaVu Sans Mono"/>
+                <a:ea typeface="DejaVu Sans Mono"/>
+              </a:rPr>
+              <a:t>echo-message</a:t>
+            </a:r>
+            <a:r>
+              <a:rPr lang="de-DE" sz="1100" b="1" strike="noStrike" spc="-1" dirty="0">
+                <a:solidFill>
+                  <a:srgbClr val="008000"/>
+                </a:solidFill>
+                <a:latin typeface="DejaVu Sans Mono"/>
+                <a:ea typeface="DejaVu Sans Mono"/>
+              </a:rPr>
+              <a:t>"</a:t>
             </a:r>
             <a:r>
               <a:rPr lang="de-DE" sz="1100" b="0" strike="noStrike" spc="-1" dirty="0">

--- a/slides/Tag-1_2-Motivation_Hello_Wicket.pptx
+++ b/slides/Tag-1_2-Motivation_Hello_Wicket.pptx
@@ -4760,7 +4760,7 @@
                 </a:solidFill>
                 <a:latin typeface="Arial"/>
               </a:rPr>
-              <a:t>12.03.2019</a:t>
+              <a:t>15.03.2019</a:t>
             </a:fld>
             <a:endParaRPr lang="de-DE" sz="1000" b="0" strike="noStrike" spc="-1">
               <a:latin typeface="Arial"/>
@@ -5814,7 +5814,7 @@
                 </a:solidFill>
                 <a:latin typeface="Arial"/>
               </a:rPr>
-              <a:t>12.03.2019</a:t>
+              <a:t>15.03.2019</a:t>
             </a:fld>
             <a:endParaRPr lang="de-DE" sz="1000" b="0" strike="noStrike" spc="-1">
               <a:latin typeface="Arial"/>
@@ -7060,7 +7060,7 @@
                 </a:solidFill>
                 <a:latin typeface="Arial"/>
               </a:rPr>
-              <a:t>12.03.2019</a:t>
+              <a:t>15.03.2019</a:t>
             </a:fld>
             <a:endParaRPr lang="de-DE" sz="1000" b="0" strike="noStrike" spc="-1">
               <a:latin typeface="Arial"/>
@@ -15667,7 +15667,7 @@
               <a:buChar char=""/>
             </a:pPr>
             <a:r>
-              <a:rPr lang="de-DE" sz="2000" b="0" strike="noStrike" spc="-1">
+              <a:rPr lang="de-DE" sz="2000" b="0" strike="noStrike" spc="-1" dirty="0">
                 <a:solidFill>
                   <a:srgbClr val="000000"/>
                 </a:solidFill>
@@ -15691,13 +15691,31 @@
               <a:buAutoNum type="arabicPeriod"/>
             </a:pPr>
             <a:r>
-              <a:rPr lang="de-DE" sz="1800" b="0" strike="noStrike" spc="-1">
-                <a:solidFill>
-                  <a:srgbClr val="000000"/>
-                </a:solidFill>
-                <a:latin typeface="Arial"/>
-              </a:rPr>
-              <a:t>Erzeugen Sie ein neues Wicket-Projekt.</a:t>
+              <a:rPr lang="de-DE" sz="1800" b="0" strike="noStrike" spc="-1" dirty="0">
+                <a:solidFill>
+                  <a:srgbClr val="000000"/>
+                </a:solidFill>
+                <a:latin typeface="Arial"/>
+              </a:rPr>
+              <a:t>Erzeugen Sie ein neues </a:t>
+            </a:r>
+            <a:r>
+              <a:rPr lang="de-DE" sz="1800" b="0" strike="noStrike" spc="-1" dirty="0" err="1">
+                <a:solidFill>
+                  <a:srgbClr val="000000"/>
+                </a:solidFill>
+                <a:latin typeface="Arial"/>
+              </a:rPr>
+              <a:t>Wicket</a:t>
+            </a:r>
+            <a:r>
+              <a:rPr lang="de-DE" sz="1800" b="0" strike="noStrike" spc="-1" dirty="0">
+                <a:solidFill>
+                  <a:srgbClr val="000000"/>
+                </a:solidFill>
+                <a:latin typeface="Arial"/>
+              </a:rPr>
+              <a:t>-Projekt.</a:t>
             </a:r>
           </a:p>
           <a:p>
@@ -15715,7 +15733,7 @@
               <a:buAutoNum type="arabicPeriod"/>
             </a:pPr>
             <a:r>
-              <a:rPr lang="de-DE" sz="1800" b="0" strike="noStrike" spc="-1">
+              <a:rPr lang="de-DE" sz="1800" b="0" strike="noStrike" spc="-1" dirty="0">
                 <a:solidFill>
                   <a:srgbClr val="000000"/>
                 </a:solidFill>
@@ -15724,16 +15742,34 @@
               <a:t>Nutzen Sie </a:t>
             </a:r>
             <a:r>
-              <a:rPr lang="de-DE" sz="1800" b="0" strike="noStrike" spc="-1">
+              <a:rPr lang="de-DE" sz="1800" b="0" strike="noStrike" spc="-1" dirty="0" err="1">
                 <a:solidFill>
                   <a:srgbClr val="000000"/>
                 </a:solidFill>
                 <a:latin typeface="Courier New"/>
               </a:rPr>
-              <a:t>wicket-archetype-quickstart</a:t>
-            </a:r>
-            <a:r>
-              <a:rPr lang="de-DE" sz="1800" b="0" strike="noStrike" spc="-1">
+              <a:t>wicket</a:t>
+            </a:r>
+            <a:r>
+              <a:rPr lang="de-DE" sz="1800" b="0" strike="noStrike" spc="-1" dirty="0">
+                <a:solidFill>
+                  <a:srgbClr val="000000"/>
+                </a:solidFill>
+                <a:latin typeface="Courier New"/>
+              </a:rPr>
+              <a:t>-archetype-</a:t>
+            </a:r>
+            <a:r>
+              <a:rPr lang="de-DE" sz="1800" b="0" strike="noStrike" spc="-1" dirty="0" err="1">
+                <a:solidFill>
+                  <a:srgbClr val="000000"/>
+                </a:solidFill>
+                <a:latin typeface="Courier New"/>
+              </a:rPr>
+              <a:t>quickstart</a:t>
+            </a:r>
+            <a:r>
+              <a:rPr lang="de-DE" sz="1800" b="0" strike="noStrike" spc="-1" dirty="0">
                 <a:solidFill>
                   <a:srgbClr val="000000"/>
                 </a:solidFill>
@@ -15757,7 +15793,7 @@
               <a:buAutoNum type="arabicPeriod"/>
             </a:pPr>
             <a:r>
-              <a:rPr lang="de-DE" sz="1800" b="0" strike="noStrike" spc="-1">
+              <a:rPr lang="de-DE" sz="1800" b="0" strike="noStrike" spc="-1" dirty="0">
                 <a:solidFill>
                   <a:srgbClr val="000000"/>
                 </a:solidFill>
@@ -15766,7 +15802,7 @@
               <a:t>Zählen Sie die Seitenaufrufe der </a:t>
             </a:r>
             <a:r>
-              <a:rPr lang="de-DE" sz="1800" b="0" strike="noStrike" spc="-1">
+              <a:rPr lang="de-DE" sz="1800" b="0" strike="noStrike" spc="-1" dirty="0" err="1">
                 <a:solidFill>
                   <a:srgbClr val="000000"/>
                 </a:solidFill>
@@ -15775,7 +15811,7 @@
               <a:t>HomePage</a:t>
             </a:r>
             <a:r>
-              <a:rPr lang="de-DE" sz="1800" b="0" strike="noStrike" spc="-1">
+              <a:rPr lang="de-DE" sz="1800" b="0" strike="noStrike" spc="-1" dirty="0">
                 <a:solidFill>
                   <a:srgbClr val="000000"/>
                 </a:solidFill>
@@ -15784,7 +15820,7 @@
               <a:t> mit einem </a:t>
             </a:r>
             <a:r>
-              <a:rPr lang="de-DE" sz="1800" b="0" strike="noStrike" spc="-1">
+              <a:rPr lang="de-DE" sz="1800" b="0" strike="noStrike" spc="-1" dirty="0" err="1">
                 <a:solidFill>
                   <a:srgbClr val="000000"/>
                 </a:solidFill>
@@ -15793,7 +15829,7 @@
               <a:t>static</a:t>
             </a:r>
             <a:r>
-              <a:rPr lang="de-DE" sz="1800" b="0" strike="noStrike" spc="-1">
+              <a:rPr lang="de-DE" sz="1800" b="0" strike="noStrike" spc="-1" dirty="0">
                 <a:solidFill>
                   <a:srgbClr val="000000"/>
                 </a:solidFill>
@@ -15817,13 +15853,31 @@
               <a:buAutoNum type="arabicPeriod"/>
             </a:pPr>
             <a:r>
-              <a:rPr lang="de-DE" sz="1800" b="0" strike="noStrike" spc="-1">
-                <a:solidFill>
-                  <a:srgbClr val="000000"/>
-                </a:solidFill>
-                <a:latin typeface="Arial"/>
-              </a:rPr>
-              <a:t>Erstellen Sie zwei Links (synchron, ajaxfallback). Geben Sie die Anzahl der Clicks aus</a:t>
+              <a:rPr lang="de-DE" sz="1800" b="0" strike="noStrike" spc="-1" dirty="0">
+                <a:solidFill>
+                  <a:srgbClr val="000000"/>
+                </a:solidFill>
+                <a:latin typeface="Arial"/>
+              </a:rPr>
+              <a:t>Erstellen Sie zwei Links (synchron, </a:t>
+            </a:r>
+            <a:r>
+              <a:rPr lang="de-DE" sz="1800" b="0" strike="noStrike" spc="-1" dirty="0" err="1">
+                <a:solidFill>
+                  <a:srgbClr val="000000"/>
+                </a:solidFill>
+                <a:latin typeface="Arial"/>
+              </a:rPr>
+              <a:t>ajaxfallback</a:t>
+            </a:r>
+            <a:r>
+              <a:rPr lang="de-DE" sz="1800" b="0" strike="noStrike" spc="-1" dirty="0">
+                <a:solidFill>
+                  <a:srgbClr val="000000"/>
+                </a:solidFill>
+                <a:latin typeface="Arial"/>
+              </a:rPr>
+              <a:t>). Geben Sie die Anzahl der Klicks aus</a:t>
             </a:r>
           </a:p>
           <a:p>
@@ -15841,17 +15895,35 @@
               <a:buAutoNum type="arabicPeriod"/>
             </a:pPr>
             <a:r>
-              <a:rPr lang="de-DE" sz="1800" b="0" strike="noStrike" spc="-1">
-                <a:solidFill>
-                  <a:srgbClr val="000000"/>
-                </a:solidFill>
-                <a:latin typeface="Arial"/>
-              </a:rPr>
-              <a:t>Erstellen Sie ein Formular (Textfeld + Submit Button). Wenn der Benutzer das Formular absendet, dann wird der Eingabetext ausgegeben.</a:t>
-            </a:r>
-          </a:p>
-          <a:p>
-            <a:endParaRPr lang="de-DE" sz="1800" b="0" strike="noStrike" spc="-1">
+              <a:rPr lang="de-DE" sz="1800" b="0" strike="noStrike" spc="-1" dirty="0">
+                <a:solidFill>
+                  <a:srgbClr val="000000"/>
+                </a:solidFill>
+                <a:latin typeface="Arial"/>
+              </a:rPr>
+              <a:t>Erstellen Sie ein Formular (Textfeld + </a:t>
+            </a:r>
+            <a:r>
+              <a:rPr lang="de-DE" sz="1800" b="0" strike="noStrike" spc="-1" dirty="0" err="1">
+                <a:solidFill>
+                  <a:srgbClr val="000000"/>
+                </a:solidFill>
+                <a:latin typeface="Arial"/>
+              </a:rPr>
+              <a:t>Submit</a:t>
+            </a:r>
+            <a:r>
+              <a:rPr lang="de-DE" sz="1800" b="0" strike="noStrike" spc="-1" dirty="0">
+                <a:solidFill>
+                  <a:srgbClr val="000000"/>
+                </a:solidFill>
+                <a:latin typeface="Arial"/>
+              </a:rPr>
+              <a:t> Button). Wenn der Benutzer das Formular absendet, dann wird der Eingabetext ausgegeben.</a:t>
+            </a:r>
+          </a:p>
+          <a:p>
+            <a:endParaRPr lang="de-DE" sz="1800" b="0" strike="noStrike" spc="-1" dirty="0">
               <a:solidFill>
                 <a:srgbClr val="000000"/>
               </a:solidFill>
@@ -15873,7 +15945,7 @@
               <a:buChar char=""/>
             </a:pPr>
             <a:r>
-              <a:rPr lang="de-DE" sz="2000" b="0" strike="noStrike" spc="-1">
+              <a:rPr lang="de-DE" sz="2000" b="0" strike="noStrike" spc="-1" dirty="0">
                 <a:solidFill>
                   <a:srgbClr val="000000"/>
                 </a:solidFill>
@@ -15897,7 +15969,7 @@
               <a:buChar char=""/>
             </a:pPr>
             <a:r>
-              <a:rPr lang="de-DE" sz="1800" b="0" u="sng" strike="noStrike" spc="-1">
+              <a:rPr lang="de-DE" sz="1800" b="0" u="sng" strike="noStrike" spc="-1" dirty="0">
                 <a:solidFill>
                   <a:srgbClr val="FC0128"/>
                 </a:solidFill>
@@ -15907,7 +15979,7 @@
               </a:rPr>
               <a:t>https://wicket.apache.org/start/quickstart.html</a:t>
             </a:r>
-            <a:endParaRPr lang="de-DE" sz="1800" b="0" strike="noStrike" spc="-1">
+            <a:endParaRPr lang="de-DE" sz="1800" b="0" strike="noStrike" spc="-1" dirty="0">
               <a:solidFill>
                 <a:srgbClr val="000000"/>
               </a:solidFill>
@@ -15929,13 +16001,31 @@
               <a:buChar char=""/>
             </a:pPr>
             <a:r>
-              <a:rPr lang="de-DE" sz="1800" b="0" strike="noStrike" spc="-1">
-                <a:solidFill>
-                  <a:srgbClr val="000000"/>
-                </a:solidFill>
-                <a:latin typeface="Arial"/>
-              </a:rPr>
-              <a:t>Testserver im Debug-Modus → HTML- und Java-Code Änderungen werden ohne Neustart angewendet.</a:t>
+              <a:rPr lang="de-DE" sz="1800" b="0" strike="noStrike" spc="-1" dirty="0">
+                <a:solidFill>
+                  <a:srgbClr val="000000"/>
+                </a:solidFill>
+                <a:latin typeface="Arial"/>
+              </a:rPr>
+              <a:t>Testserver im </a:t>
+            </a:r>
+            <a:r>
+              <a:rPr lang="de-DE" sz="1800" b="0" strike="noStrike" spc="-1" dirty="0" err="1">
+                <a:solidFill>
+                  <a:srgbClr val="000000"/>
+                </a:solidFill>
+                <a:latin typeface="Arial"/>
+              </a:rPr>
+              <a:t>Debug</a:t>
+            </a:r>
+            <a:r>
+              <a:rPr lang="de-DE" sz="1800" b="0" strike="noStrike" spc="-1" dirty="0">
+                <a:solidFill>
+                  <a:srgbClr val="000000"/>
+                </a:solidFill>
+                <a:latin typeface="Arial"/>
+              </a:rPr>
+              <a:t>-Modus → HTML- und Java-Code Änderungen werden ohne Neustart angewendet.</a:t>
             </a:r>
           </a:p>
         </p:txBody>
@@ -16069,7 +16159,7 @@
                 <a:spcPts val="400"/>
               </a:spcBef>
             </a:pPr>
-            <a:endParaRPr lang="de-DE" sz="2400" b="0" strike="noStrike" spc="-1">
+            <a:endParaRPr lang="de-DE" sz="2400" b="0" strike="noStrike" spc="-1" dirty="0">
               <a:solidFill>
                 <a:srgbClr val="000000"/>
               </a:solidFill>
@@ -16085,7 +16175,7 @@
                 <a:spcPts val="400"/>
               </a:spcBef>
             </a:pPr>
-            <a:endParaRPr lang="de-DE" sz="2400" b="0" strike="noStrike" spc="-1">
+            <a:endParaRPr lang="de-DE" sz="2400" b="0" strike="noStrike" spc="-1" dirty="0">
               <a:solidFill>
                 <a:srgbClr val="000000"/>
               </a:solidFill>
@@ -16102,7 +16192,7 @@
               </a:spcBef>
             </a:pPr>
             <a:r>
-              <a:rPr lang="de-DE" sz="2000" b="0" strike="noStrike" spc="-1">
+              <a:rPr lang="de-DE" sz="2000" b="0" strike="noStrike" spc="-1" dirty="0">
                 <a:solidFill>
                   <a:srgbClr val="000000"/>
                 </a:solidFill>
@@ -16111,15 +16201,204 @@
               <a:t>“</a:t>
             </a:r>
             <a:r>
-              <a:rPr lang="de-DE" sz="2000" b="0" i="1" strike="noStrike" spc="-1">
-                <a:solidFill>
-                  <a:srgbClr val="000000"/>
-                </a:solidFill>
-                <a:latin typeface="Arial"/>
-              </a:rPr>
-              <a:t>Wicket bridges the impedance mismatch between the stateless HTTP and stateful server-side programming in Java.” 	</a:t>
-            </a:r>
-            <a:endParaRPr lang="de-DE" sz="2000" b="0" strike="noStrike" spc="-1">
+              <a:rPr lang="de-DE" sz="2000" b="0" i="1" strike="noStrike" spc="-1" dirty="0" err="1">
+                <a:solidFill>
+                  <a:srgbClr val="000000"/>
+                </a:solidFill>
+                <a:latin typeface="Arial"/>
+              </a:rPr>
+              <a:t>Wicket</a:t>
+            </a:r>
+            <a:r>
+              <a:rPr lang="de-DE" sz="2000" b="0" i="1" strike="noStrike" spc="-1" dirty="0">
+                <a:solidFill>
+                  <a:srgbClr val="000000"/>
+                </a:solidFill>
+                <a:latin typeface="Arial"/>
+              </a:rPr>
+              <a:t> </a:t>
+            </a:r>
+            <a:r>
+              <a:rPr lang="de-DE" sz="2000" b="0" i="1" strike="noStrike" spc="-1" dirty="0" err="1">
+                <a:solidFill>
+                  <a:srgbClr val="000000"/>
+                </a:solidFill>
+                <a:latin typeface="Arial"/>
+              </a:rPr>
+              <a:t>bridges</a:t>
+            </a:r>
+            <a:r>
+              <a:rPr lang="de-DE" sz="2000" b="0" i="1" strike="noStrike" spc="-1" dirty="0">
+                <a:solidFill>
+                  <a:srgbClr val="000000"/>
+                </a:solidFill>
+                <a:latin typeface="Arial"/>
+              </a:rPr>
+              <a:t> </a:t>
+            </a:r>
+            <a:r>
+              <a:rPr lang="de-DE" sz="2000" b="0" i="1" strike="noStrike" spc="-1" dirty="0" err="1">
+                <a:solidFill>
+                  <a:srgbClr val="000000"/>
+                </a:solidFill>
+                <a:latin typeface="Arial"/>
+              </a:rPr>
+              <a:t>the</a:t>
+            </a:r>
+            <a:r>
+              <a:rPr lang="de-DE" sz="2000" b="0" i="1" strike="noStrike" spc="-1" dirty="0">
+                <a:solidFill>
+                  <a:srgbClr val="000000"/>
+                </a:solidFill>
+                <a:latin typeface="Arial"/>
+              </a:rPr>
+              <a:t> </a:t>
+            </a:r>
+            <a:r>
+              <a:rPr lang="de-DE" sz="2000" b="0" i="1" strike="noStrike" spc="-1" dirty="0" err="1">
+                <a:solidFill>
+                  <a:srgbClr val="000000"/>
+                </a:solidFill>
+                <a:latin typeface="Arial"/>
+              </a:rPr>
+              <a:t>impedance</a:t>
+            </a:r>
+            <a:r>
+              <a:rPr lang="de-DE" sz="2000" b="0" i="1" strike="noStrike" spc="-1" dirty="0">
+                <a:solidFill>
+                  <a:srgbClr val="000000"/>
+                </a:solidFill>
+                <a:latin typeface="Arial"/>
+              </a:rPr>
+              <a:t> </a:t>
+            </a:r>
+            <a:r>
+              <a:rPr lang="de-DE" sz="2000" b="0" i="1" strike="noStrike" spc="-1" dirty="0" err="1">
+                <a:solidFill>
+                  <a:srgbClr val="000000"/>
+                </a:solidFill>
+                <a:latin typeface="Arial"/>
+              </a:rPr>
+              <a:t>mismatch</a:t>
+            </a:r>
+            <a:r>
+              <a:rPr lang="de-DE" sz="2000" b="0" i="1" strike="noStrike" spc="-1" dirty="0">
+                <a:solidFill>
+                  <a:srgbClr val="000000"/>
+                </a:solidFill>
+                <a:latin typeface="Arial"/>
+              </a:rPr>
+              <a:t> </a:t>
+            </a:r>
+            <a:r>
+              <a:rPr lang="de-DE" sz="2000" b="0" i="1" strike="noStrike" spc="-1" dirty="0" err="1">
+                <a:solidFill>
+                  <a:srgbClr val="000000"/>
+                </a:solidFill>
+                <a:latin typeface="Arial"/>
+              </a:rPr>
+              <a:t>between</a:t>
+            </a:r>
+            <a:r>
+              <a:rPr lang="de-DE" sz="2000" b="0" i="1" strike="noStrike" spc="-1" dirty="0">
+                <a:solidFill>
+                  <a:srgbClr val="000000"/>
+                </a:solidFill>
+                <a:latin typeface="Arial"/>
+              </a:rPr>
+              <a:t> </a:t>
+            </a:r>
+            <a:r>
+              <a:rPr lang="de-DE" sz="2000" b="0" i="1" strike="noStrike" spc="-1" dirty="0" err="1">
+                <a:solidFill>
+                  <a:srgbClr val="000000"/>
+                </a:solidFill>
+                <a:latin typeface="Arial"/>
+              </a:rPr>
+              <a:t>the</a:t>
+            </a:r>
+            <a:r>
+              <a:rPr lang="de-DE" sz="2000" b="0" i="1" strike="noStrike" spc="-1" dirty="0">
+                <a:solidFill>
+                  <a:srgbClr val="000000"/>
+                </a:solidFill>
+                <a:latin typeface="Arial"/>
+              </a:rPr>
+              <a:t> </a:t>
+            </a:r>
+            <a:r>
+              <a:rPr lang="de-DE" sz="2000" b="0" i="1" strike="noStrike" spc="-1" dirty="0" err="1">
+                <a:solidFill>
+                  <a:srgbClr val="000000"/>
+                </a:solidFill>
+                <a:latin typeface="Arial"/>
+              </a:rPr>
+              <a:t>stateless</a:t>
+            </a:r>
+            <a:r>
+              <a:rPr lang="de-DE" sz="2000" b="0" i="1" strike="noStrike" spc="-1" dirty="0">
+                <a:solidFill>
+                  <a:srgbClr val="000000"/>
+                </a:solidFill>
+                <a:latin typeface="Arial"/>
+              </a:rPr>
+              <a:t> HTTP and </a:t>
+            </a:r>
+            <a:r>
+              <a:rPr lang="de-DE" sz="2000" b="0" i="1" strike="noStrike" spc="-1" dirty="0" err="1">
+                <a:solidFill>
+                  <a:srgbClr val="000000"/>
+                </a:solidFill>
+                <a:latin typeface="Arial"/>
+              </a:rPr>
+              <a:t>stateful</a:t>
+            </a:r>
+            <a:r>
+              <a:rPr lang="de-DE" sz="2000" b="0" i="1" strike="noStrike" spc="-1" dirty="0">
+                <a:solidFill>
+                  <a:srgbClr val="000000"/>
+                </a:solidFill>
+                <a:latin typeface="Arial"/>
+              </a:rPr>
+              <a:t> server-</a:t>
+            </a:r>
+            <a:r>
+              <a:rPr lang="de-DE" sz="2000" b="0" i="1" strike="noStrike" spc="-1" dirty="0" err="1">
+                <a:solidFill>
+                  <a:srgbClr val="000000"/>
+                </a:solidFill>
+                <a:latin typeface="Arial"/>
+              </a:rPr>
+              <a:t>side</a:t>
+            </a:r>
+            <a:r>
+              <a:rPr lang="de-DE" sz="2000" b="0" i="1" strike="noStrike" spc="-1" dirty="0">
+                <a:solidFill>
+                  <a:srgbClr val="000000"/>
+                </a:solidFill>
+                <a:latin typeface="Arial"/>
+              </a:rPr>
+              <a:t> </a:t>
+            </a:r>
+            <a:r>
+              <a:rPr lang="de-DE" sz="2000" b="0" i="1" strike="noStrike" spc="-1" dirty="0" err="1">
+                <a:solidFill>
+                  <a:srgbClr val="000000"/>
+                </a:solidFill>
+                <a:latin typeface="Arial"/>
+              </a:rPr>
+              <a:t>programming</a:t>
+            </a:r>
+            <a:r>
+              <a:rPr lang="de-DE" sz="2000" b="0" i="1" strike="noStrike" spc="-1" dirty="0">
+                <a:solidFill>
+                  <a:srgbClr val="000000"/>
+                </a:solidFill>
+                <a:latin typeface="Arial"/>
+              </a:rPr>
+              <a:t> in Java.” 	</a:t>
+            </a:r>
+            <a:endParaRPr lang="de-DE" sz="2000" b="0" strike="noStrike" spc="-1" dirty="0">
               <a:solidFill>
                 <a:srgbClr val="000000"/>
               </a:solidFill>
@@ -16136,24 +16415,60 @@
               </a:spcBef>
             </a:pPr>
             <a:r>
-              <a:rPr lang="de-DE" sz="1600" b="0" strike="noStrike" spc="-1">
-                <a:solidFill>
-                  <a:srgbClr val="000000"/>
-                </a:solidFill>
-                <a:latin typeface="Arial"/>
-              </a:rPr>
-              <a:t>M.Dashorts, E.Hillenius, </a:t>
-            </a:r>
-            <a:r>
-              <a:rPr lang="de-DE" sz="1600" b="0" i="1" strike="noStrike" spc="-1">
-                <a:solidFill>
-                  <a:srgbClr val="000000"/>
-                </a:solidFill>
-                <a:latin typeface="Arial"/>
-              </a:rPr>
-              <a:t>Wicket in Action</a:t>
-            </a:r>
-            <a:endParaRPr lang="de-DE" sz="1600" b="0" strike="noStrike" spc="-1">
+              <a:rPr lang="de-DE" sz="1600" b="0" strike="noStrike" spc="-1" dirty="0" err="1">
+                <a:solidFill>
+                  <a:srgbClr val="000000"/>
+                </a:solidFill>
+                <a:latin typeface="Arial"/>
+              </a:rPr>
+              <a:t>M.Dashorst</a:t>
+            </a:r>
+            <a:r>
+              <a:rPr lang="de-DE" sz="1600" b="0" strike="noStrike" spc="-1" dirty="0">
+                <a:solidFill>
+                  <a:srgbClr val="000000"/>
+                </a:solidFill>
+                <a:latin typeface="Arial"/>
+              </a:rPr>
+              <a:t>, </a:t>
+            </a:r>
+            <a:r>
+              <a:rPr lang="de-DE" sz="1600" b="0" strike="noStrike" spc="-1" dirty="0" err="1">
+                <a:solidFill>
+                  <a:srgbClr val="000000"/>
+                </a:solidFill>
+                <a:latin typeface="Arial"/>
+              </a:rPr>
+              <a:t>E.Hillenius</a:t>
+            </a:r>
+            <a:r>
+              <a:rPr lang="de-DE" sz="1600" b="0" strike="noStrike" spc="-1" dirty="0">
+                <a:solidFill>
+                  <a:srgbClr val="000000"/>
+                </a:solidFill>
+                <a:latin typeface="Arial"/>
+              </a:rPr>
+              <a:t>, </a:t>
+            </a:r>
+            <a:r>
+              <a:rPr lang="de-DE" sz="1600" b="0" i="1" strike="noStrike" spc="-1" dirty="0" err="1">
+                <a:solidFill>
+                  <a:srgbClr val="000000"/>
+                </a:solidFill>
+                <a:latin typeface="Arial"/>
+              </a:rPr>
+              <a:t>Wicket</a:t>
+            </a:r>
+            <a:r>
+              <a:rPr lang="de-DE" sz="1600" b="0" i="1" strike="noStrike" spc="-1" dirty="0">
+                <a:solidFill>
+                  <a:srgbClr val="000000"/>
+                </a:solidFill>
+                <a:latin typeface="Arial"/>
+              </a:rPr>
+              <a:t> in Action</a:t>
+            </a:r>
+            <a:endParaRPr lang="de-DE" sz="1600" b="0" strike="noStrike" spc="-1" dirty="0">
               <a:solidFill>
                 <a:srgbClr val="000000"/>
               </a:solidFill>
@@ -16169,7 +16484,7 @@
                 <a:spcPts val="320"/>
               </a:spcBef>
             </a:pPr>
-            <a:endParaRPr lang="de-DE" sz="1600" b="0" strike="noStrike" spc="-1">
+            <a:endParaRPr lang="de-DE" sz="1600" b="0" strike="noStrike" spc="-1" dirty="0">
               <a:solidFill>
                 <a:srgbClr val="000000"/>
               </a:solidFill>
@@ -16185,7 +16500,7 @@
                 <a:spcPts val="400"/>
               </a:spcBef>
             </a:pPr>
-            <a:endParaRPr lang="de-DE" sz="1600" b="0" strike="noStrike" spc="-1">
+            <a:endParaRPr lang="de-DE" sz="1600" b="0" strike="noStrike" spc="-1" dirty="0">
               <a:solidFill>
                 <a:srgbClr val="000000"/>
               </a:solidFill>
@@ -16201,7 +16516,7 @@
                 <a:spcPts val="400"/>
               </a:spcBef>
             </a:pPr>
-            <a:endParaRPr lang="de-DE" sz="1600" b="0" strike="noStrike" spc="-1">
+            <a:endParaRPr lang="de-DE" sz="1600" b="0" strike="noStrike" spc="-1" dirty="0">
               <a:solidFill>
                 <a:srgbClr val="000000"/>
               </a:solidFill>
@@ -16223,13 +16538,49 @@
               <a:buChar char=""/>
             </a:pPr>
             <a:r>
-              <a:rPr lang="de-DE" sz="2000" b="0" strike="noStrike" spc="-1">
-                <a:solidFill>
-                  <a:srgbClr val="000000"/>
-                </a:solidFill>
-                <a:latin typeface="Arial"/>
-              </a:rPr>
-              <a:t>Java Virtual Machine (JVM): Classes, Objects, Members</a:t>
+              <a:rPr lang="de-DE" sz="2000" b="0" strike="noStrike" spc="-1" dirty="0">
+                <a:solidFill>
+                  <a:srgbClr val="000000"/>
+                </a:solidFill>
+                <a:latin typeface="Arial"/>
+              </a:rPr>
+              <a:t>Java Virtual </a:t>
+            </a:r>
+            <a:r>
+              <a:rPr lang="de-DE" sz="2000" b="0" strike="noStrike" spc="-1" dirty="0" err="1">
+                <a:solidFill>
+                  <a:srgbClr val="000000"/>
+                </a:solidFill>
+                <a:latin typeface="Arial"/>
+              </a:rPr>
+              <a:t>Machine</a:t>
+            </a:r>
+            <a:r>
+              <a:rPr lang="de-DE" sz="2000" b="0" strike="noStrike" spc="-1" dirty="0">
+                <a:solidFill>
+                  <a:srgbClr val="000000"/>
+                </a:solidFill>
+                <a:latin typeface="Arial"/>
+              </a:rPr>
+              <a:t> (JVM): </a:t>
+            </a:r>
+            <a:r>
+              <a:rPr lang="de-DE" sz="2000" b="0" strike="noStrike" spc="-1" dirty="0" err="1">
+                <a:solidFill>
+                  <a:srgbClr val="000000"/>
+                </a:solidFill>
+                <a:latin typeface="Arial"/>
+              </a:rPr>
+              <a:t>Classes</a:t>
+            </a:r>
+            <a:r>
+              <a:rPr lang="de-DE" sz="2000" b="0" strike="noStrike" spc="-1" dirty="0">
+                <a:solidFill>
+                  <a:srgbClr val="000000"/>
+                </a:solidFill>
+                <a:latin typeface="Arial"/>
+              </a:rPr>
+              <a:t>, Objects, Members</a:t>
             </a:r>
           </a:p>
           <a:p>
@@ -16242,7 +16593,7 @@
               </a:spcBef>
             </a:pPr>
             <a:r>
-              <a:rPr lang="de-DE" sz="2000" b="0" strike="noStrike" spc="-1">
+              <a:rPr lang="de-DE" sz="2000" b="0" strike="noStrike" spc="-1" dirty="0">
                 <a:solidFill>
                   <a:srgbClr val="000000"/>
                 </a:solidFill>
@@ -16266,13 +16617,40 @@
               <a:buChar char=""/>
             </a:pPr>
             <a:r>
-              <a:rPr lang="de-DE" sz="2000" b="0" strike="noStrike" spc="-1">
-                <a:solidFill>
-                  <a:srgbClr val="000000"/>
-                </a:solidFill>
-                <a:latin typeface="Arial"/>
-              </a:rPr>
-              <a:t>Hyper Text Transfer Protocol (HTTP): Stateless, Request Response</a:t>
+              <a:rPr lang="de-DE" sz="2000" b="0" strike="noStrike" spc="-1" dirty="0" err="1">
+                <a:solidFill>
+                  <a:srgbClr val="000000"/>
+                </a:solidFill>
+                <a:latin typeface="Arial"/>
+              </a:rPr>
+              <a:t>Hyper</a:t>
+            </a:r>
+            <a:r>
+              <a:rPr lang="de-DE" sz="2000" b="0" strike="noStrike" spc="-1" dirty="0">
+                <a:solidFill>
+                  <a:srgbClr val="000000"/>
+                </a:solidFill>
+                <a:latin typeface="Arial"/>
+              </a:rPr>
+              <a:t> Text Transfer Protocol (HTTP): </a:t>
+            </a:r>
+            <a:r>
+              <a:rPr lang="de-DE" sz="2000" b="0" strike="noStrike" spc="-1" dirty="0" err="1">
+                <a:solidFill>
+                  <a:srgbClr val="000000"/>
+                </a:solidFill>
+                <a:latin typeface="Arial"/>
+              </a:rPr>
+              <a:t>Stateless</a:t>
+            </a:r>
+            <a:r>
+              <a:rPr lang="de-DE" sz="2000" b="0" strike="noStrike" spc="-1" dirty="0">
+                <a:solidFill>
+                  <a:srgbClr val="000000"/>
+                </a:solidFill>
+                <a:latin typeface="Arial"/>
+              </a:rPr>
+              <a:t>, Request Response</a:t>
             </a:r>
           </a:p>
           <a:p>
@@ -16284,7 +16662,7 @@
                 <a:spcPts val="400"/>
               </a:spcBef>
             </a:pPr>
-            <a:endParaRPr lang="de-DE" sz="2000" b="0" strike="noStrike" spc="-1">
+            <a:endParaRPr lang="de-DE" sz="2000" b="0" strike="noStrike" spc="-1" dirty="0">
               <a:solidFill>
                 <a:srgbClr val="000000"/>
               </a:solidFill>
@@ -16300,7 +16678,7 @@
                 <a:spcPts val="400"/>
               </a:spcBef>
             </a:pPr>
-            <a:endParaRPr lang="de-DE" sz="2000" b="0" strike="noStrike" spc="-1">
+            <a:endParaRPr lang="de-DE" sz="2000" b="0" strike="noStrike" spc="-1" dirty="0">
               <a:solidFill>
                 <a:srgbClr val="000000"/>
               </a:solidFill>
@@ -16316,7 +16694,7 @@
                 <a:spcPts val="400"/>
               </a:spcBef>
             </a:pPr>
-            <a:endParaRPr lang="de-DE" sz="2000" b="0" strike="noStrike" spc="-1">
+            <a:endParaRPr lang="de-DE" sz="2000" b="0" strike="noStrike" spc="-1" dirty="0">
               <a:solidFill>
                 <a:srgbClr val="000000"/>
               </a:solidFill>
@@ -16332,7 +16710,7 @@
                 <a:spcPts val="400"/>
               </a:spcBef>
             </a:pPr>
-            <a:endParaRPr lang="de-DE" sz="2000" b="0" strike="noStrike" spc="-1">
+            <a:endParaRPr lang="de-DE" sz="2000" b="0" strike="noStrike" spc="-1" dirty="0">
               <a:solidFill>
                 <a:srgbClr val="000000"/>
               </a:solidFill>
@@ -17054,7 +17432,25 @@
                 </a:solidFill>
                 <a:latin typeface="Arial"/>
               </a:rPr>
-              <a:t>, … }</a:t>
+              <a:t>, </a:t>
+            </a:r>
+            <a:r>
+              <a:rPr lang="de-DE" sz="2000" b="0" strike="noStrike" spc="-1" dirty="0" err="1">
+                <a:solidFill>
+                  <a:srgbClr val="000000"/>
+                </a:solidFill>
+                <a:latin typeface="Arial"/>
+              </a:rPr>
+              <a:t>ViewModel</a:t>
+            </a:r>
+            <a:r>
+              <a:rPr lang="de-DE" sz="2000" b="0" strike="noStrike" spc="-1" dirty="0">
+                <a:solidFill>
+                  <a:srgbClr val="000000"/>
+                </a:solidFill>
+                <a:latin typeface="Arial"/>
+              </a:rPr>
+              <a:t> }</a:t>
             </a:r>
           </a:p>
           <a:p>
@@ -17094,16 +17490,7 @@
                 </a:solidFill>
                 <a:latin typeface="Arial"/>
               </a:rPr>
-              <a:t>Analog zu: </a:t>
-            </a:r>
-            <a:r>
-              <a:rPr lang="de-DE" sz="1600" b="0" strike="noStrike" spc="-1" dirty="0">
-                <a:solidFill>
-                  <a:srgbClr val="000000"/>
-                </a:solidFill>
-                <a:latin typeface="Arial"/>
-              </a:rPr>
-              <a:t>AWT, Swing, Java FX</a:t>
+              <a:t>Analog zu: AWT, Swing, Java FX</a:t>
             </a:r>
           </a:p>
           <a:p>

--- a/slides/Tag-1_2-Motivation_Hello_Wicket.pptx
+++ b/slides/Tag-1_2-Motivation_Hello_Wicket.pptx
@@ -4764,7 +4764,7 @@
                 </a:solidFill>
                 <a:latin typeface="Arial"/>
               </a:rPr>
-              <a:t>15.03.2019</a:t>
+              <a:t>20.03.2019</a:t>
             </a:fld>
             <a:endParaRPr lang="de-DE" sz="1000" b="0" strike="noStrike" spc="-1">
               <a:latin typeface="Arial"/>
@@ -5818,7 +5818,7 @@
                 </a:solidFill>
                 <a:latin typeface="Arial"/>
               </a:rPr>
-              <a:t>15.03.2019</a:t>
+              <a:t>20.03.2019</a:t>
             </a:fld>
             <a:endParaRPr lang="de-DE" sz="1000" b="0" strike="noStrike" spc="-1">
               <a:latin typeface="Arial"/>
@@ -7064,7 +7064,7 @@
                 </a:solidFill>
                 <a:latin typeface="Arial"/>
               </a:rPr>
-              <a:t>15.03.2019</a:t>
+              <a:t>20.03.2019</a:t>
             </a:fld>
             <a:endParaRPr lang="de-DE" sz="1000" b="0" strike="noStrike" spc="-1">
               <a:latin typeface="Arial"/>
@@ -14227,7 +14227,7 @@
             <a:r>
               <a:rPr lang="de-DE" sz="1400" b="1" strike="noStrike" spc="-1" dirty="0" err="1">
                 <a:solidFill>
-                  <a:srgbClr val="FF0000"/>
+                  <a:srgbClr val="FFC000"/>
                 </a:solidFill>
                 <a:latin typeface="DejaVu Sans Mono"/>
                 <a:ea typeface="DejaVu Sans Mono"/>
@@ -14237,7 +14237,7 @@
             <a:r>
               <a:rPr lang="de-DE" sz="1400" b="1" strike="noStrike" spc="-1" dirty="0">
                 <a:solidFill>
-                  <a:srgbClr val="FF0000"/>
+                  <a:srgbClr val="FFC000"/>
                 </a:solidFill>
                 <a:latin typeface="DejaVu Sans Mono"/>
                 <a:ea typeface="DejaVu Sans Mono"/>
@@ -14389,7 +14389,7 @@
             <a:r>
               <a:rPr lang="de-DE" sz="1400" b="1" strike="noStrike" spc="-1" dirty="0" err="1">
                 <a:solidFill>
-                  <a:srgbClr val="FF0000"/>
+                  <a:srgbClr val="FFC000"/>
                 </a:solidFill>
                 <a:latin typeface="DejaVu Sans Mono"/>
                 <a:ea typeface="DejaVu Sans Mono"/>
@@ -14399,7 +14399,7 @@
             <a:r>
               <a:rPr lang="de-DE" sz="1400" b="1" strike="noStrike" spc="-1" dirty="0">
                 <a:solidFill>
-                  <a:srgbClr val="FF0000"/>
+                  <a:srgbClr val="FFC000"/>
                 </a:solidFill>
                 <a:latin typeface="DejaVu Sans Mono"/>
                 <a:ea typeface="DejaVu Sans Mono"/>
@@ -15180,7 +15180,7 @@
             <a:r>
               <a:rPr lang="de-DE" sz="1000" b="1" strike="noStrike" spc="-1" dirty="0" err="1">
                 <a:solidFill>
-                  <a:srgbClr val="FF0000"/>
+                  <a:srgbClr val="FFC000"/>
                 </a:solidFill>
                 <a:latin typeface="DejaVu Sans Mono"/>
                 <a:ea typeface="DejaVu Sans Mono"/>
@@ -15190,7 +15190,7 @@
             <a:r>
               <a:rPr lang="de-DE" sz="1000" b="1" strike="noStrike" spc="-1" dirty="0">
                 <a:solidFill>
-                  <a:srgbClr val="FF0000"/>
+                  <a:srgbClr val="FFC000"/>
                 </a:solidFill>
                 <a:latin typeface="DejaVu Sans Mono"/>
                 <a:ea typeface="DejaVu Sans Mono"/>
@@ -15784,7 +15784,7 @@
             <a:r>
               <a:rPr lang="de-DE" sz="1000" b="1" strike="noStrike" spc="-1" dirty="0" err="1">
                 <a:solidFill>
-                  <a:srgbClr val="FF0000"/>
+                  <a:srgbClr val="FFC000"/>
                 </a:solidFill>
                 <a:latin typeface="DejaVu Sans Mono"/>
                 <a:ea typeface="DejaVu Sans Mono"/>
@@ -15794,7 +15794,7 @@
             <a:r>
               <a:rPr lang="de-DE" sz="1000" b="1" strike="noStrike" spc="-1" dirty="0">
                 <a:solidFill>
-                  <a:srgbClr val="FF0000"/>
+                  <a:srgbClr val="FFC000"/>
                 </a:solidFill>
                 <a:latin typeface="DejaVu Sans Mono"/>
                 <a:ea typeface="DejaVu Sans Mono"/>
@@ -17064,7 +17064,7 @@
             <a:r>
               <a:rPr lang="de-DE" sz="1200" b="1" strike="noStrike" spc="-1" dirty="0">
                 <a:solidFill>
-                  <a:srgbClr val="FF0000"/>
+                  <a:srgbClr val="FFC000"/>
                 </a:solidFill>
                 <a:latin typeface="DejaVu Sans Mono"/>
                 <a:ea typeface="DejaVu Sans Mono"/>
@@ -17369,7 +17369,7 @@
             <a:r>
               <a:rPr lang="de-DE" sz="1200" b="1" strike="noStrike" spc="-1" dirty="0">
                 <a:solidFill>
-                  <a:srgbClr val="FF0000"/>
+                  <a:srgbClr val="00B0F0"/>
                 </a:solidFill>
                 <a:latin typeface="DejaVu Sans Mono"/>
                 <a:ea typeface="DejaVu Sans Mono"/>
@@ -18055,7 +18055,7 @@
             <a:r>
               <a:rPr lang="de-DE" sz="1100" b="1" strike="noStrike" spc="-1" dirty="0">
                 <a:solidFill>
-                  <a:srgbClr val="FF0000"/>
+                  <a:srgbClr val="FFC000"/>
                 </a:solidFill>
                 <a:latin typeface="DejaVu Sans Mono"/>
                 <a:ea typeface="DejaVu Sans Mono"/>
@@ -18560,7 +18560,7 @@
             <a:r>
               <a:rPr lang="de-DE" sz="1100" b="1" strike="noStrike" spc="-1" dirty="0">
                 <a:solidFill>
-                  <a:srgbClr val="FF0000"/>
+                  <a:srgbClr val="00B0F0"/>
                 </a:solidFill>
                 <a:latin typeface="DejaVu Sans Mono"/>
                 <a:ea typeface="DejaVu Sans Mono"/>
@@ -21135,6 +21135,9 @@
             <a:br>
               <a:rPr sz="900" dirty="0"/>
             </a:br>
+            <a:br>
+              <a:rPr sz="900" dirty="0"/>
+            </a:br>
             <a:r>
               <a:rPr lang="de-DE" sz="900" spc="-1" dirty="0">
                 <a:solidFill>
@@ -21155,84 +21158,96 @@
               <a:t>private </a:t>
             </a:r>
             <a:r>
+              <a:rPr lang="de-DE" sz="900" b="0" strike="noStrike" spc="-1" dirty="0">
+                <a:solidFill>
+                  <a:srgbClr val="000000"/>
+                </a:solidFill>
+                <a:latin typeface="DejaVu Sans Mono"/>
+                <a:ea typeface="DejaVu Sans Mono"/>
+              </a:rPr>
+              <a:t>Label </a:t>
+            </a:r>
+            <a:r>
               <a:rPr lang="de-DE" sz="900" b="1" strike="noStrike" spc="-1" dirty="0" err="1">
                 <a:solidFill>
+                  <a:srgbClr val="660E7A"/>
+                </a:solidFill>
+                <a:latin typeface="DejaVu Sans Mono"/>
+                <a:ea typeface="DejaVu Sans Mono"/>
+              </a:rPr>
+              <a:t>linkLabel</a:t>
+            </a:r>
+            <a:r>
+              <a:rPr lang="de-DE" sz="900" b="0" strike="noStrike" spc="-1" dirty="0">
+                <a:solidFill>
+                  <a:srgbClr val="000000"/>
+                </a:solidFill>
+                <a:latin typeface="DejaVu Sans Mono"/>
+                <a:ea typeface="DejaVu Sans Mono"/>
+              </a:rPr>
+              <a:t>;</a:t>
+            </a:r>
+            <a:br>
+              <a:rPr sz="900" dirty="0"/>
+            </a:br>
+            <a:r>
+              <a:rPr lang="de-DE" sz="900" spc="-1" dirty="0">
+                <a:solidFill>
+                  <a:srgbClr val="000000"/>
+                </a:solidFill>
+                <a:latin typeface="DejaVu Sans Mono"/>
+              </a:rPr>
+              <a:t>    </a:t>
+            </a:r>
+            <a:r>
+              <a:rPr lang="de-DE" sz="900" b="1" strike="noStrike" spc="-1" dirty="0">
+                <a:solidFill>
                   <a:srgbClr val="000080"/>
                 </a:solidFill>
                 <a:latin typeface="DejaVu Sans Mono"/>
                 <a:ea typeface="DejaVu Sans Mono"/>
               </a:rPr>
-              <a:t>static</a:t>
+              <a:t>private </a:t>
+            </a:r>
+            <a:r>
+              <a:rPr lang="de-DE" sz="900" b="0" strike="noStrike" spc="-1" dirty="0">
+                <a:solidFill>
+                  <a:srgbClr val="000000"/>
+                </a:solidFill>
+                <a:latin typeface="DejaVu Sans Mono"/>
+                <a:ea typeface="DejaVu Sans Mono"/>
+              </a:rPr>
+              <a:t>Link&lt;</a:t>
+            </a:r>
+            <a:r>
+              <a:rPr lang="de-DE" sz="900" b="0" strike="noStrike" spc="-1" dirty="0" err="1">
+                <a:solidFill>
+                  <a:srgbClr val="000000"/>
+                </a:solidFill>
+                <a:latin typeface="DejaVu Sans Mono"/>
+                <a:ea typeface="DejaVu Sans Mono"/>
+              </a:rPr>
+              <a:t>Void</a:t>
+            </a:r>
+            <a:r>
+              <a:rPr lang="de-DE" sz="900" b="0" strike="noStrike" spc="-1" dirty="0">
+                <a:solidFill>
+                  <a:srgbClr val="000000"/>
+                </a:solidFill>
+                <a:latin typeface="DejaVu Sans Mono"/>
+                <a:ea typeface="DejaVu Sans Mono"/>
+              </a:rPr>
+              <a:t>&gt; </a:t>
             </a:r>
             <a:r>
               <a:rPr lang="de-DE" sz="900" b="1" strike="noStrike" spc="-1" dirty="0">
                 <a:solidFill>
-                  <a:srgbClr val="000080"/>
-                </a:solidFill>
-                <a:latin typeface="DejaVu Sans Mono"/>
-                <a:ea typeface="DejaVu Sans Mono"/>
-              </a:rPr>
-              <a:t> final </a:t>
-            </a:r>
-            <a:r>
-              <a:rPr lang="de-DE" sz="900" b="1" strike="noStrike" spc="-1" dirty="0" err="1">
-                <a:solidFill>
-                  <a:srgbClr val="000080"/>
-                </a:solidFill>
-                <a:latin typeface="DejaVu Sans Mono"/>
-                <a:ea typeface="DejaVu Sans Mono"/>
-              </a:rPr>
-              <a:t>long</a:t>
-            </a:r>
-            <a:r>
-              <a:rPr lang="de-DE" sz="900" b="1" strike="noStrike" spc="-1" dirty="0">
-                <a:solidFill>
-                  <a:srgbClr val="000080"/>
-                </a:solidFill>
-                <a:latin typeface="DejaVu Sans Mono"/>
-                <a:ea typeface="DejaVu Sans Mono"/>
-              </a:rPr>
-              <a:t> </a:t>
-            </a:r>
-            <a:r>
-              <a:rPr lang="de-DE" sz="900" b="1" i="1" strike="noStrike" spc="-1" dirty="0" err="1">
-                <a:solidFill>
                   <a:srgbClr val="660E7A"/>
                 </a:solidFill>
                 <a:latin typeface="DejaVu Sans Mono"/>
                 <a:ea typeface="DejaVu Sans Mono"/>
               </a:rPr>
-              <a:t>serialVersionUID</a:t>
-            </a:r>
-            <a:r>
-              <a:rPr lang="de-DE" sz="900" b="1" i="1" strike="noStrike" spc="-1" dirty="0">
-                <a:solidFill>
-                  <a:srgbClr val="660E7A"/>
-                </a:solidFill>
-                <a:latin typeface="DejaVu Sans Mono"/>
-                <a:ea typeface="DejaVu Sans Mono"/>
-              </a:rPr>
-              <a:t> </a:t>
-            </a:r>
-            <a:r>
-              <a:rPr lang="de-DE" sz="900" b="0" strike="noStrike" spc="-1" dirty="0">
-                <a:solidFill>
-                  <a:srgbClr val="000000"/>
-                </a:solidFill>
-                <a:latin typeface="DejaVu Sans Mono"/>
-                <a:ea typeface="DejaVu Sans Mono"/>
-              </a:rPr>
-              <a:t>= </a:t>
-            </a:r>
-            <a:r>
-              <a:rPr lang="de-DE" sz="900" b="0" strike="noStrike" spc="-1" dirty="0">
-                <a:solidFill>
-                  <a:srgbClr val="0000FF"/>
-                </a:solidFill>
-                <a:latin typeface="DejaVu Sans Mono"/>
-                <a:ea typeface="DejaVu Sans Mono"/>
-              </a:rPr>
-              <a:t>1L</a:t>
+              <a:t>link</a:t>
             </a:r>
             <a:r>
               <a:rPr lang="de-DE" sz="900" b="0" strike="noStrike" spc="-1" dirty="0">
@@ -21260,6 +21275,16 @@
               <a:t>    </a:t>
             </a:r>
             <a:r>
+              <a:rPr lang="de-DE" sz="900" b="1" strike="noStrike" spc="-1" dirty="0" err="1">
+                <a:solidFill>
+                  <a:srgbClr val="000080"/>
+                </a:solidFill>
+                <a:latin typeface="DejaVu Sans Mono"/>
+                <a:ea typeface="DejaVu Sans Mono"/>
+              </a:rPr>
+              <a:t>public</a:t>
+            </a:r>
+            <a:r>
               <a:rPr lang="de-DE" sz="900" b="1" strike="noStrike" spc="-1" dirty="0">
                 <a:solidFill>
                   <a:srgbClr val="000080"/>
@@ -21267,39 +21292,9 @@
                 <a:latin typeface="DejaVu Sans Mono"/>
                 <a:ea typeface="DejaVu Sans Mono"/>
               </a:rPr>
-              <a:t>private </a:t>
-            </a:r>
-            <a:r>
-              <a:rPr lang="de-DE" sz="900" b="1" strike="noStrike" spc="-1" dirty="0" err="1">
-                <a:solidFill>
-                  <a:srgbClr val="000080"/>
-                </a:solidFill>
-                <a:latin typeface="DejaVu Sans Mono"/>
-                <a:ea typeface="DejaVu Sans Mono"/>
-              </a:rPr>
-              <a:t>int</a:t>
-            </a:r>
-            <a:r>
-              <a:rPr lang="de-DE" sz="900" b="1" strike="noStrike" spc="-1" dirty="0">
-                <a:solidFill>
-                  <a:srgbClr val="000080"/>
-                </a:solidFill>
-                <a:latin typeface="DejaVu Sans Mono"/>
-                <a:ea typeface="DejaVu Sans Mono"/>
-              </a:rPr>
               <a:t> </a:t>
             </a:r>
             <a:r>
-              <a:rPr lang="de-DE" sz="900" b="1" strike="noStrike" spc="-1" dirty="0" err="1">
-                <a:solidFill>
-                  <a:srgbClr val="660E7A"/>
-                </a:solidFill>
-                <a:latin typeface="DejaVu Sans Mono"/>
-                <a:ea typeface="DejaVu Sans Mono"/>
-              </a:rPr>
-              <a:t>linkClicks</a:t>
-            </a:r>
-            <a:r>
               <a:rPr lang="de-DE" sz="900" b="0" strike="noStrike" spc="-1" dirty="0">
                 <a:solidFill>
                   <a:srgbClr val="000000"/>
@@ -21307,7 +21302,7 @@
                 <a:latin typeface="DejaVu Sans Mono"/>
                 <a:ea typeface="DejaVu Sans Mono"/>
               </a:rPr>
-              <a:t>;</a:t>
+              <a:t>Index(){</a:t>
             </a:r>
             <a:br>
               <a:rPr sz="900" dirty="0"/>
@@ -21319,17 +21314,46 @@
                 </a:solidFill>
                 <a:latin typeface="DejaVu Sans Mono"/>
               </a:rPr>
-              <a:t>    </a:t>
+              <a:t>        </a:t>
+            </a:r>
+            <a:r>
+              <a:rPr lang="de-DE" sz="900" b="1" spc="-1" dirty="0" err="1">
+                <a:solidFill>
+                  <a:srgbClr val="000080"/>
+                </a:solidFill>
+                <a:latin typeface="DejaVu Sans Mono"/>
+                <a:ea typeface="DejaVu Sans Mono"/>
+              </a:rPr>
+              <a:t>int</a:t>
+            </a:r>
+            <a:r>
+              <a:rPr lang="de-DE" sz="900" spc="-1" dirty="0">
+                <a:solidFill>
+                  <a:srgbClr val="000000"/>
+                </a:solidFill>
+                <a:latin typeface="DejaVu Sans Mono"/>
+              </a:rPr>
+              <a:t> </a:t>
+            </a:r>
+            <a:r>
+              <a:rPr lang="de-DE" sz="900" b="1" strike="noStrike" spc="-1" dirty="0" err="1">
+                <a:solidFill>
+                  <a:srgbClr val="660E7A"/>
+                </a:solidFill>
+                <a:latin typeface="DejaVu Sans Mono"/>
+                <a:ea typeface="DejaVu Sans Mono"/>
+              </a:rPr>
+              <a:t>linkClicks</a:t>
             </a:r>
             <a:r>
               <a:rPr lang="de-DE" sz="900" b="1" strike="noStrike" spc="-1" dirty="0">
                 <a:solidFill>
-                  <a:srgbClr val="000080"/>
-                </a:solidFill>
-                <a:latin typeface="DejaVu Sans Mono"/>
-                <a:ea typeface="DejaVu Sans Mono"/>
-              </a:rPr>
-              <a:t>private </a:t>
+                  <a:srgbClr val="660E7A"/>
+                </a:solidFill>
+                <a:latin typeface="DejaVu Sans Mono"/>
+                <a:ea typeface="DejaVu Sans Mono"/>
+              </a:rPr>
+              <a:t> </a:t>
             </a:r>
             <a:r>
               <a:rPr lang="de-DE" sz="900" b="0" strike="noStrike" spc="-1" dirty="0">
@@ -21339,21 +21363,21 @@
                 <a:latin typeface="DejaVu Sans Mono"/>
                 <a:ea typeface="DejaVu Sans Mono"/>
               </a:rPr>
-              <a:t>Model&lt;Integer&gt; </a:t>
-            </a:r>
-            <a:r>
-              <a:rPr lang="de-DE" sz="900" b="1" strike="noStrike" spc="-1" dirty="0" err="1">
-                <a:solidFill>
-                  <a:srgbClr val="660E7A"/>
-                </a:solidFill>
-                <a:latin typeface="DejaVu Sans Mono"/>
-                <a:ea typeface="DejaVu Sans Mono"/>
-              </a:rPr>
-              <a:t>linkLabelModel</a:t>
+              <a:t>= </a:t>
             </a:r>
             <a:r>
               <a:rPr lang="de-DE" sz="900" b="0" strike="noStrike" spc="-1" dirty="0">
                 <a:solidFill>
+                  <a:srgbClr val="0000FF"/>
+                </a:solidFill>
+                <a:latin typeface="DejaVu Sans Mono"/>
+                <a:ea typeface="DejaVu Sans Mono"/>
+              </a:rPr>
+              <a:t>0</a:t>
+            </a:r>
+            <a:r>
+              <a:rPr lang="de-DE" sz="900" b="0" strike="noStrike" spc="-1" dirty="0">
+                <a:solidFill>
                   <a:srgbClr val="000000"/>
                 </a:solidFill>
                 <a:latin typeface="DejaVu Sans Mono"/>
@@ -21361,6 +21385,8 @@
               </a:rPr>
               <a:t>;</a:t>
             </a:r>
+          </a:p>
+          <a:p>
             <a:br>
               <a:rPr sz="900" dirty="0"/>
             </a:br>
@@ -21371,17 +21397,57 @@
                 </a:solidFill>
                 <a:latin typeface="DejaVu Sans Mono"/>
               </a:rPr>
-              <a:t>    </a:t>
+              <a:t>        </a:t>
+            </a:r>
+            <a:r>
+              <a:rPr lang="de-DE" sz="900" b="1" strike="noStrike" spc="-1" dirty="0" err="1">
+                <a:solidFill>
+                  <a:srgbClr val="660E7A"/>
+                </a:solidFill>
+                <a:latin typeface="DejaVu Sans Mono"/>
+                <a:ea typeface="DejaVu Sans Mono"/>
+              </a:rPr>
+              <a:t>linkLabel</a:t>
             </a:r>
             <a:r>
               <a:rPr lang="de-DE" sz="900" b="1" strike="noStrike" spc="-1" dirty="0">
                 <a:solidFill>
+                  <a:srgbClr val="660E7A"/>
+                </a:solidFill>
+                <a:latin typeface="DejaVu Sans Mono"/>
+                <a:ea typeface="DejaVu Sans Mono"/>
+              </a:rPr>
+              <a:t> </a:t>
+            </a:r>
+            <a:r>
+              <a:rPr lang="de-DE" sz="900" b="0" strike="noStrike" spc="-1" dirty="0">
+                <a:solidFill>
+                  <a:srgbClr val="000000"/>
+                </a:solidFill>
+                <a:latin typeface="DejaVu Sans Mono"/>
+                <a:ea typeface="DejaVu Sans Mono"/>
+              </a:rPr>
+              <a:t>= </a:t>
+            </a:r>
+            <a:r>
+              <a:rPr lang="de-DE" sz="900" b="1" strike="noStrike" spc="-1" dirty="0" err="1">
+                <a:solidFill>
                   <a:srgbClr val="000080"/>
                 </a:solidFill>
                 <a:latin typeface="DejaVu Sans Mono"/>
                 <a:ea typeface="DejaVu Sans Mono"/>
               </a:rPr>
-              <a:t>private </a:t>
+              <a:t>new</a:t>
+            </a:r>
+            <a:r>
+              <a:rPr lang="de-DE" sz="900" b="1" strike="noStrike" spc="-1" dirty="0">
+                <a:solidFill>
+                  <a:srgbClr val="000080"/>
+                </a:solidFill>
+                <a:latin typeface="DejaVu Sans Mono"/>
+                <a:ea typeface="DejaVu Sans Mono"/>
+              </a:rPr>
+              <a:t> </a:t>
             </a:r>
             <a:r>
               <a:rPr lang="de-DE" sz="900" b="0" strike="noStrike" spc="-1" dirty="0">
@@ -21391,99 +21457,77 @@
                 <a:latin typeface="DejaVu Sans Mono"/>
                 <a:ea typeface="DejaVu Sans Mono"/>
               </a:rPr>
-              <a:t>Label </a:t>
-            </a:r>
-            <a:r>
-              <a:rPr lang="de-DE" sz="900" b="1" strike="noStrike" spc="-1" dirty="0" err="1">
+              <a:t>Label(</a:t>
+            </a:r>
+            <a:r>
+              <a:rPr lang="de-DE" sz="900" b="1" strike="noStrike" spc="-1" dirty="0">
+                <a:solidFill>
+                  <a:srgbClr val="008000"/>
+                </a:solidFill>
+                <a:latin typeface="DejaVu Sans Mono"/>
+                <a:ea typeface="DejaVu Sans Mono"/>
+              </a:rPr>
+              <a:t>"link-label"</a:t>
+            </a:r>
+            <a:r>
+              <a:rPr lang="de-DE" sz="900" b="0" strike="noStrike" spc="-1" dirty="0">
+                <a:solidFill>
+                  <a:srgbClr val="000000"/>
+                </a:solidFill>
+                <a:latin typeface="DejaVu Sans Mono"/>
+                <a:ea typeface="DejaVu Sans Mono"/>
+              </a:rPr>
+              <a:t>, </a:t>
+            </a:r>
+            <a:r>
+              <a:rPr lang="de-DE" sz="900" spc="-1" dirty="0" err="1">
+                <a:solidFill>
+                  <a:srgbClr val="000000"/>
+                </a:solidFill>
+                <a:latin typeface="DejaVu Sans Mono"/>
+                <a:ea typeface="DejaVu Sans Mono"/>
+              </a:rPr>
+              <a:t>Model.</a:t>
+            </a:r>
+            <a:r>
+              <a:rPr lang="de-DE" sz="900" i="1" spc="-1" dirty="0" err="1">
+                <a:solidFill>
+                  <a:srgbClr val="000000"/>
+                </a:solidFill>
+                <a:latin typeface="DejaVu Sans Mono"/>
+                <a:ea typeface="DejaVu Sans Mono"/>
+              </a:rPr>
+              <a:t>of</a:t>
+            </a:r>
+            <a:r>
+              <a:rPr lang="de-DE" sz="900" spc="-1" dirty="0">
+                <a:solidFill>
+                  <a:srgbClr val="000000"/>
+                </a:solidFill>
+                <a:latin typeface="DejaVu Sans Mono"/>
+                <a:ea typeface="DejaVu Sans Mono"/>
+              </a:rPr>
+              <a:t>(</a:t>
+            </a:r>
+            <a:r>
+              <a:rPr lang="de-DE" sz="900" b="1" spc="-1" dirty="0" err="1">
                 <a:solidFill>
                   <a:srgbClr val="660E7A"/>
                 </a:solidFill>
                 <a:latin typeface="DejaVu Sans Mono"/>
                 <a:ea typeface="DejaVu Sans Mono"/>
               </a:rPr>
-              <a:t>linkLabel</a:t>
-            </a:r>
-            <a:r>
-              <a:rPr lang="de-DE" sz="900" b="0" strike="noStrike" spc="-1" dirty="0">
-                <a:solidFill>
-                  <a:srgbClr val="000000"/>
-                </a:solidFill>
-                <a:latin typeface="DejaVu Sans Mono"/>
-                <a:ea typeface="DejaVu Sans Mono"/>
-              </a:rPr>
-              <a:t>;</a:t>
-            </a:r>
-            <a:br>
-              <a:rPr sz="900" dirty="0"/>
-            </a:br>
+              <a:t>linkClicks</a:t>
+            </a:r>
             <a:r>
               <a:rPr lang="de-DE" sz="900" spc="-1" dirty="0">
                 <a:solidFill>
                   <a:srgbClr val="000000"/>
                 </a:solidFill>
                 <a:latin typeface="DejaVu Sans Mono"/>
-              </a:rPr>
-              <a:t>    </a:t>
-            </a:r>
-            <a:r>
-              <a:rPr lang="de-DE" sz="900" b="1" strike="noStrike" spc="-1" dirty="0">
-                <a:solidFill>
-                  <a:srgbClr val="000080"/>
-                </a:solidFill>
-                <a:latin typeface="DejaVu Sans Mono"/>
-                <a:ea typeface="DejaVu Sans Mono"/>
-              </a:rPr>
-              <a:t>private </a:t>
-            </a:r>
-            <a:r>
-              <a:rPr lang="de-DE" sz="900" b="0" strike="noStrike" spc="-1" dirty="0">
-                <a:solidFill>
-                  <a:srgbClr val="000000"/>
-                </a:solidFill>
-                <a:latin typeface="DejaVu Sans Mono"/>
-                <a:ea typeface="DejaVu Sans Mono"/>
-              </a:rPr>
-              <a:t>Link&lt;</a:t>
-            </a:r>
-            <a:r>
-              <a:rPr lang="de-DE" sz="900" b="0" strike="noStrike" spc="-1" dirty="0" err="1">
-                <a:solidFill>
-                  <a:srgbClr val="000000"/>
-                </a:solidFill>
-                <a:latin typeface="DejaVu Sans Mono"/>
-                <a:ea typeface="DejaVu Sans Mono"/>
-              </a:rPr>
-              <a:t>Void</a:t>
-            </a:r>
-            <a:r>
-              <a:rPr lang="de-DE" sz="900" b="0" strike="noStrike" spc="-1" dirty="0">
-                <a:solidFill>
-                  <a:srgbClr val="000000"/>
-                </a:solidFill>
-                <a:latin typeface="DejaVu Sans Mono"/>
-                <a:ea typeface="DejaVu Sans Mono"/>
-              </a:rPr>
-              <a:t>&gt; </a:t>
-            </a:r>
-            <a:r>
-              <a:rPr lang="de-DE" sz="900" b="1" strike="noStrike" spc="-1" dirty="0">
-                <a:solidFill>
-                  <a:srgbClr val="660E7A"/>
-                </a:solidFill>
-                <a:latin typeface="DejaVu Sans Mono"/>
-                <a:ea typeface="DejaVu Sans Mono"/>
-              </a:rPr>
-              <a:t>link</a:t>
-            </a:r>
-            <a:r>
-              <a:rPr lang="de-DE" sz="900" b="0" strike="noStrike" spc="-1" dirty="0">
-                <a:solidFill>
-                  <a:srgbClr val="000000"/>
-                </a:solidFill>
-                <a:latin typeface="DejaVu Sans Mono"/>
-                <a:ea typeface="DejaVu Sans Mono"/>
-              </a:rPr>
-              <a:t>;</a:t>
+                <a:ea typeface="DejaVu Sans Mono"/>
+              </a:rPr>
+              <a:t>));</a:t>
             </a:r>
             <a:br>
               <a:rPr sz="900" dirty="0"/>
@@ -21498,7 +21542,27 @@
                 </a:solidFill>
                 <a:latin typeface="DejaVu Sans Mono"/>
               </a:rPr>
-              <a:t>    </a:t>
+              <a:t>        </a:t>
+            </a:r>
+            <a:r>
+              <a:rPr lang="de-DE" sz="900" b="1" strike="noStrike" spc="-1" dirty="0">
+                <a:solidFill>
+                  <a:srgbClr val="660E7A"/>
+                </a:solidFill>
+                <a:latin typeface="DejaVu Sans Mono"/>
+                <a:ea typeface="DejaVu Sans Mono"/>
+              </a:rPr>
+              <a:t>link </a:t>
+            </a:r>
+            <a:r>
+              <a:rPr lang="de-DE" sz="900" b="0" strike="noStrike" spc="-1" dirty="0">
+                <a:solidFill>
+                  <a:srgbClr val="000000"/>
+                </a:solidFill>
+                <a:latin typeface="DejaVu Sans Mono"/>
+                <a:ea typeface="DejaVu Sans Mono"/>
+              </a:rPr>
+              <a:t>= </a:t>
             </a:r>
             <a:r>
               <a:rPr lang="de-DE" sz="900" b="1" strike="noStrike" spc="-1" dirty="0" err="1">
@@ -21508,7 +21572,7 @@
                 <a:latin typeface="DejaVu Sans Mono"/>
                 <a:ea typeface="DejaVu Sans Mono"/>
               </a:rPr>
-              <a:t>public</a:t>
+              <a:t>new</a:t>
             </a:r>
             <a:r>
               <a:rPr lang="de-DE" sz="900" b="1" strike="noStrike" spc="-1" dirty="0">
@@ -21528,7 +21592,47 @@
                 <a:latin typeface="DejaVu Sans Mono"/>
                 <a:ea typeface="DejaVu Sans Mono"/>
               </a:rPr>
-              <a:t>Index(){</a:t>
+              <a:t>Link&lt;</a:t>
+            </a:r>
+            <a:r>
+              <a:rPr lang="de-DE" sz="900" b="0" strike="noStrike" spc="-1" dirty="0" err="1">
+                <a:solidFill>
+                  <a:srgbClr val="000000"/>
+                </a:solidFill>
+                <a:latin typeface="DejaVu Sans Mono"/>
+                <a:ea typeface="DejaVu Sans Mono"/>
+              </a:rPr>
+              <a:t>Void</a:t>
+            </a:r>
+            <a:r>
+              <a:rPr lang="de-DE" sz="900" b="0" strike="noStrike" spc="-1" dirty="0">
+                <a:solidFill>
+                  <a:srgbClr val="000000"/>
+                </a:solidFill>
+                <a:latin typeface="DejaVu Sans Mono"/>
+                <a:ea typeface="DejaVu Sans Mono"/>
+              </a:rPr>
+              <a:t>&gt;(</a:t>
+            </a:r>
+            <a:r>
+              <a:rPr lang="de-DE" sz="900" b="1" strike="noStrike" spc="-1" dirty="0">
+                <a:solidFill>
+                  <a:srgbClr val="008000"/>
+                </a:solidFill>
+                <a:latin typeface="DejaVu Sans Mono"/>
+                <a:ea typeface="DejaVu Sans Mono"/>
+              </a:rPr>
+              <a:t>"link-link"</a:t>
+            </a:r>
+            <a:r>
+              <a:rPr lang="de-DE" sz="900" b="0" strike="noStrike" spc="-1" dirty="0">
+                <a:solidFill>
+                  <a:srgbClr val="000000"/>
+                </a:solidFill>
+                <a:latin typeface="DejaVu Sans Mono"/>
+                <a:ea typeface="DejaVu Sans Mono"/>
+              </a:rPr>
+              <a:t>){</a:t>
             </a:r>
             <a:br>
               <a:rPr sz="900" dirty="0"/>
@@ -21540,57 +21644,27 @@
                 </a:solidFill>
                 <a:latin typeface="DejaVu Sans Mono"/>
               </a:rPr>
-              <a:t>        </a:t>
-            </a:r>
-            <a:r>
-              <a:rPr lang="de-DE" sz="900" b="1" strike="noStrike" spc="-1" dirty="0" err="1">
-                <a:solidFill>
-                  <a:srgbClr val="660E7A"/>
-                </a:solidFill>
-                <a:latin typeface="DejaVu Sans Mono"/>
-                <a:ea typeface="DejaVu Sans Mono"/>
-              </a:rPr>
-              <a:t>linkClicks</a:t>
-            </a:r>
-            <a:r>
-              <a:rPr lang="de-DE" sz="900" b="1" strike="noStrike" spc="-1" dirty="0">
-                <a:solidFill>
-                  <a:srgbClr val="660E7A"/>
-                </a:solidFill>
-                <a:latin typeface="DejaVu Sans Mono"/>
-                <a:ea typeface="DejaVu Sans Mono"/>
-              </a:rPr>
-              <a:t> </a:t>
+              <a:t>            </a:t>
             </a:r>
             <a:r>
               <a:rPr lang="de-DE" sz="900" b="0" strike="noStrike" spc="-1" dirty="0">
                 <a:solidFill>
-                  <a:srgbClr val="000000"/>
-                </a:solidFill>
-                <a:latin typeface="DejaVu Sans Mono"/>
-                <a:ea typeface="DejaVu Sans Mono"/>
-              </a:rPr>
-              <a:t>= </a:t>
-            </a:r>
-            <a:r>
-              <a:rPr lang="de-DE" sz="900" b="0" strike="noStrike" spc="-1" dirty="0">
-                <a:solidFill>
-                  <a:srgbClr val="0000FF"/>
-                </a:solidFill>
-                <a:latin typeface="DejaVu Sans Mono"/>
-                <a:ea typeface="DejaVu Sans Mono"/>
-              </a:rPr>
-              <a:t>0</a:t>
-            </a:r>
-            <a:r>
-              <a:rPr lang="de-DE" sz="900" b="0" strike="noStrike" spc="-1" dirty="0">
-                <a:solidFill>
-                  <a:srgbClr val="000000"/>
-                </a:solidFill>
-                <a:latin typeface="DejaVu Sans Mono"/>
-                <a:ea typeface="DejaVu Sans Mono"/>
-              </a:rPr>
-              <a:t>;</a:t>
+                  <a:srgbClr val="808000"/>
+                </a:solidFill>
+                <a:latin typeface="DejaVu Sans Mono"/>
+                <a:ea typeface="DejaVu Sans Mono"/>
+              </a:rPr>
+              <a:t>@</a:t>
+            </a:r>
+            <a:r>
+              <a:rPr lang="de-DE" sz="900" b="0" strike="noStrike" spc="-1" dirty="0" err="1">
+                <a:solidFill>
+                  <a:srgbClr val="808000"/>
+                </a:solidFill>
+                <a:latin typeface="DejaVu Sans Mono"/>
+                <a:ea typeface="DejaVu Sans Mono"/>
+              </a:rPr>
+              <a:t>Override</a:t>
             </a:r>
             <a:br>
               <a:rPr sz="900" dirty="0"/>
@@ -21598,26 +21672,26 @@
             <a:r>
               <a:rPr lang="de-DE" sz="900" spc="-1" dirty="0">
                 <a:solidFill>
-                  <a:srgbClr val="000000"/>
-                </a:solidFill>
-                <a:latin typeface="DejaVu Sans Mono"/>
-              </a:rPr>
-              <a:t>        </a:t>
+                  <a:srgbClr val="808000"/>
+                </a:solidFill>
+                <a:latin typeface="DejaVu Sans Mono"/>
+              </a:rPr>
+              <a:t>            </a:t>
             </a:r>
             <a:r>
               <a:rPr lang="de-DE" sz="900" b="1" strike="noStrike" spc="-1" dirty="0" err="1">
                 <a:solidFill>
-                  <a:srgbClr val="660E7A"/>
-                </a:solidFill>
-                <a:latin typeface="DejaVu Sans Mono"/>
-                <a:ea typeface="DejaVu Sans Mono"/>
-              </a:rPr>
-              <a:t>linkLabelModel</a:t>
+                  <a:srgbClr val="000080"/>
+                </a:solidFill>
+                <a:latin typeface="DejaVu Sans Mono"/>
+                <a:ea typeface="DejaVu Sans Mono"/>
+              </a:rPr>
+              <a:t>public</a:t>
             </a:r>
             <a:r>
               <a:rPr lang="de-DE" sz="900" b="1" strike="noStrike" spc="-1" dirty="0">
                 <a:solidFill>
-                  <a:srgbClr val="660E7A"/>
+                  <a:srgbClr val="000080"/>
                 </a:solidFill>
                 <a:latin typeface="DejaVu Sans Mono"/>
                 <a:ea typeface="DejaVu Sans Mono"/>
@@ -21625,6 +21699,36 @@
               <a:t> </a:t>
             </a:r>
             <a:r>
+              <a:rPr lang="de-DE" sz="900" b="1" strike="noStrike" spc="-1" dirty="0" err="1">
+                <a:solidFill>
+                  <a:srgbClr val="000080"/>
+                </a:solidFill>
+                <a:latin typeface="DejaVu Sans Mono"/>
+                <a:ea typeface="DejaVu Sans Mono"/>
+              </a:rPr>
+              <a:t>void</a:t>
+            </a:r>
+            <a:r>
+              <a:rPr lang="de-DE" sz="900" b="1" strike="noStrike" spc="-1" dirty="0">
+                <a:solidFill>
+                  <a:srgbClr val="000080"/>
+                </a:solidFill>
+                <a:latin typeface="DejaVu Sans Mono"/>
+                <a:ea typeface="DejaVu Sans Mono"/>
+              </a:rPr>
+              <a:t> </a:t>
+            </a:r>
+            <a:r>
+              <a:rPr lang="de-DE" sz="900" b="0" strike="noStrike" spc="-1" dirty="0" err="1">
+                <a:solidFill>
+                  <a:srgbClr val="000000"/>
+                </a:solidFill>
+                <a:latin typeface="DejaVu Sans Mono"/>
+                <a:ea typeface="DejaVu Sans Mono"/>
+              </a:rPr>
+              <a:t>onClick</a:t>
+            </a:r>
+            <a:r>
               <a:rPr lang="de-DE" sz="900" b="0" strike="noStrike" spc="-1" dirty="0">
                 <a:solidFill>
                   <a:srgbClr val="000000"/>
@@ -21632,57 +21736,7 @@
                 <a:latin typeface="DejaVu Sans Mono"/>
                 <a:ea typeface="DejaVu Sans Mono"/>
               </a:rPr>
-              <a:t>= </a:t>
-            </a:r>
-            <a:r>
-              <a:rPr lang="de-DE" sz="900" b="0" strike="noStrike" spc="-1" dirty="0" err="1">
-                <a:solidFill>
-                  <a:srgbClr val="000000"/>
-                </a:solidFill>
-                <a:latin typeface="DejaVu Sans Mono"/>
-                <a:ea typeface="DejaVu Sans Mono"/>
-              </a:rPr>
-              <a:t>Model.</a:t>
-            </a:r>
-            <a:r>
-              <a:rPr lang="de-DE" sz="900" b="0" i="1" strike="noStrike" spc="-1" dirty="0" err="1">
-                <a:solidFill>
-                  <a:srgbClr val="000000"/>
-                </a:solidFill>
-                <a:latin typeface="DejaVu Sans Mono"/>
-                <a:ea typeface="DejaVu Sans Mono"/>
-              </a:rPr>
-              <a:t>of</a:t>
-            </a:r>
-            <a:r>
-              <a:rPr lang="de-DE" sz="900" b="0" strike="noStrike" spc="-1" dirty="0">
-                <a:solidFill>
-                  <a:srgbClr val="000000"/>
-                </a:solidFill>
-                <a:latin typeface="DejaVu Sans Mono"/>
-                <a:ea typeface="DejaVu Sans Mono"/>
-              </a:rPr>
-              <a:t>(</a:t>
-            </a:r>
-            <a:r>
-              <a:rPr lang="de-DE" sz="900" b="1" strike="noStrike" spc="-1" dirty="0" err="1">
-                <a:solidFill>
-                  <a:srgbClr val="660E7A"/>
-                </a:solidFill>
-                <a:latin typeface="DejaVu Sans Mono"/>
-                <a:ea typeface="DejaVu Sans Mono"/>
-              </a:rPr>
-              <a:t>linkClicks</a:t>
-            </a:r>
-            <a:r>
-              <a:rPr lang="de-DE" sz="900" b="0" strike="noStrike" spc="-1" dirty="0">
-                <a:solidFill>
-                  <a:srgbClr val="000000"/>
-                </a:solidFill>
-                <a:latin typeface="DejaVu Sans Mono"/>
-                <a:ea typeface="DejaVu Sans Mono"/>
-              </a:rPr>
-              <a:t>);</a:t>
+              <a:t>() {</a:t>
             </a:r>
             <a:br>
               <a:rPr sz="900" dirty="0"/>
@@ -21694,29 +21748,125 @@
                 </a:solidFill>
                 <a:latin typeface="DejaVu Sans Mono"/>
               </a:rPr>
+              <a:t>                </a:t>
+            </a:r>
+            <a:r>
+              <a:rPr lang="de-DE" sz="900" b="1" strike="noStrike" spc="-1" dirty="0" err="1">
+                <a:solidFill>
+                  <a:srgbClr val="660E7A"/>
+                </a:solidFill>
+                <a:latin typeface="DejaVu Sans Mono"/>
+                <a:ea typeface="DejaVu Sans Mono"/>
+              </a:rPr>
+              <a:t>linkClicks</a:t>
+            </a:r>
+            <a:r>
+              <a:rPr lang="de-DE" sz="900" b="0" strike="noStrike" spc="-1" dirty="0">
+                <a:solidFill>
+                  <a:srgbClr val="000000"/>
+                </a:solidFill>
+                <a:latin typeface="DejaVu Sans Mono"/>
+                <a:ea typeface="DejaVu Sans Mono"/>
+              </a:rPr>
+              <a:t>++;</a:t>
+            </a:r>
+          </a:p>
+          <a:p>
+            <a:r>
+              <a:rPr lang="de-DE" sz="900" spc="-1" dirty="0">
+                <a:solidFill>
+                  <a:srgbClr val="000000"/>
+                </a:solidFill>
+                <a:latin typeface="DejaVu Sans Mono"/>
+                <a:ea typeface="DejaVu Sans Mono"/>
+              </a:rPr>
+              <a:t>                </a:t>
+            </a:r>
+            <a:r>
+              <a:rPr lang="de-DE" sz="900" b="1" strike="noStrike" spc="-1" dirty="0" err="1">
+                <a:solidFill>
+                  <a:srgbClr val="660E7A"/>
+                </a:solidFill>
+                <a:latin typeface="DejaVu Sans Mono"/>
+                <a:ea typeface="DejaVu Sans Mono"/>
+              </a:rPr>
+              <a:t>linkLabel</a:t>
+            </a:r>
+            <a:r>
+              <a:rPr lang="de-DE" sz="900" b="0" strike="noStrike" spc="-1" dirty="0" err="1">
+                <a:solidFill>
+                  <a:srgbClr val="000000"/>
+                </a:solidFill>
+                <a:latin typeface="DejaVu Sans Mono"/>
+                <a:ea typeface="DejaVu Sans Mono"/>
+              </a:rPr>
+              <a:t>.setDefaultModelObject</a:t>
+            </a:r>
+            <a:r>
+              <a:rPr lang="de-DE" sz="900" b="0" strike="noStrike" spc="-1" dirty="0">
+                <a:solidFill>
+                  <a:srgbClr val="000000"/>
+                </a:solidFill>
+                <a:latin typeface="DejaVu Sans Mono"/>
+                <a:ea typeface="DejaVu Sans Mono"/>
+              </a:rPr>
+              <a:t>(</a:t>
+            </a:r>
+            <a:r>
+              <a:rPr lang="de-DE" sz="900" b="1" strike="noStrike" spc="-1" dirty="0" err="1">
+                <a:solidFill>
+                  <a:srgbClr val="660E7A"/>
+                </a:solidFill>
+                <a:latin typeface="DejaVu Sans Mono"/>
+                <a:ea typeface="DejaVu Sans Mono"/>
+              </a:rPr>
+              <a:t>linkClicks</a:t>
+            </a:r>
+            <a:r>
+              <a:rPr lang="de-DE" sz="900" b="0" strike="noStrike" spc="-1" dirty="0">
+                <a:solidFill>
+                  <a:srgbClr val="000000"/>
+                </a:solidFill>
+                <a:latin typeface="DejaVu Sans Mono"/>
+                <a:ea typeface="DejaVu Sans Mono"/>
+              </a:rPr>
+              <a:t>);</a:t>
+            </a:r>
+            <a:br>
+              <a:rPr sz="900" dirty="0"/>
+            </a:br>
+            <a:r>
+              <a:rPr lang="de-DE" sz="900" spc="-1" dirty="0">
+                <a:solidFill>
+                  <a:srgbClr val="000000"/>
+                </a:solidFill>
+                <a:latin typeface="DejaVu Sans Mono"/>
+              </a:rPr>
+              <a:t>            </a:t>
+            </a:r>
+            <a:r>
+              <a:rPr lang="de-DE" sz="900" b="0" strike="noStrike" spc="-1" dirty="0">
+                <a:solidFill>
+                  <a:srgbClr val="000000"/>
+                </a:solidFill>
+                <a:latin typeface="DejaVu Sans Mono"/>
+                <a:ea typeface="DejaVu Sans Mono"/>
+              </a:rPr>
+              <a:t>}</a:t>
+            </a:r>
+            <a:br>
+              <a:rPr sz="900" dirty="0"/>
+            </a:br>
+            <a:r>
+              <a:rPr lang="de-DE" sz="900" spc="-1" dirty="0">
+                <a:solidFill>
+                  <a:srgbClr val="000000"/>
+                </a:solidFill>
+                <a:latin typeface="DejaVu Sans Mono"/>
+              </a:rPr>
               <a:t>        </a:t>
             </a:r>
             <a:r>
-              <a:rPr lang="de-DE" sz="900" b="1" strike="noStrike" spc="-1" dirty="0" err="1">
-                <a:solidFill>
-                  <a:srgbClr val="660E7A"/>
-                </a:solidFill>
-                <a:latin typeface="DejaVu Sans Mono"/>
-                <a:ea typeface="DejaVu Sans Mono"/>
-              </a:rPr>
-              <a:t>linkLabel</a:t>
-            </a:r>
-            <a:r>
-              <a:rPr lang="de-DE" sz="900" b="1" strike="noStrike" spc="-1" dirty="0">
-                <a:solidFill>
-                  <a:srgbClr val="660E7A"/>
-                </a:solidFill>
-                <a:latin typeface="DejaVu Sans Mono"/>
-                <a:ea typeface="DejaVu Sans Mono"/>
-              </a:rPr>
-              <a:t> </a:t>
-            </a:r>
-            <a:r>
               <a:rPr lang="de-DE" sz="900" b="0" strike="noStrike" spc="-1" dirty="0">
                 <a:solidFill>
                   <a:srgbClr val="000000"/>
@@ -21724,77 +21874,7 @@
                 <a:latin typeface="DejaVu Sans Mono"/>
                 <a:ea typeface="DejaVu Sans Mono"/>
               </a:rPr>
-              <a:t>= </a:t>
-            </a:r>
-            <a:r>
-              <a:rPr lang="de-DE" sz="900" b="1" strike="noStrike" spc="-1" dirty="0" err="1">
-                <a:solidFill>
-                  <a:srgbClr val="000080"/>
-                </a:solidFill>
-                <a:latin typeface="DejaVu Sans Mono"/>
-                <a:ea typeface="DejaVu Sans Mono"/>
-              </a:rPr>
-              <a:t>new</a:t>
-            </a:r>
-            <a:r>
-              <a:rPr lang="de-DE" sz="900" b="1" strike="noStrike" spc="-1" dirty="0">
-                <a:solidFill>
-                  <a:srgbClr val="000080"/>
-                </a:solidFill>
-                <a:latin typeface="DejaVu Sans Mono"/>
-                <a:ea typeface="DejaVu Sans Mono"/>
-              </a:rPr>
-              <a:t> </a:t>
-            </a:r>
-            <a:r>
-              <a:rPr lang="de-DE" sz="900" b="0" strike="noStrike" spc="-1" dirty="0">
-                <a:solidFill>
-                  <a:srgbClr val="000000"/>
-                </a:solidFill>
-                <a:latin typeface="DejaVu Sans Mono"/>
-                <a:ea typeface="DejaVu Sans Mono"/>
-              </a:rPr>
-              <a:t>Label(</a:t>
-            </a:r>
-            <a:r>
-              <a:rPr lang="de-DE" sz="900" b="1" strike="noStrike" spc="-1" dirty="0">
-                <a:solidFill>
-                  <a:srgbClr val="008000"/>
-                </a:solidFill>
-                <a:latin typeface="DejaVu Sans Mono"/>
-                <a:ea typeface="DejaVu Sans Mono"/>
-              </a:rPr>
-              <a:t>"link-label"</a:t>
-            </a:r>
-            <a:r>
-              <a:rPr lang="de-DE" sz="900" b="0" strike="noStrike" spc="-1" dirty="0">
-                <a:solidFill>
-                  <a:srgbClr val="000000"/>
-                </a:solidFill>
-                <a:latin typeface="DejaVu Sans Mono"/>
-                <a:ea typeface="DejaVu Sans Mono"/>
-              </a:rPr>
-              <a:t>, </a:t>
-            </a:r>
-            <a:r>
-              <a:rPr lang="de-DE" sz="900" b="1" strike="noStrike" spc="-1" dirty="0" err="1">
-                <a:solidFill>
-                  <a:srgbClr val="660E7A"/>
-                </a:solidFill>
-                <a:latin typeface="DejaVu Sans Mono"/>
-                <a:ea typeface="DejaVu Sans Mono"/>
-              </a:rPr>
-              <a:t>linkLabelModel</a:t>
-            </a:r>
-            <a:r>
-              <a:rPr lang="de-DE" sz="900" b="0" strike="noStrike" spc="-1" dirty="0">
-                <a:solidFill>
-                  <a:srgbClr val="000000"/>
-                </a:solidFill>
-                <a:latin typeface="DejaVu Sans Mono"/>
-                <a:ea typeface="DejaVu Sans Mono"/>
-              </a:rPr>
-              <a:t>);</a:t>
+              <a:t>};</a:t>
             </a:r>
             <a:br>
               <a:rPr sz="900" dirty="0"/>
@@ -21812,14 +21892,34 @@
               <a:t>        </a:t>
             </a:r>
             <a:r>
-              <a:rPr lang="de-DE" sz="900" b="1" strike="noStrike" spc="-1" dirty="0">
+              <a:rPr lang="de-DE" sz="900" b="0" strike="noStrike" spc="-1" dirty="0" err="1">
+                <a:solidFill>
+                  <a:srgbClr val="000000"/>
+                </a:solidFill>
+                <a:latin typeface="DejaVu Sans Mono"/>
+                <a:ea typeface="DejaVu Sans Mono"/>
+              </a:rPr>
+              <a:t>add</a:t>
+            </a:r>
+            <a:r>
+              <a:rPr lang="de-DE" sz="900" b="0" strike="noStrike" spc="-1" dirty="0">
+                <a:solidFill>
+                  <a:srgbClr val="000000"/>
+                </a:solidFill>
+                <a:latin typeface="DejaVu Sans Mono"/>
+                <a:ea typeface="DejaVu Sans Mono"/>
+              </a:rPr>
+              <a:t>(</a:t>
+            </a:r>
+            <a:r>
+              <a:rPr lang="de-DE" sz="900" b="1" strike="noStrike" spc="-1" dirty="0" err="1">
                 <a:solidFill>
                   <a:srgbClr val="660E7A"/>
                 </a:solidFill>
                 <a:latin typeface="DejaVu Sans Mono"/>
                 <a:ea typeface="DejaVu Sans Mono"/>
               </a:rPr>
-              <a:t>link </a:t>
+              <a:t>linkLabel</a:t>
             </a:r>
             <a:r>
               <a:rPr lang="de-DE" sz="900" b="0" strike="noStrike" spc="-1" dirty="0">
@@ -21829,77 +21929,7 @@
                 <a:latin typeface="DejaVu Sans Mono"/>
                 <a:ea typeface="DejaVu Sans Mono"/>
               </a:rPr>
-              <a:t>= </a:t>
-            </a:r>
-            <a:r>
-              <a:rPr lang="de-DE" sz="900" b="1" strike="noStrike" spc="-1" dirty="0" err="1">
-                <a:solidFill>
-                  <a:srgbClr val="000080"/>
-                </a:solidFill>
-                <a:latin typeface="DejaVu Sans Mono"/>
-                <a:ea typeface="DejaVu Sans Mono"/>
-              </a:rPr>
-              <a:t>new</a:t>
-            </a:r>
-            <a:r>
-              <a:rPr lang="de-DE" sz="900" b="1" strike="noStrike" spc="-1" dirty="0">
-                <a:solidFill>
-                  <a:srgbClr val="000080"/>
-                </a:solidFill>
-                <a:latin typeface="DejaVu Sans Mono"/>
-                <a:ea typeface="DejaVu Sans Mono"/>
-              </a:rPr>
-              <a:t> </a:t>
-            </a:r>
-            <a:r>
-              <a:rPr lang="de-DE" sz="900" b="0" strike="noStrike" spc="-1" dirty="0">
-                <a:solidFill>
-                  <a:srgbClr val="000000"/>
-                </a:solidFill>
-                <a:latin typeface="DejaVu Sans Mono"/>
-                <a:ea typeface="DejaVu Sans Mono"/>
-              </a:rPr>
-              <a:t>Link&lt;</a:t>
-            </a:r>
-            <a:r>
-              <a:rPr lang="de-DE" sz="900" b="0" strike="noStrike" spc="-1" dirty="0" err="1">
-                <a:solidFill>
-                  <a:srgbClr val="000000"/>
-                </a:solidFill>
-                <a:latin typeface="DejaVu Sans Mono"/>
-                <a:ea typeface="DejaVu Sans Mono"/>
-              </a:rPr>
-              <a:t>Void</a:t>
-            </a:r>
-            <a:r>
-              <a:rPr lang="de-DE" sz="900" b="0" strike="noStrike" spc="-1" dirty="0">
-                <a:solidFill>
-                  <a:srgbClr val="000000"/>
-                </a:solidFill>
-                <a:latin typeface="DejaVu Sans Mono"/>
-                <a:ea typeface="DejaVu Sans Mono"/>
-              </a:rPr>
-              <a:t>&gt;(</a:t>
-            </a:r>
-            <a:r>
-              <a:rPr lang="de-DE" sz="900" b="1" strike="noStrike" spc="-1" dirty="0">
-                <a:solidFill>
-                  <a:srgbClr val="008000"/>
-                </a:solidFill>
-                <a:latin typeface="DejaVu Sans Mono"/>
-                <a:ea typeface="DejaVu Sans Mono"/>
-              </a:rPr>
-              <a:t>"link-link"</a:t>
-            </a:r>
-            <a:r>
-              <a:rPr lang="de-DE" sz="900" b="0" strike="noStrike" spc="-1" dirty="0">
-                <a:solidFill>
-                  <a:srgbClr val="000000"/>
-                </a:solidFill>
-                <a:latin typeface="DejaVu Sans Mono"/>
-                <a:ea typeface="DejaVu Sans Mono"/>
-              </a:rPr>
-              <a:t>){</a:t>
+              <a:t>);</a:t>
             </a:r>
             <a:br>
               <a:rPr sz="900" dirty="0"/>
@@ -21911,27 +21941,47 @@
                 </a:solidFill>
                 <a:latin typeface="DejaVu Sans Mono"/>
               </a:rPr>
-              <a:t>            </a:t>
+              <a:t>        </a:t>
+            </a:r>
+            <a:r>
+              <a:rPr lang="de-DE" sz="900" b="0" strike="noStrike" spc="-1" dirty="0" err="1">
+                <a:solidFill>
+                  <a:srgbClr val="000000"/>
+                </a:solidFill>
+                <a:latin typeface="DejaVu Sans Mono"/>
+                <a:ea typeface="DejaVu Sans Mono"/>
+              </a:rPr>
+              <a:t>add</a:t>
             </a:r>
             <a:r>
               <a:rPr lang="de-DE" sz="900" b="0" strike="noStrike" spc="-1" dirty="0">
                 <a:solidFill>
-                  <a:srgbClr val="808000"/>
-                </a:solidFill>
-                <a:latin typeface="DejaVu Sans Mono"/>
-                <a:ea typeface="DejaVu Sans Mono"/>
-              </a:rPr>
-              <a:t>@</a:t>
-            </a:r>
-            <a:r>
-              <a:rPr lang="de-DE" sz="900" b="0" strike="noStrike" spc="-1" dirty="0" err="1">
-                <a:solidFill>
-                  <a:srgbClr val="808000"/>
-                </a:solidFill>
-                <a:latin typeface="DejaVu Sans Mono"/>
-                <a:ea typeface="DejaVu Sans Mono"/>
-              </a:rPr>
-              <a:t>Override</a:t>
+                  <a:srgbClr val="000000"/>
+                </a:solidFill>
+                <a:latin typeface="DejaVu Sans Mono"/>
+                <a:ea typeface="DejaVu Sans Mono"/>
+              </a:rPr>
+              <a:t>(</a:t>
+            </a:r>
+            <a:r>
+              <a:rPr lang="de-DE" sz="900" b="1" strike="noStrike" spc="-1" dirty="0">
+                <a:solidFill>
+                  <a:srgbClr val="660E7A"/>
+                </a:solidFill>
+                <a:latin typeface="DejaVu Sans Mono"/>
+                <a:ea typeface="DejaVu Sans Mono"/>
+              </a:rPr>
+              <a:t>link</a:t>
+            </a:r>
+            <a:r>
+              <a:rPr lang="de-DE" sz="900" b="0" strike="noStrike" spc="-1" dirty="0">
+                <a:solidFill>
+                  <a:srgbClr val="000000"/>
+                </a:solidFill>
+                <a:latin typeface="DejaVu Sans Mono"/>
+                <a:ea typeface="DejaVu Sans Mono"/>
+              </a:rPr>
+              <a:t>);</a:t>
             </a:r>
             <a:br>
               <a:rPr sz="900" dirty="0"/>
@@ -21939,328 +21989,11 @@
             <a:r>
               <a:rPr lang="de-DE" sz="900" spc="-1" dirty="0">
                 <a:solidFill>
-                  <a:srgbClr val="808000"/>
-                </a:solidFill>
-                <a:latin typeface="DejaVu Sans Mono"/>
-              </a:rPr>
-              <a:t>            </a:t>
-            </a:r>
-            <a:r>
-              <a:rPr lang="de-DE" sz="900" b="1" strike="noStrike" spc="-1" dirty="0" err="1">
-                <a:solidFill>
-                  <a:srgbClr val="000080"/>
-                </a:solidFill>
-                <a:latin typeface="DejaVu Sans Mono"/>
-                <a:ea typeface="DejaVu Sans Mono"/>
-              </a:rPr>
-              <a:t>public</a:t>
-            </a:r>
-            <a:r>
-              <a:rPr lang="de-DE" sz="900" b="1" strike="noStrike" spc="-1" dirty="0">
-                <a:solidFill>
-                  <a:srgbClr val="000080"/>
-                </a:solidFill>
-                <a:latin typeface="DejaVu Sans Mono"/>
-                <a:ea typeface="DejaVu Sans Mono"/>
-              </a:rPr>
-              <a:t> </a:t>
-            </a:r>
-            <a:r>
-              <a:rPr lang="de-DE" sz="900" b="1" strike="noStrike" spc="-1" dirty="0" err="1">
-                <a:solidFill>
-                  <a:srgbClr val="000080"/>
-                </a:solidFill>
-                <a:latin typeface="DejaVu Sans Mono"/>
-                <a:ea typeface="DejaVu Sans Mono"/>
-              </a:rPr>
-              <a:t>void</a:t>
-            </a:r>
-            <a:r>
-              <a:rPr lang="de-DE" sz="900" b="1" strike="noStrike" spc="-1" dirty="0">
-                <a:solidFill>
-                  <a:srgbClr val="000080"/>
-                </a:solidFill>
-                <a:latin typeface="DejaVu Sans Mono"/>
-                <a:ea typeface="DejaVu Sans Mono"/>
-              </a:rPr>
-              <a:t> </a:t>
-            </a:r>
-            <a:r>
-              <a:rPr lang="de-DE" sz="900" b="0" strike="noStrike" spc="-1" dirty="0" err="1">
-                <a:solidFill>
-                  <a:srgbClr val="000000"/>
-                </a:solidFill>
-                <a:latin typeface="DejaVu Sans Mono"/>
-                <a:ea typeface="DejaVu Sans Mono"/>
-              </a:rPr>
-              <a:t>onClick</a:t>
-            </a:r>
-            <a:r>
-              <a:rPr lang="de-DE" sz="900" b="0" strike="noStrike" spc="-1" dirty="0">
-                <a:solidFill>
-                  <a:srgbClr val="000000"/>
-                </a:solidFill>
-                <a:latin typeface="DejaVu Sans Mono"/>
-                <a:ea typeface="DejaVu Sans Mono"/>
-              </a:rPr>
-              <a:t>() {</a:t>
-            </a:r>
-            <a:br>
-              <a:rPr sz="900" dirty="0"/>
-            </a:br>
-            <a:r>
-              <a:rPr lang="de-DE" sz="900" spc="-1" dirty="0">
-                <a:solidFill>
-                  <a:srgbClr val="000000"/>
-                </a:solidFill>
-                <a:latin typeface="DejaVu Sans Mono"/>
-              </a:rPr>
-              <a:t>                </a:t>
-            </a:r>
-            <a:r>
-              <a:rPr lang="de-DE" sz="900" b="1" strike="noStrike" spc="-1" dirty="0" err="1">
-                <a:solidFill>
-                  <a:srgbClr val="660E7A"/>
-                </a:solidFill>
-                <a:latin typeface="DejaVu Sans Mono"/>
-                <a:ea typeface="DejaVu Sans Mono"/>
-              </a:rPr>
-              <a:t>linkClicks</a:t>
-            </a:r>
-            <a:r>
-              <a:rPr lang="de-DE" sz="900" b="0" strike="noStrike" spc="-1" dirty="0">
-                <a:solidFill>
-                  <a:srgbClr val="000000"/>
-                </a:solidFill>
-                <a:latin typeface="DejaVu Sans Mono"/>
-                <a:ea typeface="DejaVu Sans Mono"/>
-              </a:rPr>
-              <a:t>++;</a:t>
-            </a:r>
-          </a:p>
-          <a:p>
-            <a:r>
-              <a:rPr lang="de-DE" sz="900" spc="-1" dirty="0">
-                <a:solidFill>
-                  <a:srgbClr val="000000"/>
-                </a:solidFill>
-                <a:latin typeface="DejaVu Sans Mono"/>
-                <a:ea typeface="DejaVu Sans Mono"/>
-              </a:rPr>
-              <a:t>                </a:t>
-            </a:r>
-            <a:r>
-              <a:rPr lang="de-DE" sz="900" b="1" strike="noStrike" spc="-1" dirty="0" err="1">
-                <a:solidFill>
-                  <a:srgbClr val="660E7A"/>
-                </a:solidFill>
-                <a:latin typeface="DejaVu Sans Mono"/>
-                <a:ea typeface="DejaVu Sans Mono"/>
-              </a:rPr>
-              <a:t>linkLabelModel</a:t>
-            </a:r>
-            <a:r>
-              <a:rPr lang="de-DE" sz="900" b="0" strike="noStrike" spc="-1" dirty="0" err="1">
-                <a:solidFill>
-                  <a:srgbClr val="000000"/>
-                </a:solidFill>
-                <a:latin typeface="DejaVu Sans Mono"/>
-                <a:ea typeface="DejaVu Sans Mono"/>
-              </a:rPr>
-              <a:t>.setObject</a:t>
-            </a:r>
-            <a:r>
-              <a:rPr lang="de-DE" sz="900" b="0" strike="noStrike" spc="-1" dirty="0">
-                <a:solidFill>
-                  <a:srgbClr val="000000"/>
-                </a:solidFill>
-                <a:latin typeface="DejaVu Sans Mono"/>
-                <a:ea typeface="DejaVu Sans Mono"/>
-              </a:rPr>
-              <a:t>(</a:t>
-            </a:r>
-            <a:r>
-              <a:rPr lang="de-DE" sz="900" b="1" strike="noStrike" spc="-1" dirty="0" err="1">
-                <a:solidFill>
-                  <a:srgbClr val="660E7A"/>
-                </a:solidFill>
-                <a:latin typeface="DejaVu Sans Mono"/>
-                <a:ea typeface="DejaVu Sans Mono"/>
-              </a:rPr>
-              <a:t>linkClicks</a:t>
-            </a:r>
-            <a:r>
-              <a:rPr lang="de-DE" sz="900" b="0" strike="noStrike" spc="-1" dirty="0">
-                <a:solidFill>
-                  <a:srgbClr val="000000"/>
-                </a:solidFill>
-                <a:latin typeface="DejaVu Sans Mono"/>
-                <a:ea typeface="DejaVu Sans Mono"/>
-              </a:rPr>
-              <a:t>);</a:t>
-            </a:r>
-            <a:br>
-              <a:rPr sz="900" dirty="0"/>
-            </a:br>
-            <a:r>
-              <a:rPr lang="de-DE" sz="900" spc="-1" dirty="0">
-                <a:solidFill>
-                  <a:srgbClr val="000000"/>
-                </a:solidFill>
-                <a:latin typeface="DejaVu Sans Mono"/>
-              </a:rPr>
-              <a:t>            </a:t>
-            </a:r>
-            <a:r>
-              <a:rPr lang="de-DE" sz="900" b="0" strike="noStrike" spc="-1" dirty="0">
-                <a:solidFill>
-                  <a:srgbClr val="000000"/>
-                </a:solidFill>
-                <a:latin typeface="DejaVu Sans Mono"/>
-                <a:ea typeface="DejaVu Sans Mono"/>
-              </a:rPr>
-              <a:t>}</a:t>
-            </a:r>
-            <a:br>
-              <a:rPr sz="900" dirty="0"/>
-            </a:br>
-            <a:r>
-              <a:rPr lang="de-DE" sz="900" spc="-1" dirty="0">
-                <a:solidFill>
-                  <a:srgbClr val="000000"/>
-                </a:solidFill>
-                <a:latin typeface="DejaVu Sans Mono"/>
-              </a:rPr>
-              <a:t>        </a:t>
-            </a:r>
-            <a:r>
-              <a:rPr lang="de-DE" sz="900" b="0" strike="noStrike" spc="-1" dirty="0">
-                <a:solidFill>
-                  <a:srgbClr val="000000"/>
-                </a:solidFill>
-                <a:latin typeface="DejaVu Sans Mono"/>
-                <a:ea typeface="DejaVu Sans Mono"/>
-              </a:rPr>
-              <a:t>};</a:t>
-            </a:r>
-            <a:br>
-              <a:rPr sz="900" dirty="0"/>
-            </a:br>
-            <a:br>
-              <a:rPr sz="900" dirty="0"/>
-            </a:br>
-            <a:r>
-              <a:rPr lang="de-DE" sz="900" spc="-1" dirty="0">
-                <a:solidFill>
-                  <a:srgbClr val="000000"/>
-                </a:solidFill>
-                <a:latin typeface="DejaVu Sans Mono"/>
-              </a:rPr>
-              <a:t>        </a:t>
-            </a:r>
-            <a:r>
-              <a:rPr lang="de-DE" sz="900" b="0" strike="noStrike" spc="-1" dirty="0" err="1">
-                <a:solidFill>
-                  <a:srgbClr val="000000"/>
-                </a:solidFill>
-                <a:latin typeface="DejaVu Sans Mono"/>
-                <a:ea typeface="DejaVu Sans Mono"/>
-              </a:rPr>
-              <a:t>add</a:t>
-            </a:r>
-            <a:r>
-              <a:rPr lang="de-DE" sz="900" b="0" strike="noStrike" spc="-1" dirty="0">
-                <a:solidFill>
-                  <a:srgbClr val="000000"/>
-                </a:solidFill>
-                <a:latin typeface="DejaVu Sans Mono"/>
-                <a:ea typeface="DejaVu Sans Mono"/>
-              </a:rPr>
-              <a:t>(</a:t>
-            </a:r>
-            <a:r>
-              <a:rPr lang="de-DE" sz="900" b="1" strike="noStrike" spc="-1" dirty="0" err="1">
-                <a:solidFill>
-                  <a:srgbClr val="660E7A"/>
-                </a:solidFill>
-                <a:latin typeface="DejaVu Sans Mono"/>
-                <a:ea typeface="DejaVu Sans Mono"/>
-              </a:rPr>
-              <a:t>linkLabel</a:t>
-            </a:r>
-            <a:r>
-              <a:rPr lang="de-DE" sz="900" b="0" strike="noStrike" spc="-1" dirty="0">
-                <a:solidFill>
-                  <a:srgbClr val="000000"/>
-                </a:solidFill>
-                <a:latin typeface="DejaVu Sans Mono"/>
-                <a:ea typeface="DejaVu Sans Mono"/>
-              </a:rPr>
-              <a:t>);</a:t>
-            </a:r>
-            <a:br>
-              <a:rPr sz="900" dirty="0"/>
-            </a:br>
-            <a:r>
-              <a:rPr lang="de-DE" sz="900" spc="-1" dirty="0">
-                <a:solidFill>
-                  <a:srgbClr val="000000"/>
-                </a:solidFill>
-                <a:latin typeface="DejaVu Sans Mono"/>
-              </a:rPr>
-              <a:t>        </a:t>
-            </a:r>
-            <a:r>
-              <a:rPr lang="de-DE" sz="900" b="0" strike="noStrike" spc="-1" dirty="0" err="1">
-                <a:solidFill>
-                  <a:srgbClr val="000000"/>
-                </a:solidFill>
-                <a:latin typeface="DejaVu Sans Mono"/>
-                <a:ea typeface="DejaVu Sans Mono"/>
-              </a:rPr>
-              <a:t>add</a:t>
-            </a:r>
-            <a:r>
-              <a:rPr lang="de-DE" sz="900" b="0" strike="noStrike" spc="-1" dirty="0">
-                <a:solidFill>
-                  <a:srgbClr val="000000"/>
-                </a:solidFill>
-                <a:latin typeface="DejaVu Sans Mono"/>
-                <a:ea typeface="DejaVu Sans Mono"/>
-              </a:rPr>
-              <a:t>(</a:t>
-            </a:r>
-            <a:r>
-              <a:rPr lang="de-DE" sz="900" b="1" strike="noStrike" spc="-1" dirty="0">
-                <a:solidFill>
-                  <a:srgbClr val="660E7A"/>
-                </a:solidFill>
-                <a:latin typeface="DejaVu Sans Mono"/>
-                <a:ea typeface="DejaVu Sans Mono"/>
-              </a:rPr>
-              <a:t>link</a:t>
-            </a:r>
-            <a:r>
-              <a:rPr lang="de-DE" sz="900" b="0" strike="noStrike" spc="-1" dirty="0">
-                <a:solidFill>
-                  <a:srgbClr val="000000"/>
-                </a:solidFill>
-                <a:latin typeface="DejaVu Sans Mono"/>
-                <a:ea typeface="DejaVu Sans Mono"/>
-              </a:rPr>
-              <a:t>);</a:t>
-            </a:r>
-            <a:br>
-              <a:rPr sz="900" dirty="0"/>
-            </a:br>
-            <a:r>
-              <a:rPr lang="de-DE" sz="900" spc="-1" dirty="0">
-                <a:solidFill>
-                  <a:srgbClr val="000000"/>
-                </a:solidFill>
-                <a:latin typeface="DejaVu Sans Mono"/>
-              </a:rPr>
-              <a:t>        </a:t>
+                  <a:srgbClr val="000000"/>
+                </a:solidFill>
+                <a:latin typeface="DejaVu Sans Mono"/>
+              </a:rPr>
+              <a:t>    </a:t>
             </a:r>
             <a:r>
               <a:rPr lang="de-DE" sz="900" b="0" strike="noStrike" spc="-1" dirty="0">
@@ -22703,9 +22436,32 @@
               </a:rPr>
               <a:t>Idee: Zustand in URL codieren?</a:t>
             </a:r>
-            <a:br>
-              <a:rPr dirty="0"/>
-            </a:br>
+          </a:p>
+          <a:p>
+            <a:pPr marL="360">
+              <a:spcBef>
+                <a:spcPts val="320"/>
+              </a:spcBef>
+              <a:buClr>
+                <a:srgbClr val="008C5A"/>
+              </a:buClr>
+            </a:pPr>
+            <a:endParaRPr lang="de-DE" sz="1600" spc="-1" dirty="0">
+              <a:solidFill>
+                <a:srgbClr val="000000"/>
+              </a:solidFill>
+              <a:latin typeface="Arial"/>
+            </a:endParaRPr>
+          </a:p>
+          <a:p>
+            <a:pPr marL="360">
+              <a:spcBef>
+                <a:spcPts val="320"/>
+              </a:spcBef>
+              <a:buClr>
+                <a:srgbClr val="008C5A"/>
+              </a:buClr>
+            </a:pPr>
             <a:r>
               <a:rPr lang="de-DE" sz="1600" b="0" strike="noStrike" spc="-1" dirty="0">
                 <a:solidFill>
@@ -22713,7 +22469,7 @@
                 </a:solidFill>
                 <a:latin typeface="Courier New"/>
               </a:rPr>
-              <a:t>/</a:t>
+              <a:t> /</a:t>
             </a:r>
             <a:r>
               <a:rPr lang="de-DE" sz="1600" b="0" strike="noStrike" spc="-1" dirty="0" err="1">
@@ -23823,7 +23579,7 @@
             <a:r>
               <a:rPr lang="de-DE" sz="1100" b="1" strike="noStrike" spc="-1" dirty="0">
                 <a:solidFill>
-                  <a:srgbClr val="FF0000"/>
+                  <a:srgbClr val="FFC000"/>
                 </a:solidFill>
                 <a:latin typeface="DejaVu Sans Mono"/>
                 <a:ea typeface="DejaVu Sans Mono"/>
@@ -24155,7 +23911,7 @@
             <a:r>
               <a:rPr lang="de-DE" sz="1100" b="1" strike="noStrike" spc="-1" dirty="0">
                 <a:solidFill>
-                  <a:srgbClr val="FF0000"/>
+                  <a:srgbClr val="00B0F0"/>
                 </a:solidFill>
                 <a:latin typeface="DejaVu Sans Mono"/>
                 <a:ea typeface="DejaVu Sans Mono"/>
@@ -24487,7 +24243,7 @@
             <a:r>
               <a:rPr lang="de-DE" sz="1100" b="1" strike="noStrike" spc="-1" dirty="0">
                 <a:solidFill>
-                  <a:srgbClr val="FF0000"/>
+                  <a:srgbClr val="FFC000"/>
                 </a:solidFill>
                 <a:latin typeface="DejaVu Sans Mono"/>
                 <a:ea typeface="DejaVu Sans Mono"/>
@@ -24792,7 +24548,7 @@
             <a:r>
               <a:rPr lang="de-DE" sz="1100" b="1" strike="noStrike" spc="-1" dirty="0">
                 <a:solidFill>
-                  <a:srgbClr val="FF0000"/>
+                  <a:srgbClr val="00B0F0"/>
                 </a:solidFill>
                 <a:latin typeface="DejaVu Sans Mono"/>
                 <a:ea typeface="DejaVu Sans Mono"/>

--- a/slides/Tag-1_2-Motivation_Hello_Wicket.pptx
+++ b/slides/Tag-1_2-Motivation_Hello_Wicket.pptx
@@ -4764,7 +4764,7 @@
                 </a:solidFill>
                 <a:latin typeface="Arial"/>
               </a:rPr>
-              <a:t>20.03.2019</a:t>
+              <a:t>07.02.2020</a:t>
             </a:fld>
             <a:endParaRPr lang="de-DE" sz="1000" b="0" strike="noStrike" spc="-1">
               <a:latin typeface="Arial"/>
@@ -5818,7 +5818,7 @@
                 </a:solidFill>
                 <a:latin typeface="Arial"/>
               </a:rPr>
-              <a:t>20.03.2019</a:t>
+              <a:t>07.02.2020</a:t>
             </a:fld>
             <a:endParaRPr lang="de-DE" sz="1000" b="0" strike="noStrike" spc="-1">
               <a:latin typeface="Arial"/>
@@ -7064,7 +7064,7 @@
                 </a:solidFill>
                 <a:latin typeface="Arial"/>
               </a:rPr>
-              <a:t>20.03.2019</a:t>
+              <a:t>07.02.2020</a:t>
             </a:fld>
             <a:endParaRPr lang="de-DE" sz="1000" b="0" strike="noStrike" spc="-1">
               <a:latin typeface="Arial"/>
@@ -9364,21 +9364,18 @@
               <a:buChar char="•"/>
             </a:pPr>
             <a:r>
-              <a:rPr lang="de-DE" sz="2000" b="0" u="sng" strike="noStrike" spc="-1" dirty="0">
+              <a:rPr lang="de-DE" sz="2000" u="sng" spc="-1" dirty="0">
                 <a:solidFill>
                   <a:srgbClr val="FC0128"/>
                 </a:solidFill>
-                <a:uFillTx/>
-                <a:latin typeface="Arial"/>
                 <a:hlinkClick r:id="rId2"/>
               </a:rPr>
-              <a:t>https://jdk.java.net/11/</a:t>
-            </a:r>
-            <a:endParaRPr lang="de-DE" sz="2000" b="0" strike="noStrike" spc="-1" dirty="0">
+              <a:t>https://jdk.java.net/13</a:t>
+            </a:r>
+            <a:endParaRPr lang="de-DE" sz="2000" u="sng" spc="-1" dirty="0">
               <a:solidFill>
-                <a:srgbClr val="000000"/>
+                <a:srgbClr val="FC0128"/>
               </a:solidFill>
-              <a:latin typeface="Arial"/>
             </a:endParaRPr>
           </a:p>
         </p:txBody>
@@ -9586,7 +9583,7 @@
                 <a:latin typeface="Arial"/>
                 <a:hlinkClick r:id="rId2"/>
               </a:rPr>
-              <a:t>https://www.apache.org/dyn/closer.cgi/wicket/8.3.0/binaries/apache-wicket-8.3.0-bin.zip</a:t>
+              <a:t>https://www.apache.org/dyn/closer.cgi/wicket/8.7.0/binaries/apache-wicket-8.7.0-bin.zip</a:t>
             </a:r>
             <a:endParaRPr lang="de-DE" sz="2000" b="0" strike="noStrike" spc="-1" dirty="0">
               <a:solidFill>
@@ -9906,7 +9903,7 @@
                 </a:solidFill>
                 <a:latin typeface="Consolas"/>
               </a:rPr>
-              <a:t>&gt;8.3.0&lt;/</a:t>
+              <a:t>&gt;8.7.0&lt;/</a:t>
             </a:r>
             <a:r>
               <a:rPr lang="de-DE" sz="1600" b="1" strike="noStrike" spc="-1" dirty="0" err="1">
@@ -12438,25 +12435,38 @@
       </p:sp>
       <p:pic>
         <p:nvPicPr>
-          <p:cNvPr id="185" name="Grafik 2"/>
-          <p:cNvPicPr/>
+          <p:cNvPr id="3" name="Grafik 2">
+            <a:extLst>
+              <a:ext uri="{FF2B5EF4-FFF2-40B4-BE49-F238E27FC236}">
+                <a16:creationId xmlns:a16="http://schemas.microsoft.com/office/drawing/2014/main" id="{DB8A49D3-54A4-465F-BBDC-B54128F03457}"/>
+              </a:ext>
+            </a:extLst>
+          </p:cNvPr>
+          <p:cNvPicPr>
+            <a:picLocks noChangeAspect="1"/>
+          </p:cNvPicPr>
           <p:nvPr/>
         </p:nvPicPr>
         <p:blipFill>
-          <a:blip r:embed="rId2"/>
-          <a:stretch/>
+          <a:blip r:embed="rId2">
+            <a:extLst>
+              <a:ext uri="{28A0092B-C50C-407E-A947-70E740481C1C}">
+                <a14:useLocalDpi xmlns:a14="http://schemas.microsoft.com/office/drawing/2010/main" val="0"/>
+              </a:ext>
+            </a:extLst>
+          </a:blip>
+          <a:stretch>
+            <a:fillRect/>
+          </a:stretch>
         </p:blipFill>
         <p:spPr>
           <a:xfrm>
-            <a:off x="827640" y="1008720"/>
-            <a:ext cx="7506720" cy="5380560"/>
+            <a:off x="1135082" y="1290243"/>
+            <a:ext cx="6873836" cy="4900085"/>
           </a:xfrm>
           <a:prstGeom prst="rect">
             <a:avLst/>
           </a:prstGeom>
-          <a:ln>
-            <a:noFill/>
-          </a:ln>
         </p:spPr>
       </p:pic>
     </p:spTree>
@@ -13284,7 +13294,7 @@
                 </a:solidFill>
                 <a:latin typeface="Arial"/>
               </a:rPr>
-              <a:t> 8.x		8.3.0		</a:t>
+              <a:t> 8.x		8.7.0		</a:t>
             </a:r>
             <a:r>
               <a:rPr lang="de-DE" sz="1600" b="0" strike="noStrike" spc="-1" dirty="0" err="1">
@@ -13335,7 +13345,7 @@
                 </a:solidFill>
                 <a:latin typeface="Arial"/>
               </a:rPr>
-              <a:t> 7.x		7.12.0		supported</a:t>
+              <a:t> 7.x		7.16.0		supported</a:t>
             </a:r>
           </a:p>
           <a:p>

--- a/slides/Tag-1_2-Motivation_Hello_Wicket.pptx
+++ b/slides/Tag-1_2-Motivation_Hello_Wicket.pptx
@@ -4764,7 +4764,7 @@
                 </a:solidFill>
                 <a:latin typeface="Arial"/>
               </a:rPr>
-              <a:t>07.02.2020</a:t>
+              <a:t>27.02.2020</a:t>
             </a:fld>
             <a:endParaRPr lang="de-DE" sz="1000" b="0" strike="noStrike" spc="-1">
               <a:latin typeface="Arial"/>
@@ -5818,7 +5818,7 @@
                 </a:solidFill>
                 <a:latin typeface="Arial"/>
               </a:rPr>
-              <a:t>07.02.2020</a:t>
+              <a:t>27.02.2020</a:t>
             </a:fld>
             <a:endParaRPr lang="de-DE" sz="1000" b="0" strike="noStrike" spc="-1">
               <a:latin typeface="Arial"/>
@@ -7064,7 +7064,7 @@
                 </a:solidFill>
                 <a:latin typeface="Arial"/>
               </a:rPr>
-              <a:t>07.02.2020</a:t>
+              <a:t>27.02.2020</a:t>
             </a:fld>
             <a:endParaRPr lang="de-DE" sz="1000" b="0" strike="noStrike" spc="-1">
               <a:latin typeface="Arial"/>
@@ -18923,16 +18923,16 @@
                 </a:solidFill>
                 <a:latin typeface="Arial"/>
               </a:rPr>
-              <a:t>Zählen Sie die Seitenaufrufe der </a:t>
+              <a:t>Erstellen Sie zwei Links (synchron, </a:t>
             </a:r>
             <a:r>
               <a:rPr lang="de-DE" sz="1800" b="0" strike="noStrike" spc="-1" dirty="0" err="1">
                 <a:solidFill>
                   <a:srgbClr val="000000"/>
                 </a:solidFill>
-                <a:latin typeface="Courier New"/>
-              </a:rPr>
-              <a:t>HomePage</a:t>
+                <a:latin typeface="Arial"/>
+              </a:rPr>
+              <a:t>ajaxfallback</a:t>
             </a:r>
             <a:r>
               <a:rPr lang="de-DE" sz="1800" b="0" strike="noStrike" spc="-1" dirty="0">
@@ -18941,25 +18941,7 @@
                 </a:solidFill>
                 <a:latin typeface="Arial"/>
               </a:rPr>
-              <a:t> mit einem </a:t>
-            </a:r>
-            <a:r>
-              <a:rPr lang="de-DE" sz="1800" b="0" strike="noStrike" spc="-1" dirty="0" err="1">
-                <a:solidFill>
-                  <a:srgbClr val="000000"/>
-                </a:solidFill>
-                <a:latin typeface="Courier New"/>
-              </a:rPr>
-              <a:t>static</a:t>
-            </a:r>
-            <a:r>
-              <a:rPr lang="de-DE" sz="1800" b="0" strike="noStrike" spc="-1" dirty="0">
-                <a:solidFill>
-                  <a:srgbClr val="000000"/>
-                </a:solidFill>
-                <a:latin typeface="Arial"/>
-              </a:rPr>
-              <a:t>-Counter - keine Persistenz. Geben Sie die Anzahl aus</a:t>
+              <a:t>). Geben Sie die Anzahl der Klicks aus</a:t>
             </a:r>
           </a:p>
           <a:p>
@@ -18983,7 +18965,7 @@
                 </a:solidFill>
                 <a:latin typeface="Arial"/>
               </a:rPr>
-              <a:t>Erstellen Sie zwei Links (synchron, </a:t>
+              <a:t>Erstellen Sie ein Formular (Textfeld + </a:t>
             </a:r>
             <a:r>
               <a:rPr lang="de-DE" sz="1800" b="0" strike="noStrike" spc="-1" dirty="0" err="1">
@@ -18992,7 +18974,7 @@
                 </a:solidFill>
                 <a:latin typeface="Arial"/>
               </a:rPr>
-              <a:t>ajaxfallback</a:t>
+              <a:t>Submit</a:t>
             </a:r>
             <a:r>
               <a:rPr lang="de-DE" sz="1800" b="0" strike="noStrike" spc="-1" dirty="0">
@@ -19001,14 +18983,11 @@
                 </a:solidFill>
                 <a:latin typeface="Arial"/>
               </a:rPr>
-              <a:t>). Geben Sie die Anzahl der Klicks aus</a:t>
+              <a:t> Button). Wenn der Benutzer das Formular absendet, dann wird der Eingabetext ausgegeben.</a:t>
             </a:r>
           </a:p>
           <a:p>
             <a:pPr marL="914400" lvl="1" indent="-456840">
-              <a:lnSpc>
-                <a:spcPct val="100000"/>
-              </a:lnSpc>
               <a:spcBef>
                 <a:spcPts val="360"/>
               </a:spcBef>
@@ -19019,32 +18998,53 @@
               <a:buChar char="•"/>
             </a:pPr>
             <a:r>
-              <a:rPr lang="de-DE" sz="1800" b="0" strike="noStrike" spc="-1" dirty="0">
-                <a:solidFill>
-                  <a:srgbClr val="000000"/>
-                </a:solidFill>
-                <a:latin typeface="Arial"/>
-              </a:rPr>
-              <a:t>Erstellen Sie ein Formular (Textfeld + </a:t>
-            </a:r>
-            <a:r>
-              <a:rPr lang="de-DE" sz="1800" b="0" strike="noStrike" spc="-1" dirty="0" err="1">
-                <a:solidFill>
-                  <a:srgbClr val="000000"/>
-                </a:solidFill>
-                <a:latin typeface="Arial"/>
-              </a:rPr>
-              <a:t>Submit</a:t>
-            </a:r>
-            <a:r>
-              <a:rPr lang="de-DE" sz="1800" b="0" strike="noStrike" spc="-1" dirty="0">
-                <a:solidFill>
-                  <a:srgbClr val="000000"/>
-                </a:solidFill>
-                <a:latin typeface="Arial"/>
-              </a:rPr>
-              <a:t> Button). Wenn der Benutzer das Formular absendet, dann wird der Eingabetext ausgegeben.</a:t>
-            </a:r>
+              <a:rPr lang="de-DE" spc="-1" dirty="0">
+                <a:solidFill>
+                  <a:srgbClr val="000000"/>
+                </a:solidFill>
+              </a:rPr>
+              <a:t>Zählen Sie die Seitenaufrufe der </a:t>
+            </a:r>
+            <a:r>
+              <a:rPr lang="de-DE" spc="-1" dirty="0" err="1">
+                <a:solidFill>
+                  <a:srgbClr val="000000"/>
+                </a:solidFill>
+                <a:latin typeface="Courier New"/>
+              </a:rPr>
+              <a:t>HomePage</a:t>
+            </a:r>
+            <a:r>
+              <a:rPr lang="de-DE" spc="-1" dirty="0">
+                <a:solidFill>
+                  <a:srgbClr val="000000"/>
+                </a:solidFill>
+              </a:rPr>
+              <a:t> mit einem </a:t>
+            </a:r>
+            <a:r>
+              <a:rPr lang="de-DE" spc="-1" dirty="0" err="1">
+                <a:solidFill>
+                  <a:srgbClr val="000000"/>
+                </a:solidFill>
+                <a:latin typeface="Courier New"/>
+              </a:rPr>
+              <a:t>static</a:t>
+            </a:r>
+            <a:r>
+              <a:rPr lang="de-DE" spc="-1" dirty="0">
+                <a:solidFill>
+                  <a:srgbClr val="000000"/>
+                </a:solidFill>
+              </a:rPr>
+              <a:t>-Counter - keine Persistenz. Geben Sie die Anzahl aus</a:t>
+            </a:r>
+            <a:endParaRPr lang="de-DE" sz="1800" b="0" strike="noStrike" spc="-1" dirty="0">
+              <a:solidFill>
+                <a:srgbClr val="000000"/>
+              </a:solidFill>
+              <a:latin typeface="Arial"/>
+            </a:endParaRPr>
           </a:p>
           <a:p>
             <a:pPr marL="285750" indent="-285750">

--- a/slides/Tag-1_2-Motivation_Hello_Wicket.pptx
+++ b/slides/Tag-1_2-Motivation_Hello_Wicket.pptx
@@ -4764,7 +4764,7 @@
                 </a:solidFill>
                 <a:latin typeface="Arial"/>
               </a:rPr>
-              <a:t>27.02.2020</a:t>
+              <a:t>28.02.2020</a:t>
             </a:fld>
             <a:endParaRPr lang="de-DE" sz="1000" b="0" strike="noStrike" spc="-1">
               <a:latin typeface="Arial"/>
@@ -5818,7 +5818,7 @@
                 </a:solidFill>
                 <a:latin typeface="Arial"/>
               </a:rPr>
-              <a:t>27.02.2020</a:t>
+              <a:t>28.02.2020</a:t>
             </a:fld>
             <a:endParaRPr lang="de-DE" sz="1000" b="0" strike="noStrike" spc="-1">
               <a:latin typeface="Arial"/>
@@ -7064,7 +7064,7 @@
                 </a:solidFill>
                 <a:latin typeface="Arial"/>
               </a:rPr>
-              <a:t>27.02.2020</a:t>
+              <a:t>28.02.2020</a:t>
             </a:fld>
             <a:endParaRPr lang="de-DE" sz="1000" b="0" strike="noStrike" spc="-1">
               <a:latin typeface="Arial"/>
@@ -14654,7 +14654,7 @@
                 <a:latin typeface="DejaVu Sans Mono"/>
                 <a:ea typeface="DejaVu Sans Mono"/>
               </a:rPr>
-              <a:t>(){</a:t>
+              <a:t>() {</a:t>
             </a:r>
             <a:br>
               <a:rPr sz="1000" dirty="0"/>
@@ -15829,7 +15829,7 @@
                 <a:latin typeface="DejaVu Sans Mono"/>
                 <a:ea typeface="DejaVu Sans Mono"/>
               </a:rPr>
-              <a:t>){</a:t>
+              <a:t>) {</a:t>
             </a:r>
             <a:br>
               <a:rPr sz="1000" dirty="0"/>
@@ -16015,7 +16015,7 @@
                 <a:latin typeface="DejaVu Sans Mono"/>
                 <a:ea typeface="DejaVu Sans Mono"/>
               </a:rPr>
-              <a:t>()){</a:t>
+              <a:t>()) {</a:t>
             </a:r>
             <a:br>
               <a:rPr sz="1000" dirty="0"/>
@@ -16903,7 +16903,7 @@
                 <a:latin typeface="DejaVu Sans Mono"/>
                 <a:ea typeface="DejaVu Sans Mono"/>
               </a:rPr>
-              <a:t>(){</a:t>
+              <a:t>() {</a:t>
             </a:r>
             <a:br>
               <a:rPr dirty="0"/>
@@ -24082,7 +24082,7 @@
                 <a:latin typeface="Arial"/>
                 <a:ea typeface="DejaVu Sans Mono"/>
               </a:rPr>
-              <a:t>(){</a:t>
+              <a:t>() {</a:t>
             </a:r>
             <a:br>
               <a:rPr sz="1100" dirty="0"/>

--- a/slides/Tag-1_2-Motivation_Hello_Wicket.pptx
+++ b/slides/Tag-1_2-Motivation_Hello_Wicket.pptx
@@ -4764,7 +4764,7 @@
                 </a:solidFill>
                 <a:latin typeface="Arial"/>
               </a:rPr>
-              <a:t>28.02.2020</a:t>
+              <a:t>14.05.2021</a:t>
             </a:fld>
             <a:endParaRPr lang="de-DE" sz="1000" b="0" strike="noStrike" spc="-1">
               <a:latin typeface="Arial"/>
@@ -5167,25 +5167,34 @@
               </a:lnSpc>
             </a:pPr>
             <a:r>
-              <a:rPr lang="de-DE" sz="1000" b="0" strike="noStrike" spc="-1">
+              <a:rPr lang="de-DE" sz="1000" b="0" strike="noStrike" spc="-1" dirty="0" err="1">
                 <a:solidFill>
                   <a:srgbClr val="FFFFFF"/>
                 </a:solidFill>
                 <a:latin typeface="Arial"/>
               </a:rPr>
-              <a:t>anderScore GmbH </a:t>
-            </a:r>
-            <a:r>
-              <a:rPr lang="de-DE" sz="1200" b="0" strike="noStrike" spc="-1">
+              <a:t>anderScore</a:t>
+            </a:r>
+            <a:r>
+              <a:rPr lang="de-DE" sz="1000" b="0" strike="noStrike" spc="-1" dirty="0">
                 <a:solidFill>
                   <a:srgbClr val="FFFFFF"/>
                 </a:solidFill>
                 <a:latin typeface="Arial"/>
               </a:rPr>
+              <a:t> GmbH </a:t>
+            </a:r>
+            <a:r>
+              <a:rPr lang="de-DE" sz="1200" b="0" strike="noStrike" spc="-1" dirty="0">
+                <a:solidFill>
+                  <a:srgbClr val="FFFFFF"/>
+                </a:solidFill>
+                <a:latin typeface="Arial"/>
+              </a:rPr>
               <a:t>•</a:t>
             </a:r>
             <a:r>
-              <a:rPr lang="de-DE" sz="1000" b="0" strike="noStrike" spc="-1">
+              <a:rPr lang="de-DE" sz="1000" b="0" strike="noStrike" spc="-1" dirty="0">
                 <a:solidFill>
                   <a:srgbClr val="FFFFFF"/>
                 </a:solidFill>
@@ -5194,7 +5203,7 @@
               <a:t> Frankenwerft 35 </a:t>
             </a:r>
             <a:r>
-              <a:rPr lang="de-DE" sz="1200" b="0" strike="noStrike" spc="-1">
+              <a:rPr lang="de-DE" sz="1200" b="0" strike="noStrike" spc="-1" dirty="0">
                 <a:solidFill>
                   <a:srgbClr val="FFFFFF"/>
                 </a:solidFill>
@@ -5203,7 +5212,7 @@
               <a:t>•</a:t>
             </a:r>
             <a:r>
-              <a:rPr lang="de-DE" sz="1000" b="0" strike="noStrike" spc="-1">
+              <a:rPr lang="de-DE" sz="1000" b="0" strike="noStrike" spc="-1" dirty="0">
                 <a:solidFill>
                   <a:srgbClr val="FFFFFF"/>
                 </a:solidFill>
@@ -5211,7 +5220,7 @@
               </a:rPr>
               <a:t> 50667 Köln</a:t>
             </a:r>
-            <a:endParaRPr lang="de-DE" sz="1000" b="0" strike="noStrike" spc="-1">
+            <a:endParaRPr lang="de-DE" sz="1000" b="0" strike="noStrike" spc="-1" dirty="0">
               <a:latin typeface="Arial"/>
             </a:endParaRPr>
           </a:p>
@@ -5222,15 +5231,15 @@
               </a:lnSpc>
             </a:pPr>
             <a:r>
-              <a:rPr lang="de-DE" sz="1000" b="0" strike="noStrike" spc="-1">
+              <a:rPr lang="de-DE" sz="1000" b="0" strike="noStrike" spc="-1" dirty="0" smtClean="0">
                 <a:solidFill>
                   <a:srgbClr val="FFFFFF"/>
                 </a:solidFill>
                 <a:latin typeface="Arial"/>
               </a:rPr>
-              <a:t>Daniel Krämer</a:t>
-            </a:r>
-            <a:endParaRPr lang="de-DE" sz="1000" b="0" strike="noStrike" spc="-1">
+              <a:t>Patrick Möbius</a:t>
+            </a:r>
+            <a:endParaRPr lang="de-DE" sz="1000" b="0" strike="noStrike" spc="-1" dirty="0">
               <a:latin typeface="Arial"/>
             </a:endParaRPr>
           </a:p>
@@ -5818,7 +5827,7 @@
                 </a:solidFill>
                 <a:latin typeface="Arial"/>
               </a:rPr>
-              <a:t>28.02.2020</a:t>
+              <a:t>14.05.2021</a:t>
             </a:fld>
             <a:endParaRPr lang="de-DE" sz="1000" b="0" strike="noStrike" spc="-1">
               <a:latin typeface="Arial"/>
@@ -6221,25 +6230,34 @@
               </a:lnSpc>
             </a:pPr>
             <a:r>
-              <a:rPr lang="de-DE" sz="1000" b="0" strike="noStrike" spc="-1">
+              <a:rPr lang="de-DE" sz="1000" b="0" strike="noStrike" spc="-1" dirty="0" err="1">
                 <a:solidFill>
                   <a:srgbClr val="FFFFFF"/>
                 </a:solidFill>
                 <a:latin typeface="Arial"/>
               </a:rPr>
-              <a:t>anderScore GmbH </a:t>
-            </a:r>
-            <a:r>
-              <a:rPr lang="de-DE" sz="1200" b="0" strike="noStrike" spc="-1">
+              <a:t>anderScore</a:t>
+            </a:r>
+            <a:r>
+              <a:rPr lang="de-DE" sz="1000" b="0" strike="noStrike" spc="-1" dirty="0">
                 <a:solidFill>
                   <a:srgbClr val="FFFFFF"/>
                 </a:solidFill>
                 <a:latin typeface="Arial"/>
               </a:rPr>
+              <a:t> GmbH </a:t>
+            </a:r>
+            <a:r>
+              <a:rPr lang="de-DE" sz="1200" b="0" strike="noStrike" spc="-1" dirty="0">
+                <a:solidFill>
+                  <a:srgbClr val="FFFFFF"/>
+                </a:solidFill>
+                <a:latin typeface="Arial"/>
+              </a:rPr>
               <a:t>•</a:t>
             </a:r>
             <a:r>
-              <a:rPr lang="de-DE" sz="1000" b="0" strike="noStrike" spc="-1">
+              <a:rPr lang="de-DE" sz="1000" b="0" strike="noStrike" spc="-1" dirty="0">
                 <a:solidFill>
                   <a:srgbClr val="FFFFFF"/>
                 </a:solidFill>
@@ -6248,7 +6266,7 @@
               <a:t> Frankenwerft 35 </a:t>
             </a:r>
             <a:r>
-              <a:rPr lang="de-DE" sz="1200" b="0" strike="noStrike" spc="-1">
+              <a:rPr lang="de-DE" sz="1200" b="0" strike="noStrike" spc="-1" dirty="0">
                 <a:solidFill>
                   <a:srgbClr val="FFFFFF"/>
                 </a:solidFill>
@@ -6257,7 +6275,7 @@
               <a:t>•</a:t>
             </a:r>
             <a:r>
-              <a:rPr lang="de-DE" sz="1000" b="0" strike="noStrike" spc="-1">
+              <a:rPr lang="de-DE" sz="1000" b="0" strike="noStrike" spc="-1" dirty="0">
                 <a:solidFill>
                   <a:srgbClr val="FFFFFF"/>
                 </a:solidFill>
@@ -6265,7 +6283,7 @@
               </a:rPr>
               <a:t> 50667 Köln</a:t>
             </a:r>
-            <a:endParaRPr lang="de-DE" sz="1000" b="0" strike="noStrike" spc="-1">
+            <a:endParaRPr lang="de-DE" sz="1000" b="0" strike="noStrike" spc="-1" dirty="0">
               <a:latin typeface="Arial"/>
             </a:endParaRPr>
           </a:p>
@@ -6276,106 +6294,15 @@
               </a:lnSpc>
             </a:pPr>
             <a:r>
-              <a:rPr lang="de-DE" sz="1000" b="0" strike="noStrike" spc="-1">
+              <a:rPr lang="de-DE" sz="1000" b="0" strike="noStrike" spc="-1" dirty="0" smtClean="0">
                 <a:solidFill>
                   <a:srgbClr val="FFFFFF"/>
                 </a:solidFill>
                 <a:latin typeface="Arial"/>
               </a:rPr>
-              <a:t>Daniel Krämer</a:t>
-            </a:r>
-            <a:endParaRPr lang="de-DE" sz="1000" b="0" strike="noStrike" spc="-1">
-              <a:latin typeface="Arial"/>
-            </a:endParaRPr>
-          </a:p>
-        </p:txBody>
-      </p:sp>
-      <p:sp>
-        <p:nvSpPr>
-          <p:cNvPr id="63" name="CustomShape 10"/>
-          <p:cNvSpPr/>
-          <p:nvPr/>
-        </p:nvSpPr>
-        <p:spPr>
-          <a:xfrm>
-            <a:off x="265320" y="6429240"/>
-            <a:ext cx="3034080" cy="272880"/>
-          </a:xfrm>
-          <a:prstGeom prst="rect">
-            <a:avLst/>
-          </a:prstGeom>
-          <a:noFill/>
-          <a:ln w="12600">
-            <a:noFill/>
-          </a:ln>
-        </p:spPr>
-        <p:style>
-          <a:lnRef idx="0">
-            <a:scrgbClr r="0" g="0" b="0"/>
-          </a:lnRef>
-          <a:fillRef idx="0">
-            <a:scrgbClr r="0" g="0" b="0"/>
-          </a:fillRef>
-          <a:effectRef idx="0">
-            <a:scrgbClr r="0" g="0" b="0"/>
-          </a:effectRef>
-          <a:fontRef idx="minor"/>
-        </p:style>
-        <p:txBody>
-          <a:bodyPr wrap="none" lIns="90000" tIns="45000" rIns="90000" bIns="45000"/>
-          <a:lstStyle/>
-          <a:p>
-            <a:pPr>
-              <a:lnSpc>
-                <a:spcPct val="100000"/>
-              </a:lnSpc>
-            </a:pPr>
-            <a:r>
-              <a:rPr lang="de-DE" sz="1000" b="0" strike="noStrike" spc="-1">
-                <a:solidFill>
-                  <a:srgbClr val="FFFFFF"/>
-                </a:solidFill>
-                <a:latin typeface="Arial"/>
-              </a:rPr>
-              <a:t>anderScore GmbH </a:t>
-            </a:r>
-            <a:r>
-              <a:rPr lang="de-DE" sz="1200" b="0" strike="noStrike" spc="-1">
-                <a:solidFill>
-                  <a:srgbClr val="FFFFFF"/>
-                </a:solidFill>
-                <a:latin typeface="Arial"/>
-              </a:rPr>
-              <a:t>•</a:t>
-            </a:r>
-            <a:r>
-              <a:rPr lang="de-DE" sz="1000" b="0" strike="noStrike" spc="-1">
-                <a:solidFill>
-                  <a:srgbClr val="FFFFFF"/>
-                </a:solidFill>
-                <a:latin typeface="Arial"/>
-              </a:rPr>
-              <a:t> Frankenwerft 35 </a:t>
-            </a:r>
-            <a:r>
-              <a:rPr lang="de-DE" sz="1200" b="0" strike="noStrike" spc="-1">
-                <a:solidFill>
-                  <a:srgbClr val="FFFFFF"/>
-                </a:solidFill>
-                <a:latin typeface="Arial"/>
-              </a:rPr>
-              <a:t>•</a:t>
-            </a:r>
-            <a:r>
-              <a:rPr lang="de-DE" sz="1000" b="0" strike="noStrike" spc="-1">
-                <a:solidFill>
-                  <a:srgbClr val="FFFFFF"/>
-                </a:solidFill>
-                <a:latin typeface="Arial"/>
-              </a:rPr>
-              <a:t> 50667 Köln</a:t>
-            </a:r>
-            <a:endParaRPr lang="de-DE" sz="1000" b="0" strike="noStrike" spc="-1">
+              <a:t>Patrick Möbius</a:t>
+            </a:r>
+            <a:endParaRPr lang="de-DE" sz="1000" b="0" strike="noStrike" spc="-1" dirty="0">
               <a:latin typeface="Arial"/>
             </a:endParaRPr>
           </a:p>
@@ -7064,7 +6991,7 @@
                 </a:solidFill>
                 <a:latin typeface="Arial"/>
               </a:rPr>
-              <a:t>28.02.2020</a:t>
+              <a:t>14.05.2021</a:t>
             </a:fld>
             <a:endParaRPr lang="de-DE" sz="1000" b="0" strike="noStrike" spc="-1">
               <a:latin typeface="Arial"/>
@@ -8557,6 +8484,10 @@
               </a:rPr>
               <a:t>Models und Zustand der Komponenten </a:t>
             </a:r>
+            <a:r>
+              <a:rPr dirty="0"/>
+              <a:t/>
+            </a:r>
             <a:br>
               <a:rPr dirty="0"/>
             </a:br>
@@ -9280,7 +9211,25 @@
                 </a:solidFill>
                 <a:latin typeface="Arial"/>
               </a:rPr>
-              <a:t>JDK 8 oder neuer</a:t>
+              <a:t>JDK </a:t>
+            </a:r>
+            <a:r>
+              <a:rPr lang="de-DE" sz="2000" b="0" strike="noStrike" spc="-1" dirty="0" smtClean="0">
+                <a:solidFill>
+                  <a:srgbClr val="000000"/>
+                </a:solidFill>
+                <a:latin typeface="Arial"/>
+              </a:rPr>
+              <a:t>11 </a:t>
+            </a:r>
+            <a:r>
+              <a:rPr lang="de-DE" sz="2000" b="0" strike="noStrike" spc="-1" dirty="0">
+                <a:solidFill>
+                  <a:srgbClr val="000000"/>
+                </a:solidFill>
+                <a:latin typeface="Arial"/>
+              </a:rPr>
+              <a:t>oder neuer</a:t>
             </a:r>
           </a:p>
           <a:p>
@@ -9368,15 +9317,9 @@
                 <a:solidFill>
                   <a:srgbClr val="FC0128"/>
                 </a:solidFill>
-                <a:hlinkClick r:id="rId2"/>
-              </a:rPr>
-              <a:t>https://jdk.java.net/13</a:t>
-            </a:r>
-            <a:endParaRPr lang="de-DE" sz="2000" u="sng" spc="-1" dirty="0">
-              <a:solidFill>
-                <a:srgbClr val="FC0128"/>
-              </a:solidFill>
-            </a:endParaRPr>
+              </a:rPr>
+              <a:t>https://jdk.java.net/16/</a:t>
+            </a:r>
           </a:p>
         </p:txBody>
       </p:sp>
@@ -9575,21 +9518,36 @@
               </a:spcBef>
             </a:pPr>
             <a:r>
-              <a:rPr lang="de-DE" sz="2000" b="0" u="sng" strike="noStrike" spc="-1" dirty="0">
-                <a:solidFill>
-                  <a:srgbClr val="FC0128"/>
-                </a:solidFill>
-                <a:uFillTx/>
-                <a:latin typeface="Arial"/>
+              <a:rPr lang="de-DE" sz="2000" spc="-1" dirty="0" smtClean="0">
+                <a:solidFill>
+                  <a:srgbClr val="000000"/>
+                </a:solidFill>
                 <a:hlinkClick r:id="rId2"/>
               </a:rPr>
-              <a:t>https://www.apache.org/dyn/closer.cgi/wicket/8.7.0/binaries/apache-wicket-8.7.0-bin.zip</a:t>
-            </a:r>
-            <a:endParaRPr lang="de-DE" sz="2000" b="0" strike="noStrike" spc="-1" dirty="0">
+              <a:t>https</a:t>
+            </a:r>
+            <a:r>
+              <a:rPr lang="de-DE" sz="2000" spc="-1" dirty="0">
+                <a:solidFill>
+                  <a:srgbClr val="000000"/>
+                </a:solidFill>
+                <a:hlinkClick r:id="rId2"/>
+              </a:rPr>
+              <a:t>://</a:t>
+            </a:r>
+            <a:r>
+              <a:rPr lang="de-DE" sz="2000" spc="-1" dirty="0" smtClean="0">
+                <a:solidFill>
+                  <a:srgbClr val="000000"/>
+                </a:solidFill>
+                <a:hlinkClick r:id="rId2"/>
+              </a:rPr>
+              <a:t>downloads.apache.org/wicket/9.3.0/apache-wicket-9.3.0.zip</a:t>
+            </a:r>
+            <a:endParaRPr lang="de-DE" sz="2000" spc="-1" dirty="0" smtClean="0">
               <a:solidFill>
                 <a:srgbClr val="000000"/>
               </a:solidFill>
-              <a:latin typeface="Arial"/>
             </a:endParaRPr>
           </a:p>
           <a:p>
@@ -9699,7 +9657,7 @@
               </a:spcBef>
             </a:pPr>
             <a:r>
-              <a:rPr lang="de-DE" sz="1600" b="0" strike="noStrike" spc="-1" dirty="0">
+              <a:rPr lang="de-DE" sz="1600" b="0" strike="noStrike" spc="-1" dirty="0" smtClean="0">
                 <a:solidFill>
                   <a:srgbClr val="000000"/>
                 </a:solidFill>
@@ -9708,7 +9666,7 @@
               <a:t>&lt;</a:t>
             </a:r>
             <a:r>
-              <a:rPr lang="de-DE" sz="1600" b="1" strike="noStrike" spc="-1" dirty="0" err="1">
+              <a:rPr lang="de-DE" sz="1600" b="1" strike="noStrike" spc="-1" dirty="0" err="1" smtClean="0">
                 <a:solidFill>
                   <a:srgbClr val="000080"/>
                 </a:solidFill>
@@ -9717,7 +9675,7 @@
               <a:t>dependency</a:t>
             </a:r>
             <a:r>
-              <a:rPr lang="de-DE" sz="1600" b="0" strike="noStrike" spc="-1" dirty="0">
+              <a:rPr lang="de-DE" sz="1600" b="0" strike="noStrike" spc="-1" dirty="0" smtClean="0">
                 <a:solidFill>
                   <a:srgbClr val="000000"/>
                 </a:solidFill>
@@ -9725,11 +9683,15 @@
               </a:rPr>
               <a:t>&gt;</a:t>
             </a:r>
+            <a:r>
+              <a:rPr dirty="0" smtClean="0"/>
+              <a:t/>
+            </a:r>
             <a:br>
-              <a:rPr dirty="0"/>
+              <a:rPr dirty="0" smtClean="0"/>
             </a:br>
             <a:r>
-              <a:rPr lang="de-DE" sz="1600" b="0" strike="noStrike" spc="-1" dirty="0">
+              <a:rPr lang="de-DE" sz="1600" b="0" strike="noStrike" spc="-1" dirty="0" smtClean="0">
                 <a:solidFill>
                   <a:srgbClr val="000000"/>
                 </a:solidFill>
@@ -9738,7 +9700,7 @@
               <a:t>    &lt;</a:t>
             </a:r>
             <a:r>
-              <a:rPr lang="de-DE" sz="1600" b="1" strike="noStrike" spc="-1" dirty="0" err="1">
+              <a:rPr lang="de-DE" sz="1600" b="1" strike="noStrike" spc="-1" dirty="0" err="1" smtClean="0">
                 <a:solidFill>
                   <a:srgbClr val="000080"/>
                 </a:solidFill>
@@ -9747,7 +9709,7 @@
               <a:t>groupId</a:t>
             </a:r>
             <a:r>
-              <a:rPr lang="de-DE" sz="1600" b="0" strike="noStrike" spc="-1" dirty="0">
+              <a:rPr lang="de-DE" sz="1600" b="0" strike="noStrike" spc="-1" dirty="0" smtClean="0">
                 <a:solidFill>
                   <a:srgbClr val="000000"/>
                 </a:solidFill>
@@ -9756,7 +9718,7 @@
               <a:t>&gt;</a:t>
             </a:r>
             <a:r>
-              <a:rPr lang="de-DE" sz="1600" b="0" strike="noStrike" spc="-1" dirty="0" err="1">
+              <a:rPr lang="de-DE" sz="1600" b="0" strike="noStrike" spc="-1" dirty="0" err="1" smtClean="0">
                 <a:solidFill>
                   <a:srgbClr val="000000"/>
                 </a:solidFill>
@@ -9765,7 +9727,7 @@
               <a:t>org.apache.wicket</a:t>
             </a:r>
             <a:r>
-              <a:rPr lang="de-DE" sz="1600" b="0" strike="noStrike" spc="-1" dirty="0">
+              <a:rPr lang="de-DE" sz="1600" b="0" strike="noStrike" spc="-1" dirty="0" smtClean="0">
                 <a:solidFill>
                   <a:srgbClr val="000000"/>
                 </a:solidFill>
@@ -9774,7 +9736,7 @@
               <a:t>&lt;/</a:t>
             </a:r>
             <a:r>
-              <a:rPr lang="de-DE" sz="1600" b="1" strike="noStrike" spc="-1" dirty="0" err="1">
+              <a:rPr lang="de-DE" sz="1600" b="1" strike="noStrike" spc="-1" dirty="0" err="1" smtClean="0">
                 <a:solidFill>
                   <a:srgbClr val="000080"/>
                 </a:solidFill>
@@ -9783,7 +9745,7 @@
               <a:t>groupId</a:t>
             </a:r>
             <a:r>
-              <a:rPr lang="de-DE" sz="1600" b="0" strike="noStrike" spc="-1" dirty="0">
+              <a:rPr lang="de-DE" sz="1600" b="0" strike="noStrike" spc="-1" dirty="0" smtClean="0">
                 <a:solidFill>
                   <a:srgbClr val="000000"/>
                 </a:solidFill>
@@ -9791,11 +9753,15 @@
               </a:rPr>
               <a:t>&gt;</a:t>
             </a:r>
+            <a:r>
+              <a:rPr dirty="0" smtClean="0"/>
+              <a:t/>
+            </a:r>
             <a:br>
-              <a:rPr dirty="0"/>
+              <a:rPr dirty="0" smtClean="0"/>
             </a:br>
             <a:r>
-              <a:rPr lang="de-DE" sz="1600" b="0" strike="noStrike" spc="-1" dirty="0">
+              <a:rPr lang="de-DE" sz="1600" b="0" strike="noStrike" spc="-1" dirty="0" smtClean="0">
                 <a:solidFill>
                   <a:srgbClr val="000000"/>
                 </a:solidFill>
@@ -9804,7 +9770,7 @@
               <a:t>    &lt;</a:t>
             </a:r>
             <a:r>
-              <a:rPr lang="de-DE" sz="1600" b="1" strike="noStrike" spc="-1" dirty="0" err="1">
+              <a:rPr lang="de-DE" sz="1600" b="1" strike="noStrike" spc="-1" dirty="0" err="1" smtClean="0">
                 <a:solidFill>
                   <a:srgbClr val="000080"/>
                 </a:solidFill>
@@ -9813,7 +9779,7 @@
               <a:t>artifactId</a:t>
             </a:r>
             <a:r>
-              <a:rPr lang="de-DE" sz="1600" b="0" strike="noStrike" spc="-1" dirty="0">
+              <a:rPr lang="de-DE" sz="1600" b="0" strike="noStrike" spc="-1" dirty="0" smtClean="0">
                 <a:solidFill>
                   <a:srgbClr val="000000"/>
                 </a:solidFill>
@@ -9822,7 +9788,7 @@
               <a:t>&gt;</a:t>
             </a:r>
             <a:r>
-              <a:rPr lang="de-DE" sz="1600" b="0" strike="noStrike" spc="-1" dirty="0" err="1">
+              <a:rPr lang="de-DE" sz="1600" b="0" strike="noStrike" spc="-1" dirty="0" err="1" smtClean="0">
                 <a:solidFill>
                   <a:srgbClr val="000000"/>
                 </a:solidFill>
@@ -9831,7 +9797,7 @@
               <a:t>wicket</a:t>
             </a:r>
             <a:r>
-              <a:rPr lang="de-DE" sz="1600" b="0" strike="noStrike" spc="-1" dirty="0">
+              <a:rPr lang="de-DE" sz="1600" b="0" strike="noStrike" spc="-1" dirty="0" smtClean="0">
                 <a:solidFill>
                   <a:srgbClr val="000000"/>
                 </a:solidFill>
@@ -9840,7 +9806,7 @@
               <a:t>-</a:t>
             </a:r>
             <a:r>
-              <a:rPr lang="de-DE" sz="1600" b="1" strike="noStrike" spc="-1" dirty="0">
+              <a:rPr lang="de-DE" sz="1600" b="1" strike="noStrike" spc="-1" dirty="0" smtClean="0">
                 <a:solidFill>
                   <a:srgbClr val="FF0000"/>
                 </a:solidFill>
@@ -9849,7 +9815,7 @@
               <a:t>core</a:t>
             </a:r>
             <a:r>
-              <a:rPr lang="de-DE" sz="1600" b="0" strike="noStrike" spc="-1" dirty="0">
+              <a:rPr lang="de-DE" sz="1600" b="0" strike="noStrike" spc="-1" dirty="0" smtClean="0">
                 <a:solidFill>
                   <a:srgbClr val="000000"/>
                 </a:solidFill>
@@ -9858,7 +9824,7 @@
               <a:t>&lt;/</a:t>
             </a:r>
             <a:r>
-              <a:rPr lang="de-DE" sz="1600" b="1" strike="noStrike" spc="-1" dirty="0" err="1">
+              <a:rPr lang="de-DE" sz="1600" b="1" strike="noStrike" spc="-1" dirty="0" err="1" smtClean="0">
                 <a:solidFill>
                   <a:srgbClr val="000080"/>
                 </a:solidFill>
@@ -9867,7 +9833,7 @@
               <a:t>artifactId</a:t>
             </a:r>
             <a:r>
-              <a:rPr lang="de-DE" sz="1600" b="0" strike="noStrike" spc="-1" dirty="0">
+              <a:rPr lang="de-DE" sz="1600" b="0" strike="noStrike" spc="-1" dirty="0" smtClean="0">
                 <a:solidFill>
                   <a:srgbClr val="000000"/>
                 </a:solidFill>
@@ -9875,11 +9841,15 @@
               </a:rPr>
               <a:t>&gt;</a:t>
             </a:r>
+            <a:r>
+              <a:rPr dirty="0" smtClean="0"/>
+              <a:t/>
+            </a:r>
             <a:br>
-              <a:rPr dirty="0"/>
+              <a:rPr dirty="0" smtClean="0"/>
             </a:br>
             <a:r>
-              <a:rPr lang="de-DE" sz="1600" b="0" strike="noStrike" spc="-1" dirty="0">
+              <a:rPr lang="de-DE" sz="1600" b="0" strike="noStrike" spc="-1" dirty="0" smtClean="0">
                 <a:solidFill>
                   <a:srgbClr val="000000"/>
                 </a:solidFill>
@@ -9888,7 +9858,7 @@
               <a:t>    &lt;</a:t>
             </a:r>
             <a:r>
-              <a:rPr lang="de-DE" sz="1600" b="1" strike="noStrike" spc="-1" dirty="0" err="1">
+              <a:rPr lang="de-DE" sz="1600" b="1" strike="noStrike" spc="-1" dirty="0" err="1" smtClean="0">
                 <a:solidFill>
                   <a:srgbClr val="000080"/>
                 </a:solidFill>
@@ -9897,16 +9867,16 @@
               <a:t>version</a:t>
             </a:r>
             <a:r>
-              <a:rPr lang="de-DE" sz="1600" b="0" strike="noStrike" spc="-1" dirty="0">
+              <a:rPr lang="de-DE" sz="1600" b="0" strike="noStrike" spc="-1" dirty="0" smtClean="0">
                 <a:solidFill>
                   <a:srgbClr val="000000"/>
                 </a:solidFill>
                 <a:latin typeface="Consolas"/>
               </a:rPr>
-              <a:t>&gt;8.7.0&lt;/</a:t>
-            </a:r>
-            <a:r>
-              <a:rPr lang="de-DE" sz="1600" b="1" strike="noStrike" spc="-1" dirty="0" err="1">
+              <a:t>&gt;9.3.0&lt;/</a:t>
+            </a:r>
+            <a:r>
+              <a:rPr lang="de-DE" sz="1600" b="1" strike="noStrike" spc="-1" dirty="0" err="1" smtClean="0">
                 <a:solidFill>
                   <a:srgbClr val="000080"/>
                 </a:solidFill>
@@ -9915,7 +9885,7 @@
               <a:t>version</a:t>
             </a:r>
             <a:r>
-              <a:rPr lang="de-DE" sz="1600" b="0" strike="noStrike" spc="-1" dirty="0">
+              <a:rPr lang="de-DE" sz="1600" b="0" strike="noStrike" spc="-1" dirty="0" smtClean="0">
                 <a:solidFill>
                   <a:srgbClr val="000000"/>
                 </a:solidFill>
@@ -9923,11 +9893,15 @@
               </a:rPr>
               <a:t>&gt;</a:t>
             </a:r>
+            <a:r>
+              <a:rPr dirty="0" smtClean="0"/>
+              <a:t/>
+            </a:r>
             <a:br>
-              <a:rPr dirty="0"/>
+              <a:rPr dirty="0" smtClean="0"/>
             </a:br>
             <a:r>
-              <a:rPr lang="de-DE" sz="1600" b="0" strike="noStrike" spc="-1" dirty="0">
+              <a:rPr lang="de-DE" sz="1600" b="0" strike="noStrike" spc="-1" dirty="0" smtClean="0">
                 <a:solidFill>
                   <a:srgbClr val="000000"/>
                 </a:solidFill>
@@ -9936,7 +9910,7 @@
               <a:t>&lt;/</a:t>
             </a:r>
             <a:r>
-              <a:rPr lang="de-DE" sz="1600" b="1" strike="noStrike" spc="-1" dirty="0" err="1">
+              <a:rPr lang="de-DE" sz="1600" b="1" strike="noStrike" spc="-1" dirty="0" err="1" smtClean="0">
                 <a:solidFill>
                   <a:srgbClr val="000080"/>
                 </a:solidFill>
@@ -9945,7 +9919,7 @@
               <a:t>dependency</a:t>
             </a:r>
             <a:r>
-              <a:rPr lang="de-DE" sz="1600" b="0" strike="noStrike" spc="-1" dirty="0">
+              <a:rPr lang="de-DE" sz="1600" b="0" strike="noStrike" spc="-1" dirty="0" smtClean="0">
                 <a:solidFill>
                   <a:srgbClr val="000000"/>
                 </a:solidFill>
@@ -12435,34 +12409,22 @@
       </p:sp>
       <p:pic>
         <p:nvPicPr>
-          <p:cNvPr id="3" name="Grafik 2">
-            <a:extLst>
-              <a:ext uri="{FF2B5EF4-FFF2-40B4-BE49-F238E27FC236}">
-                <a16:creationId xmlns:a16="http://schemas.microsoft.com/office/drawing/2014/main" id="{DB8A49D3-54A4-465F-BBDC-B54128F03457}"/>
-              </a:ext>
-            </a:extLst>
-          </p:cNvPr>
+          <p:cNvPr id="4" name="Grafik 3"/>
           <p:cNvPicPr>
             <a:picLocks noChangeAspect="1"/>
           </p:cNvPicPr>
           <p:nvPr/>
         </p:nvPicPr>
         <p:blipFill>
-          <a:blip r:embed="rId2">
-            <a:extLst>
-              <a:ext uri="{28A0092B-C50C-407E-A947-70E740481C1C}">
-                <a14:useLocalDpi xmlns:a14="http://schemas.microsoft.com/office/drawing/2010/main" val="0"/>
-              </a:ext>
-            </a:extLst>
-          </a:blip>
+          <a:blip r:embed="rId2"/>
           <a:stretch>
             <a:fillRect/>
           </a:stretch>
         </p:blipFill>
         <p:spPr>
           <a:xfrm>
-            <a:off x="1135082" y="1290243"/>
-            <a:ext cx="6873836" cy="4900085"/>
+            <a:off x="995115" y="1277509"/>
+            <a:ext cx="6801322" cy="4725725"/>
           </a:xfrm>
           <a:prstGeom prst="rect">
             <a:avLst/>
@@ -13229,8 +13191,74 @@
                 </a:solidFill>
                 <a:latin typeface="Arial"/>
               </a:rPr>
-              <a:t> 8, mind. halbjährliche Releases</a:t>
-            </a:r>
+              <a:t> </a:t>
+            </a:r>
+            <a:r>
+              <a:rPr lang="de-DE" sz="1600" b="0" strike="noStrike" spc="-1" dirty="0" smtClean="0">
+                <a:solidFill>
+                  <a:srgbClr val="000000"/>
+                </a:solidFill>
+                <a:latin typeface="Arial"/>
+              </a:rPr>
+              <a:t>8</a:t>
+            </a:r>
+          </a:p>
+          <a:p>
+            <a:pPr marL="743310" lvl="1" indent="-285750">
+              <a:lnSpc>
+                <a:spcPct val="100000"/>
+              </a:lnSpc>
+              <a:spcBef>
+                <a:spcPts val="320"/>
+              </a:spcBef>
+              <a:buClr>
+                <a:srgbClr val="008C5A"/>
+              </a:buClr>
+              <a:buFont typeface="Arial" panose="020B0604020202020204" pitchFamily="34" charset="0"/>
+              <a:buChar char="•"/>
+            </a:pPr>
+            <a:r>
+              <a:rPr lang="de-DE" sz="1600" b="1" spc="-1" dirty="0" smtClean="0">
+                <a:solidFill>
+                  <a:srgbClr val="000000"/>
+                </a:solidFill>
+                <a:latin typeface="Arial"/>
+              </a:rPr>
+              <a:t>2020</a:t>
+            </a:r>
+            <a:r>
+              <a:rPr lang="de-DE" sz="1600" spc="-1" dirty="0" smtClean="0">
+                <a:solidFill>
+                  <a:srgbClr val="000000"/>
+                </a:solidFill>
+                <a:latin typeface="Arial"/>
+              </a:rPr>
+              <a:t>: </a:t>
+            </a:r>
+            <a:r>
+              <a:rPr lang="de-DE" sz="1600" spc="-1" dirty="0" err="1" smtClean="0">
+                <a:solidFill>
+                  <a:srgbClr val="000000"/>
+                </a:solidFill>
+                <a:latin typeface="Arial"/>
+              </a:rPr>
+              <a:t>Wicket</a:t>
+            </a:r>
+            <a:r>
+              <a:rPr lang="de-DE" sz="1600" spc="-1" dirty="0" smtClean="0">
+                <a:solidFill>
+                  <a:srgbClr val="000000"/>
+                </a:solidFill>
+                <a:latin typeface="Arial"/>
+              </a:rPr>
+              <a:t> 9</a:t>
+            </a:r>
+            <a:endParaRPr lang="de-DE" sz="1600" b="0" strike="noStrike" spc="-1" dirty="0">
+              <a:solidFill>
+                <a:srgbClr val="000000"/>
+              </a:solidFill>
+              <a:latin typeface="Arial"/>
+            </a:endParaRPr>
           </a:p>
           <a:p>
             <a:endParaRPr lang="de-DE" sz="1600" b="0" strike="noStrike" spc="-1" dirty="0">
@@ -13261,8 +13289,23 @@
                 </a:solidFill>
                 <a:latin typeface="Arial"/>
               </a:rPr>
-              <a:t>Aktuell:</a:t>
-            </a:r>
+              <a:t>Aktuell</a:t>
+            </a:r>
+            <a:r>
+              <a:rPr lang="de-DE" sz="2000" b="0" strike="noStrike" spc="-1" dirty="0" smtClean="0">
+                <a:solidFill>
+                  <a:srgbClr val="000000"/>
+                </a:solidFill>
+                <a:latin typeface="Arial"/>
+              </a:rPr>
+              <a:t>:</a:t>
+            </a:r>
+            <a:endParaRPr lang="de-DE" sz="2000" b="0" strike="noStrike" spc="-1" dirty="0">
+              <a:solidFill>
+                <a:srgbClr val="000000"/>
+              </a:solidFill>
+              <a:latin typeface="Arial"/>
+            </a:endParaRPr>
           </a:p>
           <a:p>
             <a:pPr marL="743310" lvl="1" indent="-285750">
@@ -13279,7 +13322,7 @@
               <a:buChar char="•"/>
             </a:pPr>
             <a:r>
-              <a:rPr lang="de-DE" sz="1600" b="0" strike="noStrike" spc="-1" dirty="0" err="1">
+              <a:rPr lang="de-DE" sz="1600" b="0" strike="noStrike" spc="-1" dirty="0" err="1" smtClean="0">
                 <a:solidFill>
                   <a:srgbClr val="000000"/>
                 </a:solidFill>
@@ -13288,16 +13331,16 @@
               <a:t>Wicket</a:t>
             </a:r>
             <a:r>
-              <a:rPr lang="de-DE" sz="1600" b="0" strike="noStrike" spc="-1" dirty="0">
-                <a:solidFill>
-                  <a:srgbClr val="000000"/>
-                </a:solidFill>
-                <a:latin typeface="Arial"/>
-              </a:rPr>
-              <a:t> 8.x		8.7.0		</a:t>
-            </a:r>
-            <a:r>
-              <a:rPr lang="de-DE" sz="1600" b="0" strike="noStrike" spc="-1" dirty="0" err="1">
+              <a:rPr lang="de-DE" sz="1600" b="0" strike="noStrike" spc="-1" dirty="0" smtClean="0">
+                <a:solidFill>
+                  <a:srgbClr val="000000"/>
+                </a:solidFill>
+                <a:latin typeface="Arial"/>
+              </a:rPr>
+              <a:t> 9.x		9.3.0		</a:t>
+            </a:r>
+            <a:r>
+              <a:rPr lang="de-DE" sz="1600" b="0" strike="noStrike" spc="-1" dirty="0" err="1" smtClean="0">
                 <a:solidFill>
                   <a:srgbClr val="000000"/>
                 </a:solidFill>
@@ -13306,14 +13349,29 @@
               <a:t>current</a:t>
             </a:r>
             <a:r>
-              <a:rPr lang="de-DE" sz="1600" b="0" strike="noStrike" spc="-1" dirty="0">
-                <a:solidFill>
-                  <a:srgbClr val="000000"/>
-                </a:solidFill>
-                <a:latin typeface="Arial"/>
-              </a:rPr>
-              <a:t>, supported</a:t>
-            </a:r>
+              <a:rPr lang="de-DE" sz="1600" b="0" strike="noStrike" spc="-1" dirty="0" smtClean="0">
+                <a:solidFill>
+                  <a:srgbClr val="000000"/>
+                </a:solidFill>
+                <a:latin typeface="Arial"/>
+              </a:rPr>
+              <a:t>, </a:t>
+            </a:r>
+            <a:r>
+              <a:rPr lang="de-DE" sz="1600" b="0" strike="noStrike" spc="-1" dirty="0" err="1" smtClean="0">
+                <a:solidFill>
+                  <a:srgbClr val="000000"/>
+                </a:solidFill>
+                <a:latin typeface="Arial"/>
+              </a:rPr>
+              <a:t>supported</a:t>
+            </a:r>
+            <a:endParaRPr lang="de-DE" sz="1600" b="0" strike="noStrike" spc="-1" dirty="0" smtClean="0">
+              <a:solidFill>
+                <a:srgbClr val="000000"/>
+              </a:solidFill>
+              <a:latin typeface="Arial"/>
+            </a:endParaRPr>
           </a:p>
           <a:p>
             <a:pPr marL="743310" lvl="1" indent="-285750">
@@ -13330,7 +13388,7 @@
               <a:buChar char="•"/>
             </a:pPr>
             <a:r>
-              <a:rPr lang="de-DE" sz="1600" b="0" strike="noStrike" spc="-1" dirty="0" err="1">
+              <a:rPr lang="de-DE" sz="1600" b="0" strike="noStrike" spc="-1" dirty="0" err="1" smtClean="0">
                 <a:solidFill>
                   <a:srgbClr val="000000"/>
                 </a:solidFill>
@@ -13339,14 +13397,56 @@
               <a:t>Wicket</a:t>
             </a:r>
             <a:r>
+              <a:rPr lang="de-DE" sz="1600" b="0" strike="noStrike" spc="-1" dirty="0" smtClean="0">
+                <a:solidFill>
+                  <a:srgbClr val="000000"/>
+                </a:solidFill>
+                <a:latin typeface="Arial"/>
+              </a:rPr>
+              <a:t> </a:t>
+            </a:r>
+            <a:r>
               <a:rPr lang="de-DE" sz="1600" b="0" strike="noStrike" spc="-1" dirty="0">
                 <a:solidFill>
                   <a:srgbClr val="000000"/>
                 </a:solidFill>
                 <a:latin typeface="Arial"/>
               </a:rPr>
-              <a:t> 7.x		7.16.0		supported</a:t>
-            </a:r>
+              <a:t>8.x		</a:t>
+            </a:r>
+            <a:r>
+              <a:rPr lang="de-DE" sz="1600" b="0" strike="noStrike" spc="-1" dirty="0" smtClean="0">
+                <a:solidFill>
+                  <a:srgbClr val="000000"/>
+                </a:solidFill>
+                <a:latin typeface="Arial"/>
+              </a:rPr>
+              <a:t>8.12.0</a:t>
+            </a:r>
+            <a:r>
+              <a:rPr lang="de-DE" sz="1600" b="0" strike="noStrike" spc="-1" dirty="0">
+                <a:solidFill>
+                  <a:srgbClr val="000000"/>
+                </a:solidFill>
+                <a:latin typeface="Arial"/>
+              </a:rPr>
+              <a:t>		</a:t>
+            </a:r>
+            <a:r>
+              <a:rPr lang="de-DE" sz="1600" b="0" strike="noStrike" spc="-1" dirty="0" err="1" smtClean="0">
+                <a:solidFill>
+                  <a:srgbClr val="000000"/>
+                </a:solidFill>
+                <a:latin typeface="Arial"/>
+              </a:rPr>
+              <a:t>supported</a:t>
+            </a:r>
+            <a:endParaRPr lang="de-DE" sz="1600" b="0" strike="noStrike" spc="-1" dirty="0">
+              <a:solidFill>
+                <a:srgbClr val="000000"/>
+              </a:solidFill>
+              <a:latin typeface="Arial"/>
+            </a:endParaRPr>
           </a:p>
           <a:p>
             <a:pPr marL="743310" lvl="1" indent="-285750">
@@ -13378,16 +13478,16 @@
                 </a:solidFill>
                 <a:latin typeface="Arial"/>
               </a:rPr>
-              <a:t> 6.x		6.30.0		</a:t>
-            </a:r>
-            <a:r>
-              <a:rPr lang="de-DE" sz="1600" b="0" strike="noStrike" spc="-1" dirty="0" err="1">
-                <a:solidFill>
-                  <a:srgbClr val="000000"/>
-                </a:solidFill>
-                <a:latin typeface="Arial"/>
-              </a:rPr>
-              <a:t>security</a:t>
+              <a:t> 7.x		</a:t>
+            </a:r>
+            <a:r>
+              <a:rPr lang="de-DE" sz="1600" b="0" strike="noStrike" spc="-1" dirty="0" smtClean="0">
+                <a:solidFill>
+                  <a:srgbClr val="000000"/>
+                </a:solidFill>
+                <a:latin typeface="Arial"/>
+              </a:rPr>
+              <a:t>7.18.0</a:t>
             </a:r>
             <a:r>
               <a:rPr lang="de-DE" sz="1600" b="0" strike="noStrike" spc="-1" dirty="0">
@@ -13396,61 +13496,7 @@
                 </a:solidFill>
                 <a:latin typeface="Arial"/>
               </a:rPr>
-              <a:t> fixes </a:t>
-            </a:r>
-            <a:r>
-              <a:rPr lang="de-DE" sz="1600" b="0" strike="noStrike" spc="-1" dirty="0" err="1">
-                <a:solidFill>
-                  <a:srgbClr val="000000"/>
-                </a:solidFill>
-                <a:latin typeface="Arial"/>
-              </a:rPr>
-              <a:t>only</a:t>
-            </a:r>
-            <a:r>
-              <a:rPr lang="de-DE" sz="1600" b="0" strike="noStrike" spc="-1" dirty="0">
-                <a:solidFill>
-                  <a:srgbClr val="000000"/>
-                </a:solidFill>
-                <a:latin typeface="Arial"/>
-              </a:rPr>
-              <a:t>, upgrade </a:t>
-            </a:r>
-            <a:r>
-              <a:rPr lang="de-DE" sz="1600" b="0" strike="noStrike" spc="-1" dirty="0" err="1">
-                <a:solidFill>
-                  <a:srgbClr val="000000"/>
-                </a:solidFill>
-                <a:latin typeface="Arial"/>
-              </a:rPr>
-              <a:t>to</a:t>
-            </a:r>
-            <a:r>
-              <a:rPr lang="de-DE" sz="1600" b="0" strike="noStrike" spc="-1" dirty="0">
-                <a:solidFill>
-                  <a:srgbClr val="000000"/>
-                </a:solidFill>
-                <a:latin typeface="Arial"/>
-              </a:rPr>
-              <a:t> 7.x </a:t>
-            </a:r>
-            <a:r>
-              <a:rPr lang="de-DE" sz="1600" b="0" strike="noStrike" spc="-1" dirty="0" err="1">
-                <a:solidFill>
-                  <a:srgbClr val="000000"/>
-                </a:solidFill>
-                <a:latin typeface="Arial"/>
-              </a:rPr>
-              <a:t>or</a:t>
-            </a:r>
-            <a:r>
-              <a:rPr lang="de-DE" sz="1600" b="0" strike="noStrike" spc="-1" dirty="0">
-                <a:solidFill>
-                  <a:srgbClr val="000000"/>
-                </a:solidFill>
-                <a:latin typeface="Arial"/>
-              </a:rPr>
-              <a:t> 8.x</a:t>
+              <a:t>		supported</a:t>
             </a:r>
           </a:p>
           <a:p>
@@ -13813,6 +13859,10 @@
               </a:rPr>
               <a:t>&gt;</a:t>
             </a:r>
+            <a:r>
+              <a:rPr dirty="0"/>
+              <a:t/>
+            </a:r>
             <a:br>
               <a:rPr dirty="0"/>
             </a:br>
@@ -13875,6 +13925,10 @@
               </a:rPr>
               <a:t>&gt;</a:t>
             </a:r>
+            <a:r>
+              <a:rPr dirty="0"/>
+              <a:t/>
+            </a:r>
             <a:br>
               <a:rPr dirty="0"/>
             </a:br>
@@ -14027,6 +14081,10 @@
               </a:rPr>
               <a:t>&gt; </a:t>
             </a:r>
+            <a:r>
+              <a:rPr dirty="0"/>
+              <a:t/>
+            </a:r>
             <a:br>
               <a:rPr dirty="0"/>
             </a:br>
@@ -14149,6 +14207,10 @@
               </a:rPr>
               <a:t>&gt; mal geklickt!</a:t>
             </a:r>
+            <a:r>
+              <a:rPr dirty="0"/>
+              <a:t/>
+            </a:r>
             <a:br>
               <a:rPr dirty="0"/>
             </a:br>
@@ -14162,6 +14224,10 @@
               </a:rPr>
               <a:t>	</a:t>
             </a:r>
+            <a:r>
+              <a:rPr dirty="0"/>
+              <a:t/>
+            </a:r>
             <a:br>
               <a:rPr dirty="0"/>
             </a:br>
@@ -14324,6 +14390,10 @@
               </a:rPr>
               <a:t>&gt;</a:t>
             </a:r>
+            <a:r>
+              <a:rPr dirty="0"/>
+              <a:t/>
+            </a:r>
             <a:br>
               <a:rPr dirty="0"/>
             </a:br>
@@ -14455,6 +14525,10 @@
                 <a:ea typeface="DejaVu Sans Mono"/>
               </a:rPr>
               <a:t>&gt; mal geklickt!</a:t>
+            </a:r>
+            <a:r>
+              <a:rPr dirty="0"/>
+              <a:t/>
             </a:r>
             <a:br>
               <a:rPr dirty="0"/>
@@ -14656,6 +14730,10 @@
               </a:rPr>
               <a:t>() {</a:t>
             </a:r>
+            <a:r>
+              <a:rPr sz="1000" dirty="0"/>
+              <a:t/>
+            </a:r>
             <a:br>
               <a:rPr sz="1000" dirty="0"/>
             </a:br>
@@ -14718,6 +14796,10 @@
               </a:rPr>
               <a:t>;</a:t>
             </a:r>
+            <a:r>
+              <a:rPr sz="1000" dirty="0"/>
+              <a:t/>
+            </a:r>
             <a:br>
               <a:rPr sz="1000" dirty="0"/>
             </a:br>
@@ -14780,9 +14862,17 @@
               </a:rPr>
               <a:t>;</a:t>
             </a:r>
+            <a:r>
+              <a:rPr sz="1000" dirty="0"/>
+              <a:t/>
+            </a:r>
             <a:br>
               <a:rPr sz="1000" dirty="0"/>
             </a:br>
+            <a:r>
+              <a:rPr sz="1000" dirty="0"/>
+              <a:t/>
+            </a:r>
             <a:br>
               <a:rPr sz="1000" dirty="0"/>
             </a:br>
@@ -14875,6 +14965,10 @@
               </a:rPr>
               <a:t>);</a:t>
             </a:r>
+            <a:r>
+              <a:rPr sz="1000" dirty="0"/>
+              <a:t/>
+            </a:r>
             <a:br>
               <a:rPr sz="1000" dirty="0"/>
             </a:br>
@@ -14967,9 +15061,17 @@
               </a:rPr>
               <a:t>);</a:t>
             </a:r>
+            <a:r>
+              <a:rPr sz="1000" dirty="0"/>
+              <a:t/>
+            </a:r>
             <a:br>
               <a:rPr sz="1000" dirty="0"/>
             </a:br>
+            <a:r>
+              <a:rPr sz="1000" dirty="0"/>
+              <a:t/>
+            </a:r>
             <a:br>
               <a:rPr sz="1000" dirty="0"/>
             </a:br>
@@ -15102,9 +15204,17 @@
               </a:rPr>
               <a:t>);</a:t>
             </a:r>
+            <a:r>
+              <a:rPr sz="1000" dirty="0"/>
+              <a:t/>
+            </a:r>
             <a:br>
               <a:rPr sz="1000" dirty="0"/>
             </a:br>
+            <a:r>
+              <a:rPr sz="1000" dirty="0"/>
+              <a:t/>
+            </a:r>
             <a:br>
               <a:rPr sz="1000" dirty="0"/>
             </a:br>
@@ -15247,6 +15357,10 @@
               </a:rPr>
               <a:t>);</a:t>
             </a:r>
+            <a:r>
+              <a:rPr sz="1000" dirty="0"/>
+              <a:t/>
+            </a:r>
             <a:br>
               <a:rPr sz="1000" dirty="0"/>
             </a:br>
@@ -15309,9 +15423,17 @@
               </a:rPr>
               <a:t>);</a:t>
             </a:r>
+            <a:r>
+              <a:rPr sz="1000" dirty="0"/>
+              <a:t/>
+            </a:r>
             <a:br>
               <a:rPr sz="1000" dirty="0"/>
             </a:br>
+            <a:r>
+              <a:rPr sz="1000" dirty="0"/>
+              <a:t/>
+            </a:r>
             <a:br>
               <a:rPr sz="1000" dirty="0"/>
             </a:br>
@@ -15434,6 +15556,10 @@
               </a:rPr>
               <a:t>){</a:t>
             </a:r>
+            <a:r>
+              <a:rPr sz="1000" dirty="0"/>
+              <a:t/>
+            </a:r>
             <a:br>
               <a:rPr sz="1000" dirty="0"/>
             </a:br>
@@ -15466,6 +15592,10 @@
               </a:rPr>
               <a:t>Override</a:t>
             </a:r>
+            <a:r>
+              <a:rPr sz="1000" dirty="0"/>
+              <a:t/>
+            </a:r>
             <a:br>
               <a:rPr sz="1000" dirty="0"/>
             </a:br>
@@ -15538,6 +15668,10 @@
               </a:rPr>
               <a:t>() {</a:t>
             </a:r>
+            <a:r>
+              <a:rPr sz="1000" dirty="0"/>
+              <a:t/>
+            </a:r>
             <a:br>
               <a:rPr sz="1000" dirty="0"/>
             </a:br>
@@ -15570,6 +15704,10 @@
               </a:rPr>
               <a:t>++;</a:t>
             </a:r>
+            <a:r>
+              <a:rPr sz="1000" dirty="0"/>
+              <a:t/>
+            </a:r>
             <a:br>
               <a:rPr sz="1000" dirty="0"/>
             </a:br>
@@ -15632,6 +15770,10 @@
               </a:rPr>
               <a:t>);</a:t>
             </a:r>
+            <a:r>
+              <a:rPr sz="1000" dirty="0"/>
+              <a:t/>
+            </a:r>
             <a:br>
               <a:rPr sz="1000" dirty="0"/>
             </a:br>
@@ -15654,6 +15796,10 @@
               </a:rPr>
               <a:t>}</a:t>
             </a:r>
+            <a:r>
+              <a:rPr sz="1000" dirty="0"/>
+              <a:t/>
+            </a:r>
             <a:br>
               <a:rPr sz="1000" dirty="0"/>
             </a:br>
@@ -15676,9 +15822,17 @@
               </a:rPr>
               <a:t>};</a:t>
             </a:r>
+            <a:r>
+              <a:rPr sz="1000" dirty="0"/>
+              <a:t/>
+            </a:r>
             <a:br>
               <a:rPr sz="1000" dirty="0"/>
             </a:br>
+            <a:r>
+              <a:rPr sz="1000" dirty="0"/>
+              <a:t/>
+            </a:r>
             <a:br>
               <a:rPr sz="1000" dirty="0"/>
             </a:br>
@@ -15831,6 +15985,10 @@
               </a:rPr>
               <a:t>) {</a:t>
             </a:r>
+            <a:r>
+              <a:rPr sz="1000" dirty="0"/>
+              <a:t/>
+            </a:r>
             <a:br>
               <a:rPr sz="1000" dirty="0"/>
             </a:br>
@@ -15863,6 +16021,10 @@
               </a:rPr>
               <a:t>Override</a:t>
             </a:r>
+            <a:r>
+              <a:rPr sz="1000" dirty="0"/>
+              <a:t/>
+            </a:r>
             <a:br>
               <a:rPr sz="1000" dirty="0"/>
             </a:br>
@@ -15955,6 +16117,10 @@
               </a:rPr>
               <a:t>&gt; optional) {</a:t>
             </a:r>
+            <a:r>
+              <a:rPr sz="1000" dirty="0"/>
+              <a:t/>
+            </a:r>
             <a:br>
               <a:rPr sz="1000" dirty="0"/>
             </a:br>
@@ -16017,6 +16183,10 @@
               </a:rPr>
               <a:t>()) {</a:t>
             </a:r>
+            <a:r>
+              <a:rPr sz="1000" dirty="0"/>
+              <a:t/>
+            </a:r>
             <a:br>
               <a:rPr sz="1000" dirty="0"/>
             </a:br>
@@ -16049,6 +16219,10 @@
               </a:rPr>
               <a:t>++;</a:t>
             </a:r>
+            <a:r>
+              <a:rPr sz="1000" dirty="0"/>
+              <a:t/>
+            </a:r>
             <a:br>
               <a:rPr sz="1000" dirty="0"/>
             </a:br>
@@ -16110,6 +16284,10 @@
                 <a:ea typeface="DejaVu Sans Mono"/>
               </a:rPr>
               <a:t>);</a:t>
+            </a:r>
+            <a:r>
+              <a:rPr sz="1000" dirty="0"/>
+              <a:t/>
             </a:r>
             <a:br>
               <a:rPr sz="1000" dirty="0"/>
@@ -16187,6 +16365,10 @@
               </a:rPr>
               <a:t>);</a:t>
             </a:r>
+            <a:r>
+              <a:rPr sz="1000" dirty="0"/>
+              <a:t/>
+            </a:r>
             <a:br>
               <a:rPr sz="1000" dirty="0"/>
             </a:br>
@@ -16209,6 +16391,10 @@
               </a:rPr>
               <a:t>}</a:t>
             </a:r>
+            <a:r>
+              <a:rPr sz="1000" dirty="0"/>
+              <a:t/>
+            </a:r>
             <a:br>
               <a:rPr sz="1000" dirty="0"/>
             </a:br>
@@ -16253,9 +16439,17 @@
               </a:rPr>
               <a:t>};</a:t>
             </a:r>
+            <a:r>
+              <a:rPr sz="1000" dirty="0"/>
+              <a:t/>
+            </a:r>
             <a:br>
               <a:rPr sz="1000" dirty="0"/>
             </a:br>
+            <a:r>
+              <a:rPr sz="1000" dirty="0"/>
+              <a:t/>
+            </a:r>
             <a:br>
               <a:rPr sz="1000" dirty="0"/>
             </a:br>
@@ -16328,6 +16522,10 @@
               </a:rPr>
               <a:t>);</a:t>
             </a:r>
+            <a:r>
+              <a:rPr sz="1000" dirty="0"/>
+              <a:t/>
+            </a:r>
             <a:br>
               <a:rPr sz="1000" dirty="0"/>
             </a:br>
@@ -16399,6 +16597,10 @@
                 <a:ea typeface="DejaVu Sans Mono"/>
               </a:rPr>
               <a:t>);</a:t>
+            </a:r>
+            <a:r>
+              <a:rPr sz="1000" dirty="0"/>
+              <a:t/>
             </a:r>
             <a:br>
               <a:rPr sz="1000" dirty="0"/>
@@ -16905,6 +17107,10 @@
               </a:rPr>
               <a:t>() {</a:t>
             </a:r>
+            <a:r>
+              <a:rPr dirty="0"/>
+              <a:t/>
+            </a:r>
             <a:br>
               <a:rPr dirty="0"/>
             </a:br>
@@ -16968,6 +17174,10 @@
               </a:rPr>
               <a:t>Model&lt;&gt;();</a:t>
             </a:r>
+            <a:r>
+              <a:rPr dirty="0"/>
+              <a:t/>
+            </a:r>
             <a:br>
               <a:rPr dirty="0"/>
             </a:br>
@@ -17121,9 +17331,17 @@
               </a:rPr>
               <a:t>);</a:t>
             </a:r>
+            <a:r>
+              <a:rPr dirty="0"/>
+              <a:t/>
+            </a:r>
             <a:br>
               <a:rPr dirty="0"/>
             </a:br>
+            <a:r>
+              <a:rPr dirty="0"/>
+              <a:t/>
+            </a:r>
             <a:br>
               <a:rPr dirty="0"/>
             </a:br>
@@ -17227,6 +17445,10 @@
               </a:rPr>
               <a:t>);</a:t>
             </a:r>
+            <a:r>
+              <a:rPr dirty="0"/>
+              <a:t/>
+            </a:r>
             <a:br>
               <a:rPr dirty="0"/>
             </a:br>
@@ -17290,9 +17512,17 @@
               </a:rPr>
               <a:t>);</a:t>
             </a:r>
+            <a:r>
+              <a:rPr dirty="0"/>
+              <a:t/>
+            </a:r>
             <a:br>
               <a:rPr dirty="0"/>
             </a:br>
+            <a:r>
+              <a:rPr dirty="0"/>
+              <a:t/>
+            </a:r>
             <a:br>
               <a:rPr dirty="0"/>
             </a:br>
@@ -17426,9 +17656,17 @@
               </a:rPr>
               <a:t>);</a:t>
             </a:r>
+            <a:r>
+              <a:rPr dirty="0"/>
+              <a:t/>
+            </a:r>
             <a:br>
               <a:rPr dirty="0"/>
             </a:br>
+            <a:r>
+              <a:rPr dirty="0"/>
+              <a:t/>
+            </a:r>
             <a:br>
               <a:rPr dirty="0"/>
             </a:br>
@@ -17482,6 +17720,10 @@
               </a:rPr>
               <a:t>);</a:t>
             </a:r>
+            <a:r>
+              <a:rPr dirty="0"/>
+              <a:t/>
+            </a:r>
             <a:br>
               <a:rPr dirty="0"/>
             </a:br>
@@ -17534,6 +17776,10 @@
                 <a:ea typeface="DejaVu Sans Mono"/>
               </a:rPr>
               <a:t>);</a:t>
+            </a:r>
+            <a:r>
+              <a:rPr dirty="0"/>
+              <a:t/>
             </a:r>
             <a:br>
               <a:rPr dirty="0"/>
@@ -17657,6 +17903,10 @@
               </a:rPr>
               <a:t>&gt;</a:t>
             </a:r>
+            <a:r>
+              <a:rPr dirty="0"/>
+              <a:t/>
+            </a:r>
             <a:br>
               <a:rPr dirty="0"/>
             </a:br>
@@ -17710,6 +17960,10 @@
               </a:rPr>
               <a:t>&gt;</a:t>
             </a:r>
+            <a:r>
+              <a:rPr dirty="0"/>
+              <a:t/>
+            </a:r>
             <a:br>
               <a:rPr dirty="0"/>
             </a:br>
@@ -17803,6 +18057,10 @@
               </a:rPr>
               <a:t>&gt;</a:t>
             </a:r>
+            <a:r>
+              <a:rPr dirty="0"/>
+              <a:t/>
+            </a:r>
             <a:br>
               <a:rPr dirty="0"/>
             </a:br>
@@ -17866,6 +18124,10 @@
               </a:rPr>
               <a:t>&gt;</a:t>
             </a:r>
+            <a:r>
+              <a:rPr dirty="0"/>
+              <a:t/>
+            </a:r>
             <a:br>
               <a:rPr dirty="0"/>
             </a:br>
@@ -17959,6 +18221,10 @@
               </a:rPr>
               <a:t>&gt;</a:t>
             </a:r>
+            <a:r>
+              <a:rPr dirty="0"/>
+              <a:t/>
+            </a:r>
             <a:br>
               <a:rPr dirty="0"/>
             </a:br>
@@ -18182,6 +18448,10 @@
               </a:rPr>
               <a:t>/&gt;</a:t>
             </a:r>
+            <a:r>
+              <a:rPr dirty="0"/>
+              <a:t/>
+            </a:r>
             <a:br>
               <a:rPr dirty="0"/>
             </a:br>
@@ -18215,6 +18485,10 @@
               </a:rPr>
               <a:t>&gt;</a:t>
             </a:r>
+            <a:r>
+              <a:rPr dirty="0"/>
+              <a:t/>
+            </a:r>
             <a:br>
               <a:rPr dirty="0"/>
             </a:br>
@@ -18408,6 +18682,10 @@
               </a:rPr>
               <a:t>&gt;</a:t>
             </a:r>
+            <a:r>
+              <a:rPr dirty="0"/>
+              <a:t/>
+            </a:r>
             <a:br>
               <a:rPr dirty="0"/>
             </a:br>
@@ -18441,6 +18719,10 @@
               </a:rPr>
               <a:t>&gt;</a:t>
             </a:r>
+            <a:r>
+              <a:rPr dirty="0"/>
+              <a:t/>
+            </a:r>
             <a:br>
               <a:rPr dirty="0"/>
             </a:br>
@@ -18494,6 +18776,10 @@
               </a:rPr>
               <a:t>&gt;</a:t>
             </a:r>
+            <a:r>
+              <a:rPr dirty="0"/>
+              <a:t/>
+            </a:r>
             <a:br>
               <a:rPr dirty="0"/>
             </a:br>
@@ -18616,6 +18902,10 @@
                 <a:ea typeface="DejaVu Sans Mono"/>
               </a:rPr>
               <a:t>&gt;</a:t>
+            </a:r>
+            <a:r>
+              <a:rPr dirty="0"/>
+              <a:t/>
             </a:r>
             <a:br>
               <a:rPr dirty="0"/>
@@ -20470,6 +20760,10 @@
               </a:rPr>
               <a:t>Routing: </a:t>
             </a:r>
+            <a:r>
+              <a:rPr dirty="0"/>
+              <a:t/>
+            </a:r>
             <a:br>
               <a:rPr dirty="0"/>
             </a:br>
@@ -20521,6 +20815,10 @@
               </a:rPr>
               <a:t>HTTP-Request  </a:t>
             </a:r>
+            <a:r>
+              <a:rPr dirty="0"/>
+              <a:t/>
+            </a:r>
             <a:br>
               <a:rPr dirty="0"/>
             </a:br>
@@ -20532,6 +20830,10 @@
                 <a:latin typeface="Arial"/>
               </a:rPr>
               <a:t>→ Action-Methode</a:t>
+            </a:r>
+            <a:r>
+              <a:rPr dirty="0"/>
+              <a:t/>
             </a:r>
             <a:br>
               <a:rPr dirty="0"/>
@@ -20953,6 +21255,10 @@
               </a:rPr>
               <a:t>User Interfaces modellieren</a:t>
             </a:r>
+            <a:r>
+              <a:rPr dirty="0"/>
+              <a:t/>
+            </a:r>
             <a:br>
               <a:rPr dirty="0"/>
             </a:br>
@@ -21142,9 +21448,17 @@
               </a:rPr>
               <a:t> {</a:t>
             </a:r>
+            <a:r>
+              <a:rPr sz="900" dirty="0"/>
+              <a:t/>
+            </a:r>
             <a:br>
               <a:rPr sz="900" dirty="0"/>
             </a:br>
+            <a:r>
+              <a:rPr sz="900" dirty="0"/>
+              <a:t/>
+            </a:r>
             <a:br>
               <a:rPr sz="900" dirty="0"/>
             </a:br>
@@ -21197,6 +21511,10 @@
               </a:rPr>
               <a:t>;</a:t>
             </a:r>
+            <a:r>
+              <a:rPr sz="900" dirty="0"/>
+              <a:t/>
+            </a:r>
             <a:br>
               <a:rPr sz="900" dirty="0"/>
             </a:br>
@@ -21269,9 +21587,17 @@
               </a:rPr>
               <a:t>;</a:t>
             </a:r>
+            <a:r>
+              <a:rPr sz="900" dirty="0"/>
+              <a:t/>
+            </a:r>
             <a:br>
               <a:rPr sz="900" dirty="0"/>
             </a:br>
+            <a:r>
+              <a:rPr sz="900" dirty="0"/>
+              <a:t/>
+            </a:r>
             <a:br>
               <a:rPr sz="900" dirty="0"/>
             </a:br>
@@ -21314,6 +21640,10 @@
               </a:rPr>
               <a:t>Index(){</a:t>
             </a:r>
+            <a:r>
+              <a:rPr sz="900" dirty="0"/>
+              <a:t/>
+            </a:r>
             <a:br>
               <a:rPr sz="900" dirty="0"/>
             </a:br>
@@ -21397,6 +21727,10 @@
             </a:r>
           </a:p>
           <a:p>
+            <a:r>
+              <a:rPr sz="900" dirty="0"/>
+              <a:t/>
+            </a:r>
             <a:br>
               <a:rPr sz="900" dirty="0"/>
             </a:br>
@@ -21539,9 +21873,17 @@
               </a:rPr>
               <a:t>));</a:t>
             </a:r>
+            <a:r>
+              <a:rPr sz="900" dirty="0"/>
+              <a:t/>
+            </a:r>
             <a:br>
               <a:rPr sz="900" dirty="0"/>
             </a:br>
+            <a:r>
+              <a:rPr sz="900" dirty="0"/>
+              <a:t/>
+            </a:r>
             <a:br>
               <a:rPr sz="900" dirty="0"/>
             </a:br>
@@ -21644,6 +21986,10 @@
               </a:rPr>
               <a:t>){</a:t>
             </a:r>
+            <a:r>
+              <a:rPr sz="900" dirty="0"/>
+              <a:t/>
+            </a:r>
             <a:br>
               <a:rPr sz="900" dirty="0"/>
             </a:br>
@@ -21676,6 +22022,10 @@
               </a:rPr>
               <a:t>Override</a:t>
             </a:r>
+            <a:r>
+              <a:rPr sz="900" dirty="0"/>
+              <a:t/>
+            </a:r>
             <a:br>
               <a:rPr sz="900" dirty="0"/>
             </a:br>
@@ -21748,6 +22098,10 @@
               </a:rPr>
               <a:t>() {</a:t>
             </a:r>
+            <a:r>
+              <a:rPr sz="900" dirty="0"/>
+              <a:t/>
+            </a:r>
             <a:br>
               <a:rPr sz="900" dirty="0"/>
             </a:br>
@@ -21842,6 +22196,10 @@
               </a:rPr>
               <a:t>);</a:t>
             </a:r>
+            <a:r>
+              <a:rPr sz="900" dirty="0"/>
+              <a:t/>
+            </a:r>
             <a:br>
               <a:rPr sz="900" dirty="0"/>
             </a:br>
@@ -21864,6 +22222,10 @@
               </a:rPr>
               <a:t>}</a:t>
             </a:r>
+            <a:r>
+              <a:rPr sz="900" dirty="0"/>
+              <a:t/>
+            </a:r>
             <a:br>
               <a:rPr sz="900" dirty="0"/>
             </a:br>
@@ -21886,9 +22248,17 @@
               </a:rPr>
               <a:t>};</a:t>
             </a:r>
+            <a:r>
+              <a:rPr sz="900" dirty="0"/>
+              <a:t/>
+            </a:r>
             <a:br>
               <a:rPr sz="900" dirty="0"/>
             </a:br>
+            <a:r>
+              <a:rPr sz="900" dirty="0"/>
+              <a:t/>
+            </a:r>
             <a:br>
               <a:rPr sz="900" dirty="0"/>
             </a:br>
@@ -21941,6 +22311,10 @@
               </a:rPr>
               <a:t>);</a:t>
             </a:r>
+            <a:r>
+              <a:rPr sz="900" dirty="0"/>
+              <a:t/>
+            </a:r>
             <a:br>
               <a:rPr sz="900" dirty="0"/>
             </a:br>
@@ -21993,6 +22367,10 @@
               </a:rPr>
               <a:t>);</a:t>
             </a:r>
+            <a:r>
+              <a:rPr sz="900" dirty="0"/>
+              <a:t/>
+            </a:r>
             <a:br>
               <a:rPr sz="900" dirty="0"/>
             </a:br>
@@ -22014,6 +22392,10 @@
                 <a:ea typeface="DejaVu Sans Mono"/>
               </a:rPr>
               <a:t>}</a:t>
+            </a:r>
+            <a:r>
+              <a:rPr sz="900" dirty="0"/>
+              <a:t/>
             </a:r>
             <a:br>
               <a:rPr sz="900" dirty="0"/>
@@ -22941,6 +23323,10 @@
               </a:rPr>
               <a:t> Philosophie: </a:t>
             </a:r>
+            <a:r>
+              <a:rPr dirty="0"/>
+              <a:t/>
+            </a:r>
             <a:br>
               <a:rPr dirty="0"/>
             </a:br>
@@ -22995,6 +23381,10 @@
               </a:rPr>
               <a:t>Layout in HTML (+ CSS)</a:t>
             </a:r>
+            <a:r>
+              <a:rPr dirty="0"/>
+              <a:t/>
+            </a:r>
             <a:br>
               <a:rPr dirty="0"/>
             </a:br>
@@ -23015,6 +23405,10 @@
                 <a:latin typeface="Arial"/>
               </a:rPr>
               <a:t>-IDs referenzieren </a:t>
+            </a:r>
+            <a:r>
+              <a:rPr dirty="0"/>
+              <a:t/>
             </a:r>
             <a:br>
               <a:rPr dirty="0"/>
@@ -23088,6 +23482,10 @@
               </a:rPr>
               <a:t> </a:t>
             </a:r>
+            <a:r>
+              <a:rPr dirty="0"/>
+              <a:t/>
+            </a:r>
             <a:br>
               <a:rPr dirty="0"/>
             </a:br>
@@ -23142,6 +23540,10 @@
               </a:rPr>
               <a:t>Round-Trip: </a:t>
             </a:r>
+            <a:r>
+              <a:rPr dirty="0"/>
+              <a:t/>
+            </a:r>
             <a:br>
               <a:rPr dirty="0"/>
             </a:br>
@@ -23154,6 +23556,10 @@
               </a:rPr>
               <a:t>Designer ↔ Entwickler</a:t>
             </a:r>
+            <a:r>
+              <a:rPr dirty="0"/>
+              <a:t/>
+            </a:r>
             <a:br>
               <a:rPr dirty="0"/>
             </a:br>
@@ -23165,6 +23571,10 @@
                 <a:latin typeface="Arial"/>
               </a:rPr>
               <a:t>möglich</a:t>
+            </a:r>
+            <a:r>
+              <a:rPr dirty="0"/>
+              <a:t/>
             </a:r>
             <a:br>
               <a:rPr dirty="0"/>
@@ -23304,6 +23714,10 @@
               </a:rPr>
               <a:t>&gt;</a:t>
             </a:r>
+            <a:r>
+              <a:rPr sz="1100" dirty="0"/>
+              <a:t/>
+            </a:r>
             <a:br>
               <a:rPr sz="1100" dirty="0"/>
             </a:br>
@@ -23357,6 +23771,10 @@
               </a:rPr>
               <a:t>&gt;</a:t>
             </a:r>
+            <a:r>
+              <a:rPr sz="1100" dirty="0"/>
+              <a:t/>
+            </a:r>
             <a:br>
               <a:rPr sz="1100" dirty="0"/>
             </a:br>
@@ -23450,6 +23868,10 @@
               </a:rPr>
               <a:t>&gt;</a:t>
             </a:r>
+            <a:r>
+              <a:rPr sz="1100" dirty="0"/>
+              <a:t/>
+            </a:r>
             <a:br>
               <a:rPr sz="1100" dirty="0"/>
             </a:br>
@@ -23513,6 +23935,10 @@
               </a:rPr>
               <a:t>&gt;</a:t>
             </a:r>
+            <a:r>
+              <a:rPr sz="1100" dirty="0"/>
+              <a:t/>
+            </a:r>
             <a:br>
               <a:rPr sz="1100" dirty="0"/>
             </a:br>
@@ -23656,6 +24082,10 @@
               </a:rPr>
               <a:t>/&gt;</a:t>
             </a:r>
+            <a:r>
+              <a:rPr sz="1100" dirty="0"/>
+              <a:t/>
+            </a:r>
             <a:br>
               <a:rPr sz="1100" dirty="0"/>
             </a:br>
@@ -23689,6 +24119,10 @@
               </a:rPr>
               <a:t>&gt;</a:t>
             </a:r>
+            <a:r>
+              <a:rPr sz="1100" dirty="0"/>
+              <a:t/>
+            </a:r>
             <a:br>
               <a:rPr sz="1100" dirty="0"/>
             </a:br>
@@ -23812,6 +24246,10 @@
               </a:rPr>
               <a:t>&gt;</a:t>
             </a:r>
+            <a:r>
+              <a:rPr sz="1100" dirty="0"/>
+              <a:t/>
+            </a:r>
             <a:br>
               <a:rPr sz="1100" dirty="0"/>
             </a:br>
@@ -23845,6 +24283,10 @@
               </a:rPr>
               <a:t>&gt;</a:t>
             </a:r>
+            <a:r>
+              <a:rPr sz="1100" dirty="0"/>
+              <a:t/>
+            </a:r>
             <a:br>
               <a:rPr sz="1100" dirty="0"/>
             </a:br>
@@ -23967,6 +24409,10 @@
                 <a:ea typeface="DejaVu Sans Mono"/>
               </a:rPr>
               <a:t>&gt;</a:t>
+            </a:r>
+            <a:r>
+              <a:rPr sz="1100" dirty="0"/>
+              <a:t/>
             </a:r>
             <a:br>
               <a:rPr sz="1100" dirty="0"/>
@@ -24084,6 +24530,10 @@
               </a:rPr>
               <a:t>() {</a:t>
             </a:r>
+            <a:r>
+              <a:rPr sz="1100" dirty="0"/>
+              <a:t/>
+            </a:r>
             <a:br>
               <a:rPr sz="1100" dirty="0"/>
             </a:br>
@@ -24147,6 +24597,10 @@
               </a:rPr>
               <a:t>Model&lt;&gt;();</a:t>
             </a:r>
+            <a:r>
+              <a:rPr sz="1100" dirty="0"/>
+              <a:t/>
+            </a:r>
             <a:br>
               <a:rPr sz="1100" dirty="0"/>
             </a:br>
@@ -24300,9 +24754,17 @@
               </a:rPr>
               <a:t>);</a:t>
             </a:r>
+            <a:r>
+              <a:rPr sz="1100" dirty="0"/>
+              <a:t/>
+            </a:r>
             <a:br>
               <a:rPr sz="1100" dirty="0"/>
             </a:br>
+            <a:r>
+              <a:rPr sz="1100" dirty="0"/>
+              <a:t/>
+            </a:r>
             <a:br>
               <a:rPr sz="1100" dirty="0"/>
             </a:br>
@@ -24406,6 +24868,10 @@
               </a:rPr>
               <a:t>);</a:t>
             </a:r>
+            <a:r>
+              <a:rPr sz="1100" dirty="0"/>
+              <a:t/>
+            </a:r>
             <a:br>
               <a:rPr sz="1100" dirty="0"/>
             </a:br>
@@ -24469,9 +24935,17 @@
               </a:rPr>
               <a:t>);</a:t>
             </a:r>
+            <a:r>
+              <a:rPr sz="1100" dirty="0"/>
+              <a:t/>
+            </a:r>
             <a:br>
               <a:rPr sz="1100" dirty="0"/>
             </a:br>
+            <a:r>
+              <a:rPr sz="1100" dirty="0"/>
+              <a:t/>
+            </a:r>
             <a:br>
               <a:rPr sz="1100" dirty="0"/>
             </a:br>
@@ -24605,9 +25079,17 @@
               </a:rPr>
               <a:t>);</a:t>
             </a:r>
+            <a:r>
+              <a:rPr sz="1100" dirty="0"/>
+              <a:t/>
+            </a:r>
             <a:br>
               <a:rPr sz="1100" dirty="0"/>
             </a:br>
+            <a:r>
+              <a:rPr sz="1100" dirty="0"/>
+              <a:t/>
+            </a:r>
             <a:br>
               <a:rPr sz="1100" dirty="0"/>
             </a:br>
@@ -24661,6 +25143,10 @@
               </a:rPr>
               <a:t>);</a:t>
             </a:r>
+            <a:r>
+              <a:rPr sz="1100" dirty="0"/>
+              <a:t/>
+            </a:r>
             <a:br>
               <a:rPr sz="1100" dirty="0"/>
             </a:br>
@@ -24714,6 +25200,10 @@
               </a:rPr>
               <a:t>);</a:t>
             </a:r>
+            <a:r>
+              <a:rPr sz="1100" dirty="0"/>
+              <a:t/>
+            </a:r>
             <a:br>
               <a:rPr sz="1100" dirty="0"/>
             </a:br>
@@ -24726,6 +25216,10 @@
                 <a:ea typeface="DejaVu Sans Mono"/>
               </a:rPr>
               <a:t>}</a:t>
+            </a:r>
+            <a:r>
+              <a:rPr dirty="0"/>
+              <a:t/>
             </a:r>
             <a:br>
               <a:rPr dirty="0"/>

--- a/slides/Tag-1_2-Motivation_Hello_Wicket.pptx
+++ b/slides/Tag-1_2-Motivation_Hello_Wicket.pptx
@@ -4765,7 +4765,7 @@
                 </a:solidFill>
                 <a:latin typeface="Arial"/>
               </a:rPr>
-              <a:t>25.05.2021</a:t>
+              <a:t>10.02.2023</a:t>
             </a:fld>
             <a:endParaRPr lang="de-DE" sz="1000" b="0" strike="noStrike" spc="-1">
               <a:latin typeface="Arial"/>
@@ -5104,29 +5104,6 @@
           </a:ln>
         </p:spPr>
       </p:pic>
-      <p:pic>
-        <p:nvPicPr>
-          <p:cNvPr id="10" name="Grafik 13"/>
-          <p:cNvPicPr/>
-          <p:nvPr/>
-        </p:nvPicPr>
-        <p:blipFill>
-          <a:blip r:embed="rId16"/>
-          <a:stretch/>
-        </p:blipFill>
-        <p:spPr>
-          <a:xfrm>
-            <a:off x="6805800" y="572040"/>
-            <a:ext cx="1785600" cy="384840"/>
-          </a:xfrm>
-          <a:prstGeom prst="rect">
-            <a:avLst/>
-          </a:prstGeom>
-          <a:ln>
-            <a:noFill/>
-          </a:ln>
-        </p:spPr>
-      </p:pic>
       <p:sp>
         <p:nvSpPr>
           <p:cNvPr id="11" name="CustomShape 9"/>
@@ -5232,13 +5209,22 @@
               </a:lnSpc>
             </a:pPr>
             <a:r>
-              <a:rPr lang="de-DE" sz="1000" b="0" strike="noStrike" spc="-1" dirty="0" smtClean="0">
+              <a:rPr lang="de-DE" sz="1000" b="0" strike="noStrike" spc="-1" dirty="0">
                 <a:solidFill>
                   <a:srgbClr val="FFFFFF"/>
                 </a:solidFill>
                 <a:latin typeface="Arial"/>
               </a:rPr>
-              <a:t>Patrick Möbius</a:t>
+              <a:t>Patrick </a:t>
+            </a:r>
+            <a:r>
+              <a:rPr lang="de-DE" sz="1000" b="0" strike="noStrike" spc="-1" dirty="0" err="1">
+                <a:solidFill>
+                  <a:srgbClr val="FFFFFF"/>
+                </a:solidFill>
+                <a:latin typeface="Arial"/>
+              </a:rPr>
+              <a:t>Ungewiß</a:t>
             </a:r>
             <a:endParaRPr lang="de-DE" sz="1000" b="0" strike="noStrike" spc="-1" dirty="0">
               <a:latin typeface="Arial"/>
@@ -5828,7 +5814,7 @@
                 </a:solidFill>
                 <a:latin typeface="Arial"/>
               </a:rPr>
-              <a:t>25.05.2021</a:t>
+              <a:t>10.02.2023</a:t>
             </a:fld>
             <a:endParaRPr lang="de-DE" sz="1000" b="0" strike="noStrike" spc="-1">
               <a:latin typeface="Arial"/>
@@ -6167,29 +6153,6 @@
           </a:ln>
         </p:spPr>
       </p:pic>
-      <p:pic>
-        <p:nvPicPr>
-          <p:cNvPr id="61" name="Grafik 13"/>
-          <p:cNvPicPr/>
-          <p:nvPr/>
-        </p:nvPicPr>
-        <p:blipFill>
-          <a:blip r:embed="rId16"/>
-          <a:stretch/>
-        </p:blipFill>
-        <p:spPr>
-          <a:xfrm>
-            <a:off x="6805800" y="572040"/>
-            <a:ext cx="1785600" cy="384840"/>
-          </a:xfrm>
-          <a:prstGeom prst="rect">
-            <a:avLst/>
-          </a:prstGeom>
-          <a:ln>
-            <a:noFill/>
-          </a:ln>
-        </p:spPr>
-      </p:pic>
       <p:sp>
         <p:nvSpPr>
           <p:cNvPr id="62" name="CustomShape 9"/>
@@ -6295,13 +6258,22 @@
               </a:lnSpc>
             </a:pPr>
             <a:r>
-              <a:rPr lang="de-DE" sz="1000" b="0" strike="noStrike" spc="-1" dirty="0" smtClean="0">
+              <a:rPr lang="de-DE" sz="1000" b="0" strike="noStrike" spc="-1" dirty="0">
                 <a:solidFill>
                   <a:srgbClr val="FFFFFF"/>
                 </a:solidFill>
                 <a:latin typeface="Arial"/>
               </a:rPr>
-              <a:t>Patrick Möbius</a:t>
+              <a:t>Patrick </a:t>
+            </a:r>
+            <a:r>
+              <a:rPr lang="de-DE" sz="1000" b="0" strike="noStrike" spc="-1" dirty="0" err="1">
+                <a:solidFill>
+                  <a:srgbClr val="FFFFFF"/>
+                </a:solidFill>
+                <a:latin typeface="Arial"/>
+              </a:rPr>
+              <a:t>Ungewiß</a:t>
             </a:r>
             <a:endParaRPr lang="de-DE" sz="1000" b="0" strike="noStrike" spc="-1" dirty="0">
               <a:latin typeface="Arial"/>
@@ -6992,7 +6964,7 @@
                 </a:solidFill>
                 <a:latin typeface="Arial"/>
               </a:rPr>
-              <a:t>25.05.2021</a:t>
+              <a:t>10.02.2023</a:t>
             </a:fld>
             <a:endParaRPr lang="de-DE" sz="1000" b="0" strike="noStrike" spc="-1">
               <a:latin typeface="Arial"/>
@@ -8317,13 +8289,6 @@
   <p:clrMapOvr>
     <a:masterClrMapping/>
   </p:clrMapOvr>
-  <p:timing>
-    <p:tnLst>
-      <p:par>
-        <p:cTn id="1" dur="indefinite" restart="never" nodeType="tmRoot"/>
-      </p:par>
-    </p:tnLst>
-  </p:timing>
 </p:sld>
 </file>
 
@@ -8465,10 +8430,6 @@
               </a:rPr>
               <a:t> Philosophie: </a:t>
             </a:r>
-            <a:r>
-              <a:rPr dirty="0"/>
-              <a:t/>
-            </a:r>
             <a:br>
               <a:rPr dirty="0"/>
             </a:br>
@@ -8523,10 +8484,6 @@
               </a:rPr>
               <a:t>Layout in HTML (+ CSS)</a:t>
             </a:r>
-            <a:r>
-              <a:rPr dirty="0"/>
-              <a:t/>
-            </a:r>
             <a:br>
               <a:rPr dirty="0"/>
             </a:br>
@@ -8547,10 +8504,6 @@
                 <a:latin typeface="Arial"/>
               </a:rPr>
               <a:t>-IDs referenzieren </a:t>
-            </a:r>
-            <a:r>
-              <a:rPr dirty="0"/>
-              <a:t/>
             </a:r>
             <a:br>
               <a:rPr dirty="0"/>
@@ -8624,10 +8577,6 @@
               </a:rPr>
               <a:t> </a:t>
             </a:r>
-            <a:r>
-              <a:rPr dirty="0"/>
-              <a:t/>
-            </a:r>
             <a:br>
               <a:rPr dirty="0"/>
             </a:br>
@@ -8682,10 +8631,6 @@
               </a:rPr>
               <a:t>Round-Trip: </a:t>
             </a:r>
-            <a:r>
-              <a:rPr dirty="0"/>
-              <a:t/>
-            </a:r>
             <a:br>
               <a:rPr dirty="0"/>
             </a:br>
@@ -8698,10 +8643,6 @@
               </a:rPr>
               <a:t>Designer ↔ Entwickler</a:t>
             </a:r>
-            <a:r>
-              <a:rPr dirty="0"/>
-              <a:t/>
-            </a:r>
             <a:br>
               <a:rPr dirty="0"/>
             </a:br>
@@ -8713,10 +8654,6 @@
                 <a:latin typeface="Arial"/>
               </a:rPr>
               <a:t>möglich</a:t>
-            </a:r>
-            <a:r>
-              <a:rPr dirty="0"/>
-              <a:t/>
             </a:r>
             <a:br>
               <a:rPr dirty="0"/>
@@ -8856,10 +8793,6 @@
               </a:rPr>
               <a:t>&gt;</a:t>
             </a:r>
-            <a:r>
-              <a:rPr sz="1100" dirty="0"/>
-              <a:t/>
-            </a:r>
             <a:br>
               <a:rPr sz="1100" dirty="0"/>
             </a:br>
@@ -8913,10 +8846,6 @@
               </a:rPr>
               <a:t>&gt;</a:t>
             </a:r>
-            <a:r>
-              <a:rPr sz="1100" dirty="0"/>
-              <a:t/>
-            </a:r>
             <a:br>
               <a:rPr sz="1100" dirty="0"/>
             </a:br>
@@ -9010,10 +8939,6 @@
               </a:rPr>
               <a:t>&gt;</a:t>
             </a:r>
-            <a:r>
-              <a:rPr sz="1100" dirty="0"/>
-              <a:t/>
-            </a:r>
             <a:br>
               <a:rPr sz="1100" dirty="0"/>
             </a:br>
@@ -9077,10 +9002,6 @@
               </a:rPr>
               <a:t>&gt;</a:t>
             </a:r>
-            <a:r>
-              <a:rPr sz="1100" dirty="0"/>
-              <a:t/>
-            </a:r>
             <a:br>
               <a:rPr sz="1100" dirty="0"/>
             </a:br>
@@ -9224,10 +9145,6 @@
               </a:rPr>
               <a:t>/&gt;</a:t>
             </a:r>
-            <a:r>
-              <a:rPr sz="1100" dirty="0"/>
-              <a:t/>
-            </a:r>
             <a:br>
               <a:rPr sz="1100" dirty="0"/>
             </a:br>
@@ -9261,10 +9178,6 @@
               </a:rPr>
               <a:t>&gt;</a:t>
             </a:r>
-            <a:r>
-              <a:rPr sz="1100" dirty="0"/>
-              <a:t/>
-            </a:r>
             <a:br>
               <a:rPr sz="1100" dirty="0"/>
             </a:br>
@@ -9388,10 +9301,6 @@
               </a:rPr>
               <a:t>&gt;</a:t>
             </a:r>
-            <a:r>
-              <a:rPr sz="1100" dirty="0"/>
-              <a:t/>
-            </a:r>
             <a:br>
               <a:rPr sz="1100" dirty="0"/>
             </a:br>
@@ -9425,10 +9334,6 @@
               </a:rPr>
               <a:t>&gt;</a:t>
             </a:r>
-            <a:r>
-              <a:rPr sz="1100" dirty="0"/>
-              <a:t/>
-            </a:r>
             <a:br>
               <a:rPr sz="1100" dirty="0"/>
             </a:br>
@@ -9551,10 +9456,6 @@
                 <a:ea typeface="DejaVu Sans Mono"/>
               </a:rPr>
               <a:t>&gt;</a:t>
-            </a:r>
-            <a:r>
-              <a:rPr sz="1100" dirty="0"/>
-              <a:t/>
             </a:r>
             <a:br>
               <a:rPr sz="1100" dirty="0"/>
@@ -9672,10 +9573,6 @@
               </a:rPr>
               <a:t>() {</a:t>
             </a:r>
-            <a:r>
-              <a:rPr sz="1100" dirty="0"/>
-              <a:t/>
-            </a:r>
             <a:br>
               <a:rPr sz="1100" dirty="0"/>
             </a:br>
@@ -9739,10 +9636,6 @@
               </a:rPr>
               <a:t>Model&lt;&gt;();</a:t>
             </a:r>
-            <a:r>
-              <a:rPr sz="1100" dirty="0"/>
-              <a:t/>
-            </a:r>
             <a:br>
               <a:rPr sz="1100" dirty="0"/>
             </a:br>
@@ -9896,17 +9789,9 @@
               </a:rPr>
               <a:t>);</a:t>
             </a:r>
-            <a:r>
-              <a:rPr sz="1100" dirty="0"/>
-              <a:t/>
-            </a:r>
             <a:br>
               <a:rPr sz="1100" dirty="0"/>
             </a:br>
-            <a:r>
-              <a:rPr sz="1100" dirty="0"/>
-              <a:t/>
-            </a:r>
             <a:br>
               <a:rPr sz="1100" dirty="0"/>
             </a:br>
@@ -10010,10 +9895,6 @@
               </a:rPr>
               <a:t>);</a:t>
             </a:r>
-            <a:r>
-              <a:rPr sz="1100" dirty="0"/>
-              <a:t/>
-            </a:r>
             <a:br>
               <a:rPr sz="1100" dirty="0"/>
             </a:br>
@@ -10077,17 +9958,9 @@
               </a:rPr>
               <a:t>);</a:t>
             </a:r>
-            <a:r>
-              <a:rPr sz="1100" dirty="0"/>
-              <a:t/>
-            </a:r>
             <a:br>
               <a:rPr sz="1100" dirty="0"/>
             </a:br>
-            <a:r>
-              <a:rPr sz="1100" dirty="0"/>
-              <a:t/>
-            </a:r>
             <a:br>
               <a:rPr sz="1100" dirty="0"/>
             </a:br>
@@ -10221,17 +10094,9 @@
               </a:rPr>
               <a:t>);</a:t>
             </a:r>
-            <a:r>
-              <a:rPr sz="1100" dirty="0"/>
-              <a:t/>
-            </a:r>
             <a:br>
               <a:rPr sz="1100" dirty="0"/>
             </a:br>
-            <a:r>
-              <a:rPr sz="1100" dirty="0"/>
-              <a:t/>
-            </a:r>
             <a:br>
               <a:rPr sz="1100" dirty="0"/>
             </a:br>
@@ -10285,10 +10150,6 @@
               </a:rPr>
               <a:t>);</a:t>
             </a:r>
-            <a:r>
-              <a:rPr sz="1100" dirty="0"/>
-              <a:t/>
-            </a:r>
             <a:br>
               <a:rPr sz="1100" dirty="0"/>
             </a:br>
@@ -10342,10 +10203,6 @@
               </a:rPr>
               <a:t>);</a:t>
             </a:r>
-            <a:r>
-              <a:rPr sz="1100" dirty="0"/>
-              <a:t/>
-            </a:r>
             <a:br>
               <a:rPr sz="1100" dirty="0"/>
             </a:br>
@@ -10358,10 +10215,6 @@
                 <a:ea typeface="DejaVu Sans Mono"/>
               </a:rPr>
               <a:t>}</a:t>
-            </a:r>
-            <a:r>
-              <a:rPr dirty="0"/>
-              <a:t/>
             </a:r>
             <a:br>
               <a:rPr dirty="0"/>
@@ -10711,10 +10564,6 @@
                 <a:latin typeface="Arial"/>
               </a:rPr>
               <a:t>Models und Zustand der Komponenten </a:t>
-            </a:r>
-            <a:r>
-              <a:rPr dirty="0"/>
-              <a:t/>
             </a:r>
             <a:br>
               <a:rPr dirty="0"/>
@@ -11442,13 +11291,13 @@
               <a:t>JDK </a:t>
             </a:r>
             <a:r>
-              <a:rPr lang="de-DE" sz="2000" b="0" strike="noStrike" spc="-1" dirty="0" smtClean="0">
-                <a:solidFill>
-                  <a:srgbClr val="000000"/>
-                </a:solidFill>
-                <a:latin typeface="Arial"/>
-              </a:rPr>
-              <a:t>11 </a:t>
+              <a:rPr lang="de-DE" sz="2000" spc="-1" dirty="0">
+                <a:solidFill>
+                  <a:srgbClr val="000000"/>
+                </a:solidFill>
+                <a:latin typeface="Arial"/>
+              </a:rPr>
+              <a:t>8</a:t>
             </a:r>
             <a:r>
               <a:rPr lang="de-DE" sz="2000" b="0" strike="noStrike" spc="-1" dirty="0">
@@ -11457,7 +11306,7 @@
                 </a:solidFill>
                 <a:latin typeface="Arial"/>
               </a:rPr>
-              <a:t>oder neuer</a:t>
+              <a:t> oder neuer</a:t>
             </a:r>
           </a:p>
           <a:p>
@@ -11546,7 +11395,7 @@
                   <a:srgbClr val="FC0128"/>
                 </a:solidFill>
               </a:rPr>
-              <a:t>https://jdk.java.net/16/</a:t>
+              <a:t>https://jdk.java.net/8/</a:t>
             </a:r>
           </a:p>
         </p:txBody>
@@ -11746,33 +11595,15 @@
               </a:spcBef>
             </a:pPr>
             <a:r>
-              <a:rPr lang="de-DE" sz="2000" spc="-1" dirty="0" smtClean="0">
+              <a:rPr lang="de-DE" sz="2000" spc="-1" dirty="0">
                 <a:solidFill>
                   <a:srgbClr val="000000"/>
                 </a:solidFill>
                 <a:hlinkClick r:id="rId2"/>
               </a:rPr>
-              <a:t>https</a:t>
-            </a:r>
-            <a:r>
-              <a:rPr lang="de-DE" sz="2000" spc="-1" dirty="0">
-                <a:solidFill>
-                  <a:srgbClr val="000000"/>
-                </a:solidFill>
-                <a:hlinkClick r:id="rId2"/>
-              </a:rPr>
-              <a:t>://</a:t>
-            </a:r>
-            <a:r>
-              <a:rPr lang="de-DE" sz="2000" spc="-1" dirty="0" smtClean="0">
-                <a:solidFill>
-                  <a:srgbClr val="000000"/>
-                </a:solidFill>
-                <a:hlinkClick r:id="rId2"/>
-              </a:rPr>
-              <a:t>downloads.apache.org/wicket/9.3.0/apache-wicket-9.3.0.zip</a:t>
-            </a:r>
-            <a:endParaRPr lang="de-DE" sz="2000" spc="-1" dirty="0" smtClean="0">
+              <a:t>http://www.apache.org/dyn/closer.cgi/wicket/8.14.0/apache-wicket-8.14.0.zip</a:t>
+            </a:r>
+            <a:endParaRPr lang="de-DE" sz="2000" spc="-1" dirty="0">
               <a:solidFill>
                 <a:srgbClr val="000000"/>
               </a:solidFill>
@@ -11885,7 +11716,7 @@
               </a:spcBef>
             </a:pPr>
             <a:r>
-              <a:rPr lang="de-DE" sz="1600" b="0" strike="noStrike" spc="-1" dirty="0" smtClean="0">
+              <a:rPr lang="de-DE" sz="1600" b="0" strike="noStrike" spc="-1" dirty="0">
                 <a:solidFill>
                   <a:srgbClr val="000000"/>
                 </a:solidFill>
@@ -11894,7 +11725,7 @@
               <a:t>&lt;</a:t>
             </a:r>
             <a:r>
-              <a:rPr lang="de-DE" sz="1600" b="1" strike="noStrike" spc="-1" dirty="0" err="1" smtClean="0">
+              <a:rPr lang="de-DE" sz="1600" b="1" strike="noStrike" spc="-1" dirty="0" err="1">
                 <a:solidFill>
                   <a:srgbClr val="000080"/>
                 </a:solidFill>
@@ -11903,7 +11734,7 @@
               <a:t>dependency</a:t>
             </a:r>
             <a:r>
-              <a:rPr lang="de-DE" sz="1600" b="0" strike="noStrike" spc="-1" dirty="0" smtClean="0">
+              <a:rPr lang="de-DE" sz="1600" b="0" strike="noStrike" spc="-1" dirty="0">
                 <a:solidFill>
                   <a:srgbClr val="000000"/>
                 </a:solidFill>
@@ -11911,15 +11742,11 @@
               </a:rPr>
               <a:t>&gt;</a:t>
             </a:r>
-            <a:r>
-              <a:rPr dirty="0" smtClean="0"/>
-              <a:t/>
-            </a:r>
             <a:br>
-              <a:rPr dirty="0" smtClean="0"/>
+              <a:rPr dirty="0"/>
             </a:br>
             <a:r>
-              <a:rPr lang="de-DE" sz="1600" b="0" strike="noStrike" spc="-1" dirty="0" smtClean="0">
+              <a:rPr lang="de-DE" sz="1600" b="0" strike="noStrike" spc="-1" dirty="0">
                 <a:solidFill>
                   <a:srgbClr val="000000"/>
                 </a:solidFill>
@@ -11928,7 +11755,7 @@
               <a:t>    &lt;</a:t>
             </a:r>
             <a:r>
-              <a:rPr lang="de-DE" sz="1600" b="1" strike="noStrike" spc="-1" dirty="0" err="1" smtClean="0">
+              <a:rPr lang="de-DE" sz="1600" b="1" strike="noStrike" spc="-1" dirty="0" err="1">
                 <a:solidFill>
                   <a:srgbClr val="000080"/>
                 </a:solidFill>
@@ -11937,7 +11764,7 @@
               <a:t>groupId</a:t>
             </a:r>
             <a:r>
-              <a:rPr lang="de-DE" sz="1600" b="0" strike="noStrike" spc="-1" dirty="0" smtClean="0">
+              <a:rPr lang="de-DE" sz="1600" b="0" strike="noStrike" spc="-1" dirty="0">
                 <a:solidFill>
                   <a:srgbClr val="000000"/>
                 </a:solidFill>
@@ -11946,7 +11773,7 @@
               <a:t>&gt;</a:t>
             </a:r>
             <a:r>
-              <a:rPr lang="de-DE" sz="1600" b="0" strike="noStrike" spc="-1" dirty="0" err="1" smtClean="0">
+              <a:rPr lang="de-DE" sz="1600" b="0" strike="noStrike" spc="-1" dirty="0" err="1">
                 <a:solidFill>
                   <a:srgbClr val="000000"/>
                 </a:solidFill>
@@ -11955,7 +11782,7 @@
               <a:t>org.apache.wicket</a:t>
             </a:r>
             <a:r>
-              <a:rPr lang="de-DE" sz="1600" b="0" strike="noStrike" spc="-1" dirty="0" smtClean="0">
+              <a:rPr lang="de-DE" sz="1600" b="0" strike="noStrike" spc="-1" dirty="0">
                 <a:solidFill>
                   <a:srgbClr val="000000"/>
                 </a:solidFill>
@@ -11964,7 +11791,7 @@
               <a:t>&lt;/</a:t>
             </a:r>
             <a:r>
-              <a:rPr lang="de-DE" sz="1600" b="1" strike="noStrike" spc="-1" dirty="0" err="1" smtClean="0">
+              <a:rPr lang="de-DE" sz="1600" b="1" strike="noStrike" spc="-1" dirty="0" err="1">
                 <a:solidFill>
                   <a:srgbClr val="000080"/>
                 </a:solidFill>
@@ -11973,7 +11800,7 @@
               <a:t>groupId</a:t>
             </a:r>
             <a:r>
-              <a:rPr lang="de-DE" sz="1600" b="0" strike="noStrike" spc="-1" dirty="0" smtClean="0">
+              <a:rPr lang="de-DE" sz="1600" b="0" strike="noStrike" spc="-1" dirty="0">
                 <a:solidFill>
                   <a:srgbClr val="000000"/>
                 </a:solidFill>
@@ -11981,15 +11808,11 @@
               </a:rPr>
               <a:t>&gt;</a:t>
             </a:r>
-            <a:r>
-              <a:rPr dirty="0" smtClean="0"/>
-              <a:t/>
-            </a:r>
             <a:br>
-              <a:rPr dirty="0" smtClean="0"/>
+              <a:rPr dirty="0"/>
             </a:br>
             <a:r>
-              <a:rPr lang="de-DE" sz="1600" b="0" strike="noStrike" spc="-1" dirty="0" smtClean="0">
+              <a:rPr lang="de-DE" sz="1600" b="0" strike="noStrike" spc="-1" dirty="0">
                 <a:solidFill>
                   <a:srgbClr val="000000"/>
                 </a:solidFill>
@@ -11998,7 +11821,7 @@
               <a:t>    &lt;</a:t>
             </a:r>
             <a:r>
-              <a:rPr lang="de-DE" sz="1600" b="1" strike="noStrike" spc="-1" dirty="0" err="1" smtClean="0">
+              <a:rPr lang="de-DE" sz="1600" b="1" strike="noStrike" spc="-1" dirty="0" err="1">
                 <a:solidFill>
                   <a:srgbClr val="000080"/>
                 </a:solidFill>
@@ -12007,7 +11830,7 @@
               <a:t>artifactId</a:t>
             </a:r>
             <a:r>
-              <a:rPr lang="de-DE" sz="1600" b="0" strike="noStrike" spc="-1" dirty="0" smtClean="0">
+              <a:rPr lang="de-DE" sz="1600" b="0" strike="noStrike" spc="-1" dirty="0">
                 <a:solidFill>
                   <a:srgbClr val="000000"/>
                 </a:solidFill>
@@ -12016,7 +11839,7 @@
               <a:t>&gt;</a:t>
             </a:r>
             <a:r>
-              <a:rPr lang="de-DE" sz="1600" b="0" strike="noStrike" spc="-1" dirty="0" err="1" smtClean="0">
+              <a:rPr lang="de-DE" sz="1600" b="0" strike="noStrike" spc="-1" dirty="0" err="1">
                 <a:solidFill>
                   <a:srgbClr val="000000"/>
                 </a:solidFill>
@@ -12025,7 +11848,7 @@
               <a:t>wicket</a:t>
             </a:r>
             <a:r>
-              <a:rPr lang="de-DE" sz="1600" b="0" strike="noStrike" spc="-1" dirty="0" smtClean="0">
+              <a:rPr lang="de-DE" sz="1600" b="0" strike="noStrike" spc="-1" dirty="0">
                 <a:solidFill>
                   <a:srgbClr val="000000"/>
                 </a:solidFill>
@@ -12034,7 +11857,7 @@
               <a:t>-</a:t>
             </a:r>
             <a:r>
-              <a:rPr lang="de-DE" sz="1600" b="1" strike="noStrike" spc="-1" dirty="0" smtClean="0">
+              <a:rPr lang="de-DE" sz="1600" b="1" strike="noStrike" spc="-1" dirty="0">
                 <a:solidFill>
                   <a:srgbClr val="FF0000"/>
                 </a:solidFill>
@@ -12043,7 +11866,7 @@
               <a:t>core</a:t>
             </a:r>
             <a:r>
-              <a:rPr lang="de-DE" sz="1600" b="0" strike="noStrike" spc="-1" dirty="0" smtClean="0">
+              <a:rPr lang="de-DE" sz="1600" b="0" strike="noStrike" spc="-1" dirty="0">
                 <a:solidFill>
                   <a:srgbClr val="000000"/>
                 </a:solidFill>
@@ -12052,7 +11875,7 @@
               <a:t>&lt;/</a:t>
             </a:r>
             <a:r>
-              <a:rPr lang="de-DE" sz="1600" b="1" strike="noStrike" spc="-1" dirty="0" err="1" smtClean="0">
+              <a:rPr lang="de-DE" sz="1600" b="1" strike="noStrike" spc="-1" dirty="0" err="1">
                 <a:solidFill>
                   <a:srgbClr val="000080"/>
                 </a:solidFill>
@@ -12061,7 +11884,7 @@
               <a:t>artifactId</a:t>
             </a:r>
             <a:r>
-              <a:rPr lang="de-DE" sz="1600" b="0" strike="noStrike" spc="-1" dirty="0" smtClean="0">
+              <a:rPr lang="de-DE" sz="1600" b="0" strike="noStrike" spc="-1" dirty="0">
                 <a:solidFill>
                   <a:srgbClr val="000000"/>
                 </a:solidFill>
@@ -12069,15 +11892,11 @@
               </a:rPr>
               <a:t>&gt;</a:t>
             </a:r>
-            <a:r>
-              <a:rPr dirty="0" smtClean="0"/>
-              <a:t/>
-            </a:r>
             <a:br>
-              <a:rPr dirty="0" smtClean="0"/>
+              <a:rPr dirty="0"/>
             </a:br>
             <a:r>
-              <a:rPr lang="de-DE" sz="1600" b="0" strike="noStrike" spc="-1" dirty="0" smtClean="0">
+              <a:rPr lang="de-DE" sz="1600" b="0" strike="noStrike" spc="-1" dirty="0">
                 <a:solidFill>
                   <a:srgbClr val="000000"/>
                 </a:solidFill>
@@ -12086,7 +11905,7 @@
               <a:t>    &lt;</a:t>
             </a:r>
             <a:r>
-              <a:rPr lang="de-DE" sz="1600" b="1" strike="noStrike" spc="-1" dirty="0" err="1" smtClean="0">
+              <a:rPr lang="de-DE" sz="1600" b="1" strike="noStrike" spc="-1" dirty="0" err="1">
                 <a:solidFill>
                   <a:srgbClr val="000080"/>
                 </a:solidFill>
@@ -12095,16 +11914,34 @@
               <a:t>version</a:t>
             </a:r>
             <a:r>
-              <a:rPr lang="de-DE" sz="1600" b="0" strike="noStrike" spc="-1" dirty="0" smtClean="0">
+              <a:rPr lang="de-DE" sz="1600" b="0" strike="noStrike" spc="-1" dirty="0">
                 <a:solidFill>
                   <a:srgbClr val="000000"/>
                 </a:solidFill>
                 <a:latin typeface="Consolas"/>
               </a:rPr>
-              <a:t>&gt;9.3.0&lt;/</a:t>
-            </a:r>
-            <a:r>
-              <a:rPr lang="de-DE" sz="1600" b="1" strike="noStrike" spc="-1" dirty="0" err="1" smtClean="0">
+              <a:t>&gt;</a:t>
+            </a:r>
+            <a:r>
+              <a:rPr lang="de-DE" sz="1600" spc="-1" dirty="0">
+                <a:solidFill>
+                  <a:srgbClr val="000000"/>
+                </a:solidFill>
+                <a:latin typeface="Consolas"/>
+              </a:rPr>
+              <a:t>8</a:t>
+            </a:r>
+            <a:r>
+              <a:rPr lang="de-DE" sz="1600" b="0" strike="noStrike" spc="-1" dirty="0">
+                <a:solidFill>
+                  <a:srgbClr val="000000"/>
+                </a:solidFill>
+                <a:latin typeface="Consolas"/>
+              </a:rPr>
+              <a:t>.14.0&lt;/</a:t>
+            </a:r>
+            <a:r>
+              <a:rPr lang="de-DE" sz="1600" b="1" strike="noStrike" spc="-1" dirty="0" err="1">
                 <a:solidFill>
                   <a:srgbClr val="000080"/>
                 </a:solidFill>
@@ -12113,7 +11950,7 @@
               <a:t>version</a:t>
             </a:r>
             <a:r>
-              <a:rPr lang="de-DE" sz="1600" b="0" strike="noStrike" spc="-1" dirty="0" smtClean="0">
+              <a:rPr lang="de-DE" sz="1600" b="0" strike="noStrike" spc="-1" dirty="0">
                 <a:solidFill>
                   <a:srgbClr val="000000"/>
                 </a:solidFill>
@@ -12121,15 +11958,11 @@
               </a:rPr>
               <a:t>&gt;</a:t>
             </a:r>
-            <a:r>
-              <a:rPr dirty="0" smtClean="0"/>
-              <a:t/>
-            </a:r>
             <a:br>
-              <a:rPr dirty="0" smtClean="0"/>
+              <a:rPr dirty="0"/>
             </a:br>
             <a:r>
-              <a:rPr lang="de-DE" sz="1600" b="0" strike="noStrike" spc="-1" dirty="0" smtClean="0">
+              <a:rPr lang="de-DE" sz="1600" b="0" strike="noStrike" spc="-1" dirty="0">
                 <a:solidFill>
                   <a:srgbClr val="000000"/>
                 </a:solidFill>
@@ -12138,7 +11971,7 @@
               <a:t>&lt;/</a:t>
             </a:r>
             <a:r>
-              <a:rPr lang="de-DE" sz="1600" b="1" strike="noStrike" spc="-1" dirty="0" err="1" smtClean="0">
+              <a:rPr lang="de-DE" sz="1600" b="1" strike="noStrike" spc="-1" dirty="0" err="1">
                 <a:solidFill>
                   <a:srgbClr val="000080"/>
                 </a:solidFill>
@@ -12147,7 +11980,7 @@
               <a:t>dependency</a:t>
             </a:r>
             <a:r>
-              <a:rPr lang="de-DE" sz="1600" b="0" strike="noStrike" spc="-1" dirty="0" smtClean="0">
+              <a:rPr lang="de-DE" sz="1600" b="0" strike="noStrike" spc="-1" dirty="0">
                 <a:solidFill>
                   <a:srgbClr val="000000"/>
                 </a:solidFill>
@@ -15292,10 +15125,6 @@
               </a:rPr>
               <a:t>&gt;</a:t>
             </a:r>
-            <a:r>
-              <a:rPr dirty="0"/>
-              <a:t/>
-            </a:r>
             <a:br>
               <a:rPr dirty="0"/>
             </a:br>
@@ -15358,10 +15187,6 @@
               </a:rPr>
               <a:t>&gt;</a:t>
             </a:r>
-            <a:r>
-              <a:rPr dirty="0"/>
-              <a:t/>
-            </a:r>
             <a:br>
               <a:rPr dirty="0"/>
             </a:br>
@@ -15514,10 +15339,6 @@
               </a:rPr>
               <a:t>&gt; </a:t>
             </a:r>
-            <a:r>
-              <a:rPr dirty="0"/>
-              <a:t/>
-            </a:r>
             <a:br>
               <a:rPr dirty="0"/>
             </a:br>
@@ -15640,10 +15461,6 @@
               </a:rPr>
               <a:t>&gt; mal geklickt!</a:t>
             </a:r>
-            <a:r>
-              <a:rPr dirty="0"/>
-              <a:t/>
-            </a:r>
             <a:br>
               <a:rPr dirty="0"/>
             </a:br>
@@ -15657,10 +15474,6 @@
               </a:rPr>
               <a:t>	</a:t>
             </a:r>
-            <a:r>
-              <a:rPr dirty="0"/>
-              <a:t/>
-            </a:r>
             <a:br>
               <a:rPr dirty="0"/>
             </a:br>
@@ -15823,10 +15636,6 @@
               </a:rPr>
               <a:t>&gt;</a:t>
             </a:r>
-            <a:r>
-              <a:rPr dirty="0"/>
-              <a:t/>
-            </a:r>
             <a:br>
               <a:rPr dirty="0"/>
             </a:br>
@@ -15958,10 +15767,6 @@
                 <a:ea typeface="DejaVu Sans Mono"/>
               </a:rPr>
               <a:t>&gt; mal geklickt!</a:t>
-            </a:r>
-            <a:r>
-              <a:rPr dirty="0"/>
-              <a:t/>
             </a:r>
             <a:br>
               <a:rPr dirty="0"/>
@@ -16163,10 +15968,6 @@
               </a:rPr>
               <a:t>() {</a:t>
             </a:r>
-            <a:r>
-              <a:rPr sz="1000" dirty="0"/>
-              <a:t/>
-            </a:r>
             <a:br>
               <a:rPr sz="1000" dirty="0"/>
             </a:br>
@@ -16229,10 +16030,6 @@
               </a:rPr>
               <a:t>;</a:t>
             </a:r>
-            <a:r>
-              <a:rPr sz="1000" dirty="0"/>
-              <a:t/>
-            </a:r>
             <a:br>
               <a:rPr sz="1000" dirty="0"/>
             </a:br>
@@ -16295,17 +16092,9 @@
               </a:rPr>
               <a:t>;</a:t>
             </a:r>
-            <a:r>
-              <a:rPr sz="1000" dirty="0"/>
-              <a:t/>
-            </a:r>
             <a:br>
               <a:rPr sz="1000" dirty="0"/>
             </a:br>
-            <a:r>
-              <a:rPr sz="1000" dirty="0"/>
-              <a:t/>
-            </a:r>
             <a:br>
               <a:rPr sz="1000" dirty="0"/>
             </a:br>
@@ -16398,10 +16187,6 @@
               </a:rPr>
               <a:t>);</a:t>
             </a:r>
-            <a:r>
-              <a:rPr sz="1000" dirty="0"/>
-              <a:t/>
-            </a:r>
             <a:br>
               <a:rPr sz="1000" dirty="0"/>
             </a:br>
@@ -16494,17 +16279,9 @@
               </a:rPr>
               <a:t>);</a:t>
             </a:r>
-            <a:r>
-              <a:rPr sz="1000" dirty="0"/>
-              <a:t/>
-            </a:r>
             <a:br>
               <a:rPr sz="1000" dirty="0"/>
             </a:br>
-            <a:r>
-              <a:rPr sz="1000" dirty="0"/>
-              <a:t/>
-            </a:r>
             <a:br>
               <a:rPr sz="1000" dirty="0"/>
             </a:br>
@@ -16637,17 +16414,9 @@
               </a:rPr>
               <a:t>);</a:t>
             </a:r>
-            <a:r>
-              <a:rPr sz="1000" dirty="0"/>
-              <a:t/>
-            </a:r>
             <a:br>
               <a:rPr sz="1000" dirty="0"/>
             </a:br>
-            <a:r>
-              <a:rPr sz="1000" dirty="0"/>
-              <a:t/>
-            </a:r>
             <a:br>
               <a:rPr sz="1000" dirty="0"/>
             </a:br>
@@ -16790,10 +16559,6 @@
               </a:rPr>
               <a:t>);</a:t>
             </a:r>
-            <a:r>
-              <a:rPr sz="1000" dirty="0"/>
-              <a:t/>
-            </a:r>
             <a:br>
               <a:rPr sz="1000" dirty="0"/>
             </a:br>
@@ -16856,17 +16621,9 @@
               </a:rPr>
               <a:t>);</a:t>
             </a:r>
-            <a:r>
-              <a:rPr sz="1000" dirty="0"/>
-              <a:t/>
-            </a:r>
             <a:br>
               <a:rPr sz="1000" dirty="0"/>
             </a:br>
-            <a:r>
-              <a:rPr sz="1000" dirty="0"/>
-              <a:t/>
-            </a:r>
             <a:br>
               <a:rPr sz="1000" dirty="0"/>
             </a:br>
@@ -16989,10 +16746,6 @@
               </a:rPr>
               <a:t>){</a:t>
             </a:r>
-            <a:r>
-              <a:rPr sz="1000" dirty="0"/>
-              <a:t/>
-            </a:r>
             <a:br>
               <a:rPr sz="1000" dirty="0"/>
             </a:br>
@@ -17025,10 +16778,6 @@
               </a:rPr>
               <a:t>Override</a:t>
             </a:r>
-            <a:r>
-              <a:rPr sz="1000" dirty="0"/>
-              <a:t/>
-            </a:r>
             <a:br>
               <a:rPr sz="1000" dirty="0"/>
             </a:br>
@@ -17101,10 +16850,6 @@
               </a:rPr>
               <a:t>() {</a:t>
             </a:r>
-            <a:r>
-              <a:rPr sz="1000" dirty="0"/>
-              <a:t/>
-            </a:r>
             <a:br>
               <a:rPr sz="1000" dirty="0"/>
             </a:br>
@@ -17137,10 +16882,6 @@
               </a:rPr>
               <a:t>++;</a:t>
             </a:r>
-            <a:r>
-              <a:rPr sz="1000" dirty="0"/>
-              <a:t/>
-            </a:r>
             <a:br>
               <a:rPr sz="1000" dirty="0"/>
             </a:br>
@@ -17203,10 +16944,6 @@
               </a:rPr>
               <a:t>);</a:t>
             </a:r>
-            <a:r>
-              <a:rPr sz="1000" dirty="0"/>
-              <a:t/>
-            </a:r>
             <a:br>
               <a:rPr sz="1000" dirty="0"/>
             </a:br>
@@ -17229,10 +16966,6 @@
               </a:rPr>
               <a:t>}</a:t>
             </a:r>
-            <a:r>
-              <a:rPr sz="1000" dirty="0"/>
-              <a:t/>
-            </a:r>
             <a:br>
               <a:rPr sz="1000" dirty="0"/>
             </a:br>
@@ -17255,17 +16988,9 @@
               </a:rPr>
               <a:t>};</a:t>
             </a:r>
-            <a:r>
-              <a:rPr sz="1000" dirty="0"/>
-              <a:t/>
-            </a:r>
             <a:br>
               <a:rPr sz="1000" dirty="0"/>
             </a:br>
-            <a:r>
-              <a:rPr sz="1000" dirty="0"/>
-              <a:t/>
-            </a:r>
             <a:br>
               <a:rPr sz="1000" dirty="0"/>
             </a:br>
@@ -17418,10 +17143,6 @@
               </a:rPr>
               <a:t>) {</a:t>
             </a:r>
-            <a:r>
-              <a:rPr sz="1000" dirty="0"/>
-              <a:t/>
-            </a:r>
             <a:br>
               <a:rPr sz="1000" dirty="0"/>
             </a:br>
@@ -17454,10 +17175,6 @@
               </a:rPr>
               <a:t>Override</a:t>
             </a:r>
-            <a:r>
-              <a:rPr sz="1000" dirty="0"/>
-              <a:t/>
-            </a:r>
             <a:br>
               <a:rPr sz="1000" dirty="0"/>
             </a:br>
@@ -17550,10 +17267,6 @@
               </a:rPr>
               <a:t>&gt; optional) {</a:t>
             </a:r>
-            <a:r>
-              <a:rPr sz="1000" dirty="0"/>
-              <a:t/>
-            </a:r>
             <a:br>
               <a:rPr sz="1000" dirty="0"/>
             </a:br>
@@ -17616,10 +17329,6 @@
               </a:rPr>
               <a:t>()) {</a:t>
             </a:r>
-            <a:r>
-              <a:rPr sz="1000" dirty="0"/>
-              <a:t/>
-            </a:r>
             <a:br>
               <a:rPr sz="1000" dirty="0"/>
             </a:br>
@@ -17652,10 +17361,6 @@
               </a:rPr>
               <a:t>++;</a:t>
             </a:r>
-            <a:r>
-              <a:rPr sz="1000" dirty="0"/>
-              <a:t/>
-            </a:r>
             <a:br>
               <a:rPr sz="1000" dirty="0"/>
             </a:br>
@@ -17717,10 +17422,6 @@
                 <a:ea typeface="DejaVu Sans Mono"/>
               </a:rPr>
               <a:t>);</a:t>
-            </a:r>
-            <a:r>
-              <a:rPr sz="1000" dirty="0"/>
-              <a:t/>
             </a:r>
             <a:br>
               <a:rPr sz="1000" dirty="0"/>
@@ -17798,10 +17499,6 @@
               </a:rPr>
               <a:t>);</a:t>
             </a:r>
-            <a:r>
-              <a:rPr sz="1000" dirty="0"/>
-              <a:t/>
-            </a:r>
             <a:br>
               <a:rPr sz="1000" dirty="0"/>
             </a:br>
@@ -17824,10 +17521,6 @@
               </a:rPr>
               <a:t>}</a:t>
             </a:r>
-            <a:r>
-              <a:rPr sz="1000" dirty="0"/>
-              <a:t/>
-            </a:r>
             <a:br>
               <a:rPr sz="1000" dirty="0"/>
             </a:br>
@@ -17872,17 +17565,9 @@
               </a:rPr>
               <a:t>};</a:t>
             </a:r>
-            <a:r>
-              <a:rPr sz="1000" dirty="0"/>
-              <a:t/>
-            </a:r>
             <a:br>
               <a:rPr sz="1000" dirty="0"/>
             </a:br>
-            <a:r>
-              <a:rPr sz="1000" dirty="0"/>
-              <a:t/>
-            </a:r>
             <a:br>
               <a:rPr sz="1000" dirty="0"/>
             </a:br>
@@ -17955,10 +17640,6 @@
               </a:rPr>
               <a:t>);</a:t>
             </a:r>
-            <a:r>
-              <a:rPr sz="1000" dirty="0"/>
-              <a:t/>
-            </a:r>
             <a:br>
               <a:rPr sz="1000" dirty="0"/>
             </a:br>
@@ -18030,10 +17711,6 @@
                 <a:ea typeface="DejaVu Sans Mono"/>
               </a:rPr>
               <a:t>);</a:t>
-            </a:r>
-            <a:r>
-              <a:rPr sz="1000" dirty="0"/>
-              <a:t/>
             </a:r>
             <a:br>
               <a:rPr sz="1000" dirty="0"/>
@@ -18540,10 +18217,6 @@
               </a:rPr>
               <a:t>() {</a:t>
             </a:r>
-            <a:r>
-              <a:rPr dirty="0"/>
-              <a:t/>
-            </a:r>
             <a:br>
               <a:rPr dirty="0"/>
             </a:br>
@@ -18607,10 +18280,6 @@
               </a:rPr>
               <a:t>Model&lt;&gt;();</a:t>
             </a:r>
-            <a:r>
-              <a:rPr dirty="0"/>
-              <a:t/>
-            </a:r>
             <a:br>
               <a:rPr dirty="0"/>
             </a:br>
@@ -18764,17 +18433,9 @@
               </a:rPr>
               <a:t>);</a:t>
             </a:r>
-            <a:r>
-              <a:rPr dirty="0"/>
-              <a:t/>
-            </a:r>
             <a:br>
               <a:rPr dirty="0"/>
             </a:br>
-            <a:r>
-              <a:rPr dirty="0"/>
-              <a:t/>
-            </a:r>
             <a:br>
               <a:rPr dirty="0"/>
             </a:br>
@@ -18878,10 +18539,6 @@
               </a:rPr>
               <a:t>);</a:t>
             </a:r>
-            <a:r>
-              <a:rPr dirty="0"/>
-              <a:t/>
-            </a:r>
             <a:br>
               <a:rPr dirty="0"/>
             </a:br>
@@ -18945,17 +18602,9 @@
               </a:rPr>
               <a:t>);</a:t>
             </a:r>
-            <a:r>
-              <a:rPr dirty="0"/>
-              <a:t/>
-            </a:r>
             <a:br>
               <a:rPr dirty="0"/>
             </a:br>
-            <a:r>
-              <a:rPr dirty="0"/>
-              <a:t/>
-            </a:r>
             <a:br>
               <a:rPr dirty="0"/>
             </a:br>
@@ -19089,17 +18738,9 @@
               </a:rPr>
               <a:t>);</a:t>
             </a:r>
-            <a:r>
-              <a:rPr dirty="0"/>
-              <a:t/>
-            </a:r>
             <a:br>
               <a:rPr dirty="0"/>
             </a:br>
-            <a:r>
-              <a:rPr dirty="0"/>
-              <a:t/>
-            </a:r>
             <a:br>
               <a:rPr dirty="0"/>
             </a:br>
@@ -19153,10 +18794,6 @@
               </a:rPr>
               <a:t>);</a:t>
             </a:r>
-            <a:r>
-              <a:rPr dirty="0"/>
-              <a:t/>
-            </a:r>
             <a:br>
               <a:rPr dirty="0"/>
             </a:br>
@@ -19209,10 +18846,6 @@
                 <a:ea typeface="DejaVu Sans Mono"/>
               </a:rPr>
               <a:t>);</a:t>
-            </a:r>
-            <a:r>
-              <a:rPr dirty="0"/>
-              <a:t/>
             </a:r>
             <a:br>
               <a:rPr dirty="0"/>
@@ -19336,10 +18969,6 @@
               </a:rPr>
               <a:t>&gt;</a:t>
             </a:r>
-            <a:r>
-              <a:rPr dirty="0"/>
-              <a:t/>
-            </a:r>
             <a:br>
               <a:rPr dirty="0"/>
             </a:br>
@@ -19393,10 +19022,6 @@
               </a:rPr>
               <a:t>&gt;</a:t>
             </a:r>
-            <a:r>
-              <a:rPr dirty="0"/>
-              <a:t/>
-            </a:r>
             <a:br>
               <a:rPr dirty="0"/>
             </a:br>
@@ -19490,10 +19115,6 @@
               </a:rPr>
               <a:t>&gt;</a:t>
             </a:r>
-            <a:r>
-              <a:rPr dirty="0"/>
-              <a:t/>
-            </a:r>
             <a:br>
               <a:rPr dirty="0"/>
             </a:br>
@@ -19557,10 +19178,6 @@
               </a:rPr>
               <a:t>&gt;</a:t>
             </a:r>
-            <a:r>
-              <a:rPr dirty="0"/>
-              <a:t/>
-            </a:r>
             <a:br>
               <a:rPr dirty="0"/>
             </a:br>
@@ -19654,10 +19271,6 @@
               </a:rPr>
               <a:t>&gt;</a:t>
             </a:r>
-            <a:r>
-              <a:rPr dirty="0"/>
-              <a:t/>
-            </a:r>
             <a:br>
               <a:rPr dirty="0"/>
             </a:br>
@@ -19881,10 +19494,6 @@
               </a:rPr>
               <a:t>/&gt;</a:t>
             </a:r>
-            <a:r>
-              <a:rPr dirty="0"/>
-              <a:t/>
-            </a:r>
             <a:br>
               <a:rPr dirty="0"/>
             </a:br>
@@ -19918,10 +19527,6 @@
               </a:rPr>
               <a:t>&gt;</a:t>
             </a:r>
-            <a:r>
-              <a:rPr dirty="0"/>
-              <a:t/>
-            </a:r>
             <a:br>
               <a:rPr dirty="0"/>
             </a:br>
@@ -20115,10 +19720,6 @@
               </a:rPr>
               <a:t>&gt;</a:t>
             </a:r>
-            <a:r>
-              <a:rPr dirty="0"/>
-              <a:t/>
-            </a:r>
             <a:br>
               <a:rPr dirty="0"/>
             </a:br>
@@ -20152,10 +19753,6 @@
               </a:rPr>
               <a:t>&gt;</a:t>
             </a:r>
-            <a:r>
-              <a:rPr dirty="0"/>
-              <a:t/>
-            </a:r>
             <a:br>
               <a:rPr dirty="0"/>
             </a:br>
@@ -20209,10 +19806,6 @@
               </a:rPr>
               <a:t>&gt;</a:t>
             </a:r>
-            <a:r>
-              <a:rPr dirty="0"/>
-              <a:t/>
-            </a:r>
             <a:br>
               <a:rPr dirty="0"/>
             </a:br>
@@ -20335,10 +19928,6 @@
                 <a:ea typeface="DejaVu Sans Mono"/>
               </a:rPr>
               <a:t>&gt;</a:t>
-            </a:r>
-            <a:r>
-              <a:rPr dirty="0"/>
-              <a:t/>
             </a:r>
             <a:br>
               <a:rPr dirty="0"/>
@@ -21520,16 +21109,7 @@
                 </a:solidFill>
                 <a:latin typeface="Arial"/>
               </a:rPr>
-              <a:t> </a:t>
-            </a:r>
-            <a:r>
-              <a:rPr lang="de-DE" sz="1600" b="0" strike="noStrike" spc="-1" dirty="0" smtClean="0">
-                <a:solidFill>
-                  <a:srgbClr val="000000"/>
-                </a:solidFill>
-                <a:latin typeface="Arial"/>
-              </a:rPr>
-              <a:t>8</a:t>
+              <a:t> 8</a:t>
             </a:r>
           </a:p>
           <a:p>
@@ -21547,7 +21127,7 @@
               <a:buChar char="•"/>
             </a:pPr>
             <a:r>
-              <a:rPr lang="de-DE" sz="1600" b="1" spc="-1" dirty="0" smtClean="0">
+              <a:rPr lang="de-DE" sz="1600" b="1" spc="-1" dirty="0">
                 <a:solidFill>
                   <a:srgbClr val="000000"/>
                 </a:solidFill>
@@ -21556,7 +21136,7 @@
               <a:t>2020</a:t>
             </a:r>
             <a:r>
-              <a:rPr lang="de-DE" sz="1600" spc="-1" dirty="0" smtClean="0">
+              <a:rPr lang="de-DE" sz="1600" spc="-1" dirty="0">
                 <a:solidFill>
                   <a:srgbClr val="000000"/>
                 </a:solidFill>
@@ -21565,7 +21145,7 @@
               <a:t>: </a:t>
             </a:r>
             <a:r>
-              <a:rPr lang="de-DE" sz="1600" spc="-1" dirty="0" err="1" smtClean="0">
+              <a:rPr lang="de-DE" sz="1600" spc="-1" dirty="0" err="1">
                 <a:solidFill>
                   <a:srgbClr val="000000"/>
                 </a:solidFill>
@@ -21574,7 +21154,7 @@
               <a:t>Wicket</a:t>
             </a:r>
             <a:r>
-              <a:rPr lang="de-DE" sz="1600" spc="-1" dirty="0" smtClean="0">
+              <a:rPr lang="de-DE" sz="1600" spc="-1" dirty="0">
                 <a:solidFill>
                   <a:srgbClr val="000000"/>
                 </a:solidFill>
@@ -21582,14 +21162,6 @@
               </a:rPr>
               <a:t> 9</a:t>
             </a:r>
-            <a:endParaRPr lang="de-DE" sz="1600" b="0" strike="noStrike" spc="-1" dirty="0">
-              <a:solidFill>
-                <a:srgbClr val="000000"/>
-              </a:solidFill>
-              <a:latin typeface="Arial"/>
-            </a:endParaRPr>
-          </a:p>
-          <a:p>
             <a:endParaRPr lang="de-DE" sz="1600" b="0" strike="noStrike" spc="-1" dirty="0">
               <a:solidFill>
                 <a:srgbClr val="000000"/>
@@ -21618,23 +21190,8 @@
                 </a:solidFill>
                 <a:latin typeface="Arial"/>
               </a:rPr>
-              <a:t>Aktuell</a:t>
-            </a:r>
-            <a:r>
-              <a:rPr lang="de-DE" sz="2000" b="0" strike="noStrike" spc="-1" dirty="0" smtClean="0">
-                <a:solidFill>
-                  <a:srgbClr val="000000"/>
-                </a:solidFill>
-                <a:latin typeface="Arial"/>
-              </a:rPr>
-              <a:t>:</a:t>
-            </a:r>
-            <a:endParaRPr lang="de-DE" sz="2000" b="0" strike="noStrike" spc="-1" dirty="0">
-              <a:solidFill>
-                <a:srgbClr val="000000"/>
-              </a:solidFill>
-              <a:latin typeface="Arial"/>
-            </a:endParaRPr>
+              <a:t>Aktuell:</a:t>
+            </a:r>
           </a:p>
           <a:p>
             <a:pPr marL="743310" lvl="1" indent="-285750">
@@ -21651,7 +21208,7 @@
               <a:buChar char="•"/>
             </a:pPr>
             <a:r>
-              <a:rPr lang="de-DE" sz="1600" b="0" strike="noStrike" spc="-1" dirty="0" err="1" smtClean="0">
+              <a:rPr lang="de-DE" sz="1600" b="0" strike="noStrike" spc="-1" dirty="0" err="1">
                 <a:solidFill>
                   <a:srgbClr val="000000"/>
                 </a:solidFill>
@@ -21660,16 +21217,16 @@
               <a:t>Wicket</a:t>
             </a:r>
             <a:r>
-              <a:rPr lang="de-DE" sz="1600" b="0" strike="noStrike" spc="-1" dirty="0" smtClean="0">
-                <a:solidFill>
-                  <a:srgbClr val="000000"/>
-                </a:solidFill>
-                <a:latin typeface="Arial"/>
-              </a:rPr>
-              <a:t> 9.x		9.3.0		</a:t>
-            </a:r>
-            <a:r>
-              <a:rPr lang="de-DE" sz="1600" b="0" strike="noStrike" spc="-1" dirty="0" err="1" smtClean="0">
+              <a:rPr lang="de-DE" sz="1600" b="0" strike="noStrike" spc="-1" dirty="0">
+                <a:solidFill>
+                  <a:srgbClr val="000000"/>
+                </a:solidFill>
+                <a:latin typeface="Arial"/>
+              </a:rPr>
+              <a:t> 9.x		9.12.0		</a:t>
+            </a:r>
+            <a:r>
+              <a:rPr lang="de-DE" sz="1600" b="0" strike="noStrike" spc="-1" dirty="0" err="1">
                 <a:solidFill>
                   <a:srgbClr val="000000"/>
                 </a:solidFill>
@@ -21678,7 +21235,7 @@
               <a:t>current</a:t>
             </a:r>
             <a:r>
-              <a:rPr lang="de-DE" sz="1600" b="0" strike="noStrike" spc="-1" dirty="0" smtClean="0">
+              <a:rPr lang="de-DE" sz="1600" b="0" strike="noStrike" spc="-1" dirty="0">
                 <a:solidFill>
                   <a:srgbClr val="000000"/>
                 </a:solidFill>
@@ -21687,7 +21244,7 @@
               <a:t>, </a:t>
             </a:r>
             <a:r>
-              <a:rPr lang="de-DE" sz="1600" b="0" strike="noStrike" spc="-1" dirty="0" err="1" smtClean="0">
+              <a:rPr lang="de-DE" sz="1600" b="0" strike="noStrike" spc="-1" dirty="0" err="1">
                 <a:solidFill>
                   <a:srgbClr val="000000"/>
                 </a:solidFill>
@@ -21695,7 +21252,7 @@
               </a:rPr>
               <a:t>supported</a:t>
             </a:r>
-            <a:endParaRPr lang="de-DE" sz="1600" b="0" strike="noStrike" spc="-1" dirty="0" smtClean="0">
+            <a:endParaRPr lang="de-DE" sz="1600" b="0" strike="noStrike" spc="-1" dirty="0">
               <a:solidFill>
                 <a:srgbClr val="000000"/>
               </a:solidFill>
@@ -21717,7 +21274,7 @@
               <a:buChar char="•"/>
             </a:pPr>
             <a:r>
-              <a:rPr lang="de-DE" sz="1600" b="0" strike="noStrike" spc="-1" dirty="0" err="1" smtClean="0">
+              <a:rPr lang="de-DE" sz="1600" b="0" strike="noStrike" spc="-1" dirty="0" err="1">
                 <a:solidFill>
                   <a:srgbClr val="000000"/>
                 </a:solidFill>
@@ -21726,43 +21283,16 @@
               <a:t>Wicket</a:t>
             </a:r>
             <a:r>
-              <a:rPr lang="de-DE" sz="1600" b="0" strike="noStrike" spc="-1" dirty="0" smtClean="0">
-                <a:solidFill>
-                  <a:srgbClr val="000000"/>
-                </a:solidFill>
-                <a:latin typeface="Arial"/>
-              </a:rPr>
-              <a:t> </a:t>
-            </a:r>
-            <a:r>
               <a:rPr lang="de-DE" sz="1600" b="0" strike="noStrike" spc="-1" dirty="0">
                 <a:solidFill>
                   <a:srgbClr val="000000"/>
                 </a:solidFill>
                 <a:latin typeface="Arial"/>
               </a:rPr>
-              <a:t>8.x		</a:t>
-            </a:r>
-            <a:r>
-              <a:rPr lang="de-DE" sz="1600" b="0" strike="noStrike" spc="-1" dirty="0" smtClean="0">
-                <a:solidFill>
-                  <a:srgbClr val="000000"/>
-                </a:solidFill>
-                <a:latin typeface="Arial"/>
-              </a:rPr>
-              <a:t>8.12.0</a:t>
-            </a:r>
-            <a:r>
-              <a:rPr lang="de-DE" sz="1600" b="0" strike="noStrike" spc="-1" dirty="0">
-                <a:solidFill>
-                  <a:srgbClr val="000000"/>
-                </a:solidFill>
-                <a:latin typeface="Arial"/>
-              </a:rPr>
-              <a:t>		</a:t>
-            </a:r>
-            <a:r>
-              <a:rPr lang="de-DE" sz="1600" b="0" strike="noStrike" spc="-1" dirty="0" err="1" smtClean="0">
+              <a:t> 8.x		8.14.0		</a:t>
+            </a:r>
+            <a:r>
+              <a:rPr lang="de-DE" sz="1600" b="0" strike="noStrike" spc="-1" dirty="0" err="1">
                 <a:solidFill>
                   <a:srgbClr val="000000"/>
                 </a:solidFill>
@@ -21807,26 +21337,93 @@
                 </a:solidFill>
                 <a:latin typeface="Arial"/>
               </a:rPr>
-              <a:t> 7.x		</a:t>
-            </a:r>
-            <a:r>
-              <a:rPr lang="de-DE" sz="1600" b="0" strike="noStrike" spc="-1" dirty="0" smtClean="0">
-                <a:solidFill>
-                  <a:srgbClr val="000000"/>
-                </a:solidFill>
-                <a:latin typeface="Arial"/>
-              </a:rPr>
-              <a:t>7.18.0</a:t>
-            </a:r>
+              <a:t> 7.x		7.18.0		</a:t>
+            </a:r>
+            <a:r>
+              <a:rPr lang="en-US" sz="1600" b="0" strike="noStrike" spc="-1" dirty="0">
+                <a:solidFill>
+                  <a:srgbClr val="000000"/>
+                </a:solidFill>
+                <a:latin typeface="Arial"/>
+              </a:rPr>
+              <a:t>security fixes only, upgrade to 8.x or 9.x</a:t>
+            </a:r>
+          </a:p>
+          <a:p>
+            <a:pPr marL="743310" lvl="1" indent="-285750">
+              <a:lnSpc>
+                <a:spcPct val="100000"/>
+              </a:lnSpc>
+              <a:spcBef>
+                <a:spcPts val="320"/>
+              </a:spcBef>
+              <a:buClr>
+                <a:srgbClr val="008C5A"/>
+              </a:buClr>
+              <a:buFont typeface="Arial" panose="020B0604020202020204" pitchFamily="34" charset="0"/>
+              <a:buChar char="•"/>
+            </a:pPr>
+            <a:r>
+              <a:rPr lang="en-US" sz="1600" spc="-1" dirty="0">
+                <a:solidFill>
+                  <a:srgbClr val="000000"/>
+                </a:solidFill>
+                <a:latin typeface="Arial"/>
+              </a:rPr>
+              <a:t>Wicket 6.x		6.30.0		discontinued, no longer maintained and 						will no longer receive any updates</a:t>
+            </a:r>
+          </a:p>
+          <a:p>
+            <a:pPr marL="743310" lvl="1" indent="-285750">
+              <a:lnSpc>
+                <a:spcPct val="100000"/>
+              </a:lnSpc>
+              <a:spcBef>
+                <a:spcPts val="320"/>
+              </a:spcBef>
+              <a:buClr>
+                <a:srgbClr val="008C5A"/>
+              </a:buClr>
+              <a:buFont typeface="Arial" panose="020B0604020202020204" pitchFamily="34" charset="0"/>
+              <a:buChar char="•"/>
+            </a:pPr>
             <a:r>
               <a:rPr lang="de-DE" sz="1600" b="0" strike="noStrike" spc="-1" dirty="0">
                 <a:solidFill>
                   <a:srgbClr val="000000"/>
                 </a:solidFill>
                 <a:latin typeface="Arial"/>
-              </a:rPr>
-              <a:t>		supported</a:t>
-            </a:r>
+                <a:hlinkClick r:id="rId2"/>
+              </a:rPr>
+              <a:t>https://wicket.apache.org/start/wicket-9.x.html#migrate</a:t>
+            </a:r>
+            <a:endParaRPr lang="de-DE" sz="1600" b="0" strike="noStrike" spc="-1" dirty="0">
+              <a:solidFill>
+                <a:srgbClr val="000000"/>
+              </a:solidFill>
+              <a:latin typeface="Arial"/>
+            </a:endParaRPr>
+          </a:p>
+          <a:p>
+            <a:pPr marL="743310" lvl="1" indent="-285750">
+              <a:lnSpc>
+                <a:spcPct val="100000"/>
+              </a:lnSpc>
+              <a:spcBef>
+                <a:spcPts val="320"/>
+              </a:spcBef>
+              <a:buClr>
+                <a:srgbClr val="008C5A"/>
+              </a:buClr>
+              <a:buFont typeface="Arial" panose="020B0604020202020204" pitchFamily="34" charset="0"/>
+              <a:buChar char="•"/>
+            </a:pPr>
+            <a:endParaRPr lang="de-DE" sz="1600" b="0" strike="noStrike" spc="-1" dirty="0">
+              <a:solidFill>
+                <a:srgbClr val="000000"/>
+              </a:solidFill>
+              <a:latin typeface="Arial"/>
+            </a:endParaRPr>
           </a:p>
           <a:p>
             <a:pPr>
@@ -23158,10 +22755,6 @@
               </a:rPr>
               <a:t>Routing: </a:t>
             </a:r>
-            <a:r>
-              <a:rPr dirty="0"/>
-              <a:t/>
-            </a:r>
             <a:br>
               <a:rPr dirty="0"/>
             </a:br>
@@ -23213,10 +22806,6 @@
               </a:rPr>
               <a:t>HTTP-Request  </a:t>
             </a:r>
-            <a:r>
-              <a:rPr dirty="0"/>
-              <a:t/>
-            </a:r>
             <a:br>
               <a:rPr dirty="0"/>
             </a:br>
@@ -23228,10 +22817,6 @@
                 <a:latin typeface="Arial"/>
               </a:rPr>
               <a:t>→ Action-Methode</a:t>
-            </a:r>
-            <a:r>
-              <a:rPr dirty="0"/>
-              <a:t/>
             </a:r>
             <a:br>
               <a:rPr dirty="0"/>
@@ -23653,10 +23238,6 @@
               </a:rPr>
               <a:t>User Interfaces modellieren</a:t>
             </a:r>
-            <a:r>
-              <a:rPr dirty="0"/>
-              <a:t/>
-            </a:r>
             <a:br>
               <a:rPr dirty="0"/>
             </a:br>
@@ -23846,17 +23427,9 @@
               </a:rPr>
               <a:t> {</a:t>
             </a:r>
-            <a:r>
-              <a:rPr sz="900" dirty="0"/>
-              <a:t/>
-            </a:r>
             <a:br>
               <a:rPr sz="900" dirty="0"/>
             </a:br>
-            <a:r>
-              <a:rPr sz="900" dirty="0"/>
-              <a:t/>
-            </a:r>
             <a:br>
               <a:rPr sz="900" dirty="0"/>
             </a:br>
@@ -23909,10 +23482,6 @@
               </a:rPr>
               <a:t>;</a:t>
             </a:r>
-            <a:r>
-              <a:rPr sz="900" dirty="0"/>
-              <a:t/>
-            </a:r>
             <a:br>
               <a:rPr sz="900" dirty="0"/>
             </a:br>
@@ -23985,17 +23554,9 @@
               </a:rPr>
               <a:t>;</a:t>
             </a:r>
-            <a:r>
-              <a:rPr sz="900" dirty="0"/>
-              <a:t/>
-            </a:r>
             <a:br>
               <a:rPr sz="900" dirty="0"/>
             </a:br>
-            <a:r>
-              <a:rPr sz="900" dirty="0"/>
-              <a:t/>
-            </a:r>
             <a:br>
               <a:rPr sz="900" dirty="0"/>
             </a:br>
@@ -24038,10 +23599,6 @@
               </a:rPr>
               <a:t>Index(){</a:t>
             </a:r>
-            <a:r>
-              <a:rPr sz="900" dirty="0"/>
-              <a:t/>
-            </a:r>
             <a:br>
               <a:rPr sz="900" dirty="0"/>
             </a:br>
@@ -24125,10 +23682,6 @@
             </a:r>
           </a:p>
           <a:p>
-            <a:r>
-              <a:rPr sz="900" dirty="0"/>
-              <a:t/>
-            </a:r>
             <a:br>
               <a:rPr sz="900" dirty="0"/>
             </a:br>
@@ -24271,17 +23824,9 @@
               </a:rPr>
               <a:t>));</a:t>
             </a:r>
-            <a:r>
-              <a:rPr sz="900" dirty="0"/>
-              <a:t/>
-            </a:r>
             <a:br>
               <a:rPr sz="900" dirty="0"/>
             </a:br>
-            <a:r>
-              <a:rPr sz="900" dirty="0"/>
-              <a:t/>
-            </a:r>
             <a:br>
               <a:rPr sz="900" dirty="0"/>
             </a:br>
@@ -24384,10 +23929,6 @@
               </a:rPr>
               <a:t>){</a:t>
             </a:r>
-            <a:r>
-              <a:rPr sz="900" dirty="0"/>
-              <a:t/>
-            </a:r>
             <a:br>
               <a:rPr sz="900" dirty="0"/>
             </a:br>
@@ -24420,10 +23961,6 @@
               </a:rPr>
               <a:t>Override</a:t>
             </a:r>
-            <a:r>
-              <a:rPr sz="900" dirty="0"/>
-              <a:t/>
-            </a:r>
             <a:br>
               <a:rPr sz="900" dirty="0"/>
             </a:br>
@@ -24496,10 +24033,6 @@
               </a:rPr>
               <a:t>() {</a:t>
             </a:r>
-            <a:r>
-              <a:rPr sz="900" dirty="0"/>
-              <a:t/>
-            </a:r>
             <a:br>
               <a:rPr sz="900" dirty="0"/>
             </a:br>
@@ -24594,10 +24127,6 @@
               </a:rPr>
               <a:t>);</a:t>
             </a:r>
-            <a:r>
-              <a:rPr sz="900" dirty="0"/>
-              <a:t/>
-            </a:r>
             <a:br>
               <a:rPr sz="900" dirty="0"/>
             </a:br>
@@ -24620,10 +24149,6 @@
               </a:rPr>
               <a:t>}</a:t>
             </a:r>
-            <a:r>
-              <a:rPr sz="900" dirty="0"/>
-              <a:t/>
-            </a:r>
             <a:br>
               <a:rPr sz="900" dirty="0"/>
             </a:br>
@@ -24646,17 +24171,9 @@
               </a:rPr>
               <a:t>};</a:t>
             </a:r>
-            <a:r>
-              <a:rPr sz="900" dirty="0"/>
-              <a:t/>
-            </a:r>
             <a:br>
               <a:rPr sz="900" dirty="0"/>
             </a:br>
-            <a:r>
-              <a:rPr sz="900" dirty="0"/>
-              <a:t/>
-            </a:r>
             <a:br>
               <a:rPr sz="900" dirty="0"/>
             </a:br>
@@ -24709,10 +24226,6 @@
               </a:rPr>
               <a:t>);</a:t>
             </a:r>
-            <a:r>
-              <a:rPr sz="900" dirty="0"/>
-              <a:t/>
-            </a:r>
             <a:br>
               <a:rPr sz="900" dirty="0"/>
             </a:br>
@@ -24765,10 +24278,6 @@
               </a:rPr>
               <a:t>);</a:t>
             </a:r>
-            <a:r>
-              <a:rPr sz="900" dirty="0"/>
-              <a:t/>
-            </a:r>
             <a:br>
               <a:rPr sz="900" dirty="0"/>
             </a:br>
@@ -24790,10 +24299,6 @@
                 <a:ea typeface="DejaVu Sans Mono"/>
               </a:rPr>
               <a:t>}</a:t>
-            </a:r>
-            <a:r>
-              <a:rPr sz="900" dirty="0"/>
-              <a:t/>
             </a:r>
             <a:br>
               <a:rPr sz="900" dirty="0"/>

--- a/slides/Tag-1_2-Motivation_Hello_Wicket.pptx
+++ b/slides/Tag-1_2-Motivation_Hello_Wicket.pptx
@@ -7303,29 +7303,6 @@
           </a:ln>
         </p:spPr>
       </p:pic>
-      <p:pic>
-        <p:nvPicPr>
-          <p:cNvPr id="113" name="Grafik 13"/>
-          <p:cNvPicPr/>
-          <p:nvPr/>
-        </p:nvPicPr>
-        <p:blipFill>
-          <a:blip r:embed="rId16"/>
-          <a:stretch/>
-        </p:blipFill>
-        <p:spPr>
-          <a:xfrm>
-            <a:off x="6805800" y="572040"/>
-            <a:ext cx="1785600" cy="384840"/>
-          </a:xfrm>
-          <a:prstGeom prst="rect">
-            <a:avLst/>
-          </a:prstGeom>
-          <a:ln>
-            <a:noFill/>
-          </a:ln>
-        </p:spPr>
-      </p:pic>
       <p:sp>
         <p:nvSpPr>
           <p:cNvPr id="114" name="CustomShape 9"/>
@@ -14470,7 +14447,13 @@
       </p:sp>
       <p:pic>
         <p:nvPicPr>
-          <p:cNvPr id="4" name="Grafik 3"/>
+          <p:cNvPr id="6" name="Grafik 5">
+            <a:extLst>
+              <a:ext uri="{FF2B5EF4-FFF2-40B4-BE49-F238E27FC236}">
+                <a16:creationId xmlns:a16="http://schemas.microsoft.com/office/drawing/2014/main" id="{7BC8C4F2-2977-4968-6F74-1113F24B2089}"/>
+              </a:ext>
+            </a:extLst>
+          </p:cNvPr>
           <p:cNvPicPr>
             <a:picLocks noChangeAspect="1"/>
           </p:cNvPicPr>
@@ -14484,8 +14467,8 @@
         </p:blipFill>
         <p:spPr>
           <a:xfrm>
-            <a:off x="995115" y="1277509"/>
-            <a:ext cx="6801322" cy="4725725"/>
+            <a:off x="939993" y="1053066"/>
+            <a:ext cx="7264014" cy="5170117"/>
           </a:xfrm>
           <a:prstGeom prst="rect">
             <a:avLst/>

--- a/slides/Tag-1_2-Motivation_Hello_Wicket.pptx
+++ b/slides/Tag-1_2-Motivation_Hello_Wicket.pptx
@@ -4765,7 +4765,7 @@
                 </a:solidFill>
                 <a:latin typeface="Arial"/>
               </a:rPr>
-              <a:t>10.02.2023</a:t>
+              <a:t>12.02.2023</a:t>
             </a:fld>
             <a:endParaRPr lang="de-DE" sz="1000" b="0" strike="noStrike" spc="-1">
               <a:latin typeface="Arial"/>
@@ -5814,7 +5814,7 @@
                 </a:solidFill>
                 <a:latin typeface="Arial"/>
               </a:rPr>
-              <a:t>10.02.2023</a:t>
+              <a:t>12.02.2023</a:t>
             </a:fld>
             <a:endParaRPr lang="de-DE" sz="1000" b="0" strike="noStrike" spc="-1">
               <a:latin typeface="Arial"/>
@@ -6964,7 +6964,7 @@
                 </a:solidFill>
                 <a:latin typeface="Arial"/>
               </a:rPr>
-              <a:t>10.02.2023</a:t>
+              <a:t>12.02.2023</a:t>
             </a:fld>
             <a:endParaRPr lang="de-DE" sz="1000" b="0" strike="noStrike" spc="-1">
               <a:latin typeface="Arial"/>
@@ -12775,7 +12775,7 @@
                 <a:latin typeface="Consolas" panose="020B0609020204030204" pitchFamily="49" charset="0"/>
                 <a:cs typeface="Consolas" panose="020B0609020204030204" pitchFamily="49" charset="0"/>
               </a:rPr>
-              <a:t>net.gfu.hellowicket.WicketApplication</a:t>
+              <a:t>nrw.it.hellowicket.WicketApplication</a:t>
             </a:r>
             <a:r>
               <a:rPr lang="de-DE" altLang="de-DE" sz="1400" dirty="0">
@@ -13168,17 +13168,7 @@
                 <a:latin typeface="Consolas" panose="020B0609020204030204" pitchFamily="49" charset="0"/>
                 <a:cs typeface="Consolas" panose="020B0609020204030204" pitchFamily="49" charset="0"/>
               </a:rPr>
-              <a:t>web-</a:t>
-            </a:r>
-            <a:r>
-              <a:rPr lang="de-DE" altLang="de-DE" sz="1400" b="1" dirty="0" err="1">
-                <a:solidFill>
-                  <a:srgbClr val="000080"/>
-                </a:solidFill>
-                <a:latin typeface="Consolas" panose="020B0609020204030204" pitchFamily="49" charset="0"/>
-                <a:cs typeface="Consolas" panose="020B0609020204030204" pitchFamily="49" charset="0"/>
-              </a:rPr>
-              <a:t>app</a:t>
+              <a:t>web-app</a:t>
             </a:r>
             <a:r>
               <a:rPr lang="de-DE" altLang="de-DE" sz="1400" dirty="0">
